--- a/Diaporama/Diaporama.pptx
+++ b/Diaporama/Diaporama.pptx
@@ -15,10 +15,14 @@
     <p:sldId id="265" r:id="rId9"/>
     <p:sldId id="264" r:id="rId10"/>
     <p:sldId id="267" r:id="rId11"/>
-    <p:sldId id="269" r:id="rId12"/>
-    <p:sldId id="270" r:id="rId13"/>
-    <p:sldId id="271" r:id="rId14"/>
-    <p:sldId id="266" r:id="rId15"/>
+    <p:sldId id="273" r:id="rId12"/>
+    <p:sldId id="269" r:id="rId13"/>
+    <p:sldId id="272" r:id="rId14"/>
+    <p:sldId id="274" r:id="rId15"/>
+    <p:sldId id="270" r:id="rId16"/>
+    <p:sldId id="271" r:id="rId17"/>
+    <p:sldId id="266" r:id="rId18"/>
+    <p:sldId id="275" r:id="rId19"/>
   </p:sldIdLst>
   <p:sldSz cx="12192000" cy="6858000"/>
   <p:notesSz cx="6858000" cy="9144000"/>
@@ -4203,36 +4207,6 @@
           </a:p>
         </p:txBody>
       </p:sp>
-      <p:sp>
-        <p:nvSpPr>
-          <p:cNvPr id="16" name="ZoneTexte 15"/>
-          <p:cNvSpPr txBox="1"/>
-          <p:nvPr/>
-        </p:nvSpPr>
-        <p:spPr>
-          <a:xfrm>
-            <a:off x="1371600" y="1907240"/>
-            <a:ext cx="915122" cy="369332"/>
-          </a:xfrm>
-          <a:prstGeom prst="rect">
-            <a:avLst/>
-          </a:prstGeom>
-          <a:noFill/>
-        </p:spPr>
-        <p:txBody>
-          <a:bodyPr wrap="none" rtlCol="0">
-            <a:spAutoFit/>
-          </a:bodyPr>
-          <a:lstStyle/>
-          <a:p>
-            <a:r>
-              <a:rPr lang="fr-FR" i="1" smtClean="0"/>
-              <a:t>Stocker</a:t>
-            </a:r>
-            <a:endParaRPr lang="fr-FR" i="1"/>
-          </a:p>
-        </p:txBody>
-      </p:sp>
       <p:pic>
         <p:nvPicPr>
           <p:cNvPr id="2" name="Image 1"/>
@@ -4255,18 +4229,48 @@
         </p:blipFill>
         <p:spPr>
           <a:xfrm>
-            <a:off x="4819290" y="881620"/>
-            <a:ext cx="6886755" cy="5346651"/>
+            <a:off x="5238235" y="685800"/>
+            <a:ext cx="6536822" cy="5872926"/>
           </a:xfrm>
           <a:prstGeom prst="rect">
             <a:avLst/>
           </a:prstGeom>
         </p:spPr>
       </p:pic>
+      <p:sp>
+        <p:nvSpPr>
+          <p:cNvPr id="9" name="ZoneTexte 8"/>
+          <p:cNvSpPr txBox="1"/>
+          <p:nvPr/>
+        </p:nvSpPr>
+        <p:spPr>
+          <a:xfrm>
+            <a:off x="5238235" y="316468"/>
+            <a:ext cx="1751954" cy="369332"/>
+          </a:xfrm>
+          <a:prstGeom prst="rect">
+            <a:avLst/>
+          </a:prstGeom>
+          <a:noFill/>
+        </p:spPr>
+        <p:txBody>
+          <a:bodyPr wrap="none" rtlCol="0">
+            <a:spAutoFit/>
+          </a:bodyPr>
+          <a:lstStyle/>
+          <a:p>
+            <a:r>
+              <a:rPr lang="fr-FR" i="1" smtClean="0"/>
+              <a:t>Clic sur un objet</a:t>
+            </a:r>
+            <a:endParaRPr lang="fr-FR" i="1"/>
+          </a:p>
+        </p:txBody>
+      </p:sp>
     </p:spTree>
     <p:extLst>
       <p:ext uri="{BB962C8B-B14F-4D97-AF65-F5344CB8AC3E}">
-        <p14:creationId xmlns:p14="http://schemas.microsoft.com/office/powerpoint/2010/main" val="1474438185"/>
+        <p14:creationId xmlns:p14="http://schemas.microsoft.com/office/powerpoint/2010/main" val="1142163466"/>
       </p:ext>
     </p:extLst>
   </p:cSld>
@@ -4386,7 +4390,7 @@
         <p:spPr>
           <a:xfrm>
             <a:off x="1371600" y="1907240"/>
-            <a:ext cx="1205779" cy="369332"/>
+            <a:ext cx="915122" cy="369332"/>
           </a:xfrm>
           <a:prstGeom prst="rect">
             <a:avLst/>
@@ -4401,7 +4405,7 @@
           <a:p>
             <a:r>
               <a:rPr lang="fr-FR" i="1" smtClean="0"/>
-              <a:t>Récupérer</a:t>
+              <a:t>Stocker</a:t>
             </a:r>
             <a:endParaRPr lang="fr-FR" i="1"/>
           </a:p>
@@ -4409,7 +4413,7 @@
       </p:sp>
       <p:pic>
         <p:nvPicPr>
-          <p:cNvPr id="5" name="Image 4"/>
+          <p:cNvPr id="2" name="Image 1"/>
           <p:cNvPicPr>
             <a:picLocks noChangeAspect="1"/>
           </p:cNvPicPr>
@@ -4430,7 +4434,7 @@
         <p:spPr>
           <a:xfrm>
             <a:off x="4819290" y="881620"/>
-            <a:ext cx="6888132" cy="5347719"/>
+            <a:ext cx="6886755" cy="5346651"/>
           </a:xfrm>
           <a:prstGeom prst="rect">
             <a:avLst/>
@@ -4440,7 +4444,7 @@
     </p:spTree>
     <p:extLst>
       <p:ext uri="{BB962C8B-B14F-4D97-AF65-F5344CB8AC3E}">
-        <p14:creationId xmlns:p14="http://schemas.microsoft.com/office/powerpoint/2010/main" val="4282145214"/>
+        <p14:creationId xmlns:p14="http://schemas.microsoft.com/office/powerpoint/2010/main" val="1474438185"/>
       </p:ext>
     </p:extLst>
   </p:cSld>
@@ -4560,6 +4564,558 @@
         <p:spPr>
           <a:xfrm>
             <a:off x="1371600" y="1907240"/>
+            <a:ext cx="915122" cy="369332"/>
+          </a:xfrm>
+          <a:prstGeom prst="rect">
+            <a:avLst/>
+          </a:prstGeom>
+          <a:noFill/>
+        </p:spPr>
+        <p:txBody>
+          <a:bodyPr wrap="none" rtlCol="0">
+            <a:spAutoFit/>
+          </a:bodyPr>
+          <a:lstStyle/>
+          <a:p>
+            <a:r>
+              <a:rPr lang="fr-FR" i="1" smtClean="0"/>
+              <a:t>Stocker</a:t>
+            </a:r>
+            <a:endParaRPr lang="fr-FR" i="1"/>
+          </a:p>
+        </p:txBody>
+      </p:sp>
+      <p:pic>
+        <p:nvPicPr>
+          <p:cNvPr id="3" name="Image 2"/>
+          <p:cNvPicPr>
+            <a:picLocks noChangeAspect="1"/>
+          </p:cNvPicPr>
+          <p:nvPr/>
+        </p:nvPicPr>
+        <p:blipFill>
+          <a:blip r:embed="rId2">
+            <a:extLst>
+              <a:ext uri="{28A0092B-C50C-407E-A947-70E740481C1C}">
+                <a14:useLocalDpi xmlns:a14="http://schemas.microsoft.com/office/drawing/2010/main" val="0"/>
+              </a:ext>
+            </a:extLst>
+          </a:blip>
+          <a:stretch>
+            <a:fillRect/>
+          </a:stretch>
+        </p:blipFill>
+        <p:spPr>
+          <a:xfrm>
+            <a:off x="4741653" y="987176"/>
+            <a:ext cx="6973019" cy="5413623"/>
+          </a:xfrm>
+          <a:prstGeom prst="rect">
+            <a:avLst/>
+          </a:prstGeom>
+        </p:spPr>
+      </p:pic>
+      <p:sp>
+        <p:nvSpPr>
+          <p:cNvPr id="9" name="ZoneTexte 8"/>
+          <p:cNvSpPr txBox="1"/>
+          <p:nvPr/>
+        </p:nvSpPr>
+        <p:spPr>
+          <a:xfrm>
+            <a:off x="4741653" y="617844"/>
+            <a:ext cx="2121222" cy="369332"/>
+          </a:xfrm>
+          <a:prstGeom prst="rect">
+            <a:avLst/>
+          </a:prstGeom>
+          <a:noFill/>
+        </p:spPr>
+        <p:txBody>
+          <a:bodyPr wrap="none" rtlCol="0">
+            <a:spAutoFit/>
+          </a:bodyPr>
+          <a:lstStyle/>
+          <a:p>
+            <a:r>
+              <a:rPr lang="fr-FR" i="1" smtClean="0"/>
+              <a:t>Ajouter nouvel objet</a:t>
+            </a:r>
+            <a:endParaRPr lang="fr-FR" i="1"/>
+          </a:p>
+        </p:txBody>
+      </p:sp>
+    </p:spTree>
+    <p:extLst>
+      <p:ext uri="{BB962C8B-B14F-4D97-AF65-F5344CB8AC3E}">
+        <p14:creationId xmlns:p14="http://schemas.microsoft.com/office/powerpoint/2010/main" val="992101409"/>
+      </p:ext>
+    </p:extLst>
+  </p:cSld>
+  <p:clrMapOvr>
+    <a:masterClrMapping/>
+  </p:clrMapOvr>
+  <p:timing>
+    <p:tnLst>
+      <p:par>
+        <p:cTn id="1" dur="indefinite" restart="never" nodeType="tmRoot"/>
+      </p:par>
+    </p:tnLst>
+  </p:timing>
+</p:sld>
+</file>
+
+<file path=ppt/slides/slide14.xml><?xml version="1.0" encoding="utf-8"?>
+<p:sld xmlns:a="http://schemas.openxmlformats.org/drawingml/2006/main" xmlns:r="http://schemas.openxmlformats.org/officeDocument/2006/relationships" xmlns:p="http://schemas.openxmlformats.org/presentationml/2006/main">
+  <p:cSld>
+    <p:spTree>
+      <p:nvGrpSpPr>
+        <p:cNvPr id="1" name=""/>
+        <p:cNvGrpSpPr/>
+        <p:nvPr/>
+      </p:nvGrpSpPr>
+      <p:grpSpPr>
+        <a:xfrm>
+          <a:off x="0" y="0"/>
+          <a:ext cx="0" cy="0"/>
+          <a:chOff x="0" y="0"/>
+          <a:chExt cx="0" cy="0"/>
+        </a:xfrm>
+      </p:grpSpPr>
+      <p:sp>
+        <p:nvSpPr>
+          <p:cNvPr id="7" name="Titre 1"/>
+          <p:cNvSpPr>
+            <a:spLocks noGrp="1"/>
+          </p:cNvSpPr>
+          <p:nvPr>
+            <p:ph type="title"/>
+          </p:nvPr>
+        </p:nvSpPr>
+        <p:spPr>
+          <a:xfrm>
+            <a:off x="1371600" y="685800"/>
+            <a:ext cx="9601200" cy="703053"/>
+          </a:xfrm>
+        </p:spPr>
+        <p:txBody>
+          <a:bodyPr/>
+          <a:lstStyle/>
+          <a:p>
+            <a:r>
+              <a:rPr lang="fr-FR" smtClean="0"/>
+              <a:t>Ergonomie</a:t>
+            </a:r>
+            <a:endParaRPr lang="fr-FR"/>
+          </a:p>
+        </p:txBody>
+      </p:sp>
+      <p:sp>
+        <p:nvSpPr>
+          <p:cNvPr id="8" name="Titre 1"/>
+          <p:cNvSpPr txBox="1">
+            <a:spLocks/>
+          </p:cNvSpPr>
+          <p:nvPr/>
+        </p:nvSpPr>
+        <p:spPr>
+          <a:xfrm>
+            <a:off x="1371600" y="1388853"/>
+            <a:ext cx="9601200" cy="473015"/>
+          </a:xfrm>
+          <a:prstGeom prst="rect">
+            <a:avLst/>
+          </a:prstGeom>
+        </p:spPr>
+        <p:txBody>
+          <a:bodyPr vert="horz" lIns="91440" tIns="45720" rIns="91440" bIns="45720" rtlCol="0" anchor="t">
+            <a:normAutofit/>
+          </a:bodyPr>
+          <a:lstStyle>
+            <a:lvl1pPr algn="l" defTabSz="914400" rtl="0" eaLnBrk="1" latinLnBrk="0" hangingPunct="1">
+              <a:lnSpc>
+                <a:spcPct val="89000"/>
+              </a:lnSpc>
+              <a:spcBef>
+                <a:spcPct val="0"/>
+              </a:spcBef>
+              <a:buNone/>
+              <a:defRPr sz="4400" kern="1200" baseline="0">
+                <a:solidFill>
+                  <a:schemeClr val="tx2"/>
+                </a:solidFill>
+                <a:latin typeface="+mj-lt"/>
+                <a:ea typeface="+mj-ea"/>
+                <a:cs typeface="+mj-cs"/>
+              </a:defRPr>
+            </a:lvl1pPr>
+          </a:lstStyle>
+          <a:p>
+            <a:r>
+              <a:rPr lang="fr-FR" sz="2800" smtClean="0"/>
+              <a:t>Pages spécifiques</a:t>
+            </a:r>
+            <a:endParaRPr lang="fr-FR" sz="2800"/>
+          </a:p>
+        </p:txBody>
+      </p:sp>
+      <p:sp>
+        <p:nvSpPr>
+          <p:cNvPr id="9" name="ZoneTexte 8"/>
+          <p:cNvSpPr txBox="1"/>
+          <p:nvPr/>
+        </p:nvSpPr>
+        <p:spPr>
+          <a:xfrm>
+            <a:off x="4940062" y="667994"/>
+            <a:ext cx="2666564" cy="369332"/>
+          </a:xfrm>
+          <a:prstGeom prst="rect">
+            <a:avLst/>
+          </a:prstGeom>
+          <a:noFill/>
+        </p:spPr>
+        <p:txBody>
+          <a:bodyPr wrap="none" rtlCol="0">
+            <a:spAutoFit/>
+          </a:bodyPr>
+          <a:lstStyle/>
+          <a:p>
+            <a:r>
+              <a:rPr lang="fr-FR" i="1" smtClean="0"/>
+              <a:t>Validation de la demande</a:t>
+            </a:r>
+            <a:endParaRPr lang="fr-FR" i="1"/>
+          </a:p>
+        </p:txBody>
+      </p:sp>
+      <p:pic>
+        <p:nvPicPr>
+          <p:cNvPr id="3" name="Image 2"/>
+          <p:cNvPicPr>
+            <a:picLocks noChangeAspect="1"/>
+          </p:cNvPicPr>
+          <p:nvPr/>
+        </p:nvPicPr>
+        <p:blipFill>
+          <a:blip r:embed="rId2">
+            <a:extLst>
+              <a:ext uri="{28A0092B-C50C-407E-A947-70E740481C1C}">
+                <a14:useLocalDpi xmlns:a14="http://schemas.microsoft.com/office/drawing/2010/main" val="0"/>
+              </a:ext>
+            </a:extLst>
+          </a:blip>
+          <a:stretch>
+            <a:fillRect/>
+          </a:stretch>
+        </p:blipFill>
+        <p:spPr>
+          <a:xfrm>
+            <a:off x="4940062" y="1058008"/>
+            <a:ext cx="6696974" cy="5199311"/>
+          </a:xfrm>
+          <a:prstGeom prst="rect">
+            <a:avLst/>
+          </a:prstGeom>
+        </p:spPr>
+      </p:pic>
+    </p:spTree>
+    <p:extLst>
+      <p:ext uri="{BB962C8B-B14F-4D97-AF65-F5344CB8AC3E}">
+        <p14:creationId xmlns:p14="http://schemas.microsoft.com/office/powerpoint/2010/main" val="860626066"/>
+      </p:ext>
+    </p:extLst>
+  </p:cSld>
+  <p:clrMapOvr>
+    <a:masterClrMapping/>
+  </p:clrMapOvr>
+  <p:timing>
+    <p:tnLst>
+      <p:par>
+        <p:cTn id="1" dur="indefinite" restart="never" nodeType="tmRoot"/>
+      </p:par>
+    </p:tnLst>
+  </p:timing>
+</p:sld>
+</file>
+
+<file path=ppt/slides/slide15.xml><?xml version="1.0" encoding="utf-8"?>
+<p:sld xmlns:a="http://schemas.openxmlformats.org/drawingml/2006/main" xmlns:r="http://schemas.openxmlformats.org/officeDocument/2006/relationships" xmlns:p="http://schemas.openxmlformats.org/presentationml/2006/main">
+  <p:cSld>
+    <p:spTree>
+      <p:nvGrpSpPr>
+        <p:cNvPr id="1" name=""/>
+        <p:cNvGrpSpPr/>
+        <p:nvPr/>
+      </p:nvGrpSpPr>
+      <p:grpSpPr>
+        <a:xfrm>
+          <a:off x="0" y="0"/>
+          <a:ext cx="0" cy="0"/>
+          <a:chOff x="0" y="0"/>
+          <a:chExt cx="0" cy="0"/>
+        </a:xfrm>
+      </p:grpSpPr>
+      <p:sp>
+        <p:nvSpPr>
+          <p:cNvPr id="7" name="Titre 1"/>
+          <p:cNvSpPr>
+            <a:spLocks noGrp="1"/>
+          </p:cNvSpPr>
+          <p:nvPr>
+            <p:ph type="title"/>
+          </p:nvPr>
+        </p:nvSpPr>
+        <p:spPr>
+          <a:xfrm>
+            <a:off x="1371600" y="685800"/>
+            <a:ext cx="9601200" cy="703053"/>
+          </a:xfrm>
+        </p:spPr>
+        <p:txBody>
+          <a:bodyPr/>
+          <a:lstStyle/>
+          <a:p>
+            <a:r>
+              <a:rPr lang="fr-FR" smtClean="0"/>
+              <a:t>Ergonomie</a:t>
+            </a:r>
+            <a:endParaRPr lang="fr-FR"/>
+          </a:p>
+        </p:txBody>
+      </p:sp>
+      <p:sp>
+        <p:nvSpPr>
+          <p:cNvPr id="8" name="Titre 1"/>
+          <p:cNvSpPr txBox="1">
+            <a:spLocks/>
+          </p:cNvSpPr>
+          <p:nvPr/>
+        </p:nvSpPr>
+        <p:spPr>
+          <a:xfrm>
+            <a:off x="1371600" y="1388853"/>
+            <a:ext cx="9601200" cy="473015"/>
+          </a:xfrm>
+          <a:prstGeom prst="rect">
+            <a:avLst/>
+          </a:prstGeom>
+        </p:spPr>
+        <p:txBody>
+          <a:bodyPr vert="horz" lIns="91440" tIns="45720" rIns="91440" bIns="45720" rtlCol="0" anchor="t">
+            <a:normAutofit/>
+          </a:bodyPr>
+          <a:lstStyle>
+            <a:lvl1pPr algn="l" defTabSz="914400" rtl="0" eaLnBrk="1" latinLnBrk="0" hangingPunct="1">
+              <a:lnSpc>
+                <a:spcPct val="89000"/>
+              </a:lnSpc>
+              <a:spcBef>
+                <a:spcPct val="0"/>
+              </a:spcBef>
+              <a:buNone/>
+              <a:defRPr sz="4400" kern="1200" baseline="0">
+                <a:solidFill>
+                  <a:schemeClr val="tx2"/>
+                </a:solidFill>
+                <a:latin typeface="+mj-lt"/>
+                <a:ea typeface="+mj-ea"/>
+                <a:cs typeface="+mj-cs"/>
+              </a:defRPr>
+            </a:lvl1pPr>
+          </a:lstStyle>
+          <a:p>
+            <a:r>
+              <a:rPr lang="fr-FR" sz="2800" smtClean="0"/>
+              <a:t>Pages spécifiques</a:t>
+            </a:r>
+            <a:endParaRPr lang="fr-FR" sz="2800"/>
+          </a:p>
+        </p:txBody>
+      </p:sp>
+      <p:sp>
+        <p:nvSpPr>
+          <p:cNvPr id="16" name="ZoneTexte 15"/>
+          <p:cNvSpPr txBox="1"/>
+          <p:nvPr/>
+        </p:nvSpPr>
+        <p:spPr>
+          <a:xfrm>
+            <a:off x="1371600" y="1907240"/>
+            <a:ext cx="1205779" cy="369332"/>
+          </a:xfrm>
+          <a:prstGeom prst="rect">
+            <a:avLst/>
+          </a:prstGeom>
+          <a:noFill/>
+        </p:spPr>
+        <p:txBody>
+          <a:bodyPr wrap="none" rtlCol="0">
+            <a:spAutoFit/>
+          </a:bodyPr>
+          <a:lstStyle/>
+          <a:p>
+            <a:r>
+              <a:rPr lang="fr-FR" i="1" smtClean="0"/>
+              <a:t>Récupérer</a:t>
+            </a:r>
+            <a:endParaRPr lang="fr-FR" i="1"/>
+          </a:p>
+        </p:txBody>
+      </p:sp>
+      <p:pic>
+        <p:nvPicPr>
+          <p:cNvPr id="5" name="Image 4"/>
+          <p:cNvPicPr>
+            <a:picLocks noChangeAspect="1"/>
+          </p:cNvPicPr>
+          <p:nvPr/>
+        </p:nvPicPr>
+        <p:blipFill>
+          <a:blip r:embed="rId2">
+            <a:extLst>
+              <a:ext uri="{28A0092B-C50C-407E-A947-70E740481C1C}">
+                <a14:useLocalDpi xmlns:a14="http://schemas.microsoft.com/office/drawing/2010/main" val="0"/>
+              </a:ext>
+            </a:extLst>
+          </a:blip>
+          <a:stretch>
+            <a:fillRect/>
+          </a:stretch>
+        </p:blipFill>
+        <p:spPr>
+          <a:xfrm>
+            <a:off x="4819290" y="881620"/>
+            <a:ext cx="6888132" cy="5347719"/>
+          </a:xfrm>
+          <a:prstGeom prst="rect">
+            <a:avLst/>
+          </a:prstGeom>
+        </p:spPr>
+      </p:pic>
+    </p:spTree>
+    <p:extLst>
+      <p:ext uri="{BB962C8B-B14F-4D97-AF65-F5344CB8AC3E}">
+        <p14:creationId xmlns:p14="http://schemas.microsoft.com/office/powerpoint/2010/main" val="4282145214"/>
+      </p:ext>
+    </p:extLst>
+  </p:cSld>
+  <p:clrMapOvr>
+    <a:masterClrMapping/>
+  </p:clrMapOvr>
+  <p:timing>
+    <p:tnLst>
+      <p:par>
+        <p:cTn id="1" dur="indefinite" restart="never" nodeType="tmRoot"/>
+      </p:par>
+    </p:tnLst>
+  </p:timing>
+</p:sld>
+</file>
+
+<file path=ppt/slides/slide16.xml><?xml version="1.0" encoding="utf-8"?>
+<p:sld xmlns:a="http://schemas.openxmlformats.org/drawingml/2006/main" xmlns:r="http://schemas.openxmlformats.org/officeDocument/2006/relationships" xmlns:p="http://schemas.openxmlformats.org/presentationml/2006/main">
+  <p:cSld>
+    <p:spTree>
+      <p:nvGrpSpPr>
+        <p:cNvPr id="1" name=""/>
+        <p:cNvGrpSpPr/>
+        <p:nvPr/>
+      </p:nvGrpSpPr>
+      <p:grpSpPr>
+        <a:xfrm>
+          <a:off x="0" y="0"/>
+          <a:ext cx="0" cy="0"/>
+          <a:chOff x="0" y="0"/>
+          <a:chExt cx="0" cy="0"/>
+        </a:xfrm>
+      </p:grpSpPr>
+      <p:sp>
+        <p:nvSpPr>
+          <p:cNvPr id="7" name="Titre 1"/>
+          <p:cNvSpPr>
+            <a:spLocks noGrp="1"/>
+          </p:cNvSpPr>
+          <p:nvPr>
+            <p:ph type="title"/>
+          </p:nvPr>
+        </p:nvSpPr>
+        <p:spPr>
+          <a:xfrm>
+            <a:off x="1371600" y="685800"/>
+            <a:ext cx="9601200" cy="703053"/>
+          </a:xfrm>
+        </p:spPr>
+        <p:txBody>
+          <a:bodyPr/>
+          <a:lstStyle/>
+          <a:p>
+            <a:r>
+              <a:rPr lang="fr-FR" smtClean="0"/>
+              <a:t>Ergonomie</a:t>
+            </a:r>
+            <a:endParaRPr lang="fr-FR"/>
+          </a:p>
+        </p:txBody>
+      </p:sp>
+      <p:sp>
+        <p:nvSpPr>
+          <p:cNvPr id="8" name="Titre 1"/>
+          <p:cNvSpPr txBox="1">
+            <a:spLocks/>
+          </p:cNvSpPr>
+          <p:nvPr/>
+        </p:nvSpPr>
+        <p:spPr>
+          <a:xfrm>
+            <a:off x="1371600" y="1388853"/>
+            <a:ext cx="9601200" cy="473015"/>
+          </a:xfrm>
+          <a:prstGeom prst="rect">
+            <a:avLst/>
+          </a:prstGeom>
+        </p:spPr>
+        <p:txBody>
+          <a:bodyPr vert="horz" lIns="91440" tIns="45720" rIns="91440" bIns="45720" rtlCol="0" anchor="t">
+            <a:normAutofit/>
+          </a:bodyPr>
+          <a:lstStyle>
+            <a:lvl1pPr algn="l" defTabSz="914400" rtl="0" eaLnBrk="1" latinLnBrk="0" hangingPunct="1">
+              <a:lnSpc>
+                <a:spcPct val="89000"/>
+              </a:lnSpc>
+              <a:spcBef>
+                <a:spcPct val="0"/>
+              </a:spcBef>
+              <a:buNone/>
+              <a:defRPr sz="4400" kern="1200" baseline="0">
+                <a:solidFill>
+                  <a:schemeClr val="tx2"/>
+                </a:solidFill>
+                <a:latin typeface="+mj-lt"/>
+                <a:ea typeface="+mj-ea"/>
+                <a:cs typeface="+mj-cs"/>
+              </a:defRPr>
+            </a:lvl1pPr>
+          </a:lstStyle>
+          <a:p>
+            <a:r>
+              <a:rPr lang="fr-FR" sz="2800" smtClean="0"/>
+              <a:t>Pages spécifiques</a:t>
+            </a:r>
+            <a:endParaRPr lang="fr-FR" sz="2800"/>
+          </a:p>
+        </p:txBody>
+      </p:sp>
+      <p:sp>
+        <p:nvSpPr>
+          <p:cNvPr id="16" name="ZoneTexte 15"/>
+          <p:cNvSpPr txBox="1"/>
+          <p:nvPr/>
+        </p:nvSpPr>
+        <p:spPr>
+          <a:xfrm>
+            <a:off x="1371600" y="1907240"/>
             <a:ext cx="775662" cy="369332"/>
           </a:xfrm>
           <a:prstGeom prst="rect">
@@ -4631,7 +5187,7 @@
 </p:sld>
 </file>
 
-<file path=ppt/slides/slide14.xml><?xml version="1.0" encoding="utf-8"?>
+<file path=ppt/slides/slide17.xml><?xml version="1.0" encoding="utf-8"?>
 <p:sld xmlns:a="http://schemas.openxmlformats.org/drawingml/2006/main" xmlns:r="http://schemas.openxmlformats.org/officeDocument/2006/relationships" xmlns:p="http://schemas.openxmlformats.org/presentationml/2006/main">
   <p:cSld>
     <p:spTree>
@@ -4868,6 +5424,149 @@
 </p:sld>
 </file>
 
+<file path=ppt/slides/slide18.xml><?xml version="1.0" encoding="utf-8"?>
+<p:sld xmlns:a="http://schemas.openxmlformats.org/drawingml/2006/main" xmlns:r="http://schemas.openxmlformats.org/officeDocument/2006/relationships" xmlns:p="http://schemas.openxmlformats.org/presentationml/2006/main">
+  <p:cSld>
+    <p:spTree>
+      <p:nvGrpSpPr>
+        <p:cNvPr id="1" name=""/>
+        <p:cNvGrpSpPr/>
+        <p:nvPr/>
+      </p:nvGrpSpPr>
+      <p:grpSpPr>
+        <a:xfrm>
+          <a:off x="0" y="0"/>
+          <a:ext cx="0" cy="0"/>
+          <a:chOff x="0" y="0"/>
+          <a:chExt cx="0" cy="0"/>
+        </a:xfrm>
+      </p:grpSpPr>
+      <p:sp>
+        <p:nvSpPr>
+          <p:cNvPr id="2" name="Titre 1"/>
+          <p:cNvSpPr>
+            <a:spLocks noGrp="1"/>
+          </p:cNvSpPr>
+          <p:nvPr>
+            <p:ph type="ctrTitle"/>
+          </p:nvPr>
+        </p:nvSpPr>
+        <p:spPr/>
+        <p:txBody>
+          <a:bodyPr/>
+          <a:lstStyle/>
+          <a:p>
+            <a:r>
+              <a:rPr lang="fr-FR" smtClean="0"/>
+              <a:t>Merci de votre attention</a:t>
+            </a:r>
+            <a:endParaRPr lang="fr-FR"/>
+          </a:p>
+        </p:txBody>
+      </p:sp>
+      <p:sp>
+        <p:nvSpPr>
+          <p:cNvPr id="3" name="Sous-titre 2"/>
+          <p:cNvSpPr>
+            <a:spLocks noGrp="1"/>
+          </p:cNvSpPr>
+          <p:nvPr>
+            <p:ph type="subTitle" idx="1"/>
+          </p:nvPr>
+        </p:nvSpPr>
+        <p:spPr/>
+        <p:txBody>
+          <a:bodyPr/>
+          <a:lstStyle/>
+          <a:p>
+            <a:r>
+              <a:rPr lang="fr-FR" smtClean="0"/>
+              <a:t>Avez-vous des questions ?</a:t>
+            </a:r>
+            <a:endParaRPr lang="fr-FR"/>
+          </a:p>
+        </p:txBody>
+      </p:sp>
+      <p:pic>
+        <p:nvPicPr>
+          <p:cNvPr id="4" name="Image 3"/>
+          <p:cNvPicPr>
+            <a:picLocks noChangeAspect="1"/>
+          </p:cNvPicPr>
+          <p:nvPr/>
+        </p:nvPicPr>
+        <p:blipFill>
+          <a:blip r:embed="rId2">
+            <a:extLst>
+              <a:ext uri="{28A0092B-C50C-407E-A947-70E740481C1C}">
+                <a14:useLocalDpi xmlns:a14="http://schemas.microsoft.com/office/drawing/2010/main" val="0"/>
+              </a:ext>
+            </a:extLst>
+          </a:blip>
+          <a:stretch>
+            <a:fillRect/>
+          </a:stretch>
+        </p:blipFill>
+        <p:spPr>
+          <a:xfrm>
+            <a:off x="605288" y="5303040"/>
+            <a:ext cx="2362200" cy="1338580"/>
+          </a:xfrm>
+          <a:prstGeom prst="rect">
+            <a:avLst/>
+          </a:prstGeom>
+        </p:spPr>
+      </p:pic>
+      <p:pic>
+        <p:nvPicPr>
+          <p:cNvPr id="5" name="Image 4"/>
+          <p:cNvPicPr>
+            <a:picLocks noChangeAspect="1"/>
+          </p:cNvPicPr>
+          <p:nvPr/>
+        </p:nvPicPr>
+        <p:blipFill>
+          <a:blip r:embed="rId3">
+            <a:extLst>
+              <a:ext uri="{28A0092B-C50C-407E-A947-70E740481C1C}">
+                <a14:useLocalDpi xmlns:a14="http://schemas.microsoft.com/office/drawing/2010/main" val="0"/>
+              </a:ext>
+            </a:extLst>
+          </a:blip>
+          <a:stretch>
+            <a:fillRect/>
+          </a:stretch>
+        </p:blipFill>
+        <p:spPr>
+          <a:xfrm>
+            <a:off x="9627308" y="140593"/>
+            <a:ext cx="1871704" cy="1456246"/>
+          </a:xfrm>
+          <a:prstGeom prst="rect">
+            <a:avLst/>
+          </a:prstGeom>
+        </p:spPr>
+      </p:pic>
+    </p:spTree>
+    <p:extLst>
+      <p:ext uri="{BB962C8B-B14F-4D97-AF65-F5344CB8AC3E}">
+        <p14:creationId xmlns:p14="http://schemas.microsoft.com/office/powerpoint/2010/main" val="538448367"/>
+      </p:ext>
+    </p:extLst>
+  </p:cSld>
+  <p:clrMapOvr>
+    <a:masterClrMapping/>
+  </p:clrMapOvr>
+  <p:timing>
+    <p:tnLst>
+      <p:par>
+        <p:cTn id="1" dur="indefinite" restart="never" nodeType="tmRoot"/>
+      </p:par>
+    </p:tnLst>
+  </p:timing>
+</p:sld>
+</file>
+
 <file path=ppt/slides/slide2.xml><?xml version="1.0" encoding="utf-8"?>
 <p:sld xmlns:a="http://schemas.openxmlformats.org/drawingml/2006/main" xmlns:r="http://schemas.openxmlformats.org/officeDocument/2006/relationships" xmlns:p="http://schemas.openxmlformats.org/presentationml/2006/main">
   <p:cSld>
@@ -4895,11 +5594,20 @@
             <p:ph type="ctrTitle"/>
           </p:nvPr>
         </p:nvSpPr>
-        <p:spPr/>
+        <p:spPr>
+          <a:xfrm>
+            <a:off x="1742600" y="813669"/>
+            <a:ext cx="8361229" cy="2098226"/>
+          </a:xfrm>
+        </p:spPr>
         <p:txBody>
           <a:bodyPr/>
           <a:lstStyle/>
           <a:p>
+            <a:r>
+              <a:rPr lang="fr-FR" smtClean="0"/>
+              <a:t>FLEXIBOX</a:t>
+            </a:r>
             <a:endParaRPr lang="fr-FR"/>
           </a:p>
         </p:txBody>
@@ -4914,11 +5622,20 @@
             <p:ph type="subTitle" idx="1"/>
           </p:nvPr>
         </p:nvSpPr>
-        <p:spPr/>
+        <p:spPr>
+          <a:xfrm>
+            <a:off x="2507378" y="2981494"/>
+            <a:ext cx="6831673" cy="1086237"/>
+          </a:xfrm>
+        </p:spPr>
         <p:txBody>
           <a:bodyPr/>
           <a:lstStyle/>
           <a:p>
+            <a:r>
+              <a:rPr lang="fr-FR" smtClean="0"/>
+              <a:t>Solution de stockage et de partage d’objets</a:t>
+            </a:r>
             <a:endParaRPr lang="fr-FR"/>
           </a:p>
         </p:txBody>
@@ -4975,14 +5692,66 @@
         </p:blipFill>
         <p:spPr>
           <a:xfrm>
-            <a:off x="7686364" y="1274300"/>
-            <a:ext cx="2350068" cy="1828428"/>
+            <a:off x="9627308" y="140593"/>
+            <a:ext cx="1871704" cy="1456246"/>
           </a:xfrm>
           <a:prstGeom prst="rect">
             <a:avLst/>
           </a:prstGeom>
         </p:spPr>
       </p:pic>
+      <p:sp>
+        <p:nvSpPr>
+          <p:cNvPr id="4" name="ZoneTexte 3"/>
+          <p:cNvSpPr txBox="1"/>
+          <p:nvPr/>
+        </p:nvSpPr>
+        <p:spPr>
+          <a:xfrm>
+            <a:off x="4934000" y="3864634"/>
+            <a:ext cx="1978427" cy="1200329"/>
+          </a:xfrm>
+          <a:prstGeom prst="rect">
+            <a:avLst/>
+          </a:prstGeom>
+          <a:noFill/>
+        </p:spPr>
+        <p:txBody>
+          <a:bodyPr wrap="none" rtlCol="0">
+            <a:spAutoFit/>
+          </a:bodyPr>
+          <a:lstStyle/>
+          <a:p>
+            <a:pPr algn="ctr"/>
+            <a:r>
+              <a:rPr lang="fr-FR" i="1" smtClean="0"/>
+              <a:t>ALLEXANDRE Cyril</a:t>
+            </a:r>
+          </a:p>
+          <a:p>
+            <a:pPr algn="ctr"/>
+            <a:r>
+              <a:rPr lang="fr-FR" i="1" smtClean="0"/>
+              <a:t>HENON Emilien</a:t>
+            </a:r>
+          </a:p>
+          <a:p>
+            <a:pPr algn="ctr"/>
+            <a:r>
+              <a:rPr lang="fr-FR" i="1" smtClean="0"/>
+              <a:t>LEGRAND Dylan</a:t>
+            </a:r>
+          </a:p>
+          <a:p>
+            <a:pPr algn="ctr"/>
+            <a:r>
+              <a:rPr lang="fr-FR" i="1" smtClean="0"/>
+              <a:t>SORANO Clément</a:t>
+            </a:r>
+            <a:endParaRPr lang="fr-FR" i="1"/>
+          </a:p>
+        </p:txBody>
+      </p:sp>
     </p:spTree>
     <p:extLst>
       <p:ext uri="{BB962C8B-B14F-4D97-AF65-F5344CB8AC3E}">
@@ -5072,6 +5841,13 @@
   <p:clrMapOvr>
     <a:masterClrMapping/>
   </p:clrMapOvr>
+  <p:timing>
+    <p:tnLst>
+      <p:par>
+        <p:cTn id="1" dur="indefinite" restart="never" nodeType="tmRoot"/>
+      </p:par>
+    </p:tnLst>
+  </p:timing>
 </p:sld>
 </file>
 
@@ -5144,6 +5920,13 @@
   <p:clrMapOvr>
     <a:masterClrMapping/>
   </p:clrMapOvr>
+  <p:timing>
+    <p:tnLst>
+      <p:par>
+        <p:cTn id="1" dur="indefinite" restart="never" nodeType="tmRoot"/>
+      </p:par>
+    </p:tnLst>
+  </p:timing>
 </p:sld>
 </file>
 

--- a/Diaporama/Diaporama.pptx
+++ b/Diaporama/Diaporama.pptx
@@ -7,22 +7,24 @@
   <p:sldIdLst>
     <p:sldId id="257" r:id="rId2"/>
     <p:sldId id="256" r:id="rId3"/>
-    <p:sldId id="258" r:id="rId4"/>
-    <p:sldId id="259" r:id="rId5"/>
-    <p:sldId id="260" r:id="rId6"/>
-    <p:sldId id="262" r:id="rId7"/>
-    <p:sldId id="263" r:id="rId8"/>
-    <p:sldId id="265" r:id="rId9"/>
-    <p:sldId id="264" r:id="rId10"/>
-    <p:sldId id="267" r:id="rId11"/>
-    <p:sldId id="273" r:id="rId12"/>
-    <p:sldId id="269" r:id="rId13"/>
-    <p:sldId id="272" r:id="rId14"/>
-    <p:sldId id="274" r:id="rId15"/>
-    <p:sldId id="270" r:id="rId16"/>
-    <p:sldId id="271" r:id="rId17"/>
-    <p:sldId id="266" r:id="rId18"/>
-    <p:sldId id="275" r:id="rId19"/>
+    <p:sldId id="277" r:id="rId4"/>
+    <p:sldId id="258" r:id="rId5"/>
+    <p:sldId id="276" r:id="rId6"/>
+    <p:sldId id="259" r:id="rId7"/>
+    <p:sldId id="260" r:id="rId8"/>
+    <p:sldId id="262" r:id="rId9"/>
+    <p:sldId id="263" r:id="rId10"/>
+    <p:sldId id="265" r:id="rId11"/>
+    <p:sldId id="264" r:id="rId12"/>
+    <p:sldId id="267" r:id="rId13"/>
+    <p:sldId id="273" r:id="rId14"/>
+    <p:sldId id="269" r:id="rId15"/>
+    <p:sldId id="272" r:id="rId16"/>
+    <p:sldId id="274" r:id="rId17"/>
+    <p:sldId id="270" r:id="rId18"/>
+    <p:sldId id="271" r:id="rId19"/>
+    <p:sldId id="266" r:id="rId20"/>
+    <p:sldId id="275" r:id="rId21"/>
   </p:sldIdLst>
   <p:sldSz cx="12192000" cy="6858000"/>
   <p:notesSz cx="6858000" cy="9144000"/>
@@ -185,7 +187,7 @@
           </a:lstStyle>
           <a:p>
             <a:r>
-              <a:rPr lang="fr-FR" smtClean="0"/>
+              <a:rPr lang="fr-FR"/>
               <a:t>Modifiez le style du titre</a:t>
             </a:r>
             <a:endParaRPr lang="en-US" dirty="0"/>
@@ -261,7 +263,7 @@
           </a:lstStyle>
           <a:p>
             <a:r>
-              <a:rPr lang="fr-FR" smtClean="0"/>
+              <a:rPr lang="fr-FR"/>
               <a:t>Modifiez le style des sous-titres du masque</a:t>
             </a:r>
             <a:endParaRPr lang="en-US" dirty="0"/>
@@ -544,7 +546,7 @@
           <a:lstStyle/>
           <a:p>
             <a:r>
-              <a:rPr lang="fr-FR" smtClean="0"/>
+              <a:rPr lang="fr-FR"/>
               <a:t>Modifiez le style du titre</a:t>
             </a:r>
             <a:endParaRPr lang="en-US" dirty="0"/>
@@ -573,35 +575,35 @@
           <a:p>
             <a:pPr lvl="0"/>
             <a:r>
-              <a:rPr lang="fr-FR" smtClean="0"/>
+              <a:rPr lang="fr-FR"/>
               <a:t>Modifiez les styles du texte du masque</a:t>
             </a:r>
           </a:p>
           <a:p>
             <a:pPr lvl="1"/>
             <a:r>
-              <a:rPr lang="fr-FR" smtClean="0"/>
+              <a:rPr lang="fr-FR"/>
               <a:t>Deuxième niveau</a:t>
             </a:r>
           </a:p>
           <a:p>
             <a:pPr lvl="2"/>
             <a:r>
-              <a:rPr lang="fr-FR" smtClean="0"/>
+              <a:rPr lang="fr-FR"/>
               <a:t>Troisième niveau</a:t>
             </a:r>
           </a:p>
           <a:p>
             <a:pPr lvl="3"/>
             <a:r>
-              <a:rPr lang="fr-FR" smtClean="0"/>
+              <a:rPr lang="fr-FR"/>
               <a:t>Quatrième niveau</a:t>
             </a:r>
           </a:p>
           <a:p>
             <a:pPr lvl="4"/>
             <a:r>
-              <a:rPr lang="fr-FR" smtClean="0"/>
+              <a:rPr lang="fr-FR"/>
               <a:t>Cinquième niveau</a:t>
             </a:r>
             <a:endParaRPr lang="en-US" dirty="0"/>
@@ -719,7 +721,7 @@
           <a:lstStyle/>
           <a:p>
             <a:r>
-              <a:rPr lang="fr-FR" smtClean="0"/>
+              <a:rPr lang="fr-FR"/>
               <a:t>Modifiez le style du titre</a:t>
             </a:r>
             <a:endParaRPr lang="en-US" dirty="0"/>
@@ -748,35 +750,35 @@
           <a:p>
             <a:pPr lvl="0"/>
             <a:r>
-              <a:rPr lang="fr-FR" smtClean="0"/>
+              <a:rPr lang="fr-FR"/>
               <a:t>Modifiez les styles du texte du masque</a:t>
             </a:r>
           </a:p>
           <a:p>
             <a:pPr lvl="1"/>
             <a:r>
-              <a:rPr lang="fr-FR" smtClean="0"/>
+              <a:rPr lang="fr-FR"/>
               <a:t>Deuxième niveau</a:t>
             </a:r>
           </a:p>
           <a:p>
             <a:pPr lvl="2"/>
             <a:r>
-              <a:rPr lang="fr-FR" smtClean="0"/>
+              <a:rPr lang="fr-FR"/>
               <a:t>Troisième niveau</a:t>
             </a:r>
           </a:p>
           <a:p>
             <a:pPr lvl="3"/>
             <a:r>
-              <a:rPr lang="fr-FR" smtClean="0"/>
+              <a:rPr lang="fr-FR"/>
               <a:t>Quatrième niveau</a:t>
             </a:r>
           </a:p>
           <a:p>
             <a:pPr lvl="4"/>
             <a:r>
-              <a:rPr lang="fr-FR" smtClean="0"/>
+              <a:rPr lang="fr-FR"/>
               <a:t>Cinquième niveau</a:t>
             </a:r>
             <a:endParaRPr lang="en-US" dirty="0"/>
@@ -889,7 +891,7 @@
           <a:lstStyle/>
           <a:p>
             <a:r>
-              <a:rPr lang="fr-FR" smtClean="0"/>
+              <a:rPr lang="fr-FR"/>
               <a:t>Modifiez le style du titre</a:t>
             </a:r>
             <a:endParaRPr lang="en-US" dirty="0"/>
@@ -913,35 +915,35 @@
           <a:p>
             <a:pPr lvl="0"/>
             <a:r>
-              <a:rPr lang="fr-FR" smtClean="0"/>
+              <a:rPr lang="fr-FR"/>
               <a:t>Modifiez les styles du texte du masque</a:t>
             </a:r>
           </a:p>
           <a:p>
             <a:pPr lvl="1"/>
             <a:r>
-              <a:rPr lang="fr-FR" smtClean="0"/>
+              <a:rPr lang="fr-FR"/>
               <a:t>Deuxième niveau</a:t>
             </a:r>
           </a:p>
           <a:p>
             <a:pPr lvl="2"/>
             <a:r>
-              <a:rPr lang="fr-FR" smtClean="0"/>
+              <a:rPr lang="fr-FR"/>
               <a:t>Troisième niveau</a:t>
             </a:r>
           </a:p>
           <a:p>
             <a:pPr lvl="3"/>
             <a:r>
-              <a:rPr lang="fr-FR" smtClean="0"/>
+              <a:rPr lang="fr-FR"/>
               <a:t>Quatrième niveau</a:t>
             </a:r>
           </a:p>
           <a:p>
             <a:pPr lvl="4"/>
             <a:r>
-              <a:rPr lang="fr-FR" smtClean="0"/>
+              <a:rPr lang="fr-FR"/>
               <a:t>Cinquième niveau</a:t>
             </a:r>
             <a:endParaRPr lang="en-US" dirty="0"/>
@@ -1074,7 +1076,7 @@
           </a:lstStyle>
           <a:p>
             <a:r>
-              <a:rPr lang="fr-FR" smtClean="0"/>
+              <a:rPr lang="fr-FR"/>
               <a:t>Modifiez le style du titre</a:t>
             </a:r>
             <a:endParaRPr lang="en-US" dirty="0"/>
@@ -1201,7 +1203,7 @@
           <a:p>
             <a:pPr lvl="0"/>
             <a:r>
-              <a:rPr lang="fr-FR" smtClean="0"/>
+              <a:rPr lang="fr-FR"/>
               <a:t>Modifiez les styles du texte du masque</a:t>
             </a:r>
           </a:p>
@@ -1418,7 +1420,7 @@
           </a:lstStyle>
           <a:p>
             <a:r>
-              <a:rPr lang="fr-FR" smtClean="0"/>
+              <a:rPr lang="fr-FR"/>
               <a:t>Modifiez le style du titre</a:t>
             </a:r>
             <a:endParaRPr lang="en-US" dirty="0"/>
@@ -1483,35 +1485,35 @@
           <a:p>
             <a:pPr lvl="0"/>
             <a:r>
-              <a:rPr lang="fr-FR" smtClean="0"/>
+              <a:rPr lang="fr-FR"/>
               <a:t>Modifiez les styles du texte du masque</a:t>
             </a:r>
           </a:p>
           <a:p>
             <a:pPr lvl="1"/>
             <a:r>
-              <a:rPr lang="fr-FR" smtClean="0"/>
+              <a:rPr lang="fr-FR"/>
               <a:t>Deuxième niveau</a:t>
             </a:r>
           </a:p>
           <a:p>
             <a:pPr lvl="2"/>
             <a:r>
-              <a:rPr lang="fr-FR" smtClean="0"/>
+              <a:rPr lang="fr-FR"/>
               <a:t>Troisième niveau</a:t>
             </a:r>
           </a:p>
           <a:p>
             <a:pPr lvl="3"/>
             <a:r>
-              <a:rPr lang="fr-FR" smtClean="0"/>
+              <a:rPr lang="fr-FR"/>
               <a:t>Quatrième niveau</a:t>
             </a:r>
           </a:p>
           <a:p>
             <a:pPr lvl="4"/>
             <a:r>
-              <a:rPr lang="fr-FR" smtClean="0"/>
+              <a:rPr lang="fr-FR"/>
               <a:t>Cinquième niveau</a:t>
             </a:r>
             <a:endParaRPr lang="en-US" dirty="0"/>
@@ -1576,35 +1578,35 @@
           <a:p>
             <a:pPr lvl="0"/>
             <a:r>
-              <a:rPr lang="fr-FR" smtClean="0"/>
+              <a:rPr lang="fr-FR"/>
               <a:t>Modifiez les styles du texte du masque</a:t>
             </a:r>
           </a:p>
           <a:p>
             <a:pPr lvl="1"/>
             <a:r>
-              <a:rPr lang="fr-FR" smtClean="0"/>
+              <a:rPr lang="fr-FR"/>
               <a:t>Deuxième niveau</a:t>
             </a:r>
           </a:p>
           <a:p>
             <a:pPr lvl="2"/>
             <a:r>
-              <a:rPr lang="fr-FR" smtClean="0"/>
+              <a:rPr lang="fr-FR"/>
               <a:t>Troisième niveau</a:t>
             </a:r>
           </a:p>
           <a:p>
             <a:pPr lvl="3"/>
             <a:r>
-              <a:rPr lang="fr-FR" smtClean="0"/>
+              <a:rPr lang="fr-FR"/>
               <a:t>Quatrième niveau</a:t>
             </a:r>
           </a:p>
           <a:p>
             <a:pPr lvl="4"/>
             <a:r>
-              <a:rPr lang="fr-FR" smtClean="0"/>
+              <a:rPr lang="fr-FR"/>
               <a:t>Cinquième niveau</a:t>
             </a:r>
             <a:endParaRPr lang="en-US" dirty="0"/>
@@ -1730,7 +1732,7 @@
           </a:lstStyle>
           <a:p>
             <a:r>
-              <a:rPr lang="fr-FR" smtClean="0"/>
+              <a:rPr lang="fr-FR"/>
               <a:t>Modifiez le style du titre</a:t>
             </a:r>
             <a:endParaRPr lang="en-US" dirty="0"/>
@@ -1811,7 +1813,7 @@
           <a:p>
             <a:pPr lvl="0"/>
             <a:r>
-              <a:rPr lang="fr-FR" smtClean="0"/>
+              <a:rPr lang="fr-FR"/>
               <a:t>Modifiez les styles du texte du masque</a:t>
             </a:r>
           </a:p>
@@ -1875,35 +1877,35 @@
           <a:p>
             <a:pPr lvl="0"/>
             <a:r>
-              <a:rPr lang="fr-FR" smtClean="0"/>
+              <a:rPr lang="fr-FR"/>
               <a:t>Modifiez les styles du texte du masque</a:t>
             </a:r>
           </a:p>
           <a:p>
             <a:pPr lvl="1"/>
             <a:r>
-              <a:rPr lang="fr-FR" smtClean="0"/>
+              <a:rPr lang="fr-FR"/>
               <a:t>Deuxième niveau</a:t>
             </a:r>
           </a:p>
           <a:p>
             <a:pPr lvl="2"/>
             <a:r>
-              <a:rPr lang="fr-FR" smtClean="0"/>
+              <a:rPr lang="fr-FR"/>
               <a:t>Troisième niveau</a:t>
             </a:r>
           </a:p>
           <a:p>
             <a:pPr lvl="3"/>
             <a:r>
-              <a:rPr lang="fr-FR" smtClean="0"/>
+              <a:rPr lang="fr-FR"/>
               <a:t>Quatrième niveau</a:t>
             </a:r>
           </a:p>
           <a:p>
             <a:pPr lvl="4"/>
             <a:r>
-              <a:rPr lang="fr-FR" smtClean="0"/>
+              <a:rPr lang="fr-FR"/>
               <a:t>Cinquième niveau</a:t>
             </a:r>
             <a:endParaRPr lang="en-US" dirty="0"/>
@@ -1984,7 +1986,7 @@
           <a:p>
             <a:pPr lvl="0"/>
             <a:r>
-              <a:rPr lang="fr-FR" smtClean="0"/>
+              <a:rPr lang="fr-FR"/>
               <a:t>Modifiez les styles du texte du masque</a:t>
             </a:r>
           </a:p>
@@ -2048,35 +2050,35 @@
           <a:p>
             <a:pPr lvl="0"/>
             <a:r>
-              <a:rPr lang="fr-FR" smtClean="0"/>
+              <a:rPr lang="fr-FR"/>
               <a:t>Modifiez les styles du texte du masque</a:t>
             </a:r>
           </a:p>
           <a:p>
             <a:pPr lvl="1"/>
             <a:r>
-              <a:rPr lang="fr-FR" smtClean="0"/>
+              <a:rPr lang="fr-FR"/>
               <a:t>Deuxième niveau</a:t>
             </a:r>
           </a:p>
           <a:p>
             <a:pPr lvl="2"/>
             <a:r>
-              <a:rPr lang="fr-FR" smtClean="0"/>
+              <a:rPr lang="fr-FR"/>
               <a:t>Troisième niveau</a:t>
             </a:r>
           </a:p>
           <a:p>
             <a:pPr lvl="3"/>
             <a:r>
-              <a:rPr lang="fr-FR" smtClean="0"/>
+              <a:rPr lang="fr-FR"/>
               <a:t>Quatrième niveau</a:t>
             </a:r>
           </a:p>
           <a:p>
             <a:pPr lvl="4"/>
             <a:r>
-              <a:rPr lang="fr-FR" smtClean="0"/>
+              <a:rPr lang="fr-FR"/>
               <a:t>Cinquième niveau</a:t>
             </a:r>
             <a:endParaRPr lang="en-US" dirty="0"/>
@@ -2189,7 +2191,7 @@
           <a:lstStyle/>
           <a:p>
             <a:r>
-              <a:rPr lang="fr-FR" smtClean="0"/>
+              <a:rPr lang="fr-FR"/>
               <a:t>Modifiez le style du titre</a:t>
             </a:r>
             <a:endParaRPr lang="en-US" dirty="0"/>
@@ -2448,7 +2450,7 @@
           </a:lstStyle>
           <a:p>
             <a:r>
-              <a:rPr lang="fr-FR" smtClean="0"/>
+              <a:rPr lang="fr-FR"/>
               <a:t>Modifiez le style du titre</a:t>
             </a:r>
             <a:endParaRPr lang="en-US" dirty="0"/>
@@ -2505,35 +2507,35 @@
           <a:p>
             <a:pPr lvl="0"/>
             <a:r>
-              <a:rPr lang="fr-FR" smtClean="0"/>
+              <a:rPr lang="fr-FR"/>
               <a:t>Modifiez les styles du texte du masque</a:t>
             </a:r>
           </a:p>
           <a:p>
             <a:pPr lvl="1"/>
             <a:r>
-              <a:rPr lang="fr-FR" smtClean="0"/>
+              <a:rPr lang="fr-FR"/>
               <a:t>Deuxième niveau</a:t>
             </a:r>
           </a:p>
           <a:p>
             <a:pPr lvl="2"/>
             <a:r>
-              <a:rPr lang="fr-FR" smtClean="0"/>
+              <a:rPr lang="fr-FR"/>
               <a:t>Troisième niveau</a:t>
             </a:r>
           </a:p>
           <a:p>
             <a:pPr lvl="3"/>
             <a:r>
-              <a:rPr lang="fr-FR" smtClean="0"/>
+              <a:rPr lang="fr-FR"/>
               <a:t>Quatrième niveau</a:t>
             </a:r>
           </a:p>
           <a:p>
             <a:pPr lvl="4"/>
             <a:r>
-              <a:rPr lang="fr-FR" smtClean="0"/>
+              <a:rPr lang="fr-FR"/>
               <a:t>Cinquième niveau</a:t>
             </a:r>
             <a:endParaRPr lang="en-US" dirty="0"/>
@@ -2608,7 +2610,7 @@
           <a:p>
             <a:pPr lvl="0"/>
             <a:r>
-              <a:rPr lang="fr-FR" smtClean="0"/>
+              <a:rPr lang="fr-FR"/>
               <a:t>Modifiez les styles du texte du masque</a:t>
             </a:r>
           </a:p>
@@ -2851,7 +2853,7 @@
           </a:lstStyle>
           <a:p>
             <a:r>
-              <a:rPr lang="fr-FR" smtClean="0"/>
+              <a:rPr lang="fr-FR"/>
               <a:t>Modifiez le style du titre</a:t>
             </a:r>
             <a:endParaRPr lang="en-US" dirty="0"/>
@@ -2918,7 +2920,7 @@
           </a:lstStyle>
           <a:p>
             <a:r>
-              <a:rPr lang="fr-FR" smtClean="0"/>
+              <a:rPr lang="fr-FR"/>
               <a:t>Cliquez sur l'icône pour ajouter une image</a:t>
             </a:r>
             <a:endParaRPr lang="en-US" dirty="0"/>
@@ -2993,7 +2995,7 @@
           <a:p>
             <a:pPr lvl="0"/>
             <a:r>
-              <a:rPr lang="fr-FR" smtClean="0"/>
+              <a:rPr lang="fr-FR"/>
               <a:t>Modifiez les styles du texte du masque</a:t>
             </a:r>
           </a:p>
@@ -3202,7 +3204,7 @@
           <a:lstStyle/>
           <a:p>
             <a:r>
-              <a:rPr lang="fr-FR" smtClean="0"/>
+              <a:rPr lang="fr-FR"/>
               <a:t>Modifiez le style du titre</a:t>
             </a:r>
             <a:endParaRPr lang="en-US" dirty="0"/>
@@ -3236,35 +3238,35 @@
           <a:p>
             <a:pPr lvl="0"/>
             <a:r>
-              <a:rPr lang="fr-FR" smtClean="0"/>
+              <a:rPr lang="fr-FR"/>
               <a:t>Modifiez les styles du texte du masque</a:t>
             </a:r>
           </a:p>
           <a:p>
             <a:pPr lvl="1"/>
             <a:r>
-              <a:rPr lang="fr-FR" smtClean="0"/>
+              <a:rPr lang="fr-FR"/>
               <a:t>Deuxième niveau</a:t>
             </a:r>
           </a:p>
           <a:p>
             <a:pPr lvl="2"/>
             <a:r>
-              <a:rPr lang="fr-FR" smtClean="0"/>
+              <a:rPr lang="fr-FR"/>
               <a:t>Troisième niveau</a:t>
             </a:r>
           </a:p>
           <a:p>
             <a:pPr lvl="3"/>
             <a:r>
-              <a:rPr lang="fr-FR" smtClean="0"/>
+              <a:rPr lang="fr-FR"/>
               <a:t>Quatrième niveau</a:t>
             </a:r>
           </a:p>
           <a:p>
             <a:pPr lvl="4"/>
             <a:r>
-              <a:rPr lang="fr-FR" smtClean="0"/>
+              <a:rPr lang="fr-FR"/>
               <a:t>Cinquième niveau</a:t>
             </a:r>
             <a:endParaRPr lang="en-US" dirty="0"/>
@@ -3829,28 +3831,28 @@
           <a:lstStyle/>
           <a:p>
             <a:r>
-              <a:rPr lang="fr-FR" smtClean="0"/>
+              <a:rPr lang="fr-FR"/>
               <a:t>Dans cette présentation, vous nous considérerez comme des clients, nous attendons donc :</a:t>
             </a:r>
           </a:p>
           <a:p>
             <a:pPr lvl="1"/>
             <a:r>
-              <a:rPr lang="fr-FR" smtClean="0"/>
+              <a:rPr lang="fr-FR"/>
               <a:t>Une rapide présentation du contexte,</a:t>
             </a:r>
           </a:p>
           <a:p>
             <a:pPr lvl="1"/>
             <a:r>
-              <a:rPr lang="fr-FR" smtClean="0"/>
+              <a:rPr lang="fr-FR"/>
               <a:t>Les solutions que vous proposez et vous les argumenterez (prix/délai),</a:t>
             </a:r>
           </a:p>
           <a:p>
             <a:pPr lvl="1"/>
             <a:r>
-              <a:rPr lang="fr-FR" smtClean="0"/>
+              <a:rPr lang="fr-FR"/>
               <a:t>Une présentation de l’ergonomie des écrans.</a:t>
             </a:r>
           </a:p>
@@ -3866,13 +3868,6 @@
   <p:clrMapOvr>
     <a:masterClrMapping/>
   </p:clrMapOvr>
-  <p:timing>
-    <p:tnLst>
-      <p:par>
-        <p:cTn id="1" dur="indefinite" restart="never" nodeType="tmRoot"/>
-      </p:par>
-    </p:tnLst>
-  </p:timing>
 </p:sld>
 </file>
 
@@ -3914,10 +3909,9 @@
           <a:lstStyle/>
           <a:p>
             <a:r>
-              <a:rPr lang="fr-FR" smtClean="0"/>
+              <a:rPr lang="fr-FR"/>
               <a:t>Ergonomie</a:t>
             </a:r>
-            <a:endParaRPr lang="fr-FR"/>
           </a:p>
         </p:txBody>
       </p:sp>
@@ -3963,16 +3957,15 @@
           </a:lstStyle>
           <a:p>
             <a:r>
-              <a:rPr lang="fr-FR" sz="2800" smtClean="0"/>
-              <a:t>Pages spécifiques</a:t>
-            </a:r>
-            <a:endParaRPr lang="fr-FR" sz="2800"/>
+              <a:rPr lang="fr-FR" sz="2800"/>
+              <a:t>Pages traditionnelles</a:t>
+            </a:r>
           </a:p>
         </p:txBody>
       </p:sp>
       <p:pic>
         <p:nvPicPr>
-          <p:cNvPr id="12" name="Image 11"/>
+          <p:cNvPr id="5" name="Image 4"/>
           <p:cNvPicPr>
             <a:picLocks noChangeAspect="1"/>
           </p:cNvPicPr>
@@ -3992,80 +3985,17 @@
         </p:blipFill>
         <p:spPr>
           <a:xfrm>
-            <a:off x="1473884" y="2091906"/>
-            <a:ext cx="1447800" cy="1266825"/>
+            <a:off x="1371600" y="2692573"/>
+            <a:ext cx="5322498" cy="3835941"/>
           </a:xfrm>
           <a:prstGeom prst="rect">
             <a:avLst/>
           </a:prstGeom>
         </p:spPr>
       </p:pic>
-      <p:cxnSp>
-        <p:nvCxnSpPr>
-          <p:cNvPr id="13" name="Connecteur droit avec flèche 12"/>
-          <p:cNvCxnSpPr/>
-          <p:nvPr/>
-        </p:nvCxnSpPr>
-        <p:spPr>
-          <a:xfrm>
-            <a:off x="2792082" y="2466526"/>
-            <a:ext cx="2090469" cy="319806"/>
-          </a:xfrm>
-          <a:prstGeom prst="straightConnector1">
-            <a:avLst/>
-          </a:prstGeom>
-          <a:ln>
-            <a:tailEnd type="triangle"/>
-          </a:ln>
-        </p:spPr>
-        <p:style>
-          <a:lnRef idx="1">
-            <a:schemeClr val="accent1"/>
-          </a:lnRef>
-          <a:fillRef idx="0">
-            <a:schemeClr val="accent1"/>
-          </a:fillRef>
-          <a:effectRef idx="0">
-            <a:schemeClr val="accent1"/>
-          </a:effectRef>
-          <a:fontRef idx="minor">
-            <a:schemeClr val="tx1"/>
-          </a:fontRef>
-        </p:style>
-      </p:cxnSp>
-      <p:sp>
-        <p:nvSpPr>
-          <p:cNvPr id="16" name="ZoneTexte 15"/>
-          <p:cNvSpPr txBox="1"/>
-          <p:nvPr/>
-        </p:nvSpPr>
-        <p:spPr>
-          <a:xfrm>
-            <a:off x="5026326" y="599529"/>
-            <a:ext cx="1751826" cy="369332"/>
-          </a:xfrm>
-          <a:prstGeom prst="rect">
-            <a:avLst/>
-          </a:prstGeom>
-          <a:noFill/>
-        </p:spPr>
-        <p:txBody>
-          <a:bodyPr wrap="none" rtlCol="0">
-            <a:spAutoFit/>
-          </a:bodyPr>
-          <a:lstStyle/>
-          <a:p>
-            <a:r>
-              <a:rPr lang="fr-FR" i="1" smtClean="0"/>
-              <a:t>Tableau de bord</a:t>
-            </a:r>
-            <a:endParaRPr lang="fr-FR" i="1"/>
-          </a:p>
-        </p:txBody>
-      </p:sp>
       <p:pic>
         <p:nvPicPr>
-          <p:cNvPr id="3" name="Image 2"/>
+          <p:cNvPr id="6" name="Image 5"/>
           <p:cNvPicPr>
             <a:picLocks noChangeAspect="1"/>
           </p:cNvPicPr>
@@ -4085,31 +4015,82 @@
         </p:blipFill>
         <p:spPr>
           <a:xfrm>
-            <a:off x="5026326" y="1000664"/>
-            <a:ext cx="6119219" cy="5497736"/>
+            <a:off x="7361869" y="129396"/>
+            <a:ext cx="4677978" cy="6564702"/>
           </a:xfrm>
           <a:prstGeom prst="rect">
             <a:avLst/>
           </a:prstGeom>
         </p:spPr>
       </p:pic>
+      <p:sp>
+        <p:nvSpPr>
+          <p:cNvPr id="9" name="ZoneTexte 8"/>
+          <p:cNvSpPr txBox="1"/>
+          <p:nvPr/>
+        </p:nvSpPr>
+        <p:spPr>
+          <a:xfrm>
+            <a:off x="1371600" y="2234408"/>
+            <a:ext cx="938077" cy="369332"/>
+          </a:xfrm>
+          <a:prstGeom prst="rect">
+            <a:avLst/>
+          </a:prstGeom>
+          <a:noFill/>
+        </p:spPr>
+        <p:txBody>
+          <a:bodyPr wrap="none" rtlCol="0">
+            <a:spAutoFit/>
+          </a:bodyPr>
+          <a:lstStyle/>
+          <a:p>
+            <a:r>
+              <a:rPr lang="fr-FR" i="1"/>
+              <a:t>Contact</a:t>
+            </a:r>
+          </a:p>
+        </p:txBody>
+      </p:sp>
+      <p:sp>
+        <p:nvSpPr>
+          <p:cNvPr id="11" name="ZoneTexte 10"/>
+          <p:cNvSpPr txBox="1"/>
+          <p:nvPr/>
+        </p:nvSpPr>
+        <p:spPr>
+          <a:xfrm>
+            <a:off x="6172961" y="222932"/>
+            <a:ext cx="1042273" cy="369332"/>
+          </a:xfrm>
+          <a:prstGeom prst="rect">
+            <a:avLst/>
+          </a:prstGeom>
+          <a:noFill/>
+        </p:spPr>
+        <p:txBody>
+          <a:bodyPr wrap="none" rtlCol="0">
+            <a:spAutoFit/>
+          </a:bodyPr>
+          <a:lstStyle/>
+          <a:p>
+            <a:r>
+              <a:rPr lang="fr-FR" i="1"/>
+              <a:t>A propos</a:t>
+            </a:r>
+          </a:p>
+        </p:txBody>
+      </p:sp>
     </p:spTree>
     <p:extLst>
       <p:ext uri="{BB962C8B-B14F-4D97-AF65-F5344CB8AC3E}">
-        <p14:creationId xmlns:p14="http://schemas.microsoft.com/office/powerpoint/2010/main" val="3991763509"/>
+        <p14:creationId xmlns:p14="http://schemas.microsoft.com/office/powerpoint/2010/main" val="2112832221"/>
       </p:ext>
     </p:extLst>
   </p:cSld>
   <p:clrMapOvr>
     <a:masterClrMapping/>
   </p:clrMapOvr>
-  <p:timing>
-    <p:tnLst>
-      <p:par>
-        <p:cTn id="1" dur="indefinite" restart="never" nodeType="tmRoot"/>
-      </p:par>
-    </p:tnLst>
-  </p:timing>
 </p:sld>
 </file>
 
@@ -4151,10 +4132,9 @@
           <a:lstStyle/>
           <a:p>
             <a:r>
-              <a:rPr lang="fr-FR" smtClean="0"/>
+              <a:rPr lang="fr-FR"/>
               <a:t>Ergonomie</a:t>
             </a:r>
-            <a:endParaRPr lang="fr-FR"/>
           </a:p>
         </p:txBody>
       </p:sp>
@@ -4200,16 +4180,15 @@
           </a:lstStyle>
           <a:p>
             <a:r>
-              <a:rPr lang="fr-FR" sz="2800" smtClean="0"/>
-              <a:t>Pages spécifiques</a:t>
-            </a:r>
-            <a:endParaRPr lang="fr-FR" sz="2800"/>
+              <a:rPr lang="fr-FR" sz="2800"/>
+              <a:t>Droits non connecté/connecté</a:t>
+            </a:r>
           </a:p>
         </p:txBody>
       </p:sp>
       <p:pic>
         <p:nvPicPr>
-          <p:cNvPr id="2" name="Image 1"/>
+          <p:cNvPr id="10" name="Image 9"/>
           <p:cNvPicPr>
             <a:picLocks noChangeAspect="1"/>
           </p:cNvPicPr>
@@ -4229,24 +4208,111 @@
         </p:blipFill>
         <p:spPr>
           <a:xfrm>
-            <a:off x="5238235" y="685800"/>
-            <a:ext cx="6536822" cy="5872926"/>
+            <a:off x="6918385" y="2467862"/>
+            <a:ext cx="4960188" cy="4088279"/>
           </a:xfrm>
           <a:prstGeom prst="rect">
             <a:avLst/>
           </a:prstGeom>
         </p:spPr>
       </p:pic>
-      <p:sp>
-        <p:nvSpPr>
-          <p:cNvPr id="9" name="ZoneTexte 8"/>
+      <p:pic>
+        <p:nvPicPr>
+          <p:cNvPr id="3" name="Image 2"/>
+          <p:cNvPicPr>
+            <a:picLocks noChangeAspect="1"/>
+          </p:cNvPicPr>
+          <p:nvPr/>
+        </p:nvPicPr>
+        <p:blipFill>
+          <a:blip r:embed="rId3">
+            <a:extLst>
+              <a:ext uri="{28A0092B-C50C-407E-A947-70E740481C1C}">
+                <a14:useLocalDpi xmlns:a14="http://schemas.microsoft.com/office/drawing/2010/main" val="0"/>
+              </a:ext>
+            </a:extLst>
+          </a:blip>
+          <a:stretch>
+            <a:fillRect/>
+          </a:stretch>
+        </p:blipFill>
+        <p:spPr>
+          <a:xfrm>
+            <a:off x="4234337" y="2369562"/>
+            <a:ext cx="1447800" cy="1266825"/>
+          </a:xfrm>
+          <a:prstGeom prst="rect">
+            <a:avLst/>
+          </a:prstGeom>
+        </p:spPr>
+      </p:pic>
+      <p:pic>
+        <p:nvPicPr>
+          <p:cNvPr id="4" name="Image 3"/>
+          <p:cNvPicPr>
+            <a:picLocks noChangeAspect="1"/>
+          </p:cNvPicPr>
+          <p:nvPr/>
+        </p:nvPicPr>
+        <p:blipFill>
+          <a:blip r:embed="rId4"/>
+          <a:stretch>
+            <a:fillRect/>
+          </a:stretch>
+        </p:blipFill>
+        <p:spPr>
+          <a:xfrm>
+            <a:off x="1371600" y="2467862"/>
+            <a:ext cx="1402202" cy="792549"/>
+          </a:xfrm>
+          <a:prstGeom prst="rect">
+            <a:avLst/>
+          </a:prstGeom>
+        </p:spPr>
+      </p:pic>
+      <p:cxnSp>
+        <p:nvCxnSpPr>
+          <p:cNvPr id="11" name="Connecteur droit avec flèche 10"/>
+          <p:cNvCxnSpPr/>
+          <p:nvPr/>
+        </p:nvCxnSpPr>
+        <p:spPr>
+          <a:xfrm>
+            <a:off x="3019245" y="2864136"/>
+            <a:ext cx="992038" cy="0"/>
+          </a:xfrm>
+          <a:prstGeom prst="straightConnector1">
+            <a:avLst/>
+          </a:prstGeom>
+          <a:ln>
+            <a:tailEnd type="triangle"/>
+          </a:ln>
+        </p:spPr>
+        <p:style>
+          <a:lnRef idx="1">
+            <a:schemeClr val="accent1"/>
+          </a:lnRef>
+          <a:fillRef idx="0">
+            <a:schemeClr val="accent1"/>
+          </a:fillRef>
+          <a:effectRef idx="0">
+            <a:schemeClr val="accent1"/>
+          </a:effectRef>
+          <a:fontRef idx="minor">
+            <a:schemeClr val="tx1"/>
+          </a:fontRef>
+        </p:style>
+      </p:cxnSp>
+      <p:sp>
+        <p:nvSpPr>
+          <p:cNvPr id="14" name="ZoneTexte 13"/>
           <p:cNvSpPr txBox="1"/>
           <p:nvPr/>
         </p:nvSpPr>
         <p:spPr>
           <a:xfrm>
-            <a:off x="5238235" y="316468"/>
-            <a:ext cx="1751954" cy="369332"/>
+            <a:off x="6918385" y="2000230"/>
+            <a:ext cx="1173719" cy="369332"/>
           </a:xfrm>
           <a:prstGeom prst="rect">
             <a:avLst/>
@@ -4260,30 +4326,55 @@
           <a:lstStyle/>
           <a:p>
             <a:r>
-              <a:rPr lang="fr-FR" i="1" smtClean="0"/>
-              <a:t>Clic sur un objet</a:t>
-            </a:r>
-            <a:endParaRPr lang="fr-FR" i="1"/>
-          </a:p>
-        </p:txBody>
-      </p:sp>
+              <a:rPr lang="fr-FR" i="1"/>
+              <a:t>Mon profil</a:t>
+            </a:r>
+          </a:p>
+        </p:txBody>
+      </p:sp>
+      <p:cxnSp>
+        <p:nvCxnSpPr>
+          <p:cNvPr id="15" name="Connecteur droit avec flèche 14"/>
+          <p:cNvCxnSpPr/>
+          <p:nvPr/>
+        </p:nvCxnSpPr>
+        <p:spPr>
+          <a:xfrm>
+            <a:off x="5543909" y="3002974"/>
+            <a:ext cx="1296838" cy="257437"/>
+          </a:xfrm>
+          <a:prstGeom prst="straightConnector1">
+            <a:avLst/>
+          </a:prstGeom>
+          <a:ln>
+            <a:tailEnd type="triangle"/>
+          </a:ln>
+        </p:spPr>
+        <p:style>
+          <a:lnRef idx="1">
+            <a:schemeClr val="accent1"/>
+          </a:lnRef>
+          <a:fillRef idx="0">
+            <a:schemeClr val="accent1"/>
+          </a:fillRef>
+          <a:effectRef idx="0">
+            <a:schemeClr val="accent1"/>
+          </a:effectRef>
+          <a:fontRef idx="minor">
+            <a:schemeClr val="tx1"/>
+          </a:fontRef>
+        </p:style>
+      </p:cxnSp>
     </p:spTree>
     <p:extLst>
       <p:ext uri="{BB962C8B-B14F-4D97-AF65-F5344CB8AC3E}">
-        <p14:creationId xmlns:p14="http://schemas.microsoft.com/office/powerpoint/2010/main" val="1142163466"/>
+        <p14:creationId xmlns:p14="http://schemas.microsoft.com/office/powerpoint/2010/main" val="4076514379"/>
       </p:ext>
     </p:extLst>
   </p:cSld>
   <p:clrMapOvr>
     <a:masterClrMapping/>
   </p:clrMapOvr>
-  <p:timing>
-    <p:tnLst>
-      <p:par>
-        <p:cTn id="1" dur="indefinite" restart="never" nodeType="tmRoot"/>
-      </p:par>
-    </p:tnLst>
-  </p:timing>
 </p:sld>
 </file>
 
@@ -4325,10 +4416,9 @@
           <a:lstStyle/>
           <a:p>
             <a:r>
-              <a:rPr lang="fr-FR" smtClean="0"/>
+              <a:rPr lang="fr-FR"/>
               <a:t>Ergonomie</a:t>
             </a:r>
-            <a:endParaRPr lang="fr-FR"/>
           </a:p>
         </p:txBody>
       </p:sp>
@@ -4374,46 +4464,15 @@
           </a:lstStyle>
           <a:p>
             <a:r>
-              <a:rPr lang="fr-FR" sz="2800" smtClean="0"/>
+              <a:rPr lang="fr-FR" sz="2800"/>
               <a:t>Pages spécifiques</a:t>
             </a:r>
-            <a:endParaRPr lang="fr-FR" sz="2800"/>
-          </a:p>
-        </p:txBody>
-      </p:sp>
-      <p:sp>
-        <p:nvSpPr>
-          <p:cNvPr id="16" name="ZoneTexte 15"/>
-          <p:cNvSpPr txBox="1"/>
-          <p:nvPr/>
-        </p:nvSpPr>
-        <p:spPr>
-          <a:xfrm>
-            <a:off x="1371600" y="1907240"/>
-            <a:ext cx="915122" cy="369332"/>
-          </a:xfrm>
-          <a:prstGeom prst="rect">
-            <a:avLst/>
-          </a:prstGeom>
-          <a:noFill/>
-        </p:spPr>
-        <p:txBody>
-          <a:bodyPr wrap="none" rtlCol="0">
-            <a:spAutoFit/>
-          </a:bodyPr>
-          <a:lstStyle/>
-          <a:p>
-            <a:r>
-              <a:rPr lang="fr-FR" i="1" smtClean="0"/>
-              <a:t>Stocker</a:t>
-            </a:r>
-            <a:endParaRPr lang="fr-FR" i="1"/>
           </a:p>
         </p:txBody>
       </p:sp>
       <p:pic>
         <p:nvPicPr>
-          <p:cNvPr id="2" name="Image 1"/>
+          <p:cNvPr id="12" name="Image 11"/>
           <p:cNvPicPr>
             <a:picLocks noChangeAspect="1"/>
           </p:cNvPicPr>
@@ -4433,8 +4492,100 @@
         </p:blipFill>
         <p:spPr>
           <a:xfrm>
-            <a:off x="4819290" y="881620"/>
-            <a:ext cx="6886755" cy="5346651"/>
+            <a:off x="1473884" y="2091906"/>
+            <a:ext cx="1447800" cy="1266825"/>
+          </a:xfrm>
+          <a:prstGeom prst="rect">
+            <a:avLst/>
+          </a:prstGeom>
+        </p:spPr>
+      </p:pic>
+      <p:cxnSp>
+        <p:nvCxnSpPr>
+          <p:cNvPr id="13" name="Connecteur droit avec flèche 12"/>
+          <p:cNvCxnSpPr/>
+          <p:nvPr/>
+        </p:nvCxnSpPr>
+        <p:spPr>
+          <a:xfrm>
+            <a:off x="2792082" y="2466526"/>
+            <a:ext cx="2090469" cy="319806"/>
+          </a:xfrm>
+          <a:prstGeom prst="straightConnector1">
+            <a:avLst/>
+          </a:prstGeom>
+          <a:ln>
+            <a:tailEnd type="triangle"/>
+          </a:ln>
+        </p:spPr>
+        <p:style>
+          <a:lnRef idx="1">
+            <a:schemeClr val="accent1"/>
+          </a:lnRef>
+          <a:fillRef idx="0">
+            <a:schemeClr val="accent1"/>
+          </a:fillRef>
+          <a:effectRef idx="0">
+            <a:schemeClr val="accent1"/>
+          </a:effectRef>
+          <a:fontRef idx="minor">
+            <a:schemeClr val="tx1"/>
+          </a:fontRef>
+        </p:style>
+      </p:cxnSp>
+      <p:sp>
+        <p:nvSpPr>
+          <p:cNvPr id="16" name="ZoneTexte 15"/>
+          <p:cNvSpPr txBox="1"/>
+          <p:nvPr/>
+        </p:nvSpPr>
+        <p:spPr>
+          <a:xfrm>
+            <a:off x="5026326" y="599529"/>
+            <a:ext cx="1751826" cy="369332"/>
+          </a:xfrm>
+          <a:prstGeom prst="rect">
+            <a:avLst/>
+          </a:prstGeom>
+          <a:noFill/>
+        </p:spPr>
+        <p:txBody>
+          <a:bodyPr wrap="none" rtlCol="0">
+            <a:spAutoFit/>
+          </a:bodyPr>
+          <a:lstStyle/>
+          <a:p>
+            <a:r>
+              <a:rPr lang="fr-FR" i="1"/>
+              <a:t>Tableau de bord</a:t>
+            </a:r>
+          </a:p>
+        </p:txBody>
+      </p:sp>
+      <p:pic>
+        <p:nvPicPr>
+          <p:cNvPr id="3" name="Image 2"/>
+          <p:cNvPicPr>
+            <a:picLocks noChangeAspect="1"/>
+          </p:cNvPicPr>
+          <p:nvPr/>
+        </p:nvPicPr>
+        <p:blipFill>
+          <a:blip r:embed="rId3">
+            <a:extLst>
+              <a:ext uri="{28A0092B-C50C-407E-A947-70E740481C1C}">
+                <a14:useLocalDpi xmlns:a14="http://schemas.microsoft.com/office/drawing/2010/main" val="0"/>
+              </a:ext>
+            </a:extLst>
+          </a:blip>
+          <a:stretch>
+            <a:fillRect/>
+          </a:stretch>
+        </p:blipFill>
+        <p:spPr>
+          <a:xfrm>
+            <a:off x="5026326" y="1000664"/>
+            <a:ext cx="6119219" cy="5497736"/>
           </a:xfrm>
           <a:prstGeom prst="rect">
             <a:avLst/>
@@ -4444,20 +4595,13 @@
     </p:spTree>
     <p:extLst>
       <p:ext uri="{BB962C8B-B14F-4D97-AF65-F5344CB8AC3E}">
-        <p14:creationId xmlns:p14="http://schemas.microsoft.com/office/powerpoint/2010/main" val="1474438185"/>
+        <p14:creationId xmlns:p14="http://schemas.microsoft.com/office/powerpoint/2010/main" val="3991763509"/>
       </p:ext>
     </p:extLst>
   </p:cSld>
   <p:clrMapOvr>
     <a:masterClrMapping/>
   </p:clrMapOvr>
-  <p:timing>
-    <p:tnLst>
-      <p:par>
-        <p:cTn id="1" dur="indefinite" restart="never" nodeType="tmRoot"/>
-      </p:par>
-    </p:tnLst>
-  </p:timing>
 </p:sld>
 </file>
 
@@ -4499,10 +4643,9 @@
           <a:lstStyle/>
           <a:p>
             <a:r>
-              <a:rPr lang="fr-FR" smtClean="0"/>
+              <a:rPr lang="fr-FR"/>
               <a:t>Ergonomie</a:t>
             </a:r>
-            <a:endParaRPr lang="fr-FR"/>
           </a:p>
         </p:txBody>
       </p:sp>
@@ -4548,46 +4691,15 @@
           </a:lstStyle>
           <a:p>
             <a:r>
-              <a:rPr lang="fr-FR" sz="2800" smtClean="0"/>
+              <a:rPr lang="fr-FR" sz="2800"/>
               <a:t>Pages spécifiques</a:t>
             </a:r>
-            <a:endParaRPr lang="fr-FR" sz="2800"/>
-          </a:p>
-        </p:txBody>
-      </p:sp>
-      <p:sp>
-        <p:nvSpPr>
-          <p:cNvPr id="16" name="ZoneTexte 15"/>
-          <p:cNvSpPr txBox="1"/>
-          <p:nvPr/>
-        </p:nvSpPr>
-        <p:spPr>
-          <a:xfrm>
-            <a:off x="1371600" y="1907240"/>
-            <a:ext cx="915122" cy="369332"/>
-          </a:xfrm>
-          <a:prstGeom prst="rect">
-            <a:avLst/>
-          </a:prstGeom>
-          <a:noFill/>
-        </p:spPr>
-        <p:txBody>
-          <a:bodyPr wrap="none" rtlCol="0">
-            <a:spAutoFit/>
-          </a:bodyPr>
-          <a:lstStyle/>
-          <a:p>
-            <a:r>
-              <a:rPr lang="fr-FR" i="1" smtClean="0"/>
-              <a:t>Stocker</a:t>
-            </a:r>
-            <a:endParaRPr lang="fr-FR" i="1"/>
           </a:p>
         </p:txBody>
       </p:sp>
       <p:pic>
         <p:nvPicPr>
-          <p:cNvPr id="3" name="Image 2"/>
+          <p:cNvPr id="2" name="Image 1"/>
           <p:cNvPicPr>
             <a:picLocks noChangeAspect="1"/>
           </p:cNvPicPr>
@@ -4607,8 +4719,8 @@
         </p:blipFill>
         <p:spPr>
           <a:xfrm>
-            <a:off x="4741653" y="987176"/>
-            <a:ext cx="6973019" cy="5413623"/>
+            <a:off x="5238235" y="685800"/>
+            <a:ext cx="6536822" cy="5872926"/>
           </a:xfrm>
           <a:prstGeom prst="rect">
             <a:avLst/>
@@ -4623,8 +4735,8 @@
         </p:nvSpPr>
         <p:spPr>
           <a:xfrm>
-            <a:off x="4741653" y="617844"/>
-            <a:ext cx="2121222" cy="369332"/>
+            <a:off x="5238235" y="316468"/>
+            <a:ext cx="1751954" cy="369332"/>
           </a:xfrm>
           <a:prstGeom prst="rect">
             <a:avLst/>
@@ -4638,30 +4750,22 @@
           <a:lstStyle/>
           <a:p>
             <a:r>
-              <a:rPr lang="fr-FR" i="1" smtClean="0"/>
-              <a:t>Ajouter nouvel objet</a:t>
-            </a:r>
-            <a:endParaRPr lang="fr-FR" i="1"/>
+              <a:rPr lang="fr-FR" i="1"/>
+              <a:t>Clic sur un objet</a:t>
+            </a:r>
           </a:p>
         </p:txBody>
       </p:sp>
     </p:spTree>
     <p:extLst>
       <p:ext uri="{BB962C8B-B14F-4D97-AF65-F5344CB8AC3E}">
-        <p14:creationId xmlns:p14="http://schemas.microsoft.com/office/powerpoint/2010/main" val="992101409"/>
+        <p14:creationId xmlns:p14="http://schemas.microsoft.com/office/powerpoint/2010/main" val="1142163466"/>
       </p:ext>
     </p:extLst>
   </p:cSld>
   <p:clrMapOvr>
     <a:masterClrMapping/>
   </p:clrMapOvr>
-  <p:timing>
-    <p:tnLst>
-      <p:par>
-        <p:cTn id="1" dur="indefinite" restart="never" nodeType="tmRoot"/>
-      </p:par>
-    </p:tnLst>
-  </p:timing>
 </p:sld>
 </file>
 
@@ -4703,10 +4807,9 @@
           <a:lstStyle/>
           <a:p>
             <a:r>
-              <a:rPr lang="fr-FR" smtClean="0"/>
+              <a:rPr lang="fr-FR"/>
               <a:t>Ergonomie</a:t>
             </a:r>
-            <a:endParaRPr lang="fr-FR"/>
           </a:p>
         </p:txBody>
       </p:sp>
@@ -4752,23 +4855,22 @@
           </a:lstStyle>
           <a:p>
             <a:r>
-              <a:rPr lang="fr-FR" sz="2800" smtClean="0"/>
+              <a:rPr lang="fr-FR" sz="2800"/>
               <a:t>Pages spécifiques</a:t>
             </a:r>
-            <a:endParaRPr lang="fr-FR" sz="2800"/>
-          </a:p>
-        </p:txBody>
-      </p:sp>
-      <p:sp>
-        <p:nvSpPr>
-          <p:cNvPr id="9" name="ZoneTexte 8"/>
+          </a:p>
+        </p:txBody>
+      </p:sp>
+      <p:sp>
+        <p:nvSpPr>
+          <p:cNvPr id="16" name="ZoneTexte 15"/>
           <p:cNvSpPr txBox="1"/>
           <p:nvPr/>
         </p:nvSpPr>
         <p:spPr>
           <a:xfrm>
-            <a:off x="4940062" y="667994"/>
-            <a:ext cx="2666564" cy="369332"/>
+            <a:off x="1371600" y="1907240"/>
+            <a:ext cx="915122" cy="369332"/>
           </a:xfrm>
           <a:prstGeom prst="rect">
             <a:avLst/>
@@ -4782,16 +4884,15 @@
           <a:lstStyle/>
           <a:p>
             <a:r>
-              <a:rPr lang="fr-FR" i="1" smtClean="0"/>
-              <a:t>Validation de la demande</a:t>
-            </a:r>
-            <a:endParaRPr lang="fr-FR" i="1"/>
+              <a:rPr lang="fr-FR" i="1"/>
+              <a:t>Stocker</a:t>
+            </a:r>
           </a:p>
         </p:txBody>
       </p:sp>
       <p:pic>
         <p:nvPicPr>
-          <p:cNvPr id="3" name="Image 2"/>
+          <p:cNvPr id="2" name="Image 1"/>
           <p:cNvPicPr>
             <a:picLocks noChangeAspect="1"/>
           </p:cNvPicPr>
@@ -4811,8 +4912,8 @@
         </p:blipFill>
         <p:spPr>
           <a:xfrm>
-            <a:off x="4940062" y="1058008"/>
-            <a:ext cx="6696974" cy="5199311"/>
+            <a:off x="4819290" y="881620"/>
+            <a:ext cx="6886755" cy="5346651"/>
           </a:xfrm>
           <a:prstGeom prst="rect">
             <a:avLst/>
@@ -4822,20 +4923,13 @@
     </p:spTree>
     <p:extLst>
       <p:ext uri="{BB962C8B-B14F-4D97-AF65-F5344CB8AC3E}">
-        <p14:creationId xmlns:p14="http://schemas.microsoft.com/office/powerpoint/2010/main" val="860626066"/>
+        <p14:creationId xmlns:p14="http://schemas.microsoft.com/office/powerpoint/2010/main" val="1474438185"/>
       </p:ext>
     </p:extLst>
   </p:cSld>
   <p:clrMapOvr>
     <a:masterClrMapping/>
   </p:clrMapOvr>
-  <p:timing>
-    <p:tnLst>
-      <p:par>
-        <p:cTn id="1" dur="indefinite" restart="never" nodeType="tmRoot"/>
-      </p:par>
-    </p:tnLst>
-  </p:timing>
 </p:sld>
 </file>
 
@@ -4877,10 +4971,9 @@
           <a:lstStyle/>
           <a:p>
             <a:r>
-              <a:rPr lang="fr-FR" smtClean="0"/>
+              <a:rPr lang="fr-FR"/>
               <a:t>Ergonomie</a:t>
             </a:r>
-            <a:endParaRPr lang="fr-FR"/>
           </a:p>
         </p:txBody>
       </p:sp>
@@ -4926,10 +5019,9 @@
           </a:lstStyle>
           <a:p>
             <a:r>
-              <a:rPr lang="fr-FR" sz="2800" smtClean="0"/>
+              <a:rPr lang="fr-FR" sz="2800"/>
               <a:t>Pages spécifiques</a:t>
             </a:r>
-            <a:endParaRPr lang="fr-FR" sz="2800"/>
           </a:p>
         </p:txBody>
       </p:sp>
@@ -4942,7 +5034,7 @@
         <p:spPr>
           <a:xfrm>
             <a:off x="1371600" y="1907240"/>
-            <a:ext cx="1205779" cy="369332"/>
+            <a:ext cx="915122" cy="369332"/>
           </a:xfrm>
           <a:prstGeom prst="rect">
             <a:avLst/>
@@ -4956,16 +5048,15 @@
           <a:lstStyle/>
           <a:p>
             <a:r>
-              <a:rPr lang="fr-FR" i="1" smtClean="0"/>
-              <a:t>Récupérer</a:t>
-            </a:r>
-            <a:endParaRPr lang="fr-FR" i="1"/>
+              <a:rPr lang="fr-FR" i="1"/>
+              <a:t>Stocker</a:t>
+            </a:r>
           </a:p>
         </p:txBody>
       </p:sp>
       <p:pic>
         <p:nvPicPr>
-          <p:cNvPr id="5" name="Image 4"/>
+          <p:cNvPr id="3" name="Image 2"/>
           <p:cNvPicPr>
             <a:picLocks noChangeAspect="1"/>
           </p:cNvPicPr>
@@ -4985,31 +5076,53 @@
         </p:blipFill>
         <p:spPr>
           <a:xfrm>
-            <a:off x="4819290" y="881620"/>
-            <a:ext cx="6888132" cy="5347719"/>
+            <a:off x="4741653" y="987176"/>
+            <a:ext cx="6973019" cy="5413623"/>
           </a:xfrm>
           <a:prstGeom prst="rect">
             <a:avLst/>
           </a:prstGeom>
         </p:spPr>
       </p:pic>
+      <p:sp>
+        <p:nvSpPr>
+          <p:cNvPr id="9" name="ZoneTexte 8"/>
+          <p:cNvSpPr txBox="1"/>
+          <p:nvPr/>
+        </p:nvSpPr>
+        <p:spPr>
+          <a:xfrm>
+            <a:off x="4741653" y="617844"/>
+            <a:ext cx="2121222" cy="369332"/>
+          </a:xfrm>
+          <a:prstGeom prst="rect">
+            <a:avLst/>
+          </a:prstGeom>
+          <a:noFill/>
+        </p:spPr>
+        <p:txBody>
+          <a:bodyPr wrap="none" rtlCol="0">
+            <a:spAutoFit/>
+          </a:bodyPr>
+          <a:lstStyle/>
+          <a:p>
+            <a:r>
+              <a:rPr lang="fr-FR" i="1"/>
+              <a:t>Ajouter nouvel objet</a:t>
+            </a:r>
+          </a:p>
+        </p:txBody>
+      </p:sp>
     </p:spTree>
     <p:extLst>
       <p:ext uri="{BB962C8B-B14F-4D97-AF65-F5344CB8AC3E}">
-        <p14:creationId xmlns:p14="http://schemas.microsoft.com/office/powerpoint/2010/main" val="4282145214"/>
+        <p14:creationId xmlns:p14="http://schemas.microsoft.com/office/powerpoint/2010/main" val="992101409"/>
       </p:ext>
     </p:extLst>
   </p:cSld>
   <p:clrMapOvr>
     <a:masterClrMapping/>
   </p:clrMapOvr>
-  <p:timing>
-    <p:tnLst>
-      <p:par>
-        <p:cTn id="1" dur="indefinite" restart="never" nodeType="tmRoot"/>
-      </p:par>
-    </p:tnLst>
-  </p:timing>
 </p:sld>
 </file>
 
@@ -5051,10 +5164,9 @@
           <a:lstStyle/>
           <a:p>
             <a:r>
-              <a:rPr lang="fr-FR" smtClean="0"/>
+              <a:rPr lang="fr-FR"/>
               <a:t>Ergonomie</a:t>
             </a:r>
-            <a:endParaRPr lang="fr-FR"/>
           </a:p>
         </p:txBody>
       </p:sp>
@@ -5100,23 +5212,22 @@
           </a:lstStyle>
           <a:p>
             <a:r>
-              <a:rPr lang="fr-FR" sz="2800" smtClean="0"/>
+              <a:rPr lang="fr-FR" sz="2800"/>
               <a:t>Pages spécifiques</a:t>
             </a:r>
-            <a:endParaRPr lang="fr-FR" sz="2800"/>
-          </a:p>
-        </p:txBody>
-      </p:sp>
-      <p:sp>
-        <p:nvSpPr>
-          <p:cNvPr id="16" name="ZoneTexte 15"/>
+          </a:p>
+        </p:txBody>
+      </p:sp>
+      <p:sp>
+        <p:nvSpPr>
+          <p:cNvPr id="9" name="ZoneTexte 8"/>
           <p:cNvSpPr txBox="1"/>
           <p:nvPr/>
         </p:nvSpPr>
         <p:spPr>
           <a:xfrm>
-            <a:off x="1371600" y="1907240"/>
-            <a:ext cx="775662" cy="369332"/>
+            <a:off x="4940062" y="667994"/>
+            <a:ext cx="2666564" cy="369332"/>
           </a:xfrm>
           <a:prstGeom prst="rect">
             <a:avLst/>
@@ -5130,16 +5241,15 @@
           <a:lstStyle/>
           <a:p>
             <a:r>
-              <a:rPr lang="fr-FR" i="1" smtClean="0"/>
-              <a:t>Prêter</a:t>
-            </a:r>
-            <a:endParaRPr lang="fr-FR" i="1"/>
+              <a:rPr lang="fr-FR" i="1"/>
+              <a:t>Validation de la demande</a:t>
+            </a:r>
           </a:p>
         </p:txBody>
       </p:sp>
       <p:pic>
         <p:nvPicPr>
-          <p:cNvPr id="5" name="Image 4"/>
+          <p:cNvPr id="3" name="Image 2"/>
           <p:cNvPicPr>
             <a:picLocks noChangeAspect="1"/>
           </p:cNvPicPr>
@@ -5159,8 +5269,8 @@
         </p:blipFill>
         <p:spPr>
           <a:xfrm>
-            <a:off x="4819290" y="881619"/>
-            <a:ext cx="6888132" cy="5347720"/>
+            <a:off x="4940062" y="1058008"/>
+            <a:ext cx="6696974" cy="5199311"/>
           </a:xfrm>
           <a:prstGeom prst="rect">
             <a:avLst/>
@@ -5170,20 +5280,13 @@
     </p:spTree>
     <p:extLst>
       <p:ext uri="{BB962C8B-B14F-4D97-AF65-F5344CB8AC3E}">
-        <p14:creationId xmlns:p14="http://schemas.microsoft.com/office/powerpoint/2010/main" val="1001493220"/>
+        <p14:creationId xmlns:p14="http://schemas.microsoft.com/office/powerpoint/2010/main" val="860626066"/>
       </p:ext>
     </p:extLst>
   </p:cSld>
   <p:clrMapOvr>
     <a:masterClrMapping/>
   </p:clrMapOvr>
-  <p:timing>
-    <p:tnLst>
-      <p:par>
-        <p:cTn id="1" dur="indefinite" restart="never" nodeType="tmRoot"/>
-      </p:par>
-    </p:tnLst>
-  </p:timing>
 </p:sld>
 </file>
 
@@ -5225,10 +5328,9 @@
           <a:lstStyle/>
           <a:p>
             <a:r>
-              <a:rPr lang="fr-FR" smtClean="0"/>
+              <a:rPr lang="fr-FR"/>
               <a:t>Ergonomie</a:t>
             </a:r>
-            <a:endParaRPr lang="fr-FR"/>
           </a:p>
         </p:txBody>
       </p:sp>
@@ -5274,10 +5376,337 @@
           </a:lstStyle>
           <a:p>
             <a:r>
-              <a:rPr lang="fr-FR" sz="2800" smtClean="0"/>
+              <a:rPr lang="fr-FR" sz="2800"/>
               <a:t>Pages spécifiques</a:t>
             </a:r>
-            <a:endParaRPr lang="fr-FR" sz="2800"/>
+          </a:p>
+        </p:txBody>
+      </p:sp>
+      <p:sp>
+        <p:nvSpPr>
+          <p:cNvPr id="16" name="ZoneTexte 15"/>
+          <p:cNvSpPr txBox="1"/>
+          <p:nvPr/>
+        </p:nvSpPr>
+        <p:spPr>
+          <a:xfrm>
+            <a:off x="1371600" y="1907240"/>
+            <a:ext cx="1205779" cy="369332"/>
+          </a:xfrm>
+          <a:prstGeom prst="rect">
+            <a:avLst/>
+          </a:prstGeom>
+          <a:noFill/>
+        </p:spPr>
+        <p:txBody>
+          <a:bodyPr wrap="none" rtlCol="0">
+            <a:spAutoFit/>
+          </a:bodyPr>
+          <a:lstStyle/>
+          <a:p>
+            <a:r>
+              <a:rPr lang="fr-FR" i="1"/>
+              <a:t>Récupérer</a:t>
+            </a:r>
+          </a:p>
+        </p:txBody>
+      </p:sp>
+      <p:pic>
+        <p:nvPicPr>
+          <p:cNvPr id="5" name="Image 4"/>
+          <p:cNvPicPr>
+            <a:picLocks noChangeAspect="1"/>
+          </p:cNvPicPr>
+          <p:nvPr/>
+        </p:nvPicPr>
+        <p:blipFill>
+          <a:blip r:embed="rId2">
+            <a:extLst>
+              <a:ext uri="{28A0092B-C50C-407E-A947-70E740481C1C}">
+                <a14:useLocalDpi xmlns:a14="http://schemas.microsoft.com/office/drawing/2010/main" val="0"/>
+              </a:ext>
+            </a:extLst>
+          </a:blip>
+          <a:stretch>
+            <a:fillRect/>
+          </a:stretch>
+        </p:blipFill>
+        <p:spPr>
+          <a:xfrm>
+            <a:off x="4819290" y="881620"/>
+            <a:ext cx="6888132" cy="5347719"/>
+          </a:xfrm>
+          <a:prstGeom prst="rect">
+            <a:avLst/>
+          </a:prstGeom>
+        </p:spPr>
+      </p:pic>
+    </p:spTree>
+    <p:extLst>
+      <p:ext uri="{BB962C8B-B14F-4D97-AF65-F5344CB8AC3E}">
+        <p14:creationId xmlns:p14="http://schemas.microsoft.com/office/powerpoint/2010/main" val="4282145214"/>
+      </p:ext>
+    </p:extLst>
+  </p:cSld>
+  <p:clrMapOvr>
+    <a:masterClrMapping/>
+  </p:clrMapOvr>
+</p:sld>
+</file>
+
+<file path=ppt/slides/slide18.xml><?xml version="1.0" encoding="utf-8"?>
+<p:sld xmlns:a="http://schemas.openxmlformats.org/drawingml/2006/main" xmlns:r="http://schemas.openxmlformats.org/officeDocument/2006/relationships" xmlns:p="http://schemas.openxmlformats.org/presentationml/2006/main">
+  <p:cSld>
+    <p:spTree>
+      <p:nvGrpSpPr>
+        <p:cNvPr id="1" name=""/>
+        <p:cNvGrpSpPr/>
+        <p:nvPr/>
+      </p:nvGrpSpPr>
+      <p:grpSpPr>
+        <a:xfrm>
+          <a:off x="0" y="0"/>
+          <a:ext cx="0" cy="0"/>
+          <a:chOff x="0" y="0"/>
+          <a:chExt cx="0" cy="0"/>
+        </a:xfrm>
+      </p:grpSpPr>
+      <p:sp>
+        <p:nvSpPr>
+          <p:cNvPr id="7" name="Titre 1"/>
+          <p:cNvSpPr>
+            <a:spLocks noGrp="1"/>
+          </p:cNvSpPr>
+          <p:nvPr>
+            <p:ph type="title"/>
+          </p:nvPr>
+        </p:nvSpPr>
+        <p:spPr>
+          <a:xfrm>
+            <a:off x="1371600" y="685800"/>
+            <a:ext cx="9601200" cy="703053"/>
+          </a:xfrm>
+        </p:spPr>
+        <p:txBody>
+          <a:bodyPr/>
+          <a:lstStyle/>
+          <a:p>
+            <a:r>
+              <a:rPr lang="fr-FR"/>
+              <a:t>Ergonomie</a:t>
+            </a:r>
+          </a:p>
+        </p:txBody>
+      </p:sp>
+      <p:sp>
+        <p:nvSpPr>
+          <p:cNvPr id="8" name="Titre 1"/>
+          <p:cNvSpPr txBox="1">
+            <a:spLocks/>
+          </p:cNvSpPr>
+          <p:nvPr/>
+        </p:nvSpPr>
+        <p:spPr>
+          <a:xfrm>
+            <a:off x="1371600" y="1388853"/>
+            <a:ext cx="9601200" cy="473015"/>
+          </a:xfrm>
+          <a:prstGeom prst="rect">
+            <a:avLst/>
+          </a:prstGeom>
+        </p:spPr>
+        <p:txBody>
+          <a:bodyPr vert="horz" lIns="91440" tIns="45720" rIns="91440" bIns="45720" rtlCol="0" anchor="t">
+            <a:normAutofit/>
+          </a:bodyPr>
+          <a:lstStyle>
+            <a:lvl1pPr algn="l" defTabSz="914400" rtl="0" eaLnBrk="1" latinLnBrk="0" hangingPunct="1">
+              <a:lnSpc>
+                <a:spcPct val="89000"/>
+              </a:lnSpc>
+              <a:spcBef>
+                <a:spcPct val="0"/>
+              </a:spcBef>
+              <a:buNone/>
+              <a:defRPr sz="4400" kern="1200" baseline="0">
+                <a:solidFill>
+                  <a:schemeClr val="tx2"/>
+                </a:solidFill>
+                <a:latin typeface="+mj-lt"/>
+                <a:ea typeface="+mj-ea"/>
+                <a:cs typeface="+mj-cs"/>
+              </a:defRPr>
+            </a:lvl1pPr>
+          </a:lstStyle>
+          <a:p>
+            <a:r>
+              <a:rPr lang="fr-FR" sz="2800"/>
+              <a:t>Pages spécifiques</a:t>
+            </a:r>
+          </a:p>
+        </p:txBody>
+      </p:sp>
+      <p:sp>
+        <p:nvSpPr>
+          <p:cNvPr id="16" name="ZoneTexte 15"/>
+          <p:cNvSpPr txBox="1"/>
+          <p:nvPr/>
+        </p:nvSpPr>
+        <p:spPr>
+          <a:xfrm>
+            <a:off x="1371600" y="1907240"/>
+            <a:ext cx="775662" cy="369332"/>
+          </a:xfrm>
+          <a:prstGeom prst="rect">
+            <a:avLst/>
+          </a:prstGeom>
+          <a:noFill/>
+        </p:spPr>
+        <p:txBody>
+          <a:bodyPr wrap="none" rtlCol="0">
+            <a:spAutoFit/>
+          </a:bodyPr>
+          <a:lstStyle/>
+          <a:p>
+            <a:r>
+              <a:rPr lang="fr-FR" i="1"/>
+              <a:t>Prêter</a:t>
+            </a:r>
+          </a:p>
+        </p:txBody>
+      </p:sp>
+      <p:pic>
+        <p:nvPicPr>
+          <p:cNvPr id="5" name="Image 4"/>
+          <p:cNvPicPr>
+            <a:picLocks noChangeAspect="1"/>
+          </p:cNvPicPr>
+          <p:nvPr/>
+        </p:nvPicPr>
+        <p:blipFill>
+          <a:blip r:embed="rId2">
+            <a:extLst>
+              <a:ext uri="{28A0092B-C50C-407E-A947-70E740481C1C}">
+                <a14:useLocalDpi xmlns:a14="http://schemas.microsoft.com/office/drawing/2010/main" val="0"/>
+              </a:ext>
+            </a:extLst>
+          </a:blip>
+          <a:stretch>
+            <a:fillRect/>
+          </a:stretch>
+        </p:blipFill>
+        <p:spPr>
+          <a:xfrm>
+            <a:off x="4819290" y="881619"/>
+            <a:ext cx="6888132" cy="5347720"/>
+          </a:xfrm>
+          <a:prstGeom prst="rect">
+            <a:avLst/>
+          </a:prstGeom>
+        </p:spPr>
+      </p:pic>
+    </p:spTree>
+    <p:extLst>
+      <p:ext uri="{BB962C8B-B14F-4D97-AF65-F5344CB8AC3E}">
+        <p14:creationId xmlns:p14="http://schemas.microsoft.com/office/powerpoint/2010/main" val="1001493220"/>
+      </p:ext>
+    </p:extLst>
+  </p:cSld>
+  <p:clrMapOvr>
+    <a:masterClrMapping/>
+  </p:clrMapOvr>
+</p:sld>
+</file>
+
+<file path=ppt/slides/slide19.xml><?xml version="1.0" encoding="utf-8"?>
+<p:sld xmlns:a="http://schemas.openxmlformats.org/drawingml/2006/main" xmlns:r="http://schemas.openxmlformats.org/officeDocument/2006/relationships" xmlns:p="http://schemas.openxmlformats.org/presentationml/2006/main">
+  <p:cSld>
+    <p:spTree>
+      <p:nvGrpSpPr>
+        <p:cNvPr id="1" name=""/>
+        <p:cNvGrpSpPr/>
+        <p:nvPr/>
+      </p:nvGrpSpPr>
+      <p:grpSpPr>
+        <a:xfrm>
+          <a:off x="0" y="0"/>
+          <a:ext cx="0" cy="0"/>
+          <a:chOff x="0" y="0"/>
+          <a:chExt cx="0" cy="0"/>
+        </a:xfrm>
+      </p:grpSpPr>
+      <p:sp>
+        <p:nvSpPr>
+          <p:cNvPr id="7" name="Titre 1"/>
+          <p:cNvSpPr>
+            <a:spLocks noGrp="1"/>
+          </p:cNvSpPr>
+          <p:nvPr>
+            <p:ph type="title"/>
+          </p:nvPr>
+        </p:nvSpPr>
+        <p:spPr>
+          <a:xfrm>
+            <a:off x="1371600" y="685800"/>
+            <a:ext cx="9601200" cy="703053"/>
+          </a:xfrm>
+        </p:spPr>
+        <p:txBody>
+          <a:bodyPr/>
+          <a:lstStyle/>
+          <a:p>
+            <a:r>
+              <a:rPr lang="fr-FR"/>
+              <a:t>Ergonomie</a:t>
+            </a:r>
+          </a:p>
+        </p:txBody>
+      </p:sp>
+      <p:sp>
+        <p:nvSpPr>
+          <p:cNvPr id="8" name="Titre 1"/>
+          <p:cNvSpPr txBox="1">
+            <a:spLocks/>
+          </p:cNvSpPr>
+          <p:nvPr/>
+        </p:nvSpPr>
+        <p:spPr>
+          <a:xfrm>
+            <a:off x="1371600" y="1388853"/>
+            <a:ext cx="9601200" cy="473015"/>
+          </a:xfrm>
+          <a:prstGeom prst="rect">
+            <a:avLst/>
+          </a:prstGeom>
+        </p:spPr>
+        <p:txBody>
+          <a:bodyPr vert="horz" lIns="91440" tIns="45720" rIns="91440" bIns="45720" rtlCol="0" anchor="t">
+            <a:normAutofit/>
+          </a:bodyPr>
+          <a:lstStyle>
+            <a:lvl1pPr algn="l" defTabSz="914400" rtl="0" eaLnBrk="1" latinLnBrk="0" hangingPunct="1">
+              <a:lnSpc>
+                <a:spcPct val="89000"/>
+              </a:lnSpc>
+              <a:spcBef>
+                <a:spcPct val="0"/>
+              </a:spcBef>
+              <a:buNone/>
+              <a:defRPr sz="4400" kern="1200" baseline="0">
+                <a:solidFill>
+                  <a:schemeClr val="tx2"/>
+                </a:solidFill>
+                <a:latin typeface="+mj-lt"/>
+                <a:ea typeface="+mj-ea"/>
+                <a:cs typeface="+mj-cs"/>
+              </a:defRPr>
+            </a:lvl1pPr>
+          </a:lstStyle>
+          <a:p>
+            <a:r>
+              <a:rPr lang="fr-FR" sz="2800"/>
+              <a:t>Pages spécifiques</a:t>
+            </a:r>
           </a:p>
         </p:txBody>
       </p:sp>
@@ -5397,10 +5826,9 @@
           <a:lstStyle/>
           <a:p>
             <a:r>
-              <a:rPr lang="fr-FR" i="1" smtClean="0"/>
+              <a:rPr lang="fr-FR" i="1"/>
               <a:t>Mes opérations</a:t>
             </a:r>
-            <a:endParaRPr lang="fr-FR" i="1"/>
           </a:p>
         </p:txBody>
       </p:sp>
@@ -5414,17 +5842,10 @@
   <p:clrMapOvr>
     <a:masterClrMapping/>
   </p:clrMapOvr>
-  <p:timing>
-    <p:tnLst>
-      <p:par>
-        <p:cTn id="1" dur="indefinite" restart="never" nodeType="tmRoot"/>
-      </p:par>
-    </p:tnLst>
-  </p:timing>
 </p:sld>
 </file>
 
-<file path=ppt/slides/slide18.xml><?xml version="1.0" encoding="utf-8"?>
+<file path=ppt/slides/slide2.xml><?xml version="1.0" encoding="utf-8"?>
 <p:sld xmlns:a="http://schemas.openxmlformats.org/drawingml/2006/main" xmlns:r="http://schemas.openxmlformats.org/officeDocument/2006/relationships" xmlns:p="http://schemas.openxmlformats.org/presentationml/2006/main">
   <p:cSld>
     <p:spTree>
@@ -5451,16 +5872,20 @@
             <p:ph type="ctrTitle"/>
           </p:nvPr>
         </p:nvSpPr>
-        <p:spPr/>
+        <p:spPr>
+          <a:xfrm>
+            <a:off x="1742600" y="813669"/>
+            <a:ext cx="8361229" cy="2098226"/>
+          </a:xfrm>
+        </p:spPr>
         <p:txBody>
           <a:bodyPr/>
           <a:lstStyle/>
           <a:p>
             <a:r>
-              <a:rPr lang="fr-FR" smtClean="0"/>
-              <a:t>Merci de votre attention</a:t>
-            </a:r>
-            <a:endParaRPr lang="fr-FR"/>
+              <a:rPr lang="fr-FR"/>
+              <a:t>FLEXIBOX</a:t>
+            </a:r>
           </a:p>
         </p:txBody>
       </p:sp>
@@ -5474,16 +5899,205 @@
             <p:ph type="subTitle" idx="1"/>
           </p:nvPr>
         </p:nvSpPr>
-        <p:spPr/>
+        <p:spPr>
+          <a:xfrm>
+            <a:off x="2507378" y="2981494"/>
+            <a:ext cx="6831673" cy="1086237"/>
+          </a:xfrm>
+        </p:spPr>
         <p:txBody>
           <a:bodyPr/>
           <a:lstStyle/>
           <a:p>
             <a:r>
-              <a:rPr lang="fr-FR" smtClean="0"/>
+              <a:rPr lang="fr-FR"/>
+              <a:t>Solution de stockage et de partage d’objets</a:t>
+            </a:r>
+          </a:p>
+        </p:txBody>
+      </p:sp>
+      <p:pic>
+        <p:nvPicPr>
+          <p:cNvPr id="5" name="Image 4"/>
+          <p:cNvPicPr>
+            <a:picLocks noChangeAspect="1"/>
+          </p:cNvPicPr>
+          <p:nvPr/>
+        </p:nvPicPr>
+        <p:blipFill>
+          <a:blip r:embed="rId2">
+            <a:extLst>
+              <a:ext uri="{28A0092B-C50C-407E-A947-70E740481C1C}">
+                <a14:useLocalDpi xmlns:a14="http://schemas.microsoft.com/office/drawing/2010/main" val="0"/>
+              </a:ext>
+            </a:extLst>
+          </a:blip>
+          <a:stretch>
+            <a:fillRect/>
+          </a:stretch>
+        </p:blipFill>
+        <p:spPr>
+          <a:xfrm>
+            <a:off x="605288" y="5303040"/>
+            <a:ext cx="2362200" cy="1338580"/>
+          </a:xfrm>
+          <a:prstGeom prst="rect">
+            <a:avLst/>
+          </a:prstGeom>
+        </p:spPr>
+      </p:pic>
+      <p:pic>
+        <p:nvPicPr>
+          <p:cNvPr id="6" name="Image 5"/>
+          <p:cNvPicPr>
+            <a:picLocks noChangeAspect="1"/>
+          </p:cNvPicPr>
+          <p:nvPr/>
+        </p:nvPicPr>
+        <p:blipFill>
+          <a:blip r:embed="rId3">
+            <a:extLst>
+              <a:ext uri="{28A0092B-C50C-407E-A947-70E740481C1C}">
+                <a14:useLocalDpi xmlns:a14="http://schemas.microsoft.com/office/drawing/2010/main" val="0"/>
+              </a:ext>
+            </a:extLst>
+          </a:blip>
+          <a:stretch>
+            <a:fillRect/>
+          </a:stretch>
+        </p:blipFill>
+        <p:spPr>
+          <a:xfrm>
+            <a:off x="9627308" y="140593"/>
+            <a:ext cx="1871704" cy="1456246"/>
+          </a:xfrm>
+          <a:prstGeom prst="rect">
+            <a:avLst/>
+          </a:prstGeom>
+        </p:spPr>
+      </p:pic>
+      <p:sp>
+        <p:nvSpPr>
+          <p:cNvPr id="4" name="ZoneTexte 3"/>
+          <p:cNvSpPr txBox="1"/>
+          <p:nvPr/>
+        </p:nvSpPr>
+        <p:spPr>
+          <a:xfrm>
+            <a:off x="4934000" y="3864634"/>
+            <a:ext cx="1978427" cy="1200329"/>
+          </a:xfrm>
+          <a:prstGeom prst="rect">
+            <a:avLst/>
+          </a:prstGeom>
+          <a:noFill/>
+        </p:spPr>
+        <p:txBody>
+          <a:bodyPr wrap="none" rtlCol="0">
+            <a:spAutoFit/>
+          </a:bodyPr>
+          <a:lstStyle/>
+          <a:p>
+            <a:pPr algn="ctr"/>
+            <a:r>
+              <a:rPr lang="fr-FR" i="1"/>
+              <a:t>ALLEXANDRE Cyril</a:t>
+            </a:r>
+          </a:p>
+          <a:p>
+            <a:pPr algn="ctr"/>
+            <a:r>
+              <a:rPr lang="fr-FR" i="1"/>
+              <a:t>HENON Emilien</a:t>
+            </a:r>
+          </a:p>
+          <a:p>
+            <a:pPr algn="ctr"/>
+            <a:r>
+              <a:rPr lang="fr-FR" i="1"/>
+              <a:t>LEGRAND Dylan</a:t>
+            </a:r>
+          </a:p>
+          <a:p>
+            <a:pPr algn="ctr"/>
+            <a:r>
+              <a:rPr lang="fr-FR" i="1"/>
+              <a:t>SORANO Clément</a:t>
+            </a:r>
+          </a:p>
+        </p:txBody>
+      </p:sp>
+    </p:spTree>
+    <p:extLst>
+      <p:ext uri="{BB962C8B-B14F-4D97-AF65-F5344CB8AC3E}">
+        <p14:creationId xmlns:p14="http://schemas.microsoft.com/office/powerpoint/2010/main" val="729914770"/>
+      </p:ext>
+    </p:extLst>
+  </p:cSld>
+  <p:clrMapOvr>
+    <a:masterClrMapping/>
+  </p:clrMapOvr>
+</p:sld>
+</file>
+
+<file path=ppt/slides/slide20.xml><?xml version="1.0" encoding="utf-8"?>
+<p:sld xmlns:a="http://schemas.openxmlformats.org/drawingml/2006/main" xmlns:r="http://schemas.openxmlformats.org/officeDocument/2006/relationships" xmlns:p="http://schemas.openxmlformats.org/presentationml/2006/main">
+  <p:cSld>
+    <p:spTree>
+      <p:nvGrpSpPr>
+        <p:cNvPr id="1" name=""/>
+        <p:cNvGrpSpPr/>
+        <p:nvPr/>
+      </p:nvGrpSpPr>
+      <p:grpSpPr>
+        <a:xfrm>
+          <a:off x="0" y="0"/>
+          <a:ext cx="0" cy="0"/>
+          <a:chOff x="0" y="0"/>
+          <a:chExt cx="0" cy="0"/>
+        </a:xfrm>
+      </p:grpSpPr>
+      <p:sp>
+        <p:nvSpPr>
+          <p:cNvPr id="2" name="Titre 1"/>
+          <p:cNvSpPr>
+            <a:spLocks noGrp="1"/>
+          </p:cNvSpPr>
+          <p:nvPr>
+            <p:ph type="ctrTitle"/>
+          </p:nvPr>
+        </p:nvSpPr>
+        <p:spPr/>
+        <p:txBody>
+          <a:bodyPr/>
+          <a:lstStyle/>
+          <a:p>
+            <a:r>
+              <a:rPr lang="fr-FR"/>
+              <a:t>Merci de votre attention</a:t>
+            </a:r>
+          </a:p>
+        </p:txBody>
+      </p:sp>
+      <p:sp>
+        <p:nvSpPr>
+          <p:cNvPr id="3" name="Sous-titre 2"/>
+          <p:cNvSpPr>
+            <a:spLocks noGrp="1"/>
+          </p:cNvSpPr>
+          <p:nvPr>
+            <p:ph type="subTitle" idx="1"/>
+          </p:nvPr>
+        </p:nvSpPr>
+        <p:spPr/>
+        <p:txBody>
+          <a:bodyPr/>
+          <a:lstStyle/>
+          <a:p>
+            <a:r>
+              <a:rPr lang="fr-FR"/>
               <a:t>Avez-vous des questions ?</a:t>
             </a:r>
-            <a:endParaRPr lang="fr-FR"/>
           </a:p>
         </p:txBody>
       </p:sp>
@@ -5557,218 +6171,6 @@
   <p:clrMapOvr>
     <a:masterClrMapping/>
   </p:clrMapOvr>
-  <p:timing>
-    <p:tnLst>
-      <p:par>
-        <p:cTn id="1" dur="indefinite" restart="never" nodeType="tmRoot"/>
-      </p:par>
-    </p:tnLst>
-  </p:timing>
-</p:sld>
-</file>
-
-<file path=ppt/slides/slide2.xml><?xml version="1.0" encoding="utf-8"?>
-<p:sld xmlns:a="http://schemas.openxmlformats.org/drawingml/2006/main" xmlns:r="http://schemas.openxmlformats.org/officeDocument/2006/relationships" xmlns:p="http://schemas.openxmlformats.org/presentationml/2006/main">
-  <p:cSld>
-    <p:spTree>
-      <p:nvGrpSpPr>
-        <p:cNvPr id="1" name=""/>
-        <p:cNvGrpSpPr/>
-        <p:nvPr/>
-      </p:nvGrpSpPr>
-      <p:grpSpPr>
-        <a:xfrm>
-          <a:off x="0" y="0"/>
-          <a:ext cx="0" cy="0"/>
-          <a:chOff x="0" y="0"/>
-          <a:chExt cx="0" cy="0"/>
-        </a:xfrm>
-      </p:grpSpPr>
-      <p:sp>
-        <p:nvSpPr>
-          <p:cNvPr id="2" name="Titre 1"/>
-          <p:cNvSpPr>
-            <a:spLocks noGrp="1"/>
-          </p:cNvSpPr>
-          <p:nvPr>
-            <p:ph type="ctrTitle"/>
-          </p:nvPr>
-        </p:nvSpPr>
-        <p:spPr>
-          <a:xfrm>
-            <a:off x="1742600" y="813669"/>
-            <a:ext cx="8361229" cy="2098226"/>
-          </a:xfrm>
-        </p:spPr>
-        <p:txBody>
-          <a:bodyPr/>
-          <a:lstStyle/>
-          <a:p>
-            <a:r>
-              <a:rPr lang="fr-FR" smtClean="0"/>
-              <a:t>FLEXIBOX</a:t>
-            </a:r>
-            <a:endParaRPr lang="fr-FR"/>
-          </a:p>
-        </p:txBody>
-      </p:sp>
-      <p:sp>
-        <p:nvSpPr>
-          <p:cNvPr id="3" name="Sous-titre 2"/>
-          <p:cNvSpPr>
-            <a:spLocks noGrp="1"/>
-          </p:cNvSpPr>
-          <p:nvPr>
-            <p:ph type="subTitle" idx="1"/>
-          </p:nvPr>
-        </p:nvSpPr>
-        <p:spPr>
-          <a:xfrm>
-            <a:off x="2507378" y="2981494"/>
-            <a:ext cx="6831673" cy="1086237"/>
-          </a:xfrm>
-        </p:spPr>
-        <p:txBody>
-          <a:bodyPr/>
-          <a:lstStyle/>
-          <a:p>
-            <a:r>
-              <a:rPr lang="fr-FR" smtClean="0"/>
-              <a:t>Solution de stockage et de partage d’objets</a:t>
-            </a:r>
-            <a:endParaRPr lang="fr-FR"/>
-          </a:p>
-        </p:txBody>
-      </p:sp>
-      <p:pic>
-        <p:nvPicPr>
-          <p:cNvPr id="5" name="Image 4"/>
-          <p:cNvPicPr>
-            <a:picLocks noChangeAspect="1"/>
-          </p:cNvPicPr>
-          <p:nvPr/>
-        </p:nvPicPr>
-        <p:blipFill>
-          <a:blip r:embed="rId2">
-            <a:extLst>
-              <a:ext uri="{28A0092B-C50C-407E-A947-70E740481C1C}">
-                <a14:useLocalDpi xmlns:a14="http://schemas.microsoft.com/office/drawing/2010/main" val="0"/>
-              </a:ext>
-            </a:extLst>
-          </a:blip>
-          <a:stretch>
-            <a:fillRect/>
-          </a:stretch>
-        </p:blipFill>
-        <p:spPr>
-          <a:xfrm>
-            <a:off x="605288" y="5303040"/>
-            <a:ext cx="2362200" cy="1338580"/>
-          </a:xfrm>
-          <a:prstGeom prst="rect">
-            <a:avLst/>
-          </a:prstGeom>
-        </p:spPr>
-      </p:pic>
-      <p:pic>
-        <p:nvPicPr>
-          <p:cNvPr id="6" name="Image 5"/>
-          <p:cNvPicPr>
-            <a:picLocks noChangeAspect="1"/>
-          </p:cNvPicPr>
-          <p:nvPr/>
-        </p:nvPicPr>
-        <p:blipFill>
-          <a:blip r:embed="rId3">
-            <a:extLst>
-              <a:ext uri="{28A0092B-C50C-407E-A947-70E740481C1C}">
-                <a14:useLocalDpi xmlns:a14="http://schemas.microsoft.com/office/drawing/2010/main" val="0"/>
-              </a:ext>
-            </a:extLst>
-          </a:blip>
-          <a:stretch>
-            <a:fillRect/>
-          </a:stretch>
-        </p:blipFill>
-        <p:spPr>
-          <a:xfrm>
-            <a:off x="9627308" y="140593"/>
-            <a:ext cx="1871704" cy="1456246"/>
-          </a:xfrm>
-          <a:prstGeom prst="rect">
-            <a:avLst/>
-          </a:prstGeom>
-        </p:spPr>
-      </p:pic>
-      <p:sp>
-        <p:nvSpPr>
-          <p:cNvPr id="4" name="ZoneTexte 3"/>
-          <p:cNvSpPr txBox="1"/>
-          <p:nvPr/>
-        </p:nvSpPr>
-        <p:spPr>
-          <a:xfrm>
-            <a:off x="4934000" y="3864634"/>
-            <a:ext cx="1978427" cy="1200329"/>
-          </a:xfrm>
-          <a:prstGeom prst="rect">
-            <a:avLst/>
-          </a:prstGeom>
-          <a:noFill/>
-        </p:spPr>
-        <p:txBody>
-          <a:bodyPr wrap="none" rtlCol="0">
-            <a:spAutoFit/>
-          </a:bodyPr>
-          <a:lstStyle/>
-          <a:p>
-            <a:pPr algn="ctr"/>
-            <a:r>
-              <a:rPr lang="fr-FR" i="1" smtClean="0"/>
-              <a:t>ALLEXANDRE Cyril</a:t>
-            </a:r>
-          </a:p>
-          <a:p>
-            <a:pPr algn="ctr"/>
-            <a:r>
-              <a:rPr lang="fr-FR" i="1" smtClean="0"/>
-              <a:t>HENON Emilien</a:t>
-            </a:r>
-          </a:p>
-          <a:p>
-            <a:pPr algn="ctr"/>
-            <a:r>
-              <a:rPr lang="fr-FR" i="1" smtClean="0"/>
-              <a:t>LEGRAND Dylan</a:t>
-            </a:r>
-          </a:p>
-          <a:p>
-            <a:pPr algn="ctr"/>
-            <a:r>
-              <a:rPr lang="fr-FR" i="1" smtClean="0"/>
-              <a:t>SORANO Clément</a:t>
-            </a:r>
-            <a:endParaRPr lang="fr-FR" i="1"/>
-          </a:p>
-        </p:txBody>
-      </p:sp>
-    </p:spTree>
-    <p:extLst>
-      <p:ext uri="{BB962C8B-B14F-4D97-AF65-F5344CB8AC3E}">
-        <p14:creationId xmlns:p14="http://schemas.microsoft.com/office/powerpoint/2010/main" val="729914770"/>
-      </p:ext>
-    </p:extLst>
-  </p:cSld>
-  <p:clrMapOvr>
-    <a:masterClrMapping/>
-  </p:clrMapOvr>
-  <p:timing>
-    <p:tnLst>
-      <p:par>
-        <p:cTn id="1" dur="indefinite" restart="never" nodeType="tmRoot"/>
-      </p:par>
-    </p:tnLst>
-  </p:timing>
 </p:sld>
 </file>
 
@@ -5791,7 +6193,13 @@
       </p:grpSpPr>
       <p:sp>
         <p:nvSpPr>
-          <p:cNvPr id="2" name="Titre 1"/>
+          <p:cNvPr id="2" name="Titre 1">
+            <a:extLst>
+              <a:ext uri="{FF2B5EF4-FFF2-40B4-BE49-F238E27FC236}">
+                <a16:creationId xmlns:a16="http://schemas.microsoft.com/office/drawing/2014/main" id="{2EBFC355-6345-4216-96FE-A7CF6155E63D}"/>
+              </a:ext>
+            </a:extLst>
+          </p:cNvPr>
           <p:cNvSpPr>
             <a:spLocks noGrp="1"/>
           </p:cNvSpPr>
@@ -5805,16 +6213,21 @@
           <a:lstStyle/>
           <a:p>
             <a:r>
-              <a:rPr lang="fr-FR" smtClean="0"/>
+              <a:rPr lang="fr-FR" dirty="0"/>
               <a:t>Contexte</a:t>
             </a:r>
-            <a:endParaRPr lang="fr-FR"/>
-          </a:p>
-        </p:txBody>
-      </p:sp>
-      <p:sp>
-        <p:nvSpPr>
-          <p:cNvPr id="3" name="Espace réservé du contenu 2"/>
+          </a:p>
+        </p:txBody>
+      </p:sp>
+      <p:sp>
+        <p:nvSpPr>
+          <p:cNvPr id="3" name="Espace réservé du contenu 2">
+            <a:extLst>
+              <a:ext uri="{FF2B5EF4-FFF2-40B4-BE49-F238E27FC236}">
+                <a16:creationId xmlns:a16="http://schemas.microsoft.com/office/drawing/2014/main" id="{603CE50E-005D-47E6-A5C9-2CE6ECC14B79}"/>
+              </a:ext>
+            </a:extLst>
+          </p:cNvPr>
           <p:cNvSpPr>
             <a:spLocks noGrp="1"/>
           </p:cNvSpPr>
@@ -5827,14 +6240,54 @@
           <a:bodyPr/>
           <a:lstStyle/>
           <a:p>
-            <a:endParaRPr lang="fr-FR"/>
+            <a:r>
+              <a:rPr lang="fr-FR" dirty="0"/>
+              <a:t>En milieu urbain </a:t>
+            </a:r>
+            <a:r>
+              <a:rPr lang="fr-FR" dirty="0">
+                <a:sym typeface="Wingdings" panose="05000000000000000000" pitchFamily="2" charset="2"/>
+              </a:rPr>
+              <a:t> Vie en appartement.</a:t>
+            </a:r>
+            <a:endParaRPr lang="fr-FR" dirty="0"/>
+          </a:p>
+          <a:p>
+            <a:r>
+              <a:rPr lang="fr-FR" dirty="0"/>
+              <a:t>Accumulation d’objets au domicile.</a:t>
+            </a:r>
+          </a:p>
+          <a:p>
+            <a:r>
+              <a:rPr lang="fr-FR" dirty="0"/>
+              <a:t>Nouvelle génération habituée aux services de livraison à domicile.</a:t>
+            </a:r>
+          </a:p>
+          <a:p>
+            <a:r>
+              <a:rPr lang="fr-FR" dirty="0"/>
+              <a:t>Transport des affaires vers un espace de stockage.</a:t>
+            </a:r>
+          </a:p>
+          <a:p>
+            <a:r>
+              <a:rPr lang="fr-FR" dirty="0"/>
+              <a:t>Exigence de la population.</a:t>
+            </a:r>
+          </a:p>
+          <a:p>
+            <a:endParaRPr lang="fr-FR" dirty="0"/>
+          </a:p>
+          <a:p>
+            <a:endParaRPr lang="fr-FR" dirty="0"/>
           </a:p>
         </p:txBody>
       </p:sp>
     </p:spTree>
     <p:extLst>
       <p:ext uri="{BB962C8B-B14F-4D97-AF65-F5344CB8AC3E}">
-        <p14:creationId xmlns:p14="http://schemas.microsoft.com/office/powerpoint/2010/main" val="885064854"/>
+        <p14:creationId xmlns:p14="http://schemas.microsoft.com/office/powerpoint/2010/main" val="3357126759"/>
       </p:ext>
     </p:extLst>
   </p:cSld>
@@ -5844,7 +6297,335 @@
   <p:timing>
     <p:tnLst>
       <p:par>
-        <p:cTn id="1" dur="indefinite" restart="never" nodeType="tmRoot"/>
+        <p:cTn id="1" dur="indefinite" restart="never" nodeType="tmRoot">
+          <p:childTnLst>
+            <p:seq concurrent="1" nextAc="seek">
+              <p:cTn id="2" dur="indefinite" nodeType="mainSeq">
+                <p:childTnLst>
+                  <p:par>
+                    <p:cTn id="3" fill="hold">
+                      <p:stCondLst>
+                        <p:cond delay="indefinite"/>
+                      </p:stCondLst>
+                      <p:childTnLst>
+                        <p:par>
+                          <p:cTn id="4" fill="hold">
+                            <p:stCondLst>
+                              <p:cond delay="0"/>
+                            </p:stCondLst>
+                            <p:childTnLst>
+                              <p:par>
+                                <p:cTn id="5" presetID="10" presetClass="entr" presetSubtype="0" fill="hold" nodeType="clickEffect">
+                                  <p:stCondLst>
+                                    <p:cond delay="0"/>
+                                  </p:stCondLst>
+                                  <p:childTnLst>
+                                    <p:set>
+                                      <p:cBhvr>
+                                        <p:cTn id="6" dur="1" fill="hold">
+                                          <p:stCondLst>
+                                            <p:cond delay="0"/>
+                                          </p:stCondLst>
+                                        </p:cTn>
+                                        <p:tgtEl>
+                                          <p:spTgt spid="3">
+                                            <p:txEl>
+                                              <p:pRg st="0" end="0"/>
+                                            </p:txEl>
+                                          </p:spTgt>
+                                        </p:tgtEl>
+                                        <p:attrNameLst>
+                                          <p:attrName>style.visibility</p:attrName>
+                                        </p:attrNameLst>
+                                      </p:cBhvr>
+                                      <p:to>
+                                        <p:strVal val="visible"/>
+                                      </p:to>
+                                    </p:set>
+                                    <p:animEffect transition="in" filter="fade">
+                                      <p:cBhvr>
+                                        <p:cTn id="7" dur="500"/>
+                                        <p:tgtEl>
+                                          <p:spTgt spid="3">
+                                            <p:txEl>
+                                              <p:pRg st="0" end="0"/>
+                                            </p:txEl>
+                                          </p:spTgt>
+                                        </p:tgtEl>
+                                      </p:cBhvr>
+                                    </p:animEffect>
+                                  </p:childTnLst>
+                                </p:cTn>
+                              </p:par>
+                            </p:childTnLst>
+                          </p:cTn>
+                        </p:par>
+                      </p:childTnLst>
+                    </p:cTn>
+                  </p:par>
+                  <p:par>
+                    <p:cTn id="8" fill="hold">
+                      <p:stCondLst>
+                        <p:cond delay="indefinite"/>
+                      </p:stCondLst>
+                      <p:childTnLst>
+                        <p:par>
+                          <p:cTn id="9" fill="hold">
+                            <p:stCondLst>
+                              <p:cond delay="0"/>
+                            </p:stCondLst>
+                            <p:childTnLst>
+                              <p:par>
+                                <p:cTn id="10" presetID="10" presetClass="entr" presetSubtype="0" fill="hold" nodeType="clickEffect">
+                                  <p:stCondLst>
+                                    <p:cond delay="0"/>
+                                  </p:stCondLst>
+                                  <p:childTnLst>
+                                    <p:set>
+                                      <p:cBhvr>
+                                        <p:cTn id="11" dur="1" fill="hold">
+                                          <p:stCondLst>
+                                            <p:cond delay="0"/>
+                                          </p:stCondLst>
+                                        </p:cTn>
+                                        <p:tgtEl>
+                                          <p:spTgt spid="3">
+                                            <p:txEl>
+                                              <p:pRg st="1" end="1"/>
+                                            </p:txEl>
+                                          </p:spTgt>
+                                        </p:tgtEl>
+                                        <p:attrNameLst>
+                                          <p:attrName>style.visibility</p:attrName>
+                                        </p:attrNameLst>
+                                      </p:cBhvr>
+                                      <p:to>
+                                        <p:strVal val="visible"/>
+                                      </p:to>
+                                    </p:set>
+                                    <p:animEffect transition="in" filter="fade">
+                                      <p:cBhvr>
+                                        <p:cTn id="12" dur="500"/>
+                                        <p:tgtEl>
+                                          <p:spTgt spid="3">
+                                            <p:txEl>
+                                              <p:pRg st="1" end="1"/>
+                                            </p:txEl>
+                                          </p:spTgt>
+                                        </p:tgtEl>
+                                      </p:cBhvr>
+                                    </p:animEffect>
+                                  </p:childTnLst>
+                                </p:cTn>
+                              </p:par>
+                            </p:childTnLst>
+                          </p:cTn>
+                        </p:par>
+                      </p:childTnLst>
+                    </p:cTn>
+                  </p:par>
+                  <p:par>
+                    <p:cTn id="13" fill="hold">
+                      <p:stCondLst>
+                        <p:cond delay="indefinite"/>
+                      </p:stCondLst>
+                      <p:childTnLst>
+                        <p:par>
+                          <p:cTn id="14" fill="hold">
+                            <p:stCondLst>
+                              <p:cond delay="0"/>
+                            </p:stCondLst>
+                            <p:childTnLst>
+                              <p:par>
+                                <p:cTn id="15" presetID="10" presetClass="entr" presetSubtype="0" fill="hold" nodeType="clickEffect">
+                                  <p:stCondLst>
+                                    <p:cond delay="0"/>
+                                  </p:stCondLst>
+                                  <p:childTnLst>
+                                    <p:set>
+                                      <p:cBhvr>
+                                        <p:cTn id="16" dur="1" fill="hold">
+                                          <p:stCondLst>
+                                            <p:cond delay="0"/>
+                                          </p:stCondLst>
+                                        </p:cTn>
+                                        <p:tgtEl>
+                                          <p:spTgt spid="3">
+                                            <p:txEl>
+                                              <p:pRg st="2" end="2"/>
+                                            </p:txEl>
+                                          </p:spTgt>
+                                        </p:tgtEl>
+                                        <p:attrNameLst>
+                                          <p:attrName>style.visibility</p:attrName>
+                                        </p:attrNameLst>
+                                      </p:cBhvr>
+                                      <p:to>
+                                        <p:strVal val="visible"/>
+                                      </p:to>
+                                    </p:set>
+                                    <p:animEffect transition="in" filter="fade">
+                                      <p:cBhvr>
+                                        <p:cTn id="17" dur="500"/>
+                                        <p:tgtEl>
+                                          <p:spTgt spid="3">
+                                            <p:txEl>
+                                              <p:pRg st="2" end="2"/>
+                                            </p:txEl>
+                                          </p:spTgt>
+                                        </p:tgtEl>
+                                      </p:cBhvr>
+                                    </p:animEffect>
+                                  </p:childTnLst>
+                                </p:cTn>
+                              </p:par>
+                            </p:childTnLst>
+                          </p:cTn>
+                        </p:par>
+                      </p:childTnLst>
+                    </p:cTn>
+                  </p:par>
+                  <p:par>
+                    <p:cTn id="18" fill="hold">
+                      <p:stCondLst>
+                        <p:cond delay="indefinite"/>
+                      </p:stCondLst>
+                      <p:childTnLst>
+                        <p:par>
+                          <p:cTn id="19" fill="hold">
+                            <p:stCondLst>
+                              <p:cond delay="0"/>
+                            </p:stCondLst>
+                            <p:childTnLst>
+                              <p:par>
+                                <p:cTn id="20" presetID="10" presetClass="entr" presetSubtype="0" fill="hold" nodeType="clickEffect">
+                                  <p:stCondLst>
+                                    <p:cond delay="0"/>
+                                  </p:stCondLst>
+                                  <p:childTnLst>
+                                    <p:set>
+                                      <p:cBhvr>
+                                        <p:cTn id="21" dur="1" fill="hold">
+                                          <p:stCondLst>
+                                            <p:cond delay="0"/>
+                                          </p:stCondLst>
+                                        </p:cTn>
+                                        <p:tgtEl>
+                                          <p:spTgt spid="3">
+                                            <p:txEl>
+                                              <p:pRg st="3" end="3"/>
+                                            </p:txEl>
+                                          </p:spTgt>
+                                        </p:tgtEl>
+                                        <p:attrNameLst>
+                                          <p:attrName>style.visibility</p:attrName>
+                                        </p:attrNameLst>
+                                      </p:cBhvr>
+                                      <p:to>
+                                        <p:strVal val="visible"/>
+                                      </p:to>
+                                    </p:set>
+                                    <p:animEffect transition="in" filter="fade">
+                                      <p:cBhvr>
+                                        <p:cTn id="22" dur="500"/>
+                                        <p:tgtEl>
+                                          <p:spTgt spid="3">
+                                            <p:txEl>
+                                              <p:pRg st="3" end="3"/>
+                                            </p:txEl>
+                                          </p:spTgt>
+                                        </p:tgtEl>
+                                      </p:cBhvr>
+                                    </p:animEffect>
+                                  </p:childTnLst>
+                                </p:cTn>
+                              </p:par>
+                            </p:childTnLst>
+                          </p:cTn>
+                        </p:par>
+                      </p:childTnLst>
+                    </p:cTn>
+                  </p:par>
+                  <p:par>
+                    <p:cTn id="23" fill="hold">
+                      <p:stCondLst>
+                        <p:cond delay="indefinite"/>
+                      </p:stCondLst>
+                      <p:childTnLst>
+                        <p:par>
+                          <p:cTn id="24" fill="hold">
+                            <p:stCondLst>
+                              <p:cond delay="0"/>
+                            </p:stCondLst>
+                            <p:childTnLst>
+                              <p:par>
+                                <p:cTn id="25" presetID="10" presetClass="entr" presetSubtype="0" fill="hold" nodeType="clickEffect">
+                                  <p:stCondLst>
+                                    <p:cond delay="0"/>
+                                  </p:stCondLst>
+                                  <p:childTnLst>
+                                    <p:set>
+                                      <p:cBhvr>
+                                        <p:cTn id="26" dur="1" fill="hold">
+                                          <p:stCondLst>
+                                            <p:cond delay="0"/>
+                                          </p:stCondLst>
+                                        </p:cTn>
+                                        <p:tgtEl>
+                                          <p:spTgt spid="3">
+                                            <p:txEl>
+                                              <p:pRg st="4" end="4"/>
+                                            </p:txEl>
+                                          </p:spTgt>
+                                        </p:tgtEl>
+                                        <p:attrNameLst>
+                                          <p:attrName>style.visibility</p:attrName>
+                                        </p:attrNameLst>
+                                      </p:cBhvr>
+                                      <p:to>
+                                        <p:strVal val="visible"/>
+                                      </p:to>
+                                    </p:set>
+                                    <p:animEffect transition="in" filter="fade">
+                                      <p:cBhvr>
+                                        <p:cTn id="27" dur="500"/>
+                                        <p:tgtEl>
+                                          <p:spTgt spid="3">
+                                            <p:txEl>
+                                              <p:pRg st="4" end="4"/>
+                                            </p:txEl>
+                                          </p:spTgt>
+                                        </p:tgtEl>
+                                      </p:cBhvr>
+                                    </p:animEffect>
+                                  </p:childTnLst>
+                                </p:cTn>
+                              </p:par>
+                            </p:childTnLst>
+                          </p:cTn>
+                        </p:par>
+                      </p:childTnLst>
+                    </p:cTn>
+                  </p:par>
+                </p:childTnLst>
+              </p:cTn>
+              <p:prevCondLst>
+                <p:cond evt="onPrev" delay="0">
+                  <p:tgtEl>
+                    <p:sldTgt/>
+                  </p:tgtEl>
+                </p:cond>
+              </p:prevCondLst>
+              <p:nextCondLst>
+                <p:cond evt="onNext" delay="0">
+                  <p:tgtEl>
+                    <p:sldTgt/>
+                  </p:tgtEl>
+                </p:cond>
+              </p:nextCondLst>
+            </p:seq>
+          </p:childTnLst>
+        </p:cTn>
       </p:par>
     </p:tnLst>
   </p:timing>
@@ -5878,16 +6659,21 @@
             <p:ph type="title"/>
           </p:nvPr>
         </p:nvSpPr>
-        <p:spPr/>
+        <p:spPr>
+          <a:xfrm>
+            <a:off x="1371600" y="685800"/>
+            <a:ext cx="9601200" cy="1485900"/>
+          </a:xfrm>
+        </p:spPr>
         <p:txBody>
           <a:bodyPr/>
           <a:lstStyle/>
           <a:p>
             <a:r>
-              <a:rPr lang="fr-FR" smtClean="0"/>
-              <a:t>Nos solutions</a:t>
-            </a:r>
-            <a:endParaRPr lang="fr-FR"/>
+              <a:rPr lang="fr-FR"/>
+              <a:t>Contexte</a:t>
+            </a:r>
+            <a:endParaRPr lang="fr-FR" dirty="0"/>
           </a:p>
         </p:txBody>
       </p:sp>
@@ -5901,19 +6687,134 @@
             <p:ph idx="1"/>
           </p:nvPr>
         </p:nvSpPr>
-        <p:spPr/>
+        <p:spPr>
+          <a:xfrm>
+            <a:off x="1371600" y="2286000"/>
+            <a:ext cx="9601200" cy="3581400"/>
+          </a:xfrm>
+        </p:spPr>
         <p:txBody>
           <a:bodyPr/>
           <a:lstStyle/>
           <a:p>
-            <a:endParaRPr lang="fr-FR"/>
-          </a:p>
-        </p:txBody>
-      </p:sp>
+            <a:r>
+              <a:rPr lang="fr-FR" dirty="0"/>
+              <a:t>Public cible :</a:t>
+            </a:r>
+          </a:p>
+          <a:p>
+            <a:pPr lvl="1">
+              <a:buFont typeface="Arial" panose="020B0604020202020204" pitchFamily="34" charset="0"/>
+              <a:buChar char="•"/>
+            </a:pPr>
+            <a:r>
+              <a:rPr lang="fr-FR" dirty="0"/>
+              <a:t>Propriétaires particuliers:</a:t>
+            </a:r>
+          </a:p>
+          <a:p>
+            <a:pPr lvl="2">
+              <a:buFont typeface="Arial" panose="020B0604020202020204" pitchFamily="34" charset="0"/>
+              <a:buChar char="•"/>
+            </a:pPr>
+            <a:r>
+              <a:rPr lang="fr-FR" dirty="0"/>
+              <a:t>Relativement jeunes.</a:t>
+            </a:r>
+          </a:p>
+          <a:p>
+            <a:pPr lvl="2">
+              <a:buFont typeface="Arial" panose="020B0604020202020204" pitchFamily="34" charset="0"/>
+              <a:buChar char="•"/>
+            </a:pPr>
+            <a:r>
+              <a:rPr lang="fr-FR" dirty="0"/>
+              <a:t>Vivant en appartement / Surface restreinte.</a:t>
+            </a:r>
+          </a:p>
+          <a:p>
+            <a:pPr lvl="2">
+              <a:buFont typeface="Arial" panose="020B0604020202020204" pitchFamily="34" charset="0"/>
+              <a:buChar char="•"/>
+            </a:pPr>
+            <a:r>
+              <a:rPr lang="fr-FR" dirty="0"/>
+              <a:t>Habitués des services de livraison à domicile.</a:t>
+            </a:r>
+          </a:p>
+          <a:p>
+            <a:pPr lvl="1">
+              <a:buFont typeface="Arial" panose="020B0604020202020204" pitchFamily="34" charset="0"/>
+              <a:buChar char="•"/>
+            </a:pPr>
+            <a:r>
+              <a:rPr lang="fr-FR" dirty="0"/>
+              <a:t>Startups et PME:</a:t>
+            </a:r>
+          </a:p>
+          <a:p>
+            <a:pPr lvl="2">
+              <a:buFont typeface="Arial" panose="020B0604020202020204" pitchFamily="34" charset="0"/>
+              <a:buChar char="•"/>
+            </a:pPr>
+            <a:r>
+              <a:rPr lang="fr-FR" dirty="0"/>
+              <a:t>Pas d’entrepôts de stockage.</a:t>
+            </a:r>
+          </a:p>
+        </p:txBody>
+      </p:sp>
+      <p:pic>
+        <p:nvPicPr>
+          <p:cNvPr id="4" name="Picture 6" descr="RÃ©sultat de recherche d'images pour &quot;cible png&quot;">
+            <a:extLst>
+              <a:ext uri="{FF2B5EF4-FFF2-40B4-BE49-F238E27FC236}">
+                <a16:creationId xmlns:a16="http://schemas.microsoft.com/office/drawing/2014/main" id="{B9610C7F-405D-42A4-A1FC-7A8883329AE5}"/>
+              </a:ext>
+            </a:extLst>
+          </p:cNvPr>
+          <p:cNvPicPr>
+            <a:picLocks noChangeAspect="1" noChangeArrowheads="1"/>
+          </p:cNvPicPr>
+          <p:nvPr/>
+        </p:nvPicPr>
+        <p:blipFill>
+          <a:blip r:embed="rId2">
+            <a:extLst>
+              <a:ext uri="{28A0092B-C50C-407E-A947-70E740481C1C}">
+                <a14:useLocalDpi xmlns:a14="http://schemas.microsoft.com/office/drawing/2010/main" val="0"/>
+              </a:ext>
+            </a:extLst>
+          </a:blip>
+          <a:srcRect/>
+          <a:stretch>
+            <a:fillRect/>
+          </a:stretch>
+        </p:blipFill>
+        <p:spPr bwMode="auto">
+          <a:xfrm>
+            <a:off x="8956431" y="2420815"/>
+            <a:ext cx="2016369" cy="2016369"/>
+          </a:xfrm>
+          <a:prstGeom prst="rect">
+            <a:avLst/>
+          </a:prstGeom>
+          <a:noFill/>
+          <a:extLst>
+            <a:ext uri="{909E8E84-426E-40DD-AFC4-6F175D3DCCD1}">
+              <a14:hiddenFill xmlns:a14="http://schemas.microsoft.com/office/drawing/2010/main">
+                <a:solidFill>
+                  <a:srgbClr val="FFFFFF"/>
+                </a:solidFill>
+              </a14:hiddenFill>
+            </a:ext>
+          </a:extLst>
+        </p:spPr>
+      </p:pic>
     </p:spTree>
     <p:extLst>
       <p:ext uri="{BB962C8B-B14F-4D97-AF65-F5344CB8AC3E}">
-        <p14:creationId xmlns:p14="http://schemas.microsoft.com/office/powerpoint/2010/main" val="2459437463"/>
+        <p14:creationId xmlns:p14="http://schemas.microsoft.com/office/powerpoint/2010/main" val="885064854"/>
       </p:ext>
     </p:extLst>
   </p:cSld>
@@ -5923,7 +6824,492 @@
   <p:timing>
     <p:tnLst>
       <p:par>
-        <p:cTn id="1" dur="indefinite" restart="never" nodeType="tmRoot"/>
+        <p:cTn id="1" dur="indefinite" restart="never" nodeType="tmRoot">
+          <p:childTnLst>
+            <p:seq concurrent="1" nextAc="seek">
+              <p:cTn id="2" dur="indefinite" nodeType="mainSeq">
+                <p:childTnLst>
+                  <p:par>
+                    <p:cTn id="3" fill="hold">
+                      <p:stCondLst>
+                        <p:cond delay="indefinite"/>
+                      </p:stCondLst>
+                      <p:childTnLst>
+                        <p:par>
+                          <p:cTn id="4" fill="hold">
+                            <p:stCondLst>
+                              <p:cond delay="0"/>
+                            </p:stCondLst>
+                            <p:childTnLst>
+                              <p:par>
+                                <p:cTn id="5" presetID="10" presetClass="entr" presetSubtype="0" fill="hold" nodeType="clickEffect">
+                                  <p:stCondLst>
+                                    <p:cond delay="0"/>
+                                  </p:stCondLst>
+                                  <p:childTnLst>
+                                    <p:set>
+                                      <p:cBhvr>
+                                        <p:cTn id="6" dur="1" fill="hold">
+                                          <p:stCondLst>
+                                            <p:cond delay="0"/>
+                                          </p:stCondLst>
+                                        </p:cTn>
+                                        <p:tgtEl>
+                                          <p:spTgt spid="3">
+                                            <p:txEl>
+                                              <p:pRg st="0" end="0"/>
+                                            </p:txEl>
+                                          </p:spTgt>
+                                        </p:tgtEl>
+                                        <p:attrNameLst>
+                                          <p:attrName>style.visibility</p:attrName>
+                                        </p:attrNameLst>
+                                      </p:cBhvr>
+                                      <p:to>
+                                        <p:strVal val="visible"/>
+                                      </p:to>
+                                    </p:set>
+                                    <p:animEffect transition="in" filter="fade">
+                                      <p:cBhvr>
+                                        <p:cTn id="7" dur="500"/>
+                                        <p:tgtEl>
+                                          <p:spTgt spid="3">
+                                            <p:txEl>
+                                              <p:pRg st="0" end="0"/>
+                                            </p:txEl>
+                                          </p:spTgt>
+                                        </p:tgtEl>
+                                      </p:cBhvr>
+                                    </p:animEffect>
+                                  </p:childTnLst>
+                                </p:cTn>
+                              </p:par>
+                              <p:par>
+                                <p:cTn id="8" presetID="10" presetClass="entr" presetSubtype="0" fill="hold" nodeType="withEffect">
+                                  <p:stCondLst>
+                                    <p:cond delay="0"/>
+                                  </p:stCondLst>
+                                  <p:childTnLst>
+                                    <p:set>
+                                      <p:cBhvr>
+                                        <p:cTn id="9" dur="1" fill="hold">
+                                          <p:stCondLst>
+                                            <p:cond delay="0"/>
+                                          </p:stCondLst>
+                                        </p:cTn>
+                                        <p:tgtEl>
+                                          <p:spTgt spid="4"/>
+                                        </p:tgtEl>
+                                        <p:attrNameLst>
+                                          <p:attrName>style.visibility</p:attrName>
+                                        </p:attrNameLst>
+                                      </p:cBhvr>
+                                      <p:to>
+                                        <p:strVal val="visible"/>
+                                      </p:to>
+                                    </p:set>
+                                    <p:animEffect transition="in" filter="fade">
+                                      <p:cBhvr>
+                                        <p:cTn id="10" dur="500"/>
+                                        <p:tgtEl>
+                                          <p:spTgt spid="4"/>
+                                        </p:tgtEl>
+                                      </p:cBhvr>
+                                    </p:animEffect>
+                                  </p:childTnLst>
+                                </p:cTn>
+                              </p:par>
+                            </p:childTnLst>
+                          </p:cTn>
+                        </p:par>
+                      </p:childTnLst>
+                    </p:cTn>
+                  </p:par>
+                  <p:par>
+                    <p:cTn id="11" fill="hold">
+                      <p:stCondLst>
+                        <p:cond delay="indefinite"/>
+                      </p:stCondLst>
+                      <p:childTnLst>
+                        <p:par>
+                          <p:cTn id="12" fill="hold">
+                            <p:stCondLst>
+                              <p:cond delay="0"/>
+                            </p:stCondLst>
+                            <p:childTnLst>
+                              <p:par>
+                                <p:cTn id="13" presetID="10" presetClass="entr" presetSubtype="0" fill="hold" nodeType="clickEffect">
+                                  <p:stCondLst>
+                                    <p:cond delay="0"/>
+                                  </p:stCondLst>
+                                  <p:childTnLst>
+                                    <p:set>
+                                      <p:cBhvr>
+                                        <p:cTn id="14" dur="1" fill="hold">
+                                          <p:stCondLst>
+                                            <p:cond delay="0"/>
+                                          </p:stCondLst>
+                                        </p:cTn>
+                                        <p:tgtEl>
+                                          <p:spTgt spid="3">
+                                            <p:txEl>
+                                              <p:pRg st="1" end="1"/>
+                                            </p:txEl>
+                                          </p:spTgt>
+                                        </p:tgtEl>
+                                        <p:attrNameLst>
+                                          <p:attrName>style.visibility</p:attrName>
+                                        </p:attrNameLst>
+                                      </p:cBhvr>
+                                      <p:to>
+                                        <p:strVal val="visible"/>
+                                      </p:to>
+                                    </p:set>
+                                    <p:animEffect transition="in" filter="fade">
+                                      <p:cBhvr>
+                                        <p:cTn id="15" dur="500"/>
+                                        <p:tgtEl>
+                                          <p:spTgt spid="3">
+                                            <p:txEl>
+                                              <p:pRg st="1" end="1"/>
+                                            </p:txEl>
+                                          </p:spTgt>
+                                        </p:tgtEl>
+                                      </p:cBhvr>
+                                    </p:animEffect>
+                                  </p:childTnLst>
+                                </p:cTn>
+                              </p:par>
+                            </p:childTnLst>
+                          </p:cTn>
+                        </p:par>
+                      </p:childTnLst>
+                    </p:cTn>
+                  </p:par>
+                  <p:par>
+                    <p:cTn id="16" fill="hold">
+                      <p:stCondLst>
+                        <p:cond delay="indefinite"/>
+                      </p:stCondLst>
+                      <p:childTnLst>
+                        <p:par>
+                          <p:cTn id="17" fill="hold">
+                            <p:stCondLst>
+                              <p:cond delay="0"/>
+                            </p:stCondLst>
+                            <p:childTnLst>
+                              <p:par>
+                                <p:cTn id="18" presetID="10" presetClass="entr" presetSubtype="0" fill="hold" nodeType="clickEffect">
+                                  <p:stCondLst>
+                                    <p:cond delay="0"/>
+                                  </p:stCondLst>
+                                  <p:childTnLst>
+                                    <p:set>
+                                      <p:cBhvr>
+                                        <p:cTn id="19" dur="1" fill="hold">
+                                          <p:stCondLst>
+                                            <p:cond delay="0"/>
+                                          </p:stCondLst>
+                                        </p:cTn>
+                                        <p:tgtEl>
+                                          <p:spTgt spid="3">
+                                            <p:txEl>
+                                              <p:pRg st="2" end="2"/>
+                                            </p:txEl>
+                                          </p:spTgt>
+                                        </p:tgtEl>
+                                        <p:attrNameLst>
+                                          <p:attrName>style.visibility</p:attrName>
+                                        </p:attrNameLst>
+                                      </p:cBhvr>
+                                      <p:to>
+                                        <p:strVal val="visible"/>
+                                      </p:to>
+                                    </p:set>
+                                    <p:animEffect transition="in" filter="fade">
+                                      <p:cBhvr>
+                                        <p:cTn id="20" dur="500"/>
+                                        <p:tgtEl>
+                                          <p:spTgt spid="3">
+                                            <p:txEl>
+                                              <p:pRg st="2" end="2"/>
+                                            </p:txEl>
+                                          </p:spTgt>
+                                        </p:tgtEl>
+                                      </p:cBhvr>
+                                    </p:animEffect>
+                                  </p:childTnLst>
+                                </p:cTn>
+                              </p:par>
+                            </p:childTnLst>
+                          </p:cTn>
+                        </p:par>
+                      </p:childTnLst>
+                    </p:cTn>
+                  </p:par>
+                  <p:par>
+                    <p:cTn id="21" fill="hold">
+                      <p:stCondLst>
+                        <p:cond delay="indefinite"/>
+                      </p:stCondLst>
+                      <p:childTnLst>
+                        <p:par>
+                          <p:cTn id="22" fill="hold">
+                            <p:stCondLst>
+                              <p:cond delay="0"/>
+                            </p:stCondLst>
+                            <p:childTnLst>
+                              <p:par>
+                                <p:cTn id="23" presetID="10" presetClass="entr" presetSubtype="0" fill="hold" nodeType="clickEffect">
+                                  <p:stCondLst>
+                                    <p:cond delay="0"/>
+                                  </p:stCondLst>
+                                  <p:childTnLst>
+                                    <p:set>
+                                      <p:cBhvr>
+                                        <p:cTn id="24" dur="1" fill="hold">
+                                          <p:stCondLst>
+                                            <p:cond delay="0"/>
+                                          </p:stCondLst>
+                                        </p:cTn>
+                                        <p:tgtEl>
+                                          <p:spTgt spid="3">
+                                            <p:txEl>
+                                              <p:pRg st="3" end="3"/>
+                                            </p:txEl>
+                                          </p:spTgt>
+                                        </p:tgtEl>
+                                        <p:attrNameLst>
+                                          <p:attrName>style.visibility</p:attrName>
+                                        </p:attrNameLst>
+                                      </p:cBhvr>
+                                      <p:to>
+                                        <p:strVal val="visible"/>
+                                      </p:to>
+                                    </p:set>
+                                    <p:animEffect transition="in" filter="fade">
+                                      <p:cBhvr>
+                                        <p:cTn id="25" dur="500"/>
+                                        <p:tgtEl>
+                                          <p:spTgt spid="3">
+                                            <p:txEl>
+                                              <p:pRg st="3" end="3"/>
+                                            </p:txEl>
+                                          </p:spTgt>
+                                        </p:tgtEl>
+                                      </p:cBhvr>
+                                    </p:animEffect>
+                                  </p:childTnLst>
+                                </p:cTn>
+                              </p:par>
+                            </p:childTnLst>
+                          </p:cTn>
+                        </p:par>
+                      </p:childTnLst>
+                    </p:cTn>
+                  </p:par>
+                  <p:par>
+                    <p:cTn id="26" fill="hold">
+                      <p:stCondLst>
+                        <p:cond delay="indefinite"/>
+                      </p:stCondLst>
+                      <p:childTnLst>
+                        <p:par>
+                          <p:cTn id="27" fill="hold">
+                            <p:stCondLst>
+                              <p:cond delay="0"/>
+                            </p:stCondLst>
+                            <p:childTnLst>
+                              <p:par>
+                                <p:cTn id="28" presetID="10" presetClass="entr" presetSubtype="0" fill="hold" nodeType="clickEffect">
+                                  <p:stCondLst>
+                                    <p:cond delay="0"/>
+                                  </p:stCondLst>
+                                  <p:childTnLst>
+                                    <p:set>
+                                      <p:cBhvr>
+                                        <p:cTn id="29" dur="1" fill="hold">
+                                          <p:stCondLst>
+                                            <p:cond delay="0"/>
+                                          </p:stCondLst>
+                                        </p:cTn>
+                                        <p:tgtEl>
+                                          <p:spTgt spid="3">
+                                            <p:txEl>
+                                              <p:pRg st="4" end="4"/>
+                                            </p:txEl>
+                                          </p:spTgt>
+                                        </p:tgtEl>
+                                        <p:attrNameLst>
+                                          <p:attrName>style.visibility</p:attrName>
+                                        </p:attrNameLst>
+                                      </p:cBhvr>
+                                      <p:to>
+                                        <p:strVal val="visible"/>
+                                      </p:to>
+                                    </p:set>
+                                    <p:animEffect transition="in" filter="fade">
+                                      <p:cBhvr>
+                                        <p:cTn id="30" dur="500"/>
+                                        <p:tgtEl>
+                                          <p:spTgt spid="3">
+                                            <p:txEl>
+                                              <p:pRg st="4" end="4"/>
+                                            </p:txEl>
+                                          </p:spTgt>
+                                        </p:tgtEl>
+                                      </p:cBhvr>
+                                    </p:animEffect>
+                                  </p:childTnLst>
+                                </p:cTn>
+                              </p:par>
+                            </p:childTnLst>
+                          </p:cTn>
+                        </p:par>
+                      </p:childTnLst>
+                    </p:cTn>
+                  </p:par>
+                  <p:par>
+                    <p:cTn id="31" fill="hold">
+                      <p:stCondLst>
+                        <p:cond delay="indefinite"/>
+                      </p:stCondLst>
+                      <p:childTnLst>
+                        <p:par>
+                          <p:cTn id="32" fill="hold">
+                            <p:stCondLst>
+                              <p:cond delay="0"/>
+                            </p:stCondLst>
+                            <p:childTnLst>
+                              <p:par>
+                                <p:cTn id="33" presetID="10" presetClass="entr" presetSubtype="0" fill="hold" nodeType="clickEffect">
+                                  <p:stCondLst>
+                                    <p:cond delay="0"/>
+                                  </p:stCondLst>
+                                  <p:childTnLst>
+                                    <p:set>
+                                      <p:cBhvr>
+                                        <p:cTn id="34" dur="1" fill="hold">
+                                          <p:stCondLst>
+                                            <p:cond delay="0"/>
+                                          </p:stCondLst>
+                                        </p:cTn>
+                                        <p:tgtEl>
+                                          <p:spTgt spid="3">
+                                            <p:txEl>
+                                              <p:pRg st="5" end="5"/>
+                                            </p:txEl>
+                                          </p:spTgt>
+                                        </p:tgtEl>
+                                        <p:attrNameLst>
+                                          <p:attrName>style.visibility</p:attrName>
+                                        </p:attrNameLst>
+                                      </p:cBhvr>
+                                      <p:to>
+                                        <p:strVal val="visible"/>
+                                      </p:to>
+                                    </p:set>
+                                    <p:animEffect transition="in" filter="fade">
+                                      <p:cBhvr>
+                                        <p:cTn id="35" dur="500"/>
+                                        <p:tgtEl>
+                                          <p:spTgt spid="3">
+                                            <p:txEl>
+                                              <p:pRg st="5" end="5"/>
+                                            </p:txEl>
+                                          </p:spTgt>
+                                        </p:tgtEl>
+                                      </p:cBhvr>
+                                    </p:animEffect>
+                                  </p:childTnLst>
+                                </p:cTn>
+                              </p:par>
+                            </p:childTnLst>
+                          </p:cTn>
+                        </p:par>
+                      </p:childTnLst>
+                    </p:cTn>
+                  </p:par>
+                  <p:par>
+                    <p:cTn id="36" fill="hold">
+                      <p:stCondLst>
+                        <p:cond delay="indefinite"/>
+                      </p:stCondLst>
+                      <p:childTnLst>
+                        <p:par>
+                          <p:cTn id="37" fill="hold">
+                            <p:stCondLst>
+                              <p:cond delay="0"/>
+                            </p:stCondLst>
+                            <p:childTnLst>
+                              <p:par>
+                                <p:cTn id="38" presetID="10" presetClass="entr" presetSubtype="0" fill="hold" nodeType="clickEffect">
+                                  <p:stCondLst>
+                                    <p:cond delay="0"/>
+                                  </p:stCondLst>
+                                  <p:childTnLst>
+                                    <p:set>
+                                      <p:cBhvr>
+                                        <p:cTn id="39" dur="1" fill="hold">
+                                          <p:stCondLst>
+                                            <p:cond delay="0"/>
+                                          </p:stCondLst>
+                                        </p:cTn>
+                                        <p:tgtEl>
+                                          <p:spTgt spid="3">
+                                            <p:txEl>
+                                              <p:pRg st="6" end="6"/>
+                                            </p:txEl>
+                                          </p:spTgt>
+                                        </p:tgtEl>
+                                        <p:attrNameLst>
+                                          <p:attrName>style.visibility</p:attrName>
+                                        </p:attrNameLst>
+                                      </p:cBhvr>
+                                      <p:to>
+                                        <p:strVal val="visible"/>
+                                      </p:to>
+                                    </p:set>
+                                    <p:animEffect transition="in" filter="fade">
+                                      <p:cBhvr>
+                                        <p:cTn id="40" dur="500"/>
+                                        <p:tgtEl>
+                                          <p:spTgt spid="3">
+                                            <p:txEl>
+                                              <p:pRg st="6" end="6"/>
+                                            </p:txEl>
+                                          </p:spTgt>
+                                        </p:tgtEl>
+                                      </p:cBhvr>
+                                    </p:animEffect>
+                                  </p:childTnLst>
+                                </p:cTn>
+                              </p:par>
+                            </p:childTnLst>
+                          </p:cTn>
+                        </p:par>
+                      </p:childTnLst>
+                    </p:cTn>
+                  </p:par>
+                </p:childTnLst>
+              </p:cTn>
+              <p:prevCondLst>
+                <p:cond evt="onPrev" delay="0">
+                  <p:tgtEl>
+                    <p:sldTgt/>
+                  </p:tgtEl>
+                </p:cond>
+              </p:prevCondLst>
+              <p:nextCondLst>
+                <p:cond evt="onNext" delay="0">
+                  <p:tgtEl>
+                    <p:sldTgt/>
+                  </p:tgtEl>
+                </p:cond>
+              </p:nextCondLst>
+            </p:seq>
+          </p:childTnLst>
+        </p:cTn>
       </p:par>
     </p:tnLst>
   </p:timing>
@@ -5949,6 +7335,924 @@
       </p:grpSpPr>
       <p:sp>
         <p:nvSpPr>
+          <p:cNvPr id="2" name="Titre 1">
+            <a:extLst>
+              <a:ext uri="{FF2B5EF4-FFF2-40B4-BE49-F238E27FC236}">
+                <a16:creationId xmlns:a16="http://schemas.microsoft.com/office/drawing/2014/main" id="{91D47258-F6E9-486E-BE0E-B828AAC72A1E}"/>
+              </a:ext>
+            </a:extLst>
+          </p:cNvPr>
+          <p:cNvSpPr>
+            <a:spLocks noGrp="1"/>
+          </p:cNvSpPr>
+          <p:nvPr>
+            <p:ph type="title"/>
+          </p:nvPr>
+        </p:nvSpPr>
+        <p:spPr/>
+        <p:txBody>
+          <a:bodyPr/>
+          <a:lstStyle/>
+          <a:p>
+            <a:r>
+              <a:rPr lang="fr-FR" dirty="0"/>
+              <a:t>Contexte</a:t>
+            </a:r>
+          </a:p>
+        </p:txBody>
+      </p:sp>
+      <p:sp>
+        <p:nvSpPr>
+          <p:cNvPr id="3" name="Espace réservé du contenu 2">
+            <a:extLst>
+              <a:ext uri="{FF2B5EF4-FFF2-40B4-BE49-F238E27FC236}">
+                <a16:creationId xmlns:a16="http://schemas.microsoft.com/office/drawing/2014/main" id="{050455FE-CC71-4FCE-A444-000288039296}"/>
+              </a:ext>
+            </a:extLst>
+          </p:cNvPr>
+          <p:cNvSpPr>
+            <a:spLocks noGrp="1"/>
+          </p:cNvSpPr>
+          <p:nvPr>
+            <p:ph idx="1"/>
+          </p:nvPr>
+        </p:nvSpPr>
+        <p:spPr/>
+        <p:txBody>
+          <a:bodyPr/>
+          <a:lstStyle/>
+          <a:p>
+            <a:r>
+              <a:rPr lang="fr-FR" dirty="0"/>
+              <a:t>La concurrence :</a:t>
+            </a:r>
+          </a:p>
+          <a:p>
+            <a:pPr lvl="1">
+              <a:buFont typeface="Arial" panose="020B0604020202020204" pitchFamily="34" charset="0"/>
+              <a:buChar char="•"/>
+            </a:pPr>
+            <a:r>
+              <a:rPr lang="fr-FR" dirty="0"/>
+              <a:t>Directe:</a:t>
+            </a:r>
+          </a:p>
+          <a:p>
+            <a:pPr lvl="2">
+              <a:buFont typeface="Arial" panose="020B0604020202020204" pitchFamily="34" charset="0"/>
+              <a:buChar char="•"/>
+            </a:pPr>
+            <a:r>
+              <a:rPr lang="fr-FR" dirty="0" err="1"/>
+              <a:t>StockEtMoi</a:t>
+            </a:r>
+            <a:r>
+              <a:rPr lang="fr-FR" dirty="0"/>
+              <a:t>®</a:t>
+            </a:r>
+          </a:p>
+          <a:p>
+            <a:pPr lvl="2">
+              <a:buFont typeface="Arial" panose="020B0604020202020204" pitchFamily="34" charset="0"/>
+              <a:buChar char="•"/>
+            </a:pPr>
+            <a:r>
+              <a:rPr lang="fr-FR" dirty="0" err="1"/>
+              <a:t>KnoxBox</a:t>
+            </a:r>
+            <a:r>
+              <a:rPr lang="fr-FR" dirty="0"/>
+              <a:t>®</a:t>
+            </a:r>
+          </a:p>
+          <a:p>
+            <a:pPr lvl="1">
+              <a:buFont typeface="Arial" panose="020B0604020202020204" pitchFamily="34" charset="0"/>
+              <a:buChar char="•"/>
+            </a:pPr>
+            <a:r>
+              <a:rPr lang="fr-FR" dirty="0"/>
+              <a:t>Lointaine :</a:t>
+            </a:r>
+          </a:p>
+          <a:p>
+            <a:pPr lvl="2">
+              <a:buFont typeface="Arial" panose="020B0604020202020204" pitchFamily="34" charset="0"/>
+              <a:buChar char="•"/>
+            </a:pPr>
+            <a:r>
+              <a:rPr lang="fr-FR" dirty="0"/>
+              <a:t>Particuliers louant des </a:t>
+            </a:r>
+            <a:r>
+              <a:rPr lang="fr-FR" dirty="0" err="1"/>
+              <a:t>boxs</a:t>
+            </a:r>
+            <a:endParaRPr lang="fr-FR" dirty="0"/>
+          </a:p>
+          <a:p>
+            <a:r>
+              <a:rPr lang="fr-FR" dirty="0"/>
+              <a:t>Leurs faiblesses:</a:t>
+            </a:r>
+          </a:p>
+          <a:p>
+            <a:pPr lvl="1">
+              <a:buFont typeface="Arial" panose="020B0604020202020204" pitchFamily="34" charset="0"/>
+              <a:buChar char="•"/>
+            </a:pPr>
+            <a:r>
+              <a:rPr lang="fr-FR" dirty="0"/>
+              <a:t>Espaces de stockage restreints</a:t>
+            </a:r>
+          </a:p>
+          <a:p>
+            <a:pPr lvl="1">
+              <a:buFont typeface="Arial" panose="020B0604020202020204" pitchFamily="34" charset="0"/>
+              <a:buChar char="•"/>
+            </a:pPr>
+            <a:r>
+              <a:rPr lang="fr-FR" dirty="0"/>
+              <a:t>Impossibilité de prêter un objet stocké</a:t>
+            </a:r>
+          </a:p>
+        </p:txBody>
+      </p:sp>
+      <p:pic>
+        <p:nvPicPr>
+          <p:cNvPr id="2050" name="Picture 2" descr="RÃ©sultat de recherche d'images pour &quot;stocketmoi png&quot;">
+            <a:extLst>
+              <a:ext uri="{FF2B5EF4-FFF2-40B4-BE49-F238E27FC236}">
+                <a16:creationId xmlns:a16="http://schemas.microsoft.com/office/drawing/2014/main" id="{7233FC45-B276-419E-912A-7614148F6708}"/>
+              </a:ext>
+            </a:extLst>
+          </p:cNvPr>
+          <p:cNvPicPr>
+            <a:picLocks noChangeAspect="1" noChangeArrowheads="1"/>
+          </p:cNvPicPr>
+          <p:nvPr/>
+        </p:nvPicPr>
+        <p:blipFill>
+          <a:blip r:embed="rId2">
+            <a:extLst>
+              <a:ext uri="{28A0092B-C50C-407E-A947-70E740481C1C}">
+                <a14:useLocalDpi xmlns:a14="http://schemas.microsoft.com/office/drawing/2010/main" val="0"/>
+              </a:ext>
+            </a:extLst>
+          </a:blip>
+          <a:srcRect/>
+          <a:stretch>
+            <a:fillRect/>
+          </a:stretch>
+        </p:blipFill>
+        <p:spPr bwMode="auto">
+          <a:xfrm>
+            <a:off x="9110295" y="1795462"/>
+            <a:ext cx="1428750" cy="1633538"/>
+          </a:xfrm>
+          <a:prstGeom prst="rect">
+            <a:avLst/>
+          </a:prstGeom>
+          <a:noFill/>
+          <a:extLst>
+            <a:ext uri="{909E8E84-426E-40DD-AFC4-6F175D3DCCD1}">
+              <a14:hiddenFill xmlns:a14="http://schemas.microsoft.com/office/drawing/2010/main">
+                <a:solidFill>
+                  <a:srgbClr val="FFFFFF"/>
+                </a:solidFill>
+              </a14:hiddenFill>
+            </a:ext>
+          </a:extLst>
+        </p:spPr>
+      </p:pic>
+      <p:pic>
+        <p:nvPicPr>
+          <p:cNvPr id="2058" name="Picture 10" descr="Image associÃ©e">
+            <a:extLst>
+              <a:ext uri="{FF2B5EF4-FFF2-40B4-BE49-F238E27FC236}">
+                <a16:creationId xmlns:a16="http://schemas.microsoft.com/office/drawing/2014/main" id="{ED92E048-7221-4025-9AC4-6C4C2D832D0C}"/>
+              </a:ext>
+            </a:extLst>
+          </p:cNvPr>
+          <p:cNvPicPr>
+            <a:picLocks noChangeAspect="1" noChangeArrowheads="1"/>
+          </p:cNvPicPr>
+          <p:nvPr/>
+        </p:nvPicPr>
+        <p:blipFill>
+          <a:blip r:embed="rId3">
+            <a:extLst>
+              <a:ext uri="{28A0092B-C50C-407E-A947-70E740481C1C}">
+                <a14:useLocalDpi xmlns:a14="http://schemas.microsoft.com/office/drawing/2010/main" val="0"/>
+              </a:ext>
+            </a:extLst>
+          </a:blip>
+          <a:srcRect/>
+          <a:stretch>
+            <a:fillRect/>
+          </a:stretch>
+        </p:blipFill>
+        <p:spPr bwMode="auto">
+          <a:xfrm>
+            <a:off x="8048257" y="3281362"/>
+            <a:ext cx="3552825" cy="962025"/>
+          </a:xfrm>
+          <a:prstGeom prst="rect">
+            <a:avLst/>
+          </a:prstGeom>
+          <a:noFill/>
+          <a:extLst>
+            <a:ext uri="{909E8E84-426E-40DD-AFC4-6F175D3DCCD1}">
+              <a14:hiddenFill xmlns:a14="http://schemas.microsoft.com/office/drawing/2010/main">
+                <a:solidFill>
+                  <a:srgbClr val="FFFFFF"/>
+                </a:solidFill>
+              </a14:hiddenFill>
+            </a:ext>
+          </a:extLst>
+        </p:spPr>
+      </p:pic>
+    </p:spTree>
+    <p:extLst>
+      <p:ext uri="{BB962C8B-B14F-4D97-AF65-F5344CB8AC3E}">
+        <p14:creationId xmlns:p14="http://schemas.microsoft.com/office/powerpoint/2010/main" val="1157185771"/>
+      </p:ext>
+    </p:extLst>
+  </p:cSld>
+  <p:clrMapOvr>
+    <a:masterClrMapping/>
+  </p:clrMapOvr>
+  <p:timing>
+    <p:tnLst>
+      <p:par>
+        <p:cTn id="1" dur="indefinite" restart="never" nodeType="tmRoot">
+          <p:childTnLst>
+            <p:seq concurrent="1" nextAc="seek">
+              <p:cTn id="2" dur="indefinite" nodeType="mainSeq">
+                <p:childTnLst>
+                  <p:par>
+                    <p:cTn id="3" fill="hold">
+                      <p:stCondLst>
+                        <p:cond delay="indefinite"/>
+                      </p:stCondLst>
+                      <p:childTnLst>
+                        <p:par>
+                          <p:cTn id="4" fill="hold">
+                            <p:stCondLst>
+                              <p:cond delay="0"/>
+                            </p:stCondLst>
+                            <p:childTnLst>
+                              <p:par>
+                                <p:cTn id="5" presetID="10" presetClass="entr" presetSubtype="0" fill="hold" nodeType="clickEffect">
+                                  <p:stCondLst>
+                                    <p:cond delay="0"/>
+                                  </p:stCondLst>
+                                  <p:childTnLst>
+                                    <p:set>
+                                      <p:cBhvr>
+                                        <p:cTn id="6" dur="1" fill="hold">
+                                          <p:stCondLst>
+                                            <p:cond delay="0"/>
+                                          </p:stCondLst>
+                                        </p:cTn>
+                                        <p:tgtEl>
+                                          <p:spTgt spid="3">
+                                            <p:txEl>
+                                              <p:pRg st="0" end="0"/>
+                                            </p:txEl>
+                                          </p:spTgt>
+                                        </p:tgtEl>
+                                        <p:attrNameLst>
+                                          <p:attrName>style.visibility</p:attrName>
+                                        </p:attrNameLst>
+                                      </p:cBhvr>
+                                      <p:to>
+                                        <p:strVal val="visible"/>
+                                      </p:to>
+                                    </p:set>
+                                    <p:animEffect transition="in" filter="fade">
+                                      <p:cBhvr>
+                                        <p:cTn id="7" dur="500"/>
+                                        <p:tgtEl>
+                                          <p:spTgt spid="3">
+                                            <p:txEl>
+                                              <p:pRg st="0" end="0"/>
+                                            </p:txEl>
+                                          </p:spTgt>
+                                        </p:tgtEl>
+                                      </p:cBhvr>
+                                    </p:animEffect>
+                                  </p:childTnLst>
+                                </p:cTn>
+                              </p:par>
+                            </p:childTnLst>
+                          </p:cTn>
+                        </p:par>
+                      </p:childTnLst>
+                    </p:cTn>
+                  </p:par>
+                  <p:par>
+                    <p:cTn id="8" fill="hold">
+                      <p:stCondLst>
+                        <p:cond delay="indefinite"/>
+                      </p:stCondLst>
+                      <p:childTnLst>
+                        <p:par>
+                          <p:cTn id="9" fill="hold">
+                            <p:stCondLst>
+                              <p:cond delay="0"/>
+                            </p:stCondLst>
+                            <p:childTnLst>
+                              <p:par>
+                                <p:cTn id="10" presetID="10" presetClass="entr" presetSubtype="0" fill="hold" nodeType="clickEffect">
+                                  <p:stCondLst>
+                                    <p:cond delay="0"/>
+                                  </p:stCondLst>
+                                  <p:childTnLst>
+                                    <p:set>
+                                      <p:cBhvr>
+                                        <p:cTn id="11" dur="1" fill="hold">
+                                          <p:stCondLst>
+                                            <p:cond delay="0"/>
+                                          </p:stCondLst>
+                                        </p:cTn>
+                                        <p:tgtEl>
+                                          <p:spTgt spid="3">
+                                            <p:txEl>
+                                              <p:pRg st="1" end="1"/>
+                                            </p:txEl>
+                                          </p:spTgt>
+                                        </p:tgtEl>
+                                        <p:attrNameLst>
+                                          <p:attrName>style.visibility</p:attrName>
+                                        </p:attrNameLst>
+                                      </p:cBhvr>
+                                      <p:to>
+                                        <p:strVal val="visible"/>
+                                      </p:to>
+                                    </p:set>
+                                    <p:animEffect transition="in" filter="fade">
+                                      <p:cBhvr>
+                                        <p:cTn id="12" dur="500"/>
+                                        <p:tgtEl>
+                                          <p:spTgt spid="3">
+                                            <p:txEl>
+                                              <p:pRg st="1" end="1"/>
+                                            </p:txEl>
+                                          </p:spTgt>
+                                        </p:tgtEl>
+                                      </p:cBhvr>
+                                    </p:animEffect>
+                                  </p:childTnLst>
+                                </p:cTn>
+                              </p:par>
+                            </p:childTnLst>
+                          </p:cTn>
+                        </p:par>
+                      </p:childTnLst>
+                    </p:cTn>
+                  </p:par>
+                  <p:par>
+                    <p:cTn id="13" fill="hold">
+                      <p:stCondLst>
+                        <p:cond delay="indefinite"/>
+                      </p:stCondLst>
+                      <p:childTnLst>
+                        <p:par>
+                          <p:cTn id="14" fill="hold">
+                            <p:stCondLst>
+                              <p:cond delay="0"/>
+                            </p:stCondLst>
+                            <p:childTnLst>
+                              <p:par>
+                                <p:cTn id="15" presetID="10" presetClass="entr" presetSubtype="0" fill="hold" nodeType="clickEffect">
+                                  <p:stCondLst>
+                                    <p:cond delay="0"/>
+                                  </p:stCondLst>
+                                  <p:childTnLst>
+                                    <p:set>
+                                      <p:cBhvr>
+                                        <p:cTn id="16" dur="1" fill="hold">
+                                          <p:stCondLst>
+                                            <p:cond delay="0"/>
+                                          </p:stCondLst>
+                                        </p:cTn>
+                                        <p:tgtEl>
+                                          <p:spTgt spid="3">
+                                            <p:txEl>
+                                              <p:pRg st="2" end="2"/>
+                                            </p:txEl>
+                                          </p:spTgt>
+                                        </p:tgtEl>
+                                        <p:attrNameLst>
+                                          <p:attrName>style.visibility</p:attrName>
+                                        </p:attrNameLst>
+                                      </p:cBhvr>
+                                      <p:to>
+                                        <p:strVal val="visible"/>
+                                      </p:to>
+                                    </p:set>
+                                    <p:animEffect transition="in" filter="fade">
+                                      <p:cBhvr>
+                                        <p:cTn id="17" dur="500"/>
+                                        <p:tgtEl>
+                                          <p:spTgt spid="3">
+                                            <p:txEl>
+                                              <p:pRg st="2" end="2"/>
+                                            </p:txEl>
+                                          </p:spTgt>
+                                        </p:tgtEl>
+                                      </p:cBhvr>
+                                    </p:animEffect>
+                                  </p:childTnLst>
+                                </p:cTn>
+                              </p:par>
+                              <p:par>
+                                <p:cTn id="18" presetID="10" presetClass="entr" presetSubtype="0" fill="hold" nodeType="withEffect">
+                                  <p:stCondLst>
+                                    <p:cond delay="0"/>
+                                  </p:stCondLst>
+                                  <p:childTnLst>
+                                    <p:set>
+                                      <p:cBhvr>
+                                        <p:cTn id="19" dur="1" fill="hold">
+                                          <p:stCondLst>
+                                            <p:cond delay="0"/>
+                                          </p:stCondLst>
+                                        </p:cTn>
+                                        <p:tgtEl>
+                                          <p:spTgt spid="2050"/>
+                                        </p:tgtEl>
+                                        <p:attrNameLst>
+                                          <p:attrName>style.visibility</p:attrName>
+                                        </p:attrNameLst>
+                                      </p:cBhvr>
+                                      <p:to>
+                                        <p:strVal val="visible"/>
+                                      </p:to>
+                                    </p:set>
+                                    <p:animEffect transition="in" filter="fade">
+                                      <p:cBhvr>
+                                        <p:cTn id="20" dur="500"/>
+                                        <p:tgtEl>
+                                          <p:spTgt spid="2050"/>
+                                        </p:tgtEl>
+                                      </p:cBhvr>
+                                    </p:animEffect>
+                                  </p:childTnLst>
+                                </p:cTn>
+                              </p:par>
+                            </p:childTnLst>
+                          </p:cTn>
+                        </p:par>
+                      </p:childTnLst>
+                    </p:cTn>
+                  </p:par>
+                  <p:par>
+                    <p:cTn id="21" fill="hold">
+                      <p:stCondLst>
+                        <p:cond delay="indefinite"/>
+                      </p:stCondLst>
+                      <p:childTnLst>
+                        <p:par>
+                          <p:cTn id="22" fill="hold">
+                            <p:stCondLst>
+                              <p:cond delay="0"/>
+                            </p:stCondLst>
+                            <p:childTnLst>
+                              <p:par>
+                                <p:cTn id="23" presetID="10" presetClass="entr" presetSubtype="0" fill="hold" nodeType="clickEffect">
+                                  <p:stCondLst>
+                                    <p:cond delay="0"/>
+                                  </p:stCondLst>
+                                  <p:childTnLst>
+                                    <p:set>
+                                      <p:cBhvr>
+                                        <p:cTn id="24" dur="1" fill="hold">
+                                          <p:stCondLst>
+                                            <p:cond delay="0"/>
+                                          </p:stCondLst>
+                                        </p:cTn>
+                                        <p:tgtEl>
+                                          <p:spTgt spid="3">
+                                            <p:txEl>
+                                              <p:pRg st="3" end="3"/>
+                                            </p:txEl>
+                                          </p:spTgt>
+                                        </p:tgtEl>
+                                        <p:attrNameLst>
+                                          <p:attrName>style.visibility</p:attrName>
+                                        </p:attrNameLst>
+                                      </p:cBhvr>
+                                      <p:to>
+                                        <p:strVal val="visible"/>
+                                      </p:to>
+                                    </p:set>
+                                    <p:animEffect transition="in" filter="fade">
+                                      <p:cBhvr>
+                                        <p:cTn id="25" dur="500"/>
+                                        <p:tgtEl>
+                                          <p:spTgt spid="3">
+                                            <p:txEl>
+                                              <p:pRg st="3" end="3"/>
+                                            </p:txEl>
+                                          </p:spTgt>
+                                        </p:tgtEl>
+                                      </p:cBhvr>
+                                    </p:animEffect>
+                                  </p:childTnLst>
+                                </p:cTn>
+                              </p:par>
+                              <p:par>
+                                <p:cTn id="26" presetID="10" presetClass="entr" presetSubtype="0" fill="hold" nodeType="withEffect">
+                                  <p:stCondLst>
+                                    <p:cond delay="0"/>
+                                  </p:stCondLst>
+                                  <p:childTnLst>
+                                    <p:set>
+                                      <p:cBhvr>
+                                        <p:cTn id="27" dur="1" fill="hold">
+                                          <p:stCondLst>
+                                            <p:cond delay="0"/>
+                                          </p:stCondLst>
+                                        </p:cTn>
+                                        <p:tgtEl>
+                                          <p:spTgt spid="2058"/>
+                                        </p:tgtEl>
+                                        <p:attrNameLst>
+                                          <p:attrName>style.visibility</p:attrName>
+                                        </p:attrNameLst>
+                                      </p:cBhvr>
+                                      <p:to>
+                                        <p:strVal val="visible"/>
+                                      </p:to>
+                                    </p:set>
+                                    <p:animEffect transition="in" filter="fade">
+                                      <p:cBhvr>
+                                        <p:cTn id="28" dur="500"/>
+                                        <p:tgtEl>
+                                          <p:spTgt spid="2058"/>
+                                        </p:tgtEl>
+                                      </p:cBhvr>
+                                    </p:animEffect>
+                                  </p:childTnLst>
+                                </p:cTn>
+                              </p:par>
+                            </p:childTnLst>
+                          </p:cTn>
+                        </p:par>
+                      </p:childTnLst>
+                    </p:cTn>
+                  </p:par>
+                  <p:par>
+                    <p:cTn id="29" fill="hold">
+                      <p:stCondLst>
+                        <p:cond delay="indefinite"/>
+                      </p:stCondLst>
+                      <p:childTnLst>
+                        <p:par>
+                          <p:cTn id="30" fill="hold">
+                            <p:stCondLst>
+                              <p:cond delay="0"/>
+                            </p:stCondLst>
+                            <p:childTnLst>
+                              <p:par>
+                                <p:cTn id="31" presetID="10" presetClass="entr" presetSubtype="0" fill="hold" nodeType="clickEffect">
+                                  <p:stCondLst>
+                                    <p:cond delay="0"/>
+                                  </p:stCondLst>
+                                  <p:childTnLst>
+                                    <p:set>
+                                      <p:cBhvr>
+                                        <p:cTn id="32" dur="1" fill="hold">
+                                          <p:stCondLst>
+                                            <p:cond delay="0"/>
+                                          </p:stCondLst>
+                                        </p:cTn>
+                                        <p:tgtEl>
+                                          <p:spTgt spid="3">
+                                            <p:txEl>
+                                              <p:pRg st="4" end="4"/>
+                                            </p:txEl>
+                                          </p:spTgt>
+                                        </p:tgtEl>
+                                        <p:attrNameLst>
+                                          <p:attrName>style.visibility</p:attrName>
+                                        </p:attrNameLst>
+                                      </p:cBhvr>
+                                      <p:to>
+                                        <p:strVal val="visible"/>
+                                      </p:to>
+                                    </p:set>
+                                    <p:animEffect transition="in" filter="fade">
+                                      <p:cBhvr>
+                                        <p:cTn id="33" dur="500"/>
+                                        <p:tgtEl>
+                                          <p:spTgt spid="3">
+                                            <p:txEl>
+                                              <p:pRg st="4" end="4"/>
+                                            </p:txEl>
+                                          </p:spTgt>
+                                        </p:tgtEl>
+                                      </p:cBhvr>
+                                    </p:animEffect>
+                                  </p:childTnLst>
+                                </p:cTn>
+                              </p:par>
+                            </p:childTnLst>
+                          </p:cTn>
+                        </p:par>
+                      </p:childTnLst>
+                    </p:cTn>
+                  </p:par>
+                  <p:par>
+                    <p:cTn id="34" fill="hold">
+                      <p:stCondLst>
+                        <p:cond delay="indefinite"/>
+                      </p:stCondLst>
+                      <p:childTnLst>
+                        <p:par>
+                          <p:cTn id="35" fill="hold">
+                            <p:stCondLst>
+                              <p:cond delay="0"/>
+                            </p:stCondLst>
+                            <p:childTnLst>
+                              <p:par>
+                                <p:cTn id="36" presetID="10" presetClass="entr" presetSubtype="0" fill="hold" nodeType="clickEffect">
+                                  <p:stCondLst>
+                                    <p:cond delay="0"/>
+                                  </p:stCondLst>
+                                  <p:childTnLst>
+                                    <p:set>
+                                      <p:cBhvr>
+                                        <p:cTn id="37" dur="1" fill="hold">
+                                          <p:stCondLst>
+                                            <p:cond delay="0"/>
+                                          </p:stCondLst>
+                                        </p:cTn>
+                                        <p:tgtEl>
+                                          <p:spTgt spid="3">
+                                            <p:txEl>
+                                              <p:pRg st="5" end="5"/>
+                                            </p:txEl>
+                                          </p:spTgt>
+                                        </p:tgtEl>
+                                        <p:attrNameLst>
+                                          <p:attrName>style.visibility</p:attrName>
+                                        </p:attrNameLst>
+                                      </p:cBhvr>
+                                      <p:to>
+                                        <p:strVal val="visible"/>
+                                      </p:to>
+                                    </p:set>
+                                    <p:animEffect transition="in" filter="fade">
+                                      <p:cBhvr>
+                                        <p:cTn id="38" dur="500"/>
+                                        <p:tgtEl>
+                                          <p:spTgt spid="3">
+                                            <p:txEl>
+                                              <p:pRg st="5" end="5"/>
+                                            </p:txEl>
+                                          </p:spTgt>
+                                        </p:tgtEl>
+                                      </p:cBhvr>
+                                    </p:animEffect>
+                                  </p:childTnLst>
+                                </p:cTn>
+                              </p:par>
+                            </p:childTnLst>
+                          </p:cTn>
+                        </p:par>
+                      </p:childTnLst>
+                    </p:cTn>
+                  </p:par>
+                  <p:par>
+                    <p:cTn id="39" fill="hold">
+                      <p:stCondLst>
+                        <p:cond delay="indefinite"/>
+                      </p:stCondLst>
+                      <p:childTnLst>
+                        <p:par>
+                          <p:cTn id="40" fill="hold">
+                            <p:stCondLst>
+                              <p:cond delay="0"/>
+                            </p:stCondLst>
+                            <p:childTnLst>
+                              <p:par>
+                                <p:cTn id="41" presetID="10" presetClass="entr" presetSubtype="0" fill="hold" nodeType="clickEffect">
+                                  <p:stCondLst>
+                                    <p:cond delay="0"/>
+                                  </p:stCondLst>
+                                  <p:childTnLst>
+                                    <p:set>
+                                      <p:cBhvr>
+                                        <p:cTn id="42" dur="1" fill="hold">
+                                          <p:stCondLst>
+                                            <p:cond delay="0"/>
+                                          </p:stCondLst>
+                                        </p:cTn>
+                                        <p:tgtEl>
+                                          <p:spTgt spid="3">
+                                            <p:txEl>
+                                              <p:pRg st="6" end="6"/>
+                                            </p:txEl>
+                                          </p:spTgt>
+                                        </p:tgtEl>
+                                        <p:attrNameLst>
+                                          <p:attrName>style.visibility</p:attrName>
+                                        </p:attrNameLst>
+                                      </p:cBhvr>
+                                      <p:to>
+                                        <p:strVal val="visible"/>
+                                      </p:to>
+                                    </p:set>
+                                    <p:animEffect transition="in" filter="fade">
+                                      <p:cBhvr>
+                                        <p:cTn id="43" dur="500"/>
+                                        <p:tgtEl>
+                                          <p:spTgt spid="3">
+                                            <p:txEl>
+                                              <p:pRg st="6" end="6"/>
+                                            </p:txEl>
+                                          </p:spTgt>
+                                        </p:tgtEl>
+                                      </p:cBhvr>
+                                    </p:animEffect>
+                                  </p:childTnLst>
+                                </p:cTn>
+                              </p:par>
+                            </p:childTnLst>
+                          </p:cTn>
+                        </p:par>
+                      </p:childTnLst>
+                    </p:cTn>
+                  </p:par>
+                  <p:par>
+                    <p:cTn id="44" fill="hold">
+                      <p:stCondLst>
+                        <p:cond delay="indefinite"/>
+                      </p:stCondLst>
+                      <p:childTnLst>
+                        <p:par>
+                          <p:cTn id="45" fill="hold">
+                            <p:stCondLst>
+                              <p:cond delay="0"/>
+                            </p:stCondLst>
+                            <p:childTnLst>
+                              <p:par>
+                                <p:cTn id="46" presetID="10" presetClass="entr" presetSubtype="0" fill="hold" nodeType="clickEffect">
+                                  <p:stCondLst>
+                                    <p:cond delay="0"/>
+                                  </p:stCondLst>
+                                  <p:childTnLst>
+                                    <p:set>
+                                      <p:cBhvr>
+                                        <p:cTn id="47" dur="1" fill="hold">
+                                          <p:stCondLst>
+                                            <p:cond delay="0"/>
+                                          </p:stCondLst>
+                                        </p:cTn>
+                                        <p:tgtEl>
+                                          <p:spTgt spid="3">
+                                            <p:txEl>
+                                              <p:pRg st="7" end="7"/>
+                                            </p:txEl>
+                                          </p:spTgt>
+                                        </p:tgtEl>
+                                        <p:attrNameLst>
+                                          <p:attrName>style.visibility</p:attrName>
+                                        </p:attrNameLst>
+                                      </p:cBhvr>
+                                      <p:to>
+                                        <p:strVal val="visible"/>
+                                      </p:to>
+                                    </p:set>
+                                    <p:animEffect transition="in" filter="fade">
+                                      <p:cBhvr>
+                                        <p:cTn id="48" dur="500"/>
+                                        <p:tgtEl>
+                                          <p:spTgt spid="3">
+                                            <p:txEl>
+                                              <p:pRg st="7" end="7"/>
+                                            </p:txEl>
+                                          </p:spTgt>
+                                        </p:tgtEl>
+                                      </p:cBhvr>
+                                    </p:animEffect>
+                                  </p:childTnLst>
+                                </p:cTn>
+                              </p:par>
+                            </p:childTnLst>
+                          </p:cTn>
+                        </p:par>
+                      </p:childTnLst>
+                    </p:cTn>
+                  </p:par>
+                  <p:par>
+                    <p:cTn id="49" fill="hold">
+                      <p:stCondLst>
+                        <p:cond delay="indefinite"/>
+                      </p:stCondLst>
+                      <p:childTnLst>
+                        <p:par>
+                          <p:cTn id="50" fill="hold">
+                            <p:stCondLst>
+                              <p:cond delay="0"/>
+                            </p:stCondLst>
+                            <p:childTnLst>
+                              <p:par>
+                                <p:cTn id="51" presetID="10" presetClass="entr" presetSubtype="0" fill="hold" nodeType="clickEffect">
+                                  <p:stCondLst>
+                                    <p:cond delay="0"/>
+                                  </p:stCondLst>
+                                  <p:childTnLst>
+                                    <p:set>
+                                      <p:cBhvr>
+                                        <p:cTn id="52" dur="1" fill="hold">
+                                          <p:stCondLst>
+                                            <p:cond delay="0"/>
+                                          </p:stCondLst>
+                                        </p:cTn>
+                                        <p:tgtEl>
+                                          <p:spTgt spid="3">
+                                            <p:txEl>
+                                              <p:pRg st="8" end="8"/>
+                                            </p:txEl>
+                                          </p:spTgt>
+                                        </p:tgtEl>
+                                        <p:attrNameLst>
+                                          <p:attrName>style.visibility</p:attrName>
+                                        </p:attrNameLst>
+                                      </p:cBhvr>
+                                      <p:to>
+                                        <p:strVal val="visible"/>
+                                      </p:to>
+                                    </p:set>
+                                    <p:animEffect transition="in" filter="fade">
+                                      <p:cBhvr>
+                                        <p:cTn id="53" dur="500"/>
+                                        <p:tgtEl>
+                                          <p:spTgt spid="3">
+                                            <p:txEl>
+                                              <p:pRg st="8" end="8"/>
+                                            </p:txEl>
+                                          </p:spTgt>
+                                        </p:tgtEl>
+                                      </p:cBhvr>
+                                    </p:animEffect>
+                                  </p:childTnLst>
+                                </p:cTn>
+                              </p:par>
+                            </p:childTnLst>
+                          </p:cTn>
+                        </p:par>
+                      </p:childTnLst>
+                    </p:cTn>
+                  </p:par>
+                </p:childTnLst>
+              </p:cTn>
+              <p:prevCondLst>
+                <p:cond evt="onPrev" delay="0">
+                  <p:tgtEl>
+                    <p:sldTgt/>
+                  </p:tgtEl>
+                </p:cond>
+              </p:prevCondLst>
+              <p:nextCondLst>
+                <p:cond evt="onNext" delay="0">
+                  <p:tgtEl>
+                    <p:sldTgt/>
+                  </p:tgtEl>
+                </p:cond>
+              </p:nextCondLst>
+            </p:seq>
+          </p:childTnLst>
+        </p:cTn>
+      </p:par>
+    </p:tnLst>
+  </p:timing>
+</p:sld>
+</file>
+
+<file path=ppt/slides/slide6.xml><?xml version="1.0" encoding="utf-8"?>
+<p:sld xmlns:a="http://schemas.openxmlformats.org/drawingml/2006/main" xmlns:r="http://schemas.openxmlformats.org/officeDocument/2006/relationships" xmlns:p="http://schemas.openxmlformats.org/presentationml/2006/main">
+  <p:cSld>
+    <p:spTree>
+      <p:nvGrpSpPr>
+        <p:cNvPr id="1" name=""/>
+        <p:cNvGrpSpPr/>
+        <p:nvPr/>
+      </p:nvGrpSpPr>
+      <p:grpSpPr>
+        <a:xfrm>
+          <a:off x="0" y="0"/>
+          <a:ext cx="0" cy="0"/>
+          <a:chOff x="0" y="0"/>
+          <a:chExt cx="0" cy="0"/>
+        </a:xfrm>
+      </p:grpSpPr>
+      <p:sp>
+        <p:nvSpPr>
           <p:cNvPr id="2" name="Titre 1"/>
           <p:cNvSpPr>
             <a:spLocks noGrp="1"/>
@@ -5957,21 +8261,15 @@
             <p:ph type="title"/>
           </p:nvPr>
         </p:nvSpPr>
-        <p:spPr>
-          <a:xfrm>
-            <a:off x="1371600" y="685800"/>
-            <a:ext cx="9601200" cy="703053"/>
-          </a:xfrm>
-        </p:spPr>
+        <p:spPr/>
         <p:txBody>
           <a:bodyPr/>
           <a:lstStyle/>
           <a:p>
             <a:r>
-              <a:rPr lang="fr-FR" smtClean="0"/>
-              <a:t>Ergonomie</a:t>
-            </a:r>
-            <a:endParaRPr lang="fr-FR"/>
+              <a:rPr lang="fr-FR"/>
+              <a:t>Nos solutions</a:t>
+            </a:r>
           </a:p>
         </p:txBody>
       </p:sp>
@@ -5990,54 +8288,129 @@
           <a:bodyPr/>
           <a:lstStyle/>
           <a:p>
-            <a:r>
-              <a:rPr lang="fr-FR" smtClean="0"/>
+            <a:endParaRPr lang="fr-FR" dirty="0"/>
+          </a:p>
+        </p:txBody>
+      </p:sp>
+    </p:spTree>
+    <p:extLst>
+      <p:ext uri="{BB962C8B-B14F-4D97-AF65-F5344CB8AC3E}">
+        <p14:creationId xmlns:p14="http://schemas.microsoft.com/office/powerpoint/2010/main" val="2459437463"/>
+      </p:ext>
+    </p:extLst>
+  </p:cSld>
+  <p:clrMapOvr>
+    <a:masterClrMapping/>
+  </p:clrMapOvr>
+</p:sld>
+</file>
+
+<file path=ppt/slides/slide7.xml><?xml version="1.0" encoding="utf-8"?>
+<p:sld xmlns:a="http://schemas.openxmlformats.org/drawingml/2006/main" xmlns:r="http://schemas.openxmlformats.org/officeDocument/2006/relationships" xmlns:p="http://schemas.openxmlformats.org/presentationml/2006/main">
+  <p:cSld>
+    <p:spTree>
+      <p:nvGrpSpPr>
+        <p:cNvPr id="1" name=""/>
+        <p:cNvGrpSpPr/>
+        <p:nvPr/>
+      </p:nvGrpSpPr>
+      <p:grpSpPr>
+        <a:xfrm>
+          <a:off x="0" y="0"/>
+          <a:ext cx="0" cy="0"/>
+          <a:chOff x="0" y="0"/>
+          <a:chExt cx="0" cy="0"/>
+        </a:xfrm>
+      </p:grpSpPr>
+      <p:sp>
+        <p:nvSpPr>
+          <p:cNvPr id="2" name="Titre 1"/>
+          <p:cNvSpPr>
+            <a:spLocks noGrp="1"/>
+          </p:cNvSpPr>
+          <p:nvPr>
+            <p:ph type="title"/>
+          </p:nvPr>
+        </p:nvSpPr>
+        <p:spPr>
+          <a:xfrm>
+            <a:off x="1371600" y="685800"/>
+            <a:ext cx="9601200" cy="703053"/>
+          </a:xfrm>
+        </p:spPr>
+        <p:txBody>
+          <a:bodyPr/>
+          <a:lstStyle/>
+          <a:p>
+            <a:r>
+              <a:rPr lang="fr-FR"/>
+              <a:t>Ergonomie</a:t>
+            </a:r>
+          </a:p>
+        </p:txBody>
+      </p:sp>
+      <p:sp>
+        <p:nvSpPr>
+          <p:cNvPr id="3" name="Espace réservé du contenu 2"/>
+          <p:cNvSpPr>
+            <a:spLocks noGrp="1"/>
+          </p:cNvSpPr>
+          <p:nvPr>
+            <p:ph idx="1"/>
+          </p:nvPr>
+        </p:nvSpPr>
+        <p:spPr/>
+        <p:txBody>
+          <a:bodyPr/>
+          <a:lstStyle/>
+          <a:p>
+            <a:r>
+              <a:rPr lang="fr-FR"/>
               <a:t>Femmes ou hommes</a:t>
             </a:r>
           </a:p>
           <a:p>
             <a:r>
-              <a:rPr lang="fr-FR" smtClean="0"/>
+              <a:rPr lang="fr-FR"/>
               <a:t>Tranche d’âge 20-35 ans</a:t>
             </a:r>
           </a:p>
           <a:p>
             <a:r>
-              <a:rPr lang="fr-FR" smtClean="0"/>
+              <a:rPr lang="fr-FR"/>
               <a:t>Volume d’affaires</a:t>
             </a:r>
           </a:p>
           <a:p>
             <a:pPr lvl="1"/>
             <a:r>
-              <a:rPr lang="fr-FR" smtClean="0"/>
+              <a:rPr lang="fr-FR"/>
               <a:t>Acheteurs compulsifs</a:t>
             </a:r>
           </a:p>
           <a:p>
             <a:pPr lvl="1"/>
             <a:r>
-              <a:rPr lang="fr-FR" smtClean="0"/>
+              <a:rPr lang="fr-FR"/>
               <a:t>Collectionneurs</a:t>
             </a:r>
           </a:p>
           <a:p>
             <a:pPr lvl="1"/>
             <a:r>
-              <a:rPr lang="fr-FR" smtClean="0"/>
+              <a:rPr lang="fr-FR"/>
               <a:t>Matérialistes</a:t>
             </a:r>
-            <a:endParaRPr lang="fr-FR"/>
-          </a:p>
-          <a:p>
-            <a:r>
-              <a:rPr lang="fr-FR" smtClean="0"/>
+          </a:p>
+          <a:p>
+            <a:r>
+              <a:rPr lang="fr-FR"/>
               <a:t>Classe moyenne</a:t>
             </a:r>
           </a:p>
           <a:p>
             <a:r>
-              <a:rPr lang="fr-FR" smtClean="0"/>
+              <a:rPr lang="fr-FR"/>
               <a:t>Sécurité</a:t>
             </a:r>
           </a:p>
@@ -6085,10 +8458,9 @@
           </a:lstStyle>
           <a:p>
             <a:r>
-              <a:rPr lang="fr-FR" sz="2800" smtClean="0"/>
+              <a:rPr lang="fr-FR" sz="2800"/>
               <a:t>A qui s’adresse-t-on ?</a:t>
             </a:r>
-            <a:endParaRPr lang="fr-FR" sz="2800"/>
           </a:p>
         </p:txBody>
       </p:sp>
@@ -6102,17 +8474,10 @@
   <p:clrMapOvr>
     <a:masterClrMapping/>
   </p:clrMapOvr>
-  <p:timing>
-    <p:tnLst>
-      <p:par>
-        <p:cTn id="1" dur="indefinite" restart="never" nodeType="tmRoot"/>
-      </p:par>
-    </p:tnLst>
-  </p:timing>
 </p:sld>
 </file>
 
-<file path=ppt/slides/slide6.xml><?xml version="1.0" encoding="utf-8"?>
+<file path=ppt/slides/slide8.xml><?xml version="1.0" encoding="utf-8"?>
 <p:sld xmlns:a="http://schemas.openxmlformats.org/drawingml/2006/main" xmlns:r="http://schemas.openxmlformats.org/officeDocument/2006/relationships" xmlns:p="http://schemas.openxmlformats.org/presentationml/2006/main">
   <p:cSld>
     <p:spTree>
@@ -6240,10 +8605,9 @@
           <a:lstStyle/>
           <a:p>
             <a:r>
-              <a:rPr lang="fr-FR" smtClean="0"/>
+              <a:rPr lang="fr-FR"/>
               <a:t>Ergonomie</a:t>
             </a:r>
-            <a:endParaRPr lang="fr-FR"/>
           </a:p>
         </p:txBody>
       </p:sp>
@@ -6289,10 +8653,9 @@
           </a:lstStyle>
           <a:p>
             <a:r>
-              <a:rPr lang="fr-FR" sz="2800" smtClean="0"/>
+              <a:rPr lang="fr-FR" sz="2800"/>
               <a:t>Responsive design</a:t>
             </a:r>
-            <a:endParaRPr lang="fr-FR" sz="2800"/>
           </a:p>
         </p:txBody>
       </p:sp>
@@ -6429,17 +8792,10 @@
   <p:clrMapOvr>
     <a:masterClrMapping/>
   </p:clrMapOvr>
-  <p:timing>
-    <p:tnLst>
-      <p:par>
-        <p:cTn id="1" dur="indefinite" restart="never" nodeType="tmRoot"/>
-      </p:par>
-    </p:tnLst>
-  </p:timing>
 </p:sld>
 </file>
 
-<file path=ppt/slides/slide7.xml><?xml version="1.0" encoding="utf-8"?>
+<file path=ppt/slides/slide9.xml><?xml version="1.0" encoding="utf-8"?>
 <p:sld xmlns:a="http://schemas.openxmlformats.org/drawingml/2006/main" xmlns:r="http://schemas.openxmlformats.org/officeDocument/2006/relationships" xmlns:p="http://schemas.openxmlformats.org/presentationml/2006/main">
   <p:cSld>
     <p:spTree>
@@ -6477,10 +8833,9 @@
           <a:lstStyle/>
           <a:p>
             <a:r>
-              <a:rPr lang="fr-FR" smtClean="0"/>
+              <a:rPr lang="fr-FR"/>
               <a:t>Ergonomie</a:t>
             </a:r>
-            <a:endParaRPr lang="fr-FR"/>
           </a:p>
         </p:txBody>
       </p:sp>
@@ -6526,10 +8881,9 @@
           </a:lstStyle>
           <a:p>
             <a:r>
-              <a:rPr lang="fr-FR" sz="2800" smtClean="0"/>
+              <a:rPr lang="fr-FR" sz="2800"/>
               <a:t>Pages traditionnelles</a:t>
             </a:r>
-            <a:endParaRPr lang="fr-FR" sz="2800"/>
           </a:p>
         </p:txBody>
       </p:sp>
@@ -6616,10 +8970,9 @@
           <a:lstStyle/>
           <a:p>
             <a:r>
-              <a:rPr lang="fr-FR" i="1" smtClean="0"/>
+              <a:rPr lang="fr-FR" i="1"/>
               <a:t>Connexion</a:t>
             </a:r>
-            <a:endParaRPr lang="fr-FR" i="1"/>
           </a:p>
         </p:txBody>
       </p:sp>
@@ -6646,10 +8999,9 @@
           <a:lstStyle/>
           <a:p>
             <a:r>
-              <a:rPr lang="fr-FR" i="1" smtClean="0"/>
+              <a:rPr lang="fr-FR" i="1"/>
               <a:t>Inscription</a:t>
             </a:r>
-            <a:endParaRPr lang="fr-FR" i="1"/>
           </a:p>
         </p:txBody>
       </p:sp>
@@ -6663,541 +9015,6 @@
   <p:clrMapOvr>
     <a:masterClrMapping/>
   </p:clrMapOvr>
-  <p:timing>
-    <p:tnLst>
-      <p:par>
-        <p:cTn id="1" dur="indefinite" restart="never" nodeType="tmRoot"/>
-      </p:par>
-    </p:tnLst>
-  </p:timing>
-</p:sld>
-</file>
-
-<file path=ppt/slides/slide8.xml><?xml version="1.0" encoding="utf-8"?>
-<p:sld xmlns:a="http://schemas.openxmlformats.org/drawingml/2006/main" xmlns:r="http://schemas.openxmlformats.org/officeDocument/2006/relationships" xmlns:p="http://schemas.openxmlformats.org/presentationml/2006/main">
-  <p:cSld>
-    <p:spTree>
-      <p:nvGrpSpPr>
-        <p:cNvPr id="1" name=""/>
-        <p:cNvGrpSpPr/>
-        <p:nvPr/>
-      </p:nvGrpSpPr>
-      <p:grpSpPr>
-        <a:xfrm>
-          <a:off x="0" y="0"/>
-          <a:ext cx="0" cy="0"/>
-          <a:chOff x="0" y="0"/>
-          <a:chExt cx="0" cy="0"/>
-        </a:xfrm>
-      </p:grpSpPr>
-      <p:sp>
-        <p:nvSpPr>
-          <p:cNvPr id="7" name="Titre 1"/>
-          <p:cNvSpPr>
-            <a:spLocks noGrp="1"/>
-          </p:cNvSpPr>
-          <p:nvPr>
-            <p:ph type="title"/>
-          </p:nvPr>
-        </p:nvSpPr>
-        <p:spPr>
-          <a:xfrm>
-            <a:off x="1371600" y="685800"/>
-            <a:ext cx="9601200" cy="703053"/>
-          </a:xfrm>
-        </p:spPr>
-        <p:txBody>
-          <a:bodyPr/>
-          <a:lstStyle/>
-          <a:p>
-            <a:r>
-              <a:rPr lang="fr-FR" smtClean="0"/>
-              <a:t>Ergonomie</a:t>
-            </a:r>
-            <a:endParaRPr lang="fr-FR"/>
-          </a:p>
-        </p:txBody>
-      </p:sp>
-      <p:sp>
-        <p:nvSpPr>
-          <p:cNvPr id="8" name="Titre 1"/>
-          <p:cNvSpPr txBox="1">
-            <a:spLocks/>
-          </p:cNvSpPr>
-          <p:nvPr/>
-        </p:nvSpPr>
-        <p:spPr>
-          <a:xfrm>
-            <a:off x="1371600" y="1388853"/>
-            <a:ext cx="9601200" cy="473015"/>
-          </a:xfrm>
-          <a:prstGeom prst="rect">
-            <a:avLst/>
-          </a:prstGeom>
-        </p:spPr>
-        <p:txBody>
-          <a:bodyPr vert="horz" lIns="91440" tIns="45720" rIns="91440" bIns="45720" rtlCol="0" anchor="t">
-            <a:normAutofit/>
-          </a:bodyPr>
-          <a:lstStyle>
-            <a:lvl1pPr algn="l" defTabSz="914400" rtl="0" eaLnBrk="1" latinLnBrk="0" hangingPunct="1">
-              <a:lnSpc>
-                <a:spcPct val="89000"/>
-              </a:lnSpc>
-              <a:spcBef>
-                <a:spcPct val="0"/>
-              </a:spcBef>
-              <a:buNone/>
-              <a:defRPr sz="4400" kern="1200" baseline="0">
-                <a:solidFill>
-                  <a:schemeClr val="tx2"/>
-                </a:solidFill>
-                <a:latin typeface="+mj-lt"/>
-                <a:ea typeface="+mj-ea"/>
-                <a:cs typeface="+mj-cs"/>
-              </a:defRPr>
-            </a:lvl1pPr>
-          </a:lstStyle>
-          <a:p>
-            <a:r>
-              <a:rPr lang="fr-FR" sz="2800" smtClean="0"/>
-              <a:t>Pages traditionnelles</a:t>
-            </a:r>
-            <a:endParaRPr lang="fr-FR" sz="2800"/>
-          </a:p>
-        </p:txBody>
-      </p:sp>
-      <p:pic>
-        <p:nvPicPr>
-          <p:cNvPr id="5" name="Image 4"/>
-          <p:cNvPicPr>
-            <a:picLocks noChangeAspect="1"/>
-          </p:cNvPicPr>
-          <p:nvPr/>
-        </p:nvPicPr>
-        <p:blipFill>
-          <a:blip r:embed="rId2">
-            <a:extLst>
-              <a:ext uri="{28A0092B-C50C-407E-A947-70E740481C1C}">
-                <a14:useLocalDpi xmlns:a14="http://schemas.microsoft.com/office/drawing/2010/main" val="0"/>
-              </a:ext>
-            </a:extLst>
-          </a:blip>
-          <a:stretch>
-            <a:fillRect/>
-          </a:stretch>
-        </p:blipFill>
-        <p:spPr>
-          <a:xfrm>
-            <a:off x="1371600" y="2692573"/>
-            <a:ext cx="5322498" cy="3835941"/>
-          </a:xfrm>
-          <a:prstGeom prst="rect">
-            <a:avLst/>
-          </a:prstGeom>
-        </p:spPr>
-      </p:pic>
-      <p:pic>
-        <p:nvPicPr>
-          <p:cNvPr id="6" name="Image 5"/>
-          <p:cNvPicPr>
-            <a:picLocks noChangeAspect="1"/>
-          </p:cNvPicPr>
-          <p:nvPr/>
-        </p:nvPicPr>
-        <p:blipFill>
-          <a:blip r:embed="rId3">
-            <a:extLst>
-              <a:ext uri="{28A0092B-C50C-407E-A947-70E740481C1C}">
-                <a14:useLocalDpi xmlns:a14="http://schemas.microsoft.com/office/drawing/2010/main" val="0"/>
-              </a:ext>
-            </a:extLst>
-          </a:blip>
-          <a:stretch>
-            <a:fillRect/>
-          </a:stretch>
-        </p:blipFill>
-        <p:spPr>
-          <a:xfrm>
-            <a:off x="7361869" y="129396"/>
-            <a:ext cx="4677978" cy="6564702"/>
-          </a:xfrm>
-          <a:prstGeom prst="rect">
-            <a:avLst/>
-          </a:prstGeom>
-        </p:spPr>
-      </p:pic>
-      <p:sp>
-        <p:nvSpPr>
-          <p:cNvPr id="9" name="ZoneTexte 8"/>
-          <p:cNvSpPr txBox="1"/>
-          <p:nvPr/>
-        </p:nvSpPr>
-        <p:spPr>
-          <a:xfrm>
-            <a:off x="1371600" y="2234408"/>
-            <a:ext cx="938077" cy="369332"/>
-          </a:xfrm>
-          <a:prstGeom prst="rect">
-            <a:avLst/>
-          </a:prstGeom>
-          <a:noFill/>
-        </p:spPr>
-        <p:txBody>
-          <a:bodyPr wrap="none" rtlCol="0">
-            <a:spAutoFit/>
-          </a:bodyPr>
-          <a:lstStyle/>
-          <a:p>
-            <a:r>
-              <a:rPr lang="fr-FR" i="1" smtClean="0"/>
-              <a:t>Contact</a:t>
-            </a:r>
-            <a:endParaRPr lang="fr-FR" i="1"/>
-          </a:p>
-        </p:txBody>
-      </p:sp>
-      <p:sp>
-        <p:nvSpPr>
-          <p:cNvPr id="11" name="ZoneTexte 10"/>
-          <p:cNvSpPr txBox="1"/>
-          <p:nvPr/>
-        </p:nvSpPr>
-        <p:spPr>
-          <a:xfrm>
-            <a:off x="6172961" y="222932"/>
-            <a:ext cx="1042273" cy="369332"/>
-          </a:xfrm>
-          <a:prstGeom prst="rect">
-            <a:avLst/>
-          </a:prstGeom>
-          <a:noFill/>
-        </p:spPr>
-        <p:txBody>
-          <a:bodyPr wrap="none" rtlCol="0">
-            <a:spAutoFit/>
-          </a:bodyPr>
-          <a:lstStyle/>
-          <a:p>
-            <a:r>
-              <a:rPr lang="fr-FR" i="1" smtClean="0"/>
-              <a:t>A propos</a:t>
-            </a:r>
-            <a:endParaRPr lang="fr-FR" i="1"/>
-          </a:p>
-        </p:txBody>
-      </p:sp>
-    </p:spTree>
-    <p:extLst>
-      <p:ext uri="{BB962C8B-B14F-4D97-AF65-F5344CB8AC3E}">
-        <p14:creationId xmlns:p14="http://schemas.microsoft.com/office/powerpoint/2010/main" val="2112832221"/>
-      </p:ext>
-    </p:extLst>
-  </p:cSld>
-  <p:clrMapOvr>
-    <a:masterClrMapping/>
-  </p:clrMapOvr>
-  <p:timing>
-    <p:tnLst>
-      <p:par>
-        <p:cTn id="1" dur="indefinite" restart="never" nodeType="tmRoot"/>
-      </p:par>
-    </p:tnLst>
-  </p:timing>
-</p:sld>
-</file>
-
-<file path=ppt/slides/slide9.xml><?xml version="1.0" encoding="utf-8"?>
-<p:sld xmlns:a="http://schemas.openxmlformats.org/drawingml/2006/main" xmlns:r="http://schemas.openxmlformats.org/officeDocument/2006/relationships" xmlns:p="http://schemas.openxmlformats.org/presentationml/2006/main">
-  <p:cSld>
-    <p:spTree>
-      <p:nvGrpSpPr>
-        <p:cNvPr id="1" name=""/>
-        <p:cNvGrpSpPr/>
-        <p:nvPr/>
-      </p:nvGrpSpPr>
-      <p:grpSpPr>
-        <a:xfrm>
-          <a:off x="0" y="0"/>
-          <a:ext cx="0" cy="0"/>
-          <a:chOff x="0" y="0"/>
-          <a:chExt cx="0" cy="0"/>
-        </a:xfrm>
-      </p:grpSpPr>
-      <p:sp>
-        <p:nvSpPr>
-          <p:cNvPr id="7" name="Titre 1"/>
-          <p:cNvSpPr>
-            <a:spLocks noGrp="1"/>
-          </p:cNvSpPr>
-          <p:nvPr>
-            <p:ph type="title"/>
-          </p:nvPr>
-        </p:nvSpPr>
-        <p:spPr>
-          <a:xfrm>
-            <a:off x="1371600" y="685800"/>
-            <a:ext cx="9601200" cy="703053"/>
-          </a:xfrm>
-        </p:spPr>
-        <p:txBody>
-          <a:bodyPr/>
-          <a:lstStyle/>
-          <a:p>
-            <a:r>
-              <a:rPr lang="fr-FR" smtClean="0"/>
-              <a:t>Ergonomie</a:t>
-            </a:r>
-            <a:endParaRPr lang="fr-FR"/>
-          </a:p>
-        </p:txBody>
-      </p:sp>
-      <p:sp>
-        <p:nvSpPr>
-          <p:cNvPr id="8" name="Titre 1"/>
-          <p:cNvSpPr txBox="1">
-            <a:spLocks/>
-          </p:cNvSpPr>
-          <p:nvPr/>
-        </p:nvSpPr>
-        <p:spPr>
-          <a:xfrm>
-            <a:off x="1371600" y="1388853"/>
-            <a:ext cx="9601200" cy="473015"/>
-          </a:xfrm>
-          <a:prstGeom prst="rect">
-            <a:avLst/>
-          </a:prstGeom>
-        </p:spPr>
-        <p:txBody>
-          <a:bodyPr vert="horz" lIns="91440" tIns="45720" rIns="91440" bIns="45720" rtlCol="0" anchor="t">
-            <a:normAutofit/>
-          </a:bodyPr>
-          <a:lstStyle>
-            <a:lvl1pPr algn="l" defTabSz="914400" rtl="0" eaLnBrk="1" latinLnBrk="0" hangingPunct="1">
-              <a:lnSpc>
-                <a:spcPct val="89000"/>
-              </a:lnSpc>
-              <a:spcBef>
-                <a:spcPct val="0"/>
-              </a:spcBef>
-              <a:buNone/>
-              <a:defRPr sz="4400" kern="1200" baseline="0">
-                <a:solidFill>
-                  <a:schemeClr val="tx2"/>
-                </a:solidFill>
-                <a:latin typeface="+mj-lt"/>
-                <a:ea typeface="+mj-ea"/>
-                <a:cs typeface="+mj-cs"/>
-              </a:defRPr>
-            </a:lvl1pPr>
-          </a:lstStyle>
-          <a:p>
-            <a:r>
-              <a:rPr lang="fr-FR" sz="2800" smtClean="0"/>
-              <a:t>Droits non connecté/connecté</a:t>
-            </a:r>
-            <a:endParaRPr lang="fr-FR" sz="2800"/>
-          </a:p>
-        </p:txBody>
-      </p:sp>
-      <p:pic>
-        <p:nvPicPr>
-          <p:cNvPr id="10" name="Image 9"/>
-          <p:cNvPicPr>
-            <a:picLocks noChangeAspect="1"/>
-          </p:cNvPicPr>
-          <p:nvPr/>
-        </p:nvPicPr>
-        <p:blipFill>
-          <a:blip r:embed="rId2">
-            <a:extLst>
-              <a:ext uri="{28A0092B-C50C-407E-A947-70E740481C1C}">
-                <a14:useLocalDpi xmlns:a14="http://schemas.microsoft.com/office/drawing/2010/main" val="0"/>
-              </a:ext>
-            </a:extLst>
-          </a:blip>
-          <a:stretch>
-            <a:fillRect/>
-          </a:stretch>
-        </p:blipFill>
-        <p:spPr>
-          <a:xfrm>
-            <a:off x="6918385" y="2467862"/>
-            <a:ext cx="4960188" cy="4088279"/>
-          </a:xfrm>
-          <a:prstGeom prst="rect">
-            <a:avLst/>
-          </a:prstGeom>
-        </p:spPr>
-      </p:pic>
-      <p:pic>
-        <p:nvPicPr>
-          <p:cNvPr id="3" name="Image 2"/>
-          <p:cNvPicPr>
-            <a:picLocks noChangeAspect="1"/>
-          </p:cNvPicPr>
-          <p:nvPr/>
-        </p:nvPicPr>
-        <p:blipFill>
-          <a:blip r:embed="rId3">
-            <a:extLst>
-              <a:ext uri="{28A0092B-C50C-407E-A947-70E740481C1C}">
-                <a14:useLocalDpi xmlns:a14="http://schemas.microsoft.com/office/drawing/2010/main" val="0"/>
-              </a:ext>
-            </a:extLst>
-          </a:blip>
-          <a:stretch>
-            <a:fillRect/>
-          </a:stretch>
-        </p:blipFill>
-        <p:spPr>
-          <a:xfrm>
-            <a:off x="4234337" y="2369562"/>
-            <a:ext cx="1447800" cy="1266825"/>
-          </a:xfrm>
-          <a:prstGeom prst="rect">
-            <a:avLst/>
-          </a:prstGeom>
-        </p:spPr>
-      </p:pic>
-      <p:pic>
-        <p:nvPicPr>
-          <p:cNvPr id="4" name="Image 3"/>
-          <p:cNvPicPr>
-            <a:picLocks noChangeAspect="1"/>
-          </p:cNvPicPr>
-          <p:nvPr/>
-        </p:nvPicPr>
-        <p:blipFill>
-          <a:blip r:embed="rId4"/>
-          <a:stretch>
-            <a:fillRect/>
-          </a:stretch>
-        </p:blipFill>
-        <p:spPr>
-          <a:xfrm>
-            <a:off x="1371600" y="2467862"/>
-            <a:ext cx="1402202" cy="792549"/>
-          </a:xfrm>
-          <a:prstGeom prst="rect">
-            <a:avLst/>
-          </a:prstGeom>
-        </p:spPr>
-      </p:pic>
-      <p:cxnSp>
-        <p:nvCxnSpPr>
-          <p:cNvPr id="11" name="Connecteur droit avec flèche 10"/>
-          <p:cNvCxnSpPr/>
-          <p:nvPr/>
-        </p:nvCxnSpPr>
-        <p:spPr>
-          <a:xfrm>
-            <a:off x="3019245" y="2864136"/>
-            <a:ext cx="992038" cy="0"/>
-          </a:xfrm>
-          <a:prstGeom prst="straightConnector1">
-            <a:avLst/>
-          </a:prstGeom>
-          <a:ln>
-            <a:tailEnd type="triangle"/>
-          </a:ln>
-        </p:spPr>
-        <p:style>
-          <a:lnRef idx="1">
-            <a:schemeClr val="accent1"/>
-          </a:lnRef>
-          <a:fillRef idx="0">
-            <a:schemeClr val="accent1"/>
-          </a:fillRef>
-          <a:effectRef idx="0">
-            <a:schemeClr val="accent1"/>
-          </a:effectRef>
-          <a:fontRef idx="minor">
-            <a:schemeClr val="tx1"/>
-          </a:fontRef>
-        </p:style>
-      </p:cxnSp>
-      <p:sp>
-        <p:nvSpPr>
-          <p:cNvPr id="14" name="ZoneTexte 13"/>
-          <p:cNvSpPr txBox="1"/>
-          <p:nvPr/>
-        </p:nvSpPr>
-        <p:spPr>
-          <a:xfrm>
-            <a:off x="6918385" y="2000230"/>
-            <a:ext cx="1173719" cy="369332"/>
-          </a:xfrm>
-          <a:prstGeom prst="rect">
-            <a:avLst/>
-          </a:prstGeom>
-          <a:noFill/>
-        </p:spPr>
-        <p:txBody>
-          <a:bodyPr wrap="none" rtlCol="0">
-            <a:spAutoFit/>
-          </a:bodyPr>
-          <a:lstStyle/>
-          <a:p>
-            <a:r>
-              <a:rPr lang="fr-FR" i="1" smtClean="0"/>
-              <a:t>Mon profil</a:t>
-            </a:r>
-            <a:endParaRPr lang="fr-FR" i="1"/>
-          </a:p>
-        </p:txBody>
-      </p:sp>
-      <p:cxnSp>
-        <p:nvCxnSpPr>
-          <p:cNvPr id="15" name="Connecteur droit avec flèche 14"/>
-          <p:cNvCxnSpPr/>
-          <p:nvPr/>
-        </p:nvCxnSpPr>
-        <p:spPr>
-          <a:xfrm>
-            <a:off x="5543909" y="3002974"/>
-            <a:ext cx="1296838" cy="257437"/>
-          </a:xfrm>
-          <a:prstGeom prst="straightConnector1">
-            <a:avLst/>
-          </a:prstGeom>
-          <a:ln>
-            <a:tailEnd type="triangle"/>
-          </a:ln>
-        </p:spPr>
-        <p:style>
-          <a:lnRef idx="1">
-            <a:schemeClr val="accent1"/>
-          </a:lnRef>
-          <a:fillRef idx="0">
-            <a:schemeClr val="accent1"/>
-          </a:fillRef>
-          <a:effectRef idx="0">
-            <a:schemeClr val="accent1"/>
-          </a:effectRef>
-          <a:fontRef idx="minor">
-            <a:schemeClr val="tx1"/>
-          </a:fontRef>
-        </p:style>
-      </p:cxnSp>
-    </p:spTree>
-    <p:extLst>
-      <p:ext uri="{BB962C8B-B14F-4D97-AF65-F5344CB8AC3E}">
-        <p14:creationId xmlns:p14="http://schemas.microsoft.com/office/powerpoint/2010/main" val="4076514379"/>
-      </p:ext>
-    </p:extLst>
-  </p:cSld>
-  <p:clrMapOvr>
-    <a:masterClrMapping/>
-  </p:clrMapOvr>
-  <p:timing>
-    <p:tnLst>
-      <p:par>
-        <p:cTn id="1" dur="indefinite" restart="never" nodeType="tmRoot"/>
-      </p:par>
-    </p:tnLst>
-  </p:timing>
 </p:sld>
 </file>
 

--- a/Diaporama/Diaporama.pptx
+++ b/Diaporama/Diaporama.pptx
@@ -11,20 +11,23 @@
     <p:sldId id="258" r:id="rId5"/>
     <p:sldId id="276" r:id="rId6"/>
     <p:sldId id="259" r:id="rId7"/>
-    <p:sldId id="260" r:id="rId8"/>
-    <p:sldId id="262" r:id="rId9"/>
-    <p:sldId id="263" r:id="rId10"/>
-    <p:sldId id="265" r:id="rId11"/>
-    <p:sldId id="264" r:id="rId12"/>
-    <p:sldId id="267" r:id="rId13"/>
-    <p:sldId id="273" r:id="rId14"/>
-    <p:sldId id="269" r:id="rId15"/>
-    <p:sldId id="272" r:id="rId16"/>
-    <p:sldId id="274" r:id="rId17"/>
-    <p:sldId id="270" r:id="rId18"/>
-    <p:sldId id="271" r:id="rId19"/>
-    <p:sldId id="266" r:id="rId20"/>
-    <p:sldId id="275" r:id="rId21"/>
+    <p:sldId id="278" r:id="rId8"/>
+    <p:sldId id="279" r:id="rId9"/>
+    <p:sldId id="280" r:id="rId10"/>
+    <p:sldId id="260" r:id="rId11"/>
+    <p:sldId id="262" r:id="rId12"/>
+    <p:sldId id="263" r:id="rId13"/>
+    <p:sldId id="265" r:id="rId14"/>
+    <p:sldId id="264" r:id="rId15"/>
+    <p:sldId id="267" r:id="rId16"/>
+    <p:sldId id="273" r:id="rId17"/>
+    <p:sldId id="269" r:id="rId18"/>
+    <p:sldId id="272" r:id="rId19"/>
+    <p:sldId id="274" r:id="rId20"/>
+    <p:sldId id="270" r:id="rId21"/>
+    <p:sldId id="271" r:id="rId22"/>
+    <p:sldId id="266" r:id="rId23"/>
+    <p:sldId id="275" r:id="rId24"/>
   </p:sldIdLst>
   <p:sldSz cx="12192000" cy="6858000"/>
   <p:notesSz cx="6858000" cy="9144000"/>
@@ -3890,7 +3893,7 @@
       </p:grpSpPr>
       <p:sp>
         <p:nvSpPr>
-          <p:cNvPr id="7" name="Titre 1"/>
+          <p:cNvPr id="2" name="Titre 1"/>
           <p:cNvSpPr>
             <a:spLocks noGrp="1"/>
           </p:cNvSpPr>
@@ -3917,7 +3920,74 @@
       </p:sp>
       <p:sp>
         <p:nvSpPr>
-          <p:cNvPr id="8" name="Titre 1"/>
+          <p:cNvPr id="3" name="Espace réservé du contenu 2"/>
+          <p:cNvSpPr>
+            <a:spLocks noGrp="1"/>
+          </p:cNvSpPr>
+          <p:nvPr>
+            <p:ph idx="1"/>
+          </p:nvPr>
+        </p:nvSpPr>
+        <p:spPr/>
+        <p:txBody>
+          <a:bodyPr/>
+          <a:lstStyle/>
+          <a:p>
+            <a:r>
+              <a:rPr lang="fr-FR"/>
+              <a:t>Femmes ou hommes</a:t>
+            </a:r>
+          </a:p>
+          <a:p>
+            <a:r>
+              <a:rPr lang="fr-FR"/>
+              <a:t>Tranche d’âge 20-35 ans</a:t>
+            </a:r>
+          </a:p>
+          <a:p>
+            <a:r>
+              <a:rPr lang="fr-FR"/>
+              <a:t>Volume d’affaires</a:t>
+            </a:r>
+          </a:p>
+          <a:p>
+            <a:pPr lvl="1"/>
+            <a:r>
+              <a:rPr lang="fr-FR"/>
+              <a:t>Acheteurs compulsifs</a:t>
+            </a:r>
+          </a:p>
+          <a:p>
+            <a:pPr lvl="1"/>
+            <a:r>
+              <a:rPr lang="fr-FR"/>
+              <a:t>Collectionneurs</a:t>
+            </a:r>
+          </a:p>
+          <a:p>
+            <a:pPr lvl="1"/>
+            <a:r>
+              <a:rPr lang="fr-FR"/>
+              <a:t>Matérialistes</a:t>
+            </a:r>
+          </a:p>
+          <a:p>
+            <a:r>
+              <a:rPr lang="fr-FR"/>
+              <a:t>Classe moyenne</a:t>
+            </a:r>
+          </a:p>
+          <a:p>
+            <a:r>
+              <a:rPr lang="fr-FR"/>
+              <a:t>Sécurité</a:t>
+            </a:r>
+          </a:p>
+        </p:txBody>
+      </p:sp>
+      <p:sp>
+        <p:nvSpPr>
+          <p:cNvPr id="4" name="Titre 1"/>
           <p:cNvSpPr txBox="1">
             <a:spLocks/>
           </p:cNvSpPr>
@@ -3958,6 +4028,652 @@
           <a:p>
             <a:r>
               <a:rPr lang="fr-FR" sz="2800"/>
+              <a:t>A qui s’adresse-t-on ?</a:t>
+            </a:r>
+          </a:p>
+        </p:txBody>
+      </p:sp>
+    </p:spTree>
+    <p:extLst>
+      <p:ext uri="{BB962C8B-B14F-4D97-AF65-F5344CB8AC3E}">
+        <p14:creationId xmlns:p14="http://schemas.microsoft.com/office/powerpoint/2010/main" val="2838513145"/>
+      </p:ext>
+    </p:extLst>
+  </p:cSld>
+  <p:clrMapOvr>
+    <a:masterClrMapping/>
+  </p:clrMapOvr>
+</p:sld>
+</file>
+
+<file path=ppt/slides/slide11.xml><?xml version="1.0" encoding="utf-8"?>
+<p:sld xmlns:a="http://schemas.openxmlformats.org/drawingml/2006/main" xmlns:r="http://schemas.openxmlformats.org/officeDocument/2006/relationships" xmlns:p="http://schemas.openxmlformats.org/presentationml/2006/main">
+  <p:cSld>
+    <p:spTree>
+      <p:nvGrpSpPr>
+        <p:cNvPr id="1" name=""/>
+        <p:cNvGrpSpPr/>
+        <p:nvPr/>
+      </p:nvGrpSpPr>
+      <p:grpSpPr>
+        <a:xfrm>
+          <a:off x="0" y="0"/>
+          <a:ext cx="0" cy="0"/>
+          <a:chOff x="0" y="0"/>
+          <a:chExt cx="0" cy="0"/>
+        </a:xfrm>
+      </p:grpSpPr>
+      <p:pic>
+        <p:nvPicPr>
+          <p:cNvPr id="5" name="Image 4"/>
+          <p:cNvPicPr>
+            <a:picLocks noChangeAspect="1"/>
+          </p:cNvPicPr>
+          <p:nvPr/>
+        </p:nvPicPr>
+        <p:blipFill>
+          <a:blip r:embed="rId2">
+            <a:extLst>
+              <a:ext uri="{28A0092B-C50C-407E-A947-70E740481C1C}">
+                <a14:useLocalDpi xmlns:a14="http://schemas.microsoft.com/office/drawing/2010/main" val="0"/>
+              </a:ext>
+            </a:extLst>
+          </a:blip>
+          <a:stretch>
+            <a:fillRect/>
+          </a:stretch>
+        </p:blipFill>
+        <p:spPr>
+          <a:xfrm>
+            <a:off x="6165528" y="223590"/>
+            <a:ext cx="5407529" cy="6299982"/>
+          </a:xfrm>
+          <a:prstGeom prst="rect">
+            <a:avLst/>
+          </a:prstGeom>
+        </p:spPr>
+      </p:pic>
+      <p:pic>
+        <p:nvPicPr>
+          <p:cNvPr id="3" name="Image 2"/>
+          <p:cNvPicPr>
+            <a:picLocks noChangeAspect="1"/>
+          </p:cNvPicPr>
+          <p:nvPr/>
+        </p:nvPicPr>
+        <p:blipFill>
+          <a:blip r:embed="rId3">
+            <a:extLst>
+              <a:ext uri="{28A0092B-C50C-407E-A947-70E740481C1C}">
+                <a14:useLocalDpi xmlns:a14="http://schemas.microsoft.com/office/drawing/2010/main" val="0"/>
+              </a:ext>
+            </a:extLst>
+          </a:blip>
+          <a:stretch>
+            <a:fillRect/>
+          </a:stretch>
+        </p:blipFill>
+        <p:spPr>
+          <a:xfrm>
+            <a:off x="1045030" y="2398143"/>
+            <a:ext cx="2204444" cy="3278038"/>
+          </a:xfrm>
+          <a:prstGeom prst="rect">
+            <a:avLst/>
+          </a:prstGeom>
+        </p:spPr>
+      </p:pic>
+      <p:pic>
+        <p:nvPicPr>
+          <p:cNvPr id="4" name="Image 3"/>
+          <p:cNvPicPr>
+            <a:picLocks noChangeAspect="1"/>
+          </p:cNvPicPr>
+          <p:nvPr/>
+        </p:nvPicPr>
+        <p:blipFill>
+          <a:blip r:embed="rId4">
+            <a:extLst>
+              <a:ext uri="{28A0092B-C50C-407E-A947-70E740481C1C}">
+                <a14:useLocalDpi xmlns:a14="http://schemas.microsoft.com/office/drawing/2010/main" val="0"/>
+              </a:ext>
+            </a:extLst>
+          </a:blip>
+          <a:stretch>
+            <a:fillRect/>
+          </a:stretch>
+        </p:blipFill>
+        <p:spPr>
+          <a:xfrm>
+            <a:off x="4016945" y="4037162"/>
+            <a:ext cx="1223679" cy="2486410"/>
+          </a:xfrm>
+          <a:prstGeom prst="rect">
+            <a:avLst/>
+          </a:prstGeom>
+        </p:spPr>
+      </p:pic>
+      <p:sp>
+        <p:nvSpPr>
+          <p:cNvPr id="7" name="Titre 1"/>
+          <p:cNvSpPr>
+            <a:spLocks noGrp="1"/>
+          </p:cNvSpPr>
+          <p:nvPr>
+            <p:ph type="title"/>
+          </p:nvPr>
+        </p:nvSpPr>
+        <p:spPr>
+          <a:xfrm>
+            <a:off x="1371600" y="685800"/>
+            <a:ext cx="9601200" cy="703053"/>
+          </a:xfrm>
+        </p:spPr>
+        <p:txBody>
+          <a:bodyPr/>
+          <a:lstStyle/>
+          <a:p>
+            <a:r>
+              <a:rPr lang="fr-FR"/>
+              <a:t>Ergonomie</a:t>
+            </a:r>
+          </a:p>
+        </p:txBody>
+      </p:sp>
+      <p:sp>
+        <p:nvSpPr>
+          <p:cNvPr id="8" name="Titre 1"/>
+          <p:cNvSpPr txBox="1">
+            <a:spLocks/>
+          </p:cNvSpPr>
+          <p:nvPr/>
+        </p:nvSpPr>
+        <p:spPr>
+          <a:xfrm>
+            <a:off x="1371600" y="1388853"/>
+            <a:ext cx="9601200" cy="473015"/>
+          </a:xfrm>
+          <a:prstGeom prst="rect">
+            <a:avLst/>
+          </a:prstGeom>
+        </p:spPr>
+        <p:txBody>
+          <a:bodyPr vert="horz" lIns="91440" tIns="45720" rIns="91440" bIns="45720" rtlCol="0" anchor="t">
+            <a:normAutofit/>
+          </a:bodyPr>
+          <a:lstStyle>
+            <a:lvl1pPr algn="l" defTabSz="914400" rtl="0" eaLnBrk="1" latinLnBrk="0" hangingPunct="1">
+              <a:lnSpc>
+                <a:spcPct val="89000"/>
+              </a:lnSpc>
+              <a:spcBef>
+                <a:spcPct val="0"/>
+              </a:spcBef>
+              <a:buNone/>
+              <a:defRPr sz="4400" kern="1200" baseline="0">
+                <a:solidFill>
+                  <a:schemeClr val="tx2"/>
+                </a:solidFill>
+                <a:latin typeface="+mj-lt"/>
+                <a:ea typeface="+mj-ea"/>
+                <a:cs typeface="+mj-cs"/>
+              </a:defRPr>
+            </a:lvl1pPr>
+          </a:lstStyle>
+          <a:p>
+            <a:r>
+              <a:rPr lang="fr-FR" sz="2800"/>
+              <a:t>Responsive design</a:t>
+            </a:r>
+          </a:p>
+        </p:txBody>
+      </p:sp>
+      <p:sp>
+        <p:nvSpPr>
+          <p:cNvPr id="10" name="Arc 9"/>
+          <p:cNvSpPr/>
+          <p:nvPr/>
+        </p:nvSpPr>
+        <p:spPr>
+          <a:xfrm rot="17670655">
+            <a:off x="5048611" y="3043390"/>
+            <a:ext cx="2021545" cy="2810549"/>
+          </a:xfrm>
+          <a:prstGeom prst="arc">
+            <a:avLst>
+              <a:gd name="adj1" fmla="val 15997262"/>
+              <a:gd name="adj2" fmla="val 19497112"/>
+            </a:avLst>
+          </a:prstGeom>
+        </p:spPr>
+        <p:style>
+          <a:lnRef idx="1">
+            <a:schemeClr val="accent1"/>
+          </a:lnRef>
+          <a:fillRef idx="0">
+            <a:schemeClr val="accent1"/>
+          </a:fillRef>
+          <a:effectRef idx="0">
+            <a:schemeClr val="accent1"/>
+          </a:effectRef>
+          <a:fontRef idx="minor">
+            <a:schemeClr val="tx1"/>
+          </a:fontRef>
+        </p:style>
+        <p:txBody>
+          <a:bodyPr rtlCol="0" anchor="ctr"/>
+          <a:lstStyle/>
+          <a:p>
+            <a:pPr algn="ctr"/>
+            <a:endParaRPr lang="fr-FR"/>
+          </a:p>
+        </p:txBody>
+      </p:sp>
+      <p:sp>
+        <p:nvSpPr>
+          <p:cNvPr id="11" name="Arc 10"/>
+          <p:cNvSpPr/>
+          <p:nvPr/>
+        </p:nvSpPr>
+        <p:spPr>
+          <a:xfrm>
+            <a:off x="2409467" y="2641839"/>
+            <a:ext cx="7390142" cy="1544129"/>
+          </a:xfrm>
+          <a:prstGeom prst="arc">
+            <a:avLst>
+              <a:gd name="adj1" fmla="val 11467216"/>
+              <a:gd name="adj2" fmla="val 15028007"/>
+            </a:avLst>
+          </a:prstGeom>
+        </p:spPr>
+        <p:style>
+          <a:lnRef idx="1">
+            <a:schemeClr val="accent1"/>
+          </a:lnRef>
+          <a:fillRef idx="0">
+            <a:schemeClr val="accent1"/>
+          </a:fillRef>
+          <a:effectRef idx="0">
+            <a:schemeClr val="accent1"/>
+          </a:effectRef>
+          <a:fontRef idx="minor">
+            <a:schemeClr val="tx1"/>
+          </a:fontRef>
+        </p:style>
+        <p:txBody>
+          <a:bodyPr rtlCol="0" anchor="ctr"/>
+          <a:lstStyle/>
+          <a:p>
+            <a:pPr algn="ctr"/>
+            <a:endParaRPr lang="fr-FR"/>
+          </a:p>
+        </p:txBody>
+      </p:sp>
+      <p:sp>
+        <p:nvSpPr>
+          <p:cNvPr id="12" name="Arc 11"/>
+          <p:cNvSpPr/>
+          <p:nvPr/>
+        </p:nvSpPr>
+        <p:spPr>
+          <a:xfrm>
+            <a:off x="2409467" y="3178114"/>
+            <a:ext cx="2021545" cy="1544129"/>
+          </a:xfrm>
+          <a:prstGeom prst="arc">
+            <a:avLst>
+              <a:gd name="adj1" fmla="val 16200000"/>
+              <a:gd name="adj2" fmla="val 2"/>
+            </a:avLst>
+          </a:prstGeom>
+        </p:spPr>
+        <p:style>
+          <a:lnRef idx="1">
+            <a:schemeClr val="accent1"/>
+          </a:lnRef>
+          <a:fillRef idx="0">
+            <a:schemeClr val="accent1"/>
+          </a:fillRef>
+          <a:effectRef idx="0">
+            <a:schemeClr val="accent1"/>
+          </a:effectRef>
+          <a:fontRef idx="minor">
+            <a:schemeClr val="tx1"/>
+          </a:fontRef>
+        </p:style>
+        <p:txBody>
+          <a:bodyPr rtlCol="0" anchor="ctr"/>
+          <a:lstStyle/>
+          <a:p>
+            <a:pPr algn="ctr"/>
+            <a:endParaRPr lang="fr-FR"/>
+          </a:p>
+        </p:txBody>
+      </p:sp>
+    </p:spTree>
+    <p:extLst>
+      <p:ext uri="{BB962C8B-B14F-4D97-AF65-F5344CB8AC3E}">
+        <p14:creationId xmlns:p14="http://schemas.microsoft.com/office/powerpoint/2010/main" val="1571667926"/>
+      </p:ext>
+    </p:extLst>
+  </p:cSld>
+  <p:clrMapOvr>
+    <a:masterClrMapping/>
+  </p:clrMapOvr>
+</p:sld>
+</file>
+
+<file path=ppt/slides/slide12.xml><?xml version="1.0" encoding="utf-8"?>
+<p:sld xmlns:a="http://schemas.openxmlformats.org/drawingml/2006/main" xmlns:r="http://schemas.openxmlformats.org/officeDocument/2006/relationships" xmlns:p="http://schemas.openxmlformats.org/presentationml/2006/main">
+  <p:cSld>
+    <p:spTree>
+      <p:nvGrpSpPr>
+        <p:cNvPr id="1" name=""/>
+        <p:cNvGrpSpPr/>
+        <p:nvPr/>
+      </p:nvGrpSpPr>
+      <p:grpSpPr>
+        <a:xfrm>
+          <a:off x="0" y="0"/>
+          <a:ext cx="0" cy="0"/>
+          <a:chOff x="0" y="0"/>
+          <a:chExt cx="0" cy="0"/>
+        </a:xfrm>
+      </p:grpSpPr>
+      <p:sp>
+        <p:nvSpPr>
+          <p:cNvPr id="7" name="Titre 1"/>
+          <p:cNvSpPr>
+            <a:spLocks noGrp="1"/>
+          </p:cNvSpPr>
+          <p:nvPr>
+            <p:ph type="title"/>
+          </p:nvPr>
+        </p:nvSpPr>
+        <p:spPr>
+          <a:xfrm>
+            <a:off x="1371600" y="685800"/>
+            <a:ext cx="9601200" cy="703053"/>
+          </a:xfrm>
+        </p:spPr>
+        <p:txBody>
+          <a:bodyPr/>
+          <a:lstStyle/>
+          <a:p>
+            <a:r>
+              <a:rPr lang="fr-FR"/>
+              <a:t>Ergonomie</a:t>
+            </a:r>
+          </a:p>
+        </p:txBody>
+      </p:sp>
+      <p:sp>
+        <p:nvSpPr>
+          <p:cNvPr id="8" name="Titre 1"/>
+          <p:cNvSpPr txBox="1">
+            <a:spLocks/>
+          </p:cNvSpPr>
+          <p:nvPr/>
+        </p:nvSpPr>
+        <p:spPr>
+          <a:xfrm>
+            <a:off x="1371600" y="1388853"/>
+            <a:ext cx="9601200" cy="473015"/>
+          </a:xfrm>
+          <a:prstGeom prst="rect">
+            <a:avLst/>
+          </a:prstGeom>
+        </p:spPr>
+        <p:txBody>
+          <a:bodyPr vert="horz" lIns="91440" tIns="45720" rIns="91440" bIns="45720" rtlCol="0" anchor="t">
+            <a:normAutofit/>
+          </a:bodyPr>
+          <a:lstStyle>
+            <a:lvl1pPr algn="l" defTabSz="914400" rtl="0" eaLnBrk="1" latinLnBrk="0" hangingPunct="1">
+              <a:lnSpc>
+                <a:spcPct val="89000"/>
+              </a:lnSpc>
+              <a:spcBef>
+                <a:spcPct val="0"/>
+              </a:spcBef>
+              <a:buNone/>
+              <a:defRPr sz="4400" kern="1200" baseline="0">
+                <a:solidFill>
+                  <a:schemeClr val="tx2"/>
+                </a:solidFill>
+                <a:latin typeface="+mj-lt"/>
+                <a:ea typeface="+mj-ea"/>
+                <a:cs typeface="+mj-cs"/>
+              </a:defRPr>
+            </a:lvl1pPr>
+          </a:lstStyle>
+          <a:p>
+            <a:r>
+              <a:rPr lang="fr-FR" sz="2800"/>
+              <a:t>Pages traditionnelles</a:t>
+            </a:r>
+          </a:p>
+        </p:txBody>
+      </p:sp>
+      <p:pic>
+        <p:nvPicPr>
+          <p:cNvPr id="6" name="Image 5"/>
+          <p:cNvPicPr>
+            <a:picLocks noChangeAspect="1"/>
+          </p:cNvPicPr>
+          <p:nvPr/>
+        </p:nvPicPr>
+        <p:blipFill>
+          <a:blip r:embed="rId2">
+            <a:extLst>
+              <a:ext uri="{28A0092B-C50C-407E-A947-70E740481C1C}">
+                <a14:useLocalDpi xmlns:a14="http://schemas.microsoft.com/office/drawing/2010/main" val="0"/>
+              </a:ext>
+            </a:extLst>
+          </a:blip>
+          <a:stretch>
+            <a:fillRect/>
+          </a:stretch>
+        </p:blipFill>
+        <p:spPr>
+          <a:xfrm>
+            <a:off x="1371600" y="2658362"/>
+            <a:ext cx="4659923" cy="3617811"/>
+          </a:xfrm>
+          <a:prstGeom prst="rect">
+            <a:avLst/>
+          </a:prstGeom>
+        </p:spPr>
+      </p:pic>
+      <p:pic>
+        <p:nvPicPr>
+          <p:cNvPr id="13" name="Image 12"/>
+          <p:cNvPicPr>
+            <a:picLocks noChangeAspect="1"/>
+          </p:cNvPicPr>
+          <p:nvPr/>
+        </p:nvPicPr>
+        <p:blipFill>
+          <a:blip r:embed="rId3">
+            <a:extLst>
+              <a:ext uri="{28A0092B-C50C-407E-A947-70E740481C1C}">
+                <a14:useLocalDpi xmlns:a14="http://schemas.microsoft.com/office/drawing/2010/main" val="0"/>
+              </a:ext>
+            </a:extLst>
+          </a:blip>
+          <a:stretch>
+            <a:fillRect/>
+          </a:stretch>
+        </p:blipFill>
+        <p:spPr>
+          <a:xfrm>
+            <a:off x="6583379" y="2658330"/>
+            <a:ext cx="4389421" cy="3617843"/>
+          </a:xfrm>
+          <a:prstGeom prst="rect">
+            <a:avLst/>
+          </a:prstGeom>
+        </p:spPr>
+      </p:pic>
+      <p:sp>
+        <p:nvSpPr>
+          <p:cNvPr id="15" name="ZoneTexte 14"/>
+          <p:cNvSpPr txBox="1"/>
+          <p:nvPr/>
+        </p:nvSpPr>
+        <p:spPr>
+          <a:xfrm>
+            <a:off x="1371600" y="2190474"/>
+            <a:ext cx="1200200" cy="369332"/>
+          </a:xfrm>
+          <a:prstGeom prst="rect">
+            <a:avLst/>
+          </a:prstGeom>
+          <a:noFill/>
+        </p:spPr>
+        <p:txBody>
+          <a:bodyPr wrap="none" rtlCol="0">
+            <a:spAutoFit/>
+          </a:bodyPr>
+          <a:lstStyle/>
+          <a:p>
+            <a:r>
+              <a:rPr lang="fr-FR" i="1"/>
+              <a:t>Connexion</a:t>
+            </a:r>
+          </a:p>
+        </p:txBody>
+      </p:sp>
+      <p:sp>
+        <p:nvSpPr>
+          <p:cNvPr id="16" name="ZoneTexte 15"/>
+          <p:cNvSpPr txBox="1"/>
+          <p:nvPr/>
+        </p:nvSpPr>
+        <p:spPr>
+          <a:xfrm>
+            <a:off x="6583379" y="2190474"/>
+            <a:ext cx="1202573" cy="369332"/>
+          </a:xfrm>
+          <a:prstGeom prst="rect">
+            <a:avLst/>
+          </a:prstGeom>
+          <a:noFill/>
+        </p:spPr>
+        <p:txBody>
+          <a:bodyPr wrap="none" rtlCol="0">
+            <a:spAutoFit/>
+          </a:bodyPr>
+          <a:lstStyle/>
+          <a:p>
+            <a:r>
+              <a:rPr lang="fr-FR" i="1"/>
+              <a:t>Inscription</a:t>
+            </a:r>
+          </a:p>
+        </p:txBody>
+      </p:sp>
+    </p:spTree>
+    <p:extLst>
+      <p:ext uri="{BB962C8B-B14F-4D97-AF65-F5344CB8AC3E}">
+        <p14:creationId xmlns:p14="http://schemas.microsoft.com/office/powerpoint/2010/main" val="3200256141"/>
+      </p:ext>
+    </p:extLst>
+  </p:cSld>
+  <p:clrMapOvr>
+    <a:masterClrMapping/>
+  </p:clrMapOvr>
+</p:sld>
+</file>
+
+<file path=ppt/slides/slide13.xml><?xml version="1.0" encoding="utf-8"?>
+<p:sld xmlns:a="http://schemas.openxmlformats.org/drawingml/2006/main" xmlns:r="http://schemas.openxmlformats.org/officeDocument/2006/relationships" xmlns:p="http://schemas.openxmlformats.org/presentationml/2006/main">
+  <p:cSld>
+    <p:spTree>
+      <p:nvGrpSpPr>
+        <p:cNvPr id="1" name=""/>
+        <p:cNvGrpSpPr/>
+        <p:nvPr/>
+      </p:nvGrpSpPr>
+      <p:grpSpPr>
+        <a:xfrm>
+          <a:off x="0" y="0"/>
+          <a:ext cx="0" cy="0"/>
+          <a:chOff x="0" y="0"/>
+          <a:chExt cx="0" cy="0"/>
+        </a:xfrm>
+      </p:grpSpPr>
+      <p:sp>
+        <p:nvSpPr>
+          <p:cNvPr id="7" name="Titre 1"/>
+          <p:cNvSpPr>
+            <a:spLocks noGrp="1"/>
+          </p:cNvSpPr>
+          <p:nvPr>
+            <p:ph type="title"/>
+          </p:nvPr>
+        </p:nvSpPr>
+        <p:spPr>
+          <a:xfrm>
+            <a:off x="1371600" y="685800"/>
+            <a:ext cx="9601200" cy="703053"/>
+          </a:xfrm>
+        </p:spPr>
+        <p:txBody>
+          <a:bodyPr/>
+          <a:lstStyle/>
+          <a:p>
+            <a:r>
+              <a:rPr lang="fr-FR"/>
+              <a:t>Ergonomie</a:t>
+            </a:r>
+          </a:p>
+        </p:txBody>
+      </p:sp>
+      <p:sp>
+        <p:nvSpPr>
+          <p:cNvPr id="8" name="Titre 1"/>
+          <p:cNvSpPr txBox="1">
+            <a:spLocks/>
+          </p:cNvSpPr>
+          <p:nvPr/>
+        </p:nvSpPr>
+        <p:spPr>
+          <a:xfrm>
+            <a:off x="1371600" y="1388853"/>
+            <a:ext cx="9601200" cy="473015"/>
+          </a:xfrm>
+          <a:prstGeom prst="rect">
+            <a:avLst/>
+          </a:prstGeom>
+        </p:spPr>
+        <p:txBody>
+          <a:bodyPr vert="horz" lIns="91440" tIns="45720" rIns="91440" bIns="45720" rtlCol="0" anchor="t">
+            <a:normAutofit/>
+          </a:bodyPr>
+          <a:lstStyle>
+            <a:lvl1pPr algn="l" defTabSz="914400" rtl="0" eaLnBrk="1" latinLnBrk="0" hangingPunct="1">
+              <a:lnSpc>
+                <a:spcPct val="89000"/>
+              </a:lnSpc>
+              <a:spcBef>
+                <a:spcPct val="0"/>
+              </a:spcBef>
+              <a:buNone/>
+              <a:defRPr sz="4400" kern="1200" baseline="0">
+                <a:solidFill>
+                  <a:schemeClr val="tx2"/>
+                </a:solidFill>
+                <a:latin typeface="+mj-lt"/>
+                <a:ea typeface="+mj-ea"/>
+                <a:cs typeface="+mj-cs"/>
+              </a:defRPr>
+            </a:lvl1pPr>
+          </a:lstStyle>
+          <a:p>
+            <a:r>
+              <a:rPr lang="fr-FR" sz="2800"/>
               <a:t>Pages traditionnelles</a:t>
             </a:r>
           </a:p>
@@ -4094,7 +4810,7 @@
 </p:sld>
 </file>
 
-<file path=ppt/slides/slide11.xml><?xml version="1.0" encoding="utf-8"?>
+<file path=ppt/slides/slide14.xml><?xml version="1.0" encoding="utf-8"?>
 <p:sld xmlns:a="http://schemas.openxmlformats.org/drawingml/2006/main" xmlns:r="http://schemas.openxmlformats.org/officeDocument/2006/relationships" xmlns:p="http://schemas.openxmlformats.org/presentationml/2006/main">
   <p:cSld>
     <p:spTree>
@@ -4378,7 +5094,7 @@
 </p:sld>
 </file>
 
-<file path=ppt/slides/slide12.xml><?xml version="1.0" encoding="utf-8"?>
+<file path=ppt/slides/slide15.xml><?xml version="1.0" encoding="utf-8"?>
 <p:sld xmlns:a="http://schemas.openxmlformats.org/drawingml/2006/main" xmlns:r="http://schemas.openxmlformats.org/officeDocument/2006/relationships" xmlns:p="http://schemas.openxmlformats.org/presentationml/2006/main">
   <p:cSld>
     <p:spTree>
@@ -4596,527 +5312,6 @@
     <p:extLst>
       <p:ext uri="{BB962C8B-B14F-4D97-AF65-F5344CB8AC3E}">
         <p14:creationId xmlns:p14="http://schemas.microsoft.com/office/powerpoint/2010/main" val="3991763509"/>
-      </p:ext>
-    </p:extLst>
-  </p:cSld>
-  <p:clrMapOvr>
-    <a:masterClrMapping/>
-  </p:clrMapOvr>
-</p:sld>
-</file>
-
-<file path=ppt/slides/slide13.xml><?xml version="1.0" encoding="utf-8"?>
-<p:sld xmlns:a="http://schemas.openxmlformats.org/drawingml/2006/main" xmlns:r="http://schemas.openxmlformats.org/officeDocument/2006/relationships" xmlns:p="http://schemas.openxmlformats.org/presentationml/2006/main">
-  <p:cSld>
-    <p:spTree>
-      <p:nvGrpSpPr>
-        <p:cNvPr id="1" name=""/>
-        <p:cNvGrpSpPr/>
-        <p:nvPr/>
-      </p:nvGrpSpPr>
-      <p:grpSpPr>
-        <a:xfrm>
-          <a:off x="0" y="0"/>
-          <a:ext cx="0" cy="0"/>
-          <a:chOff x="0" y="0"/>
-          <a:chExt cx="0" cy="0"/>
-        </a:xfrm>
-      </p:grpSpPr>
-      <p:sp>
-        <p:nvSpPr>
-          <p:cNvPr id="7" name="Titre 1"/>
-          <p:cNvSpPr>
-            <a:spLocks noGrp="1"/>
-          </p:cNvSpPr>
-          <p:nvPr>
-            <p:ph type="title"/>
-          </p:nvPr>
-        </p:nvSpPr>
-        <p:spPr>
-          <a:xfrm>
-            <a:off x="1371600" y="685800"/>
-            <a:ext cx="9601200" cy="703053"/>
-          </a:xfrm>
-        </p:spPr>
-        <p:txBody>
-          <a:bodyPr/>
-          <a:lstStyle/>
-          <a:p>
-            <a:r>
-              <a:rPr lang="fr-FR"/>
-              <a:t>Ergonomie</a:t>
-            </a:r>
-          </a:p>
-        </p:txBody>
-      </p:sp>
-      <p:sp>
-        <p:nvSpPr>
-          <p:cNvPr id="8" name="Titre 1"/>
-          <p:cNvSpPr txBox="1">
-            <a:spLocks/>
-          </p:cNvSpPr>
-          <p:nvPr/>
-        </p:nvSpPr>
-        <p:spPr>
-          <a:xfrm>
-            <a:off x="1371600" y="1388853"/>
-            <a:ext cx="9601200" cy="473015"/>
-          </a:xfrm>
-          <a:prstGeom prst="rect">
-            <a:avLst/>
-          </a:prstGeom>
-        </p:spPr>
-        <p:txBody>
-          <a:bodyPr vert="horz" lIns="91440" tIns="45720" rIns="91440" bIns="45720" rtlCol="0" anchor="t">
-            <a:normAutofit/>
-          </a:bodyPr>
-          <a:lstStyle>
-            <a:lvl1pPr algn="l" defTabSz="914400" rtl="0" eaLnBrk="1" latinLnBrk="0" hangingPunct="1">
-              <a:lnSpc>
-                <a:spcPct val="89000"/>
-              </a:lnSpc>
-              <a:spcBef>
-                <a:spcPct val="0"/>
-              </a:spcBef>
-              <a:buNone/>
-              <a:defRPr sz="4400" kern="1200" baseline="0">
-                <a:solidFill>
-                  <a:schemeClr val="tx2"/>
-                </a:solidFill>
-                <a:latin typeface="+mj-lt"/>
-                <a:ea typeface="+mj-ea"/>
-                <a:cs typeface="+mj-cs"/>
-              </a:defRPr>
-            </a:lvl1pPr>
-          </a:lstStyle>
-          <a:p>
-            <a:r>
-              <a:rPr lang="fr-FR" sz="2800"/>
-              <a:t>Pages spécifiques</a:t>
-            </a:r>
-          </a:p>
-        </p:txBody>
-      </p:sp>
-      <p:pic>
-        <p:nvPicPr>
-          <p:cNvPr id="2" name="Image 1"/>
-          <p:cNvPicPr>
-            <a:picLocks noChangeAspect="1"/>
-          </p:cNvPicPr>
-          <p:nvPr/>
-        </p:nvPicPr>
-        <p:blipFill>
-          <a:blip r:embed="rId2">
-            <a:extLst>
-              <a:ext uri="{28A0092B-C50C-407E-A947-70E740481C1C}">
-                <a14:useLocalDpi xmlns:a14="http://schemas.microsoft.com/office/drawing/2010/main" val="0"/>
-              </a:ext>
-            </a:extLst>
-          </a:blip>
-          <a:stretch>
-            <a:fillRect/>
-          </a:stretch>
-        </p:blipFill>
-        <p:spPr>
-          <a:xfrm>
-            <a:off x="5238235" y="685800"/>
-            <a:ext cx="6536822" cy="5872926"/>
-          </a:xfrm>
-          <a:prstGeom prst="rect">
-            <a:avLst/>
-          </a:prstGeom>
-        </p:spPr>
-      </p:pic>
-      <p:sp>
-        <p:nvSpPr>
-          <p:cNvPr id="9" name="ZoneTexte 8"/>
-          <p:cNvSpPr txBox="1"/>
-          <p:nvPr/>
-        </p:nvSpPr>
-        <p:spPr>
-          <a:xfrm>
-            <a:off x="5238235" y="316468"/>
-            <a:ext cx="1751954" cy="369332"/>
-          </a:xfrm>
-          <a:prstGeom prst="rect">
-            <a:avLst/>
-          </a:prstGeom>
-          <a:noFill/>
-        </p:spPr>
-        <p:txBody>
-          <a:bodyPr wrap="none" rtlCol="0">
-            <a:spAutoFit/>
-          </a:bodyPr>
-          <a:lstStyle/>
-          <a:p>
-            <a:r>
-              <a:rPr lang="fr-FR" i="1"/>
-              <a:t>Clic sur un objet</a:t>
-            </a:r>
-          </a:p>
-        </p:txBody>
-      </p:sp>
-    </p:spTree>
-    <p:extLst>
-      <p:ext uri="{BB962C8B-B14F-4D97-AF65-F5344CB8AC3E}">
-        <p14:creationId xmlns:p14="http://schemas.microsoft.com/office/powerpoint/2010/main" val="1142163466"/>
-      </p:ext>
-    </p:extLst>
-  </p:cSld>
-  <p:clrMapOvr>
-    <a:masterClrMapping/>
-  </p:clrMapOvr>
-</p:sld>
-</file>
-
-<file path=ppt/slides/slide14.xml><?xml version="1.0" encoding="utf-8"?>
-<p:sld xmlns:a="http://schemas.openxmlformats.org/drawingml/2006/main" xmlns:r="http://schemas.openxmlformats.org/officeDocument/2006/relationships" xmlns:p="http://schemas.openxmlformats.org/presentationml/2006/main">
-  <p:cSld>
-    <p:spTree>
-      <p:nvGrpSpPr>
-        <p:cNvPr id="1" name=""/>
-        <p:cNvGrpSpPr/>
-        <p:nvPr/>
-      </p:nvGrpSpPr>
-      <p:grpSpPr>
-        <a:xfrm>
-          <a:off x="0" y="0"/>
-          <a:ext cx="0" cy="0"/>
-          <a:chOff x="0" y="0"/>
-          <a:chExt cx="0" cy="0"/>
-        </a:xfrm>
-      </p:grpSpPr>
-      <p:sp>
-        <p:nvSpPr>
-          <p:cNvPr id="7" name="Titre 1"/>
-          <p:cNvSpPr>
-            <a:spLocks noGrp="1"/>
-          </p:cNvSpPr>
-          <p:nvPr>
-            <p:ph type="title"/>
-          </p:nvPr>
-        </p:nvSpPr>
-        <p:spPr>
-          <a:xfrm>
-            <a:off x="1371600" y="685800"/>
-            <a:ext cx="9601200" cy="703053"/>
-          </a:xfrm>
-        </p:spPr>
-        <p:txBody>
-          <a:bodyPr/>
-          <a:lstStyle/>
-          <a:p>
-            <a:r>
-              <a:rPr lang="fr-FR"/>
-              <a:t>Ergonomie</a:t>
-            </a:r>
-          </a:p>
-        </p:txBody>
-      </p:sp>
-      <p:sp>
-        <p:nvSpPr>
-          <p:cNvPr id="8" name="Titre 1"/>
-          <p:cNvSpPr txBox="1">
-            <a:spLocks/>
-          </p:cNvSpPr>
-          <p:nvPr/>
-        </p:nvSpPr>
-        <p:spPr>
-          <a:xfrm>
-            <a:off x="1371600" y="1388853"/>
-            <a:ext cx="9601200" cy="473015"/>
-          </a:xfrm>
-          <a:prstGeom prst="rect">
-            <a:avLst/>
-          </a:prstGeom>
-        </p:spPr>
-        <p:txBody>
-          <a:bodyPr vert="horz" lIns="91440" tIns="45720" rIns="91440" bIns="45720" rtlCol="0" anchor="t">
-            <a:normAutofit/>
-          </a:bodyPr>
-          <a:lstStyle>
-            <a:lvl1pPr algn="l" defTabSz="914400" rtl="0" eaLnBrk="1" latinLnBrk="0" hangingPunct="1">
-              <a:lnSpc>
-                <a:spcPct val="89000"/>
-              </a:lnSpc>
-              <a:spcBef>
-                <a:spcPct val="0"/>
-              </a:spcBef>
-              <a:buNone/>
-              <a:defRPr sz="4400" kern="1200" baseline="0">
-                <a:solidFill>
-                  <a:schemeClr val="tx2"/>
-                </a:solidFill>
-                <a:latin typeface="+mj-lt"/>
-                <a:ea typeface="+mj-ea"/>
-                <a:cs typeface="+mj-cs"/>
-              </a:defRPr>
-            </a:lvl1pPr>
-          </a:lstStyle>
-          <a:p>
-            <a:r>
-              <a:rPr lang="fr-FR" sz="2800"/>
-              <a:t>Pages spécifiques</a:t>
-            </a:r>
-          </a:p>
-        </p:txBody>
-      </p:sp>
-      <p:sp>
-        <p:nvSpPr>
-          <p:cNvPr id="16" name="ZoneTexte 15"/>
-          <p:cNvSpPr txBox="1"/>
-          <p:nvPr/>
-        </p:nvSpPr>
-        <p:spPr>
-          <a:xfrm>
-            <a:off x="1371600" y="1907240"/>
-            <a:ext cx="915122" cy="369332"/>
-          </a:xfrm>
-          <a:prstGeom prst="rect">
-            <a:avLst/>
-          </a:prstGeom>
-          <a:noFill/>
-        </p:spPr>
-        <p:txBody>
-          <a:bodyPr wrap="none" rtlCol="0">
-            <a:spAutoFit/>
-          </a:bodyPr>
-          <a:lstStyle/>
-          <a:p>
-            <a:r>
-              <a:rPr lang="fr-FR" i="1"/>
-              <a:t>Stocker</a:t>
-            </a:r>
-          </a:p>
-        </p:txBody>
-      </p:sp>
-      <p:pic>
-        <p:nvPicPr>
-          <p:cNvPr id="2" name="Image 1"/>
-          <p:cNvPicPr>
-            <a:picLocks noChangeAspect="1"/>
-          </p:cNvPicPr>
-          <p:nvPr/>
-        </p:nvPicPr>
-        <p:blipFill>
-          <a:blip r:embed="rId2">
-            <a:extLst>
-              <a:ext uri="{28A0092B-C50C-407E-A947-70E740481C1C}">
-                <a14:useLocalDpi xmlns:a14="http://schemas.microsoft.com/office/drawing/2010/main" val="0"/>
-              </a:ext>
-            </a:extLst>
-          </a:blip>
-          <a:stretch>
-            <a:fillRect/>
-          </a:stretch>
-        </p:blipFill>
-        <p:spPr>
-          <a:xfrm>
-            <a:off x="4819290" y="881620"/>
-            <a:ext cx="6886755" cy="5346651"/>
-          </a:xfrm>
-          <a:prstGeom prst="rect">
-            <a:avLst/>
-          </a:prstGeom>
-        </p:spPr>
-      </p:pic>
-    </p:spTree>
-    <p:extLst>
-      <p:ext uri="{BB962C8B-B14F-4D97-AF65-F5344CB8AC3E}">
-        <p14:creationId xmlns:p14="http://schemas.microsoft.com/office/powerpoint/2010/main" val="1474438185"/>
-      </p:ext>
-    </p:extLst>
-  </p:cSld>
-  <p:clrMapOvr>
-    <a:masterClrMapping/>
-  </p:clrMapOvr>
-</p:sld>
-</file>
-
-<file path=ppt/slides/slide15.xml><?xml version="1.0" encoding="utf-8"?>
-<p:sld xmlns:a="http://schemas.openxmlformats.org/drawingml/2006/main" xmlns:r="http://schemas.openxmlformats.org/officeDocument/2006/relationships" xmlns:p="http://schemas.openxmlformats.org/presentationml/2006/main">
-  <p:cSld>
-    <p:spTree>
-      <p:nvGrpSpPr>
-        <p:cNvPr id="1" name=""/>
-        <p:cNvGrpSpPr/>
-        <p:nvPr/>
-      </p:nvGrpSpPr>
-      <p:grpSpPr>
-        <a:xfrm>
-          <a:off x="0" y="0"/>
-          <a:ext cx="0" cy="0"/>
-          <a:chOff x="0" y="0"/>
-          <a:chExt cx="0" cy="0"/>
-        </a:xfrm>
-      </p:grpSpPr>
-      <p:sp>
-        <p:nvSpPr>
-          <p:cNvPr id="7" name="Titre 1"/>
-          <p:cNvSpPr>
-            <a:spLocks noGrp="1"/>
-          </p:cNvSpPr>
-          <p:nvPr>
-            <p:ph type="title"/>
-          </p:nvPr>
-        </p:nvSpPr>
-        <p:spPr>
-          <a:xfrm>
-            <a:off x="1371600" y="685800"/>
-            <a:ext cx="9601200" cy="703053"/>
-          </a:xfrm>
-        </p:spPr>
-        <p:txBody>
-          <a:bodyPr/>
-          <a:lstStyle/>
-          <a:p>
-            <a:r>
-              <a:rPr lang="fr-FR"/>
-              <a:t>Ergonomie</a:t>
-            </a:r>
-          </a:p>
-        </p:txBody>
-      </p:sp>
-      <p:sp>
-        <p:nvSpPr>
-          <p:cNvPr id="8" name="Titre 1"/>
-          <p:cNvSpPr txBox="1">
-            <a:spLocks/>
-          </p:cNvSpPr>
-          <p:nvPr/>
-        </p:nvSpPr>
-        <p:spPr>
-          <a:xfrm>
-            <a:off x="1371600" y="1388853"/>
-            <a:ext cx="9601200" cy="473015"/>
-          </a:xfrm>
-          <a:prstGeom prst="rect">
-            <a:avLst/>
-          </a:prstGeom>
-        </p:spPr>
-        <p:txBody>
-          <a:bodyPr vert="horz" lIns="91440" tIns="45720" rIns="91440" bIns="45720" rtlCol="0" anchor="t">
-            <a:normAutofit/>
-          </a:bodyPr>
-          <a:lstStyle>
-            <a:lvl1pPr algn="l" defTabSz="914400" rtl="0" eaLnBrk="1" latinLnBrk="0" hangingPunct="1">
-              <a:lnSpc>
-                <a:spcPct val="89000"/>
-              </a:lnSpc>
-              <a:spcBef>
-                <a:spcPct val="0"/>
-              </a:spcBef>
-              <a:buNone/>
-              <a:defRPr sz="4400" kern="1200" baseline="0">
-                <a:solidFill>
-                  <a:schemeClr val="tx2"/>
-                </a:solidFill>
-                <a:latin typeface="+mj-lt"/>
-                <a:ea typeface="+mj-ea"/>
-                <a:cs typeface="+mj-cs"/>
-              </a:defRPr>
-            </a:lvl1pPr>
-          </a:lstStyle>
-          <a:p>
-            <a:r>
-              <a:rPr lang="fr-FR" sz="2800"/>
-              <a:t>Pages spécifiques</a:t>
-            </a:r>
-          </a:p>
-        </p:txBody>
-      </p:sp>
-      <p:sp>
-        <p:nvSpPr>
-          <p:cNvPr id="16" name="ZoneTexte 15"/>
-          <p:cNvSpPr txBox="1"/>
-          <p:nvPr/>
-        </p:nvSpPr>
-        <p:spPr>
-          <a:xfrm>
-            <a:off x="1371600" y="1907240"/>
-            <a:ext cx="915122" cy="369332"/>
-          </a:xfrm>
-          <a:prstGeom prst="rect">
-            <a:avLst/>
-          </a:prstGeom>
-          <a:noFill/>
-        </p:spPr>
-        <p:txBody>
-          <a:bodyPr wrap="none" rtlCol="0">
-            <a:spAutoFit/>
-          </a:bodyPr>
-          <a:lstStyle/>
-          <a:p>
-            <a:r>
-              <a:rPr lang="fr-FR" i="1"/>
-              <a:t>Stocker</a:t>
-            </a:r>
-          </a:p>
-        </p:txBody>
-      </p:sp>
-      <p:pic>
-        <p:nvPicPr>
-          <p:cNvPr id="3" name="Image 2"/>
-          <p:cNvPicPr>
-            <a:picLocks noChangeAspect="1"/>
-          </p:cNvPicPr>
-          <p:nvPr/>
-        </p:nvPicPr>
-        <p:blipFill>
-          <a:blip r:embed="rId2">
-            <a:extLst>
-              <a:ext uri="{28A0092B-C50C-407E-A947-70E740481C1C}">
-                <a14:useLocalDpi xmlns:a14="http://schemas.microsoft.com/office/drawing/2010/main" val="0"/>
-              </a:ext>
-            </a:extLst>
-          </a:blip>
-          <a:stretch>
-            <a:fillRect/>
-          </a:stretch>
-        </p:blipFill>
-        <p:spPr>
-          <a:xfrm>
-            <a:off x="4741653" y="987176"/>
-            <a:ext cx="6973019" cy="5413623"/>
-          </a:xfrm>
-          <a:prstGeom prst="rect">
-            <a:avLst/>
-          </a:prstGeom>
-        </p:spPr>
-      </p:pic>
-      <p:sp>
-        <p:nvSpPr>
-          <p:cNvPr id="9" name="ZoneTexte 8"/>
-          <p:cNvSpPr txBox="1"/>
-          <p:nvPr/>
-        </p:nvSpPr>
-        <p:spPr>
-          <a:xfrm>
-            <a:off x="4741653" y="617844"/>
-            <a:ext cx="2121222" cy="369332"/>
-          </a:xfrm>
-          <a:prstGeom prst="rect">
-            <a:avLst/>
-          </a:prstGeom>
-          <a:noFill/>
-        </p:spPr>
-        <p:txBody>
-          <a:bodyPr wrap="none" rtlCol="0">
-            <a:spAutoFit/>
-          </a:bodyPr>
-          <a:lstStyle/>
-          <a:p>
-            <a:r>
-              <a:rPr lang="fr-FR" i="1"/>
-              <a:t>Ajouter nouvel objet</a:t>
-            </a:r>
-          </a:p>
-        </p:txBody>
-      </p:sp>
-    </p:spTree>
-    <p:extLst>
-      <p:ext uri="{BB962C8B-B14F-4D97-AF65-F5344CB8AC3E}">
-        <p14:creationId xmlns:p14="http://schemas.microsoft.com/office/powerpoint/2010/main" val="992101409"/>
       </p:ext>
     </p:extLst>
   </p:cSld>
@@ -5218,38 +5413,9 @@
           </a:p>
         </p:txBody>
       </p:sp>
-      <p:sp>
-        <p:nvSpPr>
-          <p:cNvPr id="9" name="ZoneTexte 8"/>
-          <p:cNvSpPr txBox="1"/>
-          <p:nvPr/>
-        </p:nvSpPr>
-        <p:spPr>
-          <a:xfrm>
-            <a:off x="4940062" y="667994"/>
-            <a:ext cx="2666564" cy="369332"/>
-          </a:xfrm>
-          <a:prstGeom prst="rect">
-            <a:avLst/>
-          </a:prstGeom>
-          <a:noFill/>
-        </p:spPr>
-        <p:txBody>
-          <a:bodyPr wrap="none" rtlCol="0">
-            <a:spAutoFit/>
-          </a:bodyPr>
-          <a:lstStyle/>
-          <a:p>
-            <a:r>
-              <a:rPr lang="fr-FR" i="1"/>
-              <a:t>Validation de la demande</a:t>
-            </a:r>
-          </a:p>
-        </p:txBody>
-      </p:sp>
       <p:pic>
         <p:nvPicPr>
-          <p:cNvPr id="3" name="Image 2"/>
+          <p:cNvPr id="2" name="Image 1"/>
           <p:cNvPicPr>
             <a:picLocks noChangeAspect="1"/>
           </p:cNvPicPr>
@@ -5269,18 +5435,47 @@
         </p:blipFill>
         <p:spPr>
           <a:xfrm>
-            <a:off x="4940062" y="1058008"/>
-            <a:ext cx="6696974" cy="5199311"/>
+            <a:off x="5238235" y="685800"/>
+            <a:ext cx="6536822" cy="5872926"/>
           </a:xfrm>
           <a:prstGeom prst="rect">
             <a:avLst/>
           </a:prstGeom>
         </p:spPr>
       </p:pic>
+      <p:sp>
+        <p:nvSpPr>
+          <p:cNvPr id="9" name="ZoneTexte 8"/>
+          <p:cNvSpPr txBox="1"/>
+          <p:nvPr/>
+        </p:nvSpPr>
+        <p:spPr>
+          <a:xfrm>
+            <a:off x="5238235" y="316468"/>
+            <a:ext cx="1751954" cy="369332"/>
+          </a:xfrm>
+          <a:prstGeom prst="rect">
+            <a:avLst/>
+          </a:prstGeom>
+          <a:noFill/>
+        </p:spPr>
+        <p:txBody>
+          <a:bodyPr wrap="none" rtlCol="0">
+            <a:spAutoFit/>
+          </a:bodyPr>
+          <a:lstStyle/>
+          <a:p>
+            <a:r>
+              <a:rPr lang="fr-FR" i="1"/>
+              <a:t>Clic sur un objet</a:t>
+            </a:r>
+          </a:p>
+        </p:txBody>
+      </p:sp>
     </p:spTree>
     <p:extLst>
       <p:ext uri="{BB962C8B-B14F-4D97-AF65-F5344CB8AC3E}">
-        <p14:creationId xmlns:p14="http://schemas.microsoft.com/office/powerpoint/2010/main" val="860626066"/>
+        <p14:creationId xmlns:p14="http://schemas.microsoft.com/office/powerpoint/2010/main" val="1142163466"/>
       </p:ext>
     </p:extLst>
   </p:cSld>
@@ -5391,7 +5586,7 @@
         <p:spPr>
           <a:xfrm>
             <a:off x="1371600" y="1907240"/>
-            <a:ext cx="1205779" cy="369332"/>
+            <a:ext cx="915122" cy="369332"/>
           </a:xfrm>
           <a:prstGeom prst="rect">
             <a:avLst/>
@@ -5406,14 +5601,14 @@
           <a:p>
             <a:r>
               <a:rPr lang="fr-FR" i="1"/>
-              <a:t>Récupérer</a:t>
+              <a:t>Stocker</a:t>
             </a:r>
           </a:p>
         </p:txBody>
       </p:sp>
       <p:pic>
         <p:nvPicPr>
-          <p:cNvPr id="5" name="Image 4"/>
+          <p:cNvPr id="2" name="Image 1"/>
           <p:cNvPicPr>
             <a:picLocks noChangeAspect="1"/>
           </p:cNvPicPr>
@@ -5434,7 +5629,7 @@
         <p:spPr>
           <a:xfrm>
             <a:off x="4819290" y="881620"/>
-            <a:ext cx="6888132" cy="5347719"/>
+            <a:ext cx="6886755" cy="5346651"/>
           </a:xfrm>
           <a:prstGeom prst="rect">
             <a:avLst/>
@@ -5444,7 +5639,7 @@
     </p:spTree>
     <p:extLst>
       <p:ext uri="{BB962C8B-B14F-4D97-AF65-F5344CB8AC3E}">
-        <p14:creationId xmlns:p14="http://schemas.microsoft.com/office/powerpoint/2010/main" val="4282145214"/>
+        <p14:creationId xmlns:p14="http://schemas.microsoft.com/office/powerpoint/2010/main" val="1474438185"/>
       </p:ext>
     </p:extLst>
   </p:cSld>
@@ -5555,7 +5750,7 @@
         <p:spPr>
           <a:xfrm>
             <a:off x="1371600" y="1907240"/>
-            <a:ext cx="775662" cy="369332"/>
+            <a:ext cx="915122" cy="369332"/>
           </a:xfrm>
           <a:prstGeom prst="rect">
             <a:avLst/>
@@ -5570,7 +5765,314 @@
           <a:p>
             <a:r>
               <a:rPr lang="fr-FR" i="1"/>
-              <a:t>Prêter</a:t>
+              <a:t>Stocker</a:t>
+            </a:r>
+          </a:p>
+        </p:txBody>
+      </p:sp>
+      <p:pic>
+        <p:nvPicPr>
+          <p:cNvPr id="3" name="Image 2"/>
+          <p:cNvPicPr>
+            <a:picLocks noChangeAspect="1"/>
+          </p:cNvPicPr>
+          <p:nvPr/>
+        </p:nvPicPr>
+        <p:blipFill>
+          <a:blip r:embed="rId2">
+            <a:extLst>
+              <a:ext uri="{28A0092B-C50C-407E-A947-70E740481C1C}">
+                <a14:useLocalDpi xmlns:a14="http://schemas.microsoft.com/office/drawing/2010/main" val="0"/>
+              </a:ext>
+            </a:extLst>
+          </a:blip>
+          <a:stretch>
+            <a:fillRect/>
+          </a:stretch>
+        </p:blipFill>
+        <p:spPr>
+          <a:xfrm>
+            <a:off x="4741653" y="987176"/>
+            <a:ext cx="6973019" cy="5413623"/>
+          </a:xfrm>
+          <a:prstGeom prst="rect">
+            <a:avLst/>
+          </a:prstGeom>
+        </p:spPr>
+      </p:pic>
+      <p:sp>
+        <p:nvSpPr>
+          <p:cNvPr id="9" name="ZoneTexte 8"/>
+          <p:cNvSpPr txBox="1"/>
+          <p:nvPr/>
+        </p:nvSpPr>
+        <p:spPr>
+          <a:xfrm>
+            <a:off x="4741653" y="617844"/>
+            <a:ext cx="2121222" cy="369332"/>
+          </a:xfrm>
+          <a:prstGeom prst="rect">
+            <a:avLst/>
+          </a:prstGeom>
+          <a:noFill/>
+        </p:spPr>
+        <p:txBody>
+          <a:bodyPr wrap="none" rtlCol="0">
+            <a:spAutoFit/>
+          </a:bodyPr>
+          <a:lstStyle/>
+          <a:p>
+            <a:r>
+              <a:rPr lang="fr-FR" i="1"/>
+              <a:t>Ajouter nouvel objet</a:t>
+            </a:r>
+          </a:p>
+        </p:txBody>
+      </p:sp>
+    </p:spTree>
+    <p:extLst>
+      <p:ext uri="{BB962C8B-B14F-4D97-AF65-F5344CB8AC3E}">
+        <p14:creationId xmlns:p14="http://schemas.microsoft.com/office/powerpoint/2010/main" val="992101409"/>
+      </p:ext>
+    </p:extLst>
+  </p:cSld>
+  <p:clrMapOvr>
+    <a:masterClrMapping/>
+  </p:clrMapOvr>
+</p:sld>
+</file>
+
+<file path=ppt/slides/slide19.xml><?xml version="1.0" encoding="utf-8"?>
+<p:sld xmlns:a="http://schemas.openxmlformats.org/drawingml/2006/main" xmlns:r="http://schemas.openxmlformats.org/officeDocument/2006/relationships" xmlns:p="http://schemas.openxmlformats.org/presentationml/2006/main">
+  <p:cSld>
+    <p:spTree>
+      <p:nvGrpSpPr>
+        <p:cNvPr id="1" name=""/>
+        <p:cNvGrpSpPr/>
+        <p:nvPr/>
+      </p:nvGrpSpPr>
+      <p:grpSpPr>
+        <a:xfrm>
+          <a:off x="0" y="0"/>
+          <a:ext cx="0" cy="0"/>
+          <a:chOff x="0" y="0"/>
+          <a:chExt cx="0" cy="0"/>
+        </a:xfrm>
+      </p:grpSpPr>
+      <p:sp>
+        <p:nvSpPr>
+          <p:cNvPr id="7" name="Titre 1"/>
+          <p:cNvSpPr>
+            <a:spLocks noGrp="1"/>
+          </p:cNvSpPr>
+          <p:nvPr>
+            <p:ph type="title"/>
+          </p:nvPr>
+        </p:nvSpPr>
+        <p:spPr>
+          <a:xfrm>
+            <a:off x="1371600" y="685800"/>
+            <a:ext cx="9601200" cy="703053"/>
+          </a:xfrm>
+        </p:spPr>
+        <p:txBody>
+          <a:bodyPr/>
+          <a:lstStyle/>
+          <a:p>
+            <a:r>
+              <a:rPr lang="fr-FR"/>
+              <a:t>Ergonomie</a:t>
+            </a:r>
+          </a:p>
+        </p:txBody>
+      </p:sp>
+      <p:sp>
+        <p:nvSpPr>
+          <p:cNvPr id="8" name="Titre 1"/>
+          <p:cNvSpPr txBox="1">
+            <a:spLocks/>
+          </p:cNvSpPr>
+          <p:nvPr/>
+        </p:nvSpPr>
+        <p:spPr>
+          <a:xfrm>
+            <a:off x="1371600" y="1388853"/>
+            <a:ext cx="9601200" cy="473015"/>
+          </a:xfrm>
+          <a:prstGeom prst="rect">
+            <a:avLst/>
+          </a:prstGeom>
+        </p:spPr>
+        <p:txBody>
+          <a:bodyPr vert="horz" lIns="91440" tIns="45720" rIns="91440" bIns="45720" rtlCol="0" anchor="t">
+            <a:normAutofit/>
+          </a:bodyPr>
+          <a:lstStyle>
+            <a:lvl1pPr algn="l" defTabSz="914400" rtl="0" eaLnBrk="1" latinLnBrk="0" hangingPunct="1">
+              <a:lnSpc>
+                <a:spcPct val="89000"/>
+              </a:lnSpc>
+              <a:spcBef>
+                <a:spcPct val="0"/>
+              </a:spcBef>
+              <a:buNone/>
+              <a:defRPr sz="4400" kern="1200" baseline="0">
+                <a:solidFill>
+                  <a:schemeClr val="tx2"/>
+                </a:solidFill>
+                <a:latin typeface="+mj-lt"/>
+                <a:ea typeface="+mj-ea"/>
+                <a:cs typeface="+mj-cs"/>
+              </a:defRPr>
+            </a:lvl1pPr>
+          </a:lstStyle>
+          <a:p>
+            <a:r>
+              <a:rPr lang="fr-FR" sz="2800"/>
+              <a:t>Pages spécifiques</a:t>
+            </a:r>
+          </a:p>
+        </p:txBody>
+      </p:sp>
+      <p:sp>
+        <p:nvSpPr>
+          <p:cNvPr id="9" name="ZoneTexte 8"/>
+          <p:cNvSpPr txBox="1"/>
+          <p:nvPr/>
+        </p:nvSpPr>
+        <p:spPr>
+          <a:xfrm>
+            <a:off x="4940062" y="667994"/>
+            <a:ext cx="2666564" cy="369332"/>
+          </a:xfrm>
+          <a:prstGeom prst="rect">
+            <a:avLst/>
+          </a:prstGeom>
+          <a:noFill/>
+        </p:spPr>
+        <p:txBody>
+          <a:bodyPr wrap="none" rtlCol="0">
+            <a:spAutoFit/>
+          </a:bodyPr>
+          <a:lstStyle/>
+          <a:p>
+            <a:r>
+              <a:rPr lang="fr-FR" i="1"/>
+              <a:t>Validation de la demande</a:t>
+            </a:r>
+          </a:p>
+        </p:txBody>
+      </p:sp>
+      <p:pic>
+        <p:nvPicPr>
+          <p:cNvPr id="3" name="Image 2"/>
+          <p:cNvPicPr>
+            <a:picLocks noChangeAspect="1"/>
+          </p:cNvPicPr>
+          <p:nvPr/>
+        </p:nvPicPr>
+        <p:blipFill>
+          <a:blip r:embed="rId2">
+            <a:extLst>
+              <a:ext uri="{28A0092B-C50C-407E-A947-70E740481C1C}">
+                <a14:useLocalDpi xmlns:a14="http://schemas.microsoft.com/office/drawing/2010/main" val="0"/>
+              </a:ext>
+            </a:extLst>
+          </a:blip>
+          <a:stretch>
+            <a:fillRect/>
+          </a:stretch>
+        </p:blipFill>
+        <p:spPr>
+          <a:xfrm>
+            <a:off x="4940062" y="1058008"/>
+            <a:ext cx="6696974" cy="5199311"/>
+          </a:xfrm>
+          <a:prstGeom prst="rect">
+            <a:avLst/>
+          </a:prstGeom>
+        </p:spPr>
+      </p:pic>
+    </p:spTree>
+    <p:extLst>
+      <p:ext uri="{BB962C8B-B14F-4D97-AF65-F5344CB8AC3E}">
+        <p14:creationId xmlns:p14="http://schemas.microsoft.com/office/powerpoint/2010/main" val="860626066"/>
+      </p:ext>
+    </p:extLst>
+  </p:cSld>
+  <p:clrMapOvr>
+    <a:masterClrMapping/>
+  </p:clrMapOvr>
+</p:sld>
+</file>
+
+<file path=ppt/slides/slide2.xml><?xml version="1.0" encoding="utf-8"?>
+<p:sld xmlns:a="http://schemas.openxmlformats.org/drawingml/2006/main" xmlns:r="http://schemas.openxmlformats.org/officeDocument/2006/relationships" xmlns:p="http://schemas.openxmlformats.org/presentationml/2006/main">
+  <p:cSld>
+    <p:spTree>
+      <p:nvGrpSpPr>
+        <p:cNvPr id="1" name=""/>
+        <p:cNvGrpSpPr/>
+        <p:nvPr/>
+      </p:nvGrpSpPr>
+      <p:grpSpPr>
+        <a:xfrm>
+          <a:off x="0" y="0"/>
+          <a:ext cx="0" cy="0"/>
+          <a:chOff x="0" y="0"/>
+          <a:chExt cx="0" cy="0"/>
+        </a:xfrm>
+      </p:grpSpPr>
+      <p:sp>
+        <p:nvSpPr>
+          <p:cNvPr id="2" name="Titre 1"/>
+          <p:cNvSpPr>
+            <a:spLocks noGrp="1"/>
+          </p:cNvSpPr>
+          <p:nvPr>
+            <p:ph type="ctrTitle"/>
+          </p:nvPr>
+        </p:nvSpPr>
+        <p:spPr>
+          <a:xfrm>
+            <a:off x="1742600" y="813669"/>
+            <a:ext cx="8361229" cy="2098226"/>
+          </a:xfrm>
+        </p:spPr>
+        <p:txBody>
+          <a:bodyPr/>
+          <a:lstStyle/>
+          <a:p>
+            <a:r>
+              <a:rPr lang="fr-FR" dirty="0"/>
+              <a:t>FLEXIBOX</a:t>
+            </a:r>
+          </a:p>
+        </p:txBody>
+      </p:sp>
+      <p:sp>
+        <p:nvSpPr>
+          <p:cNvPr id="3" name="Sous-titre 2"/>
+          <p:cNvSpPr>
+            <a:spLocks noGrp="1"/>
+          </p:cNvSpPr>
+          <p:nvPr>
+            <p:ph type="subTitle" idx="1"/>
+          </p:nvPr>
+        </p:nvSpPr>
+        <p:spPr>
+          <a:xfrm>
+            <a:off x="2507378" y="2981494"/>
+            <a:ext cx="6831673" cy="1086237"/>
+          </a:xfrm>
+        </p:spPr>
+        <p:txBody>
+          <a:bodyPr/>
+          <a:lstStyle/>
+          <a:p>
+            <a:r>
+              <a:rPr lang="fr-FR"/>
+              <a:t>Solution de stockage et de partage d’objets</a:t>
             </a:r>
           </a:p>
         </p:txBody>
@@ -5597,6 +6099,415 @@
         </p:blipFill>
         <p:spPr>
           <a:xfrm>
+            <a:off x="605288" y="5303040"/>
+            <a:ext cx="2362200" cy="1338580"/>
+          </a:xfrm>
+          <a:prstGeom prst="rect">
+            <a:avLst/>
+          </a:prstGeom>
+        </p:spPr>
+      </p:pic>
+      <p:pic>
+        <p:nvPicPr>
+          <p:cNvPr id="6" name="Image 5"/>
+          <p:cNvPicPr>
+            <a:picLocks noChangeAspect="1"/>
+          </p:cNvPicPr>
+          <p:nvPr/>
+        </p:nvPicPr>
+        <p:blipFill>
+          <a:blip r:embed="rId3">
+            <a:extLst>
+              <a:ext uri="{28A0092B-C50C-407E-A947-70E740481C1C}">
+                <a14:useLocalDpi xmlns:a14="http://schemas.microsoft.com/office/drawing/2010/main" val="0"/>
+              </a:ext>
+            </a:extLst>
+          </a:blip>
+          <a:stretch>
+            <a:fillRect/>
+          </a:stretch>
+        </p:blipFill>
+        <p:spPr>
+          <a:xfrm>
+            <a:off x="9627308" y="140593"/>
+            <a:ext cx="1871704" cy="1456246"/>
+          </a:xfrm>
+          <a:prstGeom prst="rect">
+            <a:avLst/>
+          </a:prstGeom>
+        </p:spPr>
+      </p:pic>
+      <p:sp>
+        <p:nvSpPr>
+          <p:cNvPr id="4" name="ZoneTexte 3"/>
+          <p:cNvSpPr txBox="1"/>
+          <p:nvPr/>
+        </p:nvSpPr>
+        <p:spPr>
+          <a:xfrm>
+            <a:off x="4934000" y="3864634"/>
+            <a:ext cx="1978427" cy="1200329"/>
+          </a:xfrm>
+          <a:prstGeom prst="rect">
+            <a:avLst/>
+          </a:prstGeom>
+          <a:noFill/>
+        </p:spPr>
+        <p:txBody>
+          <a:bodyPr wrap="none" rtlCol="0">
+            <a:spAutoFit/>
+          </a:bodyPr>
+          <a:lstStyle/>
+          <a:p>
+            <a:pPr algn="ctr"/>
+            <a:r>
+              <a:rPr lang="fr-FR" i="1"/>
+              <a:t>ALLEXANDRE Cyril</a:t>
+            </a:r>
+          </a:p>
+          <a:p>
+            <a:pPr algn="ctr"/>
+            <a:r>
+              <a:rPr lang="fr-FR" i="1"/>
+              <a:t>HENON Emilien</a:t>
+            </a:r>
+          </a:p>
+          <a:p>
+            <a:pPr algn="ctr"/>
+            <a:r>
+              <a:rPr lang="fr-FR" i="1"/>
+              <a:t>LEGRAND Dylan</a:t>
+            </a:r>
+          </a:p>
+          <a:p>
+            <a:pPr algn="ctr"/>
+            <a:r>
+              <a:rPr lang="fr-FR" i="1"/>
+              <a:t>SORANO Clément</a:t>
+            </a:r>
+          </a:p>
+        </p:txBody>
+      </p:sp>
+    </p:spTree>
+    <p:extLst>
+      <p:ext uri="{BB962C8B-B14F-4D97-AF65-F5344CB8AC3E}">
+        <p14:creationId xmlns:p14="http://schemas.microsoft.com/office/powerpoint/2010/main" val="729914770"/>
+      </p:ext>
+    </p:extLst>
+  </p:cSld>
+  <p:clrMapOvr>
+    <a:masterClrMapping/>
+  </p:clrMapOvr>
+</p:sld>
+</file>
+
+<file path=ppt/slides/slide20.xml><?xml version="1.0" encoding="utf-8"?>
+<p:sld xmlns:a="http://schemas.openxmlformats.org/drawingml/2006/main" xmlns:r="http://schemas.openxmlformats.org/officeDocument/2006/relationships" xmlns:p="http://schemas.openxmlformats.org/presentationml/2006/main">
+  <p:cSld>
+    <p:spTree>
+      <p:nvGrpSpPr>
+        <p:cNvPr id="1" name=""/>
+        <p:cNvGrpSpPr/>
+        <p:nvPr/>
+      </p:nvGrpSpPr>
+      <p:grpSpPr>
+        <a:xfrm>
+          <a:off x="0" y="0"/>
+          <a:ext cx="0" cy="0"/>
+          <a:chOff x="0" y="0"/>
+          <a:chExt cx="0" cy="0"/>
+        </a:xfrm>
+      </p:grpSpPr>
+      <p:sp>
+        <p:nvSpPr>
+          <p:cNvPr id="7" name="Titre 1"/>
+          <p:cNvSpPr>
+            <a:spLocks noGrp="1"/>
+          </p:cNvSpPr>
+          <p:nvPr>
+            <p:ph type="title"/>
+          </p:nvPr>
+        </p:nvSpPr>
+        <p:spPr>
+          <a:xfrm>
+            <a:off x="1371600" y="685800"/>
+            <a:ext cx="9601200" cy="703053"/>
+          </a:xfrm>
+        </p:spPr>
+        <p:txBody>
+          <a:bodyPr/>
+          <a:lstStyle/>
+          <a:p>
+            <a:r>
+              <a:rPr lang="fr-FR"/>
+              <a:t>Ergonomie</a:t>
+            </a:r>
+          </a:p>
+        </p:txBody>
+      </p:sp>
+      <p:sp>
+        <p:nvSpPr>
+          <p:cNvPr id="8" name="Titre 1"/>
+          <p:cNvSpPr txBox="1">
+            <a:spLocks/>
+          </p:cNvSpPr>
+          <p:nvPr/>
+        </p:nvSpPr>
+        <p:spPr>
+          <a:xfrm>
+            <a:off x="1371600" y="1388853"/>
+            <a:ext cx="9601200" cy="473015"/>
+          </a:xfrm>
+          <a:prstGeom prst="rect">
+            <a:avLst/>
+          </a:prstGeom>
+        </p:spPr>
+        <p:txBody>
+          <a:bodyPr vert="horz" lIns="91440" tIns="45720" rIns="91440" bIns="45720" rtlCol="0" anchor="t">
+            <a:normAutofit/>
+          </a:bodyPr>
+          <a:lstStyle>
+            <a:lvl1pPr algn="l" defTabSz="914400" rtl="0" eaLnBrk="1" latinLnBrk="0" hangingPunct="1">
+              <a:lnSpc>
+                <a:spcPct val="89000"/>
+              </a:lnSpc>
+              <a:spcBef>
+                <a:spcPct val="0"/>
+              </a:spcBef>
+              <a:buNone/>
+              <a:defRPr sz="4400" kern="1200" baseline="0">
+                <a:solidFill>
+                  <a:schemeClr val="tx2"/>
+                </a:solidFill>
+                <a:latin typeface="+mj-lt"/>
+                <a:ea typeface="+mj-ea"/>
+                <a:cs typeface="+mj-cs"/>
+              </a:defRPr>
+            </a:lvl1pPr>
+          </a:lstStyle>
+          <a:p>
+            <a:r>
+              <a:rPr lang="fr-FR" sz="2800"/>
+              <a:t>Pages spécifiques</a:t>
+            </a:r>
+          </a:p>
+        </p:txBody>
+      </p:sp>
+      <p:sp>
+        <p:nvSpPr>
+          <p:cNvPr id="16" name="ZoneTexte 15"/>
+          <p:cNvSpPr txBox="1"/>
+          <p:nvPr/>
+        </p:nvSpPr>
+        <p:spPr>
+          <a:xfrm>
+            <a:off x="1371600" y="1907240"/>
+            <a:ext cx="1205779" cy="369332"/>
+          </a:xfrm>
+          <a:prstGeom prst="rect">
+            <a:avLst/>
+          </a:prstGeom>
+          <a:noFill/>
+        </p:spPr>
+        <p:txBody>
+          <a:bodyPr wrap="none" rtlCol="0">
+            <a:spAutoFit/>
+          </a:bodyPr>
+          <a:lstStyle/>
+          <a:p>
+            <a:r>
+              <a:rPr lang="fr-FR" i="1"/>
+              <a:t>Récupérer</a:t>
+            </a:r>
+          </a:p>
+        </p:txBody>
+      </p:sp>
+      <p:pic>
+        <p:nvPicPr>
+          <p:cNvPr id="5" name="Image 4"/>
+          <p:cNvPicPr>
+            <a:picLocks noChangeAspect="1"/>
+          </p:cNvPicPr>
+          <p:nvPr/>
+        </p:nvPicPr>
+        <p:blipFill>
+          <a:blip r:embed="rId2">
+            <a:extLst>
+              <a:ext uri="{28A0092B-C50C-407E-A947-70E740481C1C}">
+                <a14:useLocalDpi xmlns:a14="http://schemas.microsoft.com/office/drawing/2010/main" val="0"/>
+              </a:ext>
+            </a:extLst>
+          </a:blip>
+          <a:stretch>
+            <a:fillRect/>
+          </a:stretch>
+        </p:blipFill>
+        <p:spPr>
+          <a:xfrm>
+            <a:off x="4819290" y="881620"/>
+            <a:ext cx="6888132" cy="5347719"/>
+          </a:xfrm>
+          <a:prstGeom prst="rect">
+            <a:avLst/>
+          </a:prstGeom>
+        </p:spPr>
+      </p:pic>
+    </p:spTree>
+    <p:extLst>
+      <p:ext uri="{BB962C8B-B14F-4D97-AF65-F5344CB8AC3E}">
+        <p14:creationId xmlns:p14="http://schemas.microsoft.com/office/powerpoint/2010/main" val="4282145214"/>
+      </p:ext>
+    </p:extLst>
+  </p:cSld>
+  <p:clrMapOvr>
+    <a:masterClrMapping/>
+  </p:clrMapOvr>
+</p:sld>
+</file>
+
+<file path=ppt/slides/slide21.xml><?xml version="1.0" encoding="utf-8"?>
+<p:sld xmlns:a="http://schemas.openxmlformats.org/drawingml/2006/main" xmlns:r="http://schemas.openxmlformats.org/officeDocument/2006/relationships" xmlns:p="http://schemas.openxmlformats.org/presentationml/2006/main">
+  <p:cSld>
+    <p:spTree>
+      <p:nvGrpSpPr>
+        <p:cNvPr id="1" name=""/>
+        <p:cNvGrpSpPr/>
+        <p:nvPr/>
+      </p:nvGrpSpPr>
+      <p:grpSpPr>
+        <a:xfrm>
+          <a:off x="0" y="0"/>
+          <a:ext cx="0" cy="0"/>
+          <a:chOff x="0" y="0"/>
+          <a:chExt cx="0" cy="0"/>
+        </a:xfrm>
+      </p:grpSpPr>
+      <p:sp>
+        <p:nvSpPr>
+          <p:cNvPr id="7" name="Titre 1"/>
+          <p:cNvSpPr>
+            <a:spLocks noGrp="1"/>
+          </p:cNvSpPr>
+          <p:nvPr>
+            <p:ph type="title"/>
+          </p:nvPr>
+        </p:nvSpPr>
+        <p:spPr>
+          <a:xfrm>
+            <a:off x="1371600" y="685800"/>
+            <a:ext cx="9601200" cy="703053"/>
+          </a:xfrm>
+        </p:spPr>
+        <p:txBody>
+          <a:bodyPr/>
+          <a:lstStyle/>
+          <a:p>
+            <a:r>
+              <a:rPr lang="fr-FR"/>
+              <a:t>Ergonomie</a:t>
+            </a:r>
+          </a:p>
+        </p:txBody>
+      </p:sp>
+      <p:sp>
+        <p:nvSpPr>
+          <p:cNvPr id="8" name="Titre 1"/>
+          <p:cNvSpPr txBox="1">
+            <a:spLocks/>
+          </p:cNvSpPr>
+          <p:nvPr/>
+        </p:nvSpPr>
+        <p:spPr>
+          <a:xfrm>
+            <a:off x="1371600" y="1388853"/>
+            <a:ext cx="9601200" cy="473015"/>
+          </a:xfrm>
+          <a:prstGeom prst="rect">
+            <a:avLst/>
+          </a:prstGeom>
+        </p:spPr>
+        <p:txBody>
+          <a:bodyPr vert="horz" lIns="91440" tIns="45720" rIns="91440" bIns="45720" rtlCol="0" anchor="t">
+            <a:normAutofit/>
+          </a:bodyPr>
+          <a:lstStyle>
+            <a:lvl1pPr algn="l" defTabSz="914400" rtl="0" eaLnBrk="1" latinLnBrk="0" hangingPunct="1">
+              <a:lnSpc>
+                <a:spcPct val="89000"/>
+              </a:lnSpc>
+              <a:spcBef>
+                <a:spcPct val="0"/>
+              </a:spcBef>
+              <a:buNone/>
+              <a:defRPr sz="4400" kern="1200" baseline="0">
+                <a:solidFill>
+                  <a:schemeClr val="tx2"/>
+                </a:solidFill>
+                <a:latin typeface="+mj-lt"/>
+                <a:ea typeface="+mj-ea"/>
+                <a:cs typeface="+mj-cs"/>
+              </a:defRPr>
+            </a:lvl1pPr>
+          </a:lstStyle>
+          <a:p>
+            <a:r>
+              <a:rPr lang="fr-FR" sz="2800"/>
+              <a:t>Pages spécifiques</a:t>
+            </a:r>
+          </a:p>
+        </p:txBody>
+      </p:sp>
+      <p:sp>
+        <p:nvSpPr>
+          <p:cNvPr id="16" name="ZoneTexte 15"/>
+          <p:cNvSpPr txBox="1"/>
+          <p:nvPr/>
+        </p:nvSpPr>
+        <p:spPr>
+          <a:xfrm>
+            <a:off x="1371600" y="1907240"/>
+            <a:ext cx="775662" cy="369332"/>
+          </a:xfrm>
+          <a:prstGeom prst="rect">
+            <a:avLst/>
+          </a:prstGeom>
+          <a:noFill/>
+        </p:spPr>
+        <p:txBody>
+          <a:bodyPr wrap="none" rtlCol="0">
+            <a:spAutoFit/>
+          </a:bodyPr>
+          <a:lstStyle/>
+          <a:p>
+            <a:r>
+              <a:rPr lang="fr-FR" i="1"/>
+              <a:t>Prêter</a:t>
+            </a:r>
+          </a:p>
+        </p:txBody>
+      </p:sp>
+      <p:pic>
+        <p:nvPicPr>
+          <p:cNvPr id="5" name="Image 4"/>
+          <p:cNvPicPr>
+            <a:picLocks noChangeAspect="1"/>
+          </p:cNvPicPr>
+          <p:nvPr/>
+        </p:nvPicPr>
+        <p:blipFill>
+          <a:blip r:embed="rId2">
+            <a:extLst>
+              <a:ext uri="{28A0092B-C50C-407E-A947-70E740481C1C}">
+                <a14:useLocalDpi xmlns:a14="http://schemas.microsoft.com/office/drawing/2010/main" val="0"/>
+              </a:ext>
+            </a:extLst>
+          </a:blip>
+          <a:stretch>
+            <a:fillRect/>
+          </a:stretch>
+        </p:blipFill>
+        <p:spPr>
+          <a:xfrm>
             <a:off x="4819290" y="881619"/>
             <a:ext cx="6888132" cy="5347720"/>
           </a:xfrm>
@@ -5618,7 +6529,7 @@
 </p:sld>
 </file>
 
-<file path=ppt/slides/slide19.xml><?xml version="1.0" encoding="utf-8"?>
+<file path=ppt/slides/slide22.xml><?xml version="1.0" encoding="utf-8"?>
 <p:sld xmlns:a="http://schemas.openxmlformats.org/drawingml/2006/main" xmlns:r="http://schemas.openxmlformats.org/officeDocument/2006/relationships" xmlns:p="http://schemas.openxmlformats.org/presentationml/2006/main">
   <p:cSld>
     <p:spTree>
@@ -5845,202 +6756,7 @@
 </p:sld>
 </file>
 
-<file path=ppt/slides/slide2.xml><?xml version="1.0" encoding="utf-8"?>
-<p:sld xmlns:a="http://schemas.openxmlformats.org/drawingml/2006/main" xmlns:r="http://schemas.openxmlformats.org/officeDocument/2006/relationships" xmlns:p="http://schemas.openxmlformats.org/presentationml/2006/main">
-  <p:cSld>
-    <p:spTree>
-      <p:nvGrpSpPr>
-        <p:cNvPr id="1" name=""/>
-        <p:cNvGrpSpPr/>
-        <p:nvPr/>
-      </p:nvGrpSpPr>
-      <p:grpSpPr>
-        <a:xfrm>
-          <a:off x="0" y="0"/>
-          <a:ext cx="0" cy="0"/>
-          <a:chOff x="0" y="0"/>
-          <a:chExt cx="0" cy="0"/>
-        </a:xfrm>
-      </p:grpSpPr>
-      <p:sp>
-        <p:nvSpPr>
-          <p:cNvPr id="2" name="Titre 1"/>
-          <p:cNvSpPr>
-            <a:spLocks noGrp="1"/>
-          </p:cNvSpPr>
-          <p:nvPr>
-            <p:ph type="ctrTitle"/>
-          </p:nvPr>
-        </p:nvSpPr>
-        <p:spPr>
-          <a:xfrm>
-            <a:off x="1742600" y="813669"/>
-            <a:ext cx="8361229" cy="2098226"/>
-          </a:xfrm>
-        </p:spPr>
-        <p:txBody>
-          <a:bodyPr/>
-          <a:lstStyle/>
-          <a:p>
-            <a:r>
-              <a:rPr lang="fr-FR"/>
-              <a:t>FLEXIBOX</a:t>
-            </a:r>
-          </a:p>
-        </p:txBody>
-      </p:sp>
-      <p:sp>
-        <p:nvSpPr>
-          <p:cNvPr id="3" name="Sous-titre 2"/>
-          <p:cNvSpPr>
-            <a:spLocks noGrp="1"/>
-          </p:cNvSpPr>
-          <p:nvPr>
-            <p:ph type="subTitle" idx="1"/>
-          </p:nvPr>
-        </p:nvSpPr>
-        <p:spPr>
-          <a:xfrm>
-            <a:off x="2507378" y="2981494"/>
-            <a:ext cx="6831673" cy="1086237"/>
-          </a:xfrm>
-        </p:spPr>
-        <p:txBody>
-          <a:bodyPr/>
-          <a:lstStyle/>
-          <a:p>
-            <a:r>
-              <a:rPr lang="fr-FR"/>
-              <a:t>Solution de stockage et de partage d’objets</a:t>
-            </a:r>
-          </a:p>
-        </p:txBody>
-      </p:sp>
-      <p:pic>
-        <p:nvPicPr>
-          <p:cNvPr id="5" name="Image 4"/>
-          <p:cNvPicPr>
-            <a:picLocks noChangeAspect="1"/>
-          </p:cNvPicPr>
-          <p:nvPr/>
-        </p:nvPicPr>
-        <p:blipFill>
-          <a:blip r:embed="rId2">
-            <a:extLst>
-              <a:ext uri="{28A0092B-C50C-407E-A947-70E740481C1C}">
-                <a14:useLocalDpi xmlns:a14="http://schemas.microsoft.com/office/drawing/2010/main" val="0"/>
-              </a:ext>
-            </a:extLst>
-          </a:blip>
-          <a:stretch>
-            <a:fillRect/>
-          </a:stretch>
-        </p:blipFill>
-        <p:spPr>
-          <a:xfrm>
-            <a:off x="605288" y="5303040"/>
-            <a:ext cx="2362200" cy="1338580"/>
-          </a:xfrm>
-          <a:prstGeom prst="rect">
-            <a:avLst/>
-          </a:prstGeom>
-        </p:spPr>
-      </p:pic>
-      <p:pic>
-        <p:nvPicPr>
-          <p:cNvPr id="6" name="Image 5"/>
-          <p:cNvPicPr>
-            <a:picLocks noChangeAspect="1"/>
-          </p:cNvPicPr>
-          <p:nvPr/>
-        </p:nvPicPr>
-        <p:blipFill>
-          <a:blip r:embed="rId3">
-            <a:extLst>
-              <a:ext uri="{28A0092B-C50C-407E-A947-70E740481C1C}">
-                <a14:useLocalDpi xmlns:a14="http://schemas.microsoft.com/office/drawing/2010/main" val="0"/>
-              </a:ext>
-            </a:extLst>
-          </a:blip>
-          <a:stretch>
-            <a:fillRect/>
-          </a:stretch>
-        </p:blipFill>
-        <p:spPr>
-          <a:xfrm>
-            <a:off x="9627308" y="140593"/>
-            <a:ext cx="1871704" cy="1456246"/>
-          </a:xfrm>
-          <a:prstGeom prst="rect">
-            <a:avLst/>
-          </a:prstGeom>
-        </p:spPr>
-      </p:pic>
-      <p:sp>
-        <p:nvSpPr>
-          <p:cNvPr id="4" name="ZoneTexte 3"/>
-          <p:cNvSpPr txBox="1"/>
-          <p:nvPr/>
-        </p:nvSpPr>
-        <p:spPr>
-          <a:xfrm>
-            <a:off x="4934000" y="3864634"/>
-            <a:ext cx="1978427" cy="1200329"/>
-          </a:xfrm>
-          <a:prstGeom prst="rect">
-            <a:avLst/>
-          </a:prstGeom>
-          <a:noFill/>
-        </p:spPr>
-        <p:txBody>
-          <a:bodyPr wrap="none" rtlCol="0">
-            <a:spAutoFit/>
-          </a:bodyPr>
-          <a:lstStyle/>
-          <a:p>
-            <a:pPr algn="ctr"/>
-            <a:r>
-              <a:rPr lang="fr-FR" i="1"/>
-              <a:t>ALLEXANDRE Cyril</a:t>
-            </a:r>
-          </a:p>
-          <a:p>
-            <a:pPr algn="ctr"/>
-            <a:r>
-              <a:rPr lang="fr-FR" i="1"/>
-              <a:t>HENON Emilien</a:t>
-            </a:r>
-          </a:p>
-          <a:p>
-            <a:pPr algn="ctr"/>
-            <a:r>
-              <a:rPr lang="fr-FR" i="1"/>
-              <a:t>LEGRAND Dylan</a:t>
-            </a:r>
-          </a:p>
-          <a:p>
-            <a:pPr algn="ctr"/>
-            <a:r>
-              <a:rPr lang="fr-FR" i="1"/>
-              <a:t>SORANO Clément</a:t>
-            </a:r>
-          </a:p>
-        </p:txBody>
-      </p:sp>
-    </p:spTree>
-    <p:extLst>
-      <p:ext uri="{BB962C8B-B14F-4D97-AF65-F5344CB8AC3E}">
-        <p14:creationId xmlns:p14="http://schemas.microsoft.com/office/powerpoint/2010/main" val="729914770"/>
-      </p:ext>
-    </p:extLst>
-  </p:cSld>
-  <p:clrMapOvr>
-    <a:masterClrMapping/>
-  </p:clrMapOvr>
-</p:sld>
-</file>
-
-<file path=ppt/slides/slide20.xml><?xml version="1.0" encoding="utf-8"?>
+<file path=ppt/slides/slide23.xml><?xml version="1.0" encoding="utf-8"?>
 <p:sld xmlns:a="http://schemas.openxmlformats.org/drawingml/2006/main" xmlns:r="http://schemas.openxmlformats.org/officeDocument/2006/relationships" xmlns:p="http://schemas.openxmlformats.org/presentationml/2006/main">
   <p:cSld>
     <p:spTree>
@@ -6196,7 +6912,7 @@
           <p:cNvPr id="2" name="Titre 1">
             <a:extLst>
               <a:ext uri="{FF2B5EF4-FFF2-40B4-BE49-F238E27FC236}">
-                <a16:creationId xmlns:a16="http://schemas.microsoft.com/office/drawing/2014/main" id="{2EBFC355-6345-4216-96FE-A7CF6155E63D}"/>
+                <a16:creationId xmlns:a16="http://schemas.microsoft.com/office/drawing/2014/main" xmlns="" id="{2EBFC355-6345-4216-96FE-A7CF6155E63D}"/>
               </a:ext>
             </a:extLst>
           </p:cNvPr>
@@ -6224,7 +6940,7 @@
           <p:cNvPr id="3" name="Espace réservé du contenu 2">
             <a:extLst>
               <a:ext uri="{FF2B5EF4-FFF2-40B4-BE49-F238E27FC236}">
-                <a16:creationId xmlns:a16="http://schemas.microsoft.com/office/drawing/2014/main" id="{603CE50E-005D-47E6-A5C9-2CE6ECC14B79}"/>
+                <a16:creationId xmlns:a16="http://schemas.microsoft.com/office/drawing/2014/main" xmlns="" id="{603CE50E-005D-47E6-A5C9-2CE6ECC14B79}"/>
               </a:ext>
             </a:extLst>
           </p:cNvPr>
@@ -6769,7 +7485,7 @@
           <p:cNvPr id="4" name="Picture 6" descr="RÃ©sultat de recherche d'images pour &quot;cible png&quot;">
             <a:extLst>
               <a:ext uri="{FF2B5EF4-FFF2-40B4-BE49-F238E27FC236}">
-                <a16:creationId xmlns:a16="http://schemas.microsoft.com/office/drawing/2014/main" id="{B9610C7F-405D-42A4-A1FC-7A8883329AE5}"/>
+                <a16:creationId xmlns:a16="http://schemas.microsoft.com/office/drawing/2014/main" xmlns="" id="{B9610C7F-405D-42A4-A1FC-7A8883329AE5}"/>
               </a:ext>
             </a:extLst>
           </p:cNvPr>
@@ -7338,7 +8054,7 @@
           <p:cNvPr id="2" name="Titre 1">
             <a:extLst>
               <a:ext uri="{FF2B5EF4-FFF2-40B4-BE49-F238E27FC236}">
-                <a16:creationId xmlns:a16="http://schemas.microsoft.com/office/drawing/2014/main" id="{91D47258-F6E9-486E-BE0E-B828AAC72A1E}"/>
+                <a16:creationId xmlns:a16="http://schemas.microsoft.com/office/drawing/2014/main" xmlns="" id="{91D47258-F6E9-486E-BE0E-B828AAC72A1E}"/>
               </a:ext>
             </a:extLst>
           </p:cNvPr>
@@ -7366,7 +8082,7 @@
           <p:cNvPr id="3" name="Espace réservé du contenu 2">
             <a:extLst>
               <a:ext uri="{FF2B5EF4-FFF2-40B4-BE49-F238E27FC236}">
-                <a16:creationId xmlns:a16="http://schemas.microsoft.com/office/drawing/2014/main" id="{050455FE-CC71-4FCE-A444-000288039296}"/>
+                <a16:creationId xmlns:a16="http://schemas.microsoft.com/office/drawing/2014/main" xmlns="" id="{050455FE-CC71-4FCE-A444-000288039296}"/>
               </a:ext>
             </a:extLst>
           </p:cNvPr>
@@ -7483,7 +8199,7 @@
           <p:cNvPr id="2050" name="Picture 2" descr="RÃ©sultat de recherche d'images pour &quot;stocketmoi png&quot;">
             <a:extLst>
               <a:ext uri="{FF2B5EF4-FFF2-40B4-BE49-F238E27FC236}">
-                <a16:creationId xmlns:a16="http://schemas.microsoft.com/office/drawing/2014/main" id="{7233FC45-B276-419E-912A-7614148F6708}"/>
+                <a16:creationId xmlns:a16="http://schemas.microsoft.com/office/drawing/2014/main" xmlns="" id="{7233FC45-B276-419E-912A-7614148F6708}"/>
               </a:ext>
             </a:extLst>
           </p:cNvPr>
@@ -7530,7 +8246,7 @@
           <p:cNvPr id="2058" name="Picture 10" descr="Image associÃ©e">
             <a:extLst>
               <a:ext uri="{FF2B5EF4-FFF2-40B4-BE49-F238E27FC236}">
-                <a16:creationId xmlns:a16="http://schemas.microsoft.com/office/drawing/2014/main" id="{ED92E048-7221-4025-9AC4-6C4C2D832D0C}"/>
+                <a16:creationId xmlns:a16="http://schemas.microsoft.com/office/drawing/2014/main" xmlns="" id="{ED92E048-7221-4025-9AC4-6C4C2D832D0C}"/>
               </a:ext>
             </a:extLst>
           </p:cNvPr>
@@ -8267,9 +8983,10 @@
           <a:lstStyle/>
           <a:p>
             <a:r>
-              <a:rPr lang="fr-FR"/>
-              <a:t>Nos solutions</a:t>
-            </a:r>
+              <a:rPr lang="fr-FR" dirty="0" smtClean="0"/>
+              <a:t>Notre solution : FlexiBox</a:t>
+            </a:r>
+            <a:endParaRPr lang="fr-FR" dirty="0"/>
           </a:p>
         </p:txBody>
       </p:sp>
@@ -8288,10 +9005,50 @@
           <a:bodyPr/>
           <a:lstStyle/>
           <a:p>
+            <a:r>
+              <a:rPr lang="fr-FR" dirty="0" smtClean="0"/>
+              <a:t>Service de stockage d’objets</a:t>
+            </a:r>
+          </a:p>
+          <a:p>
+            <a:r>
+              <a:rPr lang="fr-FR" dirty="0" smtClean="0"/>
+              <a:t>Livraison et enlèvement d’objets à domicile</a:t>
+            </a:r>
             <a:endParaRPr lang="fr-FR" dirty="0"/>
           </a:p>
         </p:txBody>
       </p:sp>
+      <p:pic>
+        <p:nvPicPr>
+          <p:cNvPr id="4" name="Image 3"/>
+          <p:cNvPicPr>
+            <a:picLocks noChangeAspect="1"/>
+          </p:cNvPicPr>
+          <p:nvPr/>
+        </p:nvPicPr>
+        <p:blipFill>
+          <a:blip r:embed="rId2">
+            <a:extLst>
+              <a:ext uri="{28A0092B-C50C-407E-A947-70E740481C1C}">
+                <a14:useLocalDpi xmlns:a14="http://schemas.microsoft.com/office/drawing/2010/main" val="0"/>
+              </a:ext>
+            </a:extLst>
+          </a:blip>
+          <a:stretch>
+            <a:fillRect/>
+          </a:stretch>
+        </p:blipFill>
+        <p:spPr>
+          <a:xfrm>
+            <a:off x="4450977" y="3495554"/>
+            <a:ext cx="3442446" cy="2678334"/>
+          </a:xfrm>
+          <a:prstGeom prst="rect">
+            <a:avLst/>
+          </a:prstGeom>
+        </p:spPr>
+      </p:pic>
     </p:spTree>
     <p:extLst>
       <p:ext uri="{BB962C8B-B14F-4D97-AF65-F5344CB8AC3E}">
@@ -8332,20 +9089,16 @@
             <p:ph type="title"/>
           </p:nvPr>
         </p:nvSpPr>
-        <p:spPr>
-          <a:xfrm>
-            <a:off x="1371600" y="685800"/>
-            <a:ext cx="9601200" cy="703053"/>
-          </a:xfrm>
-        </p:spPr>
+        <p:spPr/>
         <p:txBody>
           <a:bodyPr/>
           <a:lstStyle/>
           <a:p>
             <a:r>
-              <a:rPr lang="fr-FR"/>
-              <a:t>Ergonomie</a:t>
-            </a:r>
+              <a:rPr lang="fr-FR" dirty="0" smtClean="0"/>
+              <a:t>Caractéristiques</a:t>
+            </a:r>
+            <a:endParaRPr lang="fr-FR" dirty="0"/>
           </a:p>
         </p:txBody>
       </p:sp>
@@ -8361,113 +9114,47 @@
         </p:nvSpPr>
         <p:spPr/>
         <p:txBody>
-          <a:bodyPr/>
-          <a:lstStyle/>
-          <a:p>
-            <a:r>
-              <a:rPr lang="fr-FR"/>
-              <a:t>Femmes ou hommes</a:t>
-            </a:r>
-          </a:p>
-          <a:p>
-            <a:r>
-              <a:rPr lang="fr-FR"/>
-              <a:t>Tranche d’âge 20-35 ans</a:t>
-            </a:r>
-          </a:p>
-          <a:p>
-            <a:r>
-              <a:rPr lang="fr-FR"/>
-              <a:t>Volume d’affaires</a:t>
-            </a:r>
-          </a:p>
-          <a:p>
-            <a:pPr lvl="1"/>
-            <a:r>
-              <a:rPr lang="fr-FR"/>
-              <a:t>Acheteurs compulsifs</a:t>
-            </a:r>
-          </a:p>
-          <a:p>
-            <a:pPr lvl="1"/>
-            <a:r>
-              <a:rPr lang="fr-FR"/>
-              <a:t>Collectionneurs</a:t>
-            </a:r>
-          </a:p>
-          <a:p>
-            <a:pPr lvl="1"/>
-            <a:r>
-              <a:rPr lang="fr-FR"/>
-              <a:t>Matérialistes</a:t>
-            </a:r>
-          </a:p>
-          <a:p>
-            <a:r>
-              <a:rPr lang="fr-FR"/>
-              <a:t>Classe moyenne</a:t>
-            </a:r>
-          </a:p>
-          <a:p>
-            <a:r>
-              <a:rPr lang="fr-FR"/>
-              <a:t>Sécurité</a:t>
-            </a:r>
-          </a:p>
-        </p:txBody>
-      </p:sp>
-      <p:sp>
-        <p:nvSpPr>
-          <p:cNvPr id="4" name="Titre 1"/>
-          <p:cNvSpPr txBox="1">
-            <a:spLocks/>
-          </p:cNvSpPr>
-          <p:nvPr/>
-        </p:nvSpPr>
-        <p:spPr>
-          <a:xfrm>
-            <a:off x="1371600" y="1388853"/>
-            <a:ext cx="9601200" cy="473015"/>
-          </a:xfrm>
-          <a:prstGeom prst="rect">
-            <a:avLst/>
-          </a:prstGeom>
-        </p:spPr>
-        <p:txBody>
-          <a:bodyPr vert="horz" lIns="91440" tIns="45720" rIns="91440" bIns="45720" rtlCol="0" anchor="t">
+          <a:bodyPr>
             <a:normAutofit/>
           </a:bodyPr>
-          <a:lstStyle>
-            <a:lvl1pPr algn="l" defTabSz="914400" rtl="0" eaLnBrk="1" latinLnBrk="0" hangingPunct="1">
-              <a:lnSpc>
-                <a:spcPct val="89000"/>
-              </a:lnSpc>
-              <a:spcBef>
-                <a:spcPct val="0"/>
-              </a:spcBef>
+          <a:lstStyle/>
+          <a:p>
+            <a:r>
+              <a:rPr lang="fr-FR" sz="2800" dirty="0" smtClean="0"/>
+              <a:t>Trois services principaux : Stockage, Enlèvement, Prêt</a:t>
+            </a:r>
+          </a:p>
+          <a:p>
+            <a:pPr marL="0" indent="0">
               <a:buNone/>
-              <a:defRPr sz="4400" kern="1200" baseline="0">
-                <a:solidFill>
-                  <a:schemeClr val="tx2"/>
-                </a:solidFill>
-                <a:latin typeface="+mj-lt"/>
-                <a:ea typeface="+mj-ea"/>
-                <a:cs typeface="+mj-cs"/>
-              </a:defRPr>
-            </a:lvl1pPr>
-          </a:lstStyle>
-          <a:p>
-            <a:r>
-              <a:rPr lang="fr-FR" sz="2800"/>
-              <a:t>A qui s’adresse-t-on ?</a:t>
-            </a:r>
+            </a:pPr>
+            <a:endParaRPr lang="fr-FR" sz="2800" dirty="0" smtClean="0"/>
+          </a:p>
+          <a:p>
+            <a:r>
+              <a:rPr lang="fr-FR" sz="2800" dirty="0" smtClean="0"/>
+              <a:t>Support : Application web et mobile</a:t>
+            </a:r>
+          </a:p>
+          <a:p>
+            <a:pPr marL="0" indent="0">
+              <a:buNone/>
+            </a:pPr>
+            <a:endParaRPr lang="fr-FR" sz="2800" dirty="0" smtClean="0"/>
+          </a:p>
+          <a:p>
+            <a:r>
+              <a:rPr lang="fr-FR" sz="2800" dirty="0" smtClean="0"/>
+              <a:t>Grille tarifaire et service flexible</a:t>
+            </a:r>
+            <a:endParaRPr lang="fr-FR" sz="2800" dirty="0"/>
           </a:p>
         </p:txBody>
       </p:sp>
     </p:spTree>
     <p:extLst>
       <p:ext uri="{BB962C8B-B14F-4D97-AF65-F5344CB8AC3E}">
-        <p14:creationId xmlns:p14="http://schemas.microsoft.com/office/powerpoint/2010/main" val="2838513145"/>
+        <p14:creationId xmlns:p14="http://schemas.microsoft.com/office/powerpoint/2010/main" val="475088048"/>
       </p:ext>
     </p:extLst>
   </p:cSld>
@@ -8494,99 +9181,9 @@
           <a:chExt cx="0" cy="0"/>
         </a:xfrm>
       </p:grpSpPr>
-      <p:pic>
-        <p:nvPicPr>
-          <p:cNvPr id="5" name="Image 4"/>
-          <p:cNvPicPr>
-            <a:picLocks noChangeAspect="1"/>
-          </p:cNvPicPr>
-          <p:nvPr/>
-        </p:nvPicPr>
-        <p:blipFill>
-          <a:blip r:embed="rId2">
-            <a:extLst>
-              <a:ext uri="{28A0092B-C50C-407E-A947-70E740481C1C}">
-                <a14:useLocalDpi xmlns:a14="http://schemas.microsoft.com/office/drawing/2010/main" val="0"/>
-              </a:ext>
-            </a:extLst>
-          </a:blip>
-          <a:stretch>
-            <a:fillRect/>
-          </a:stretch>
-        </p:blipFill>
-        <p:spPr>
-          <a:xfrm>
-            <a:off x="6165528" y="223590"/>
-            <a:ext cx="5407529" cy="6299982"/>
-          </a:xfrm>
-          <a:prstGeom prst="rect">
-            <a:avLst/>
-          </a:prstGeom>
-        </p:spPr>
-      </p:pic>
-      <p:pic>
-        <p:nvPicPr>
-          <p:cNvPr id="3" name="Image 2"/>
-          <p:cNvPicPr>
-            <a:picLocks noChangeAspect="1"/>
-          </p:cNvPicPr>
-          <p:nvPr/>
-        </p:nvPicPr>
-        <p:blipFill>
-          <a:blip r:embed="rId3">
-            <a:extLst>
-              <a:ext uri="{28A0092B-C50C-407E-A947-70E740481C1C}">
-                <a14:useLocalDpi xmlns:a14="http://schemas.microsoft.com/office/drawing/2010/main" val="0"/>
-              </a:ext>
-            </a:extLst>
-          </a:blip>
-          <a:stretch>
-            <a:fillRect/>
-          </a:stretch>
-        </p:blipFill>
-        <p:spPr>
-          <a:xfrm>
-            <a:off x="1045030" y="2398143"/>
-            <a:ext cx="2204444" cy="3278038"/>
-          </a:xfrm>
-          <a:prstGeom prst="rect">
-            <a:avLst/>
-          </a:prstGeom>
-        </p:spPr>
-      </p:pic>
-      <p:pic>
-        <p:nvPicPr>
-          <p:cNvPr id="4" name="Image 3"/>
-          <p:cNvPicPr>
-            <a:picLocks noChangeAspect="1"/>
-          </p:cNvPicPr>
-          <p:nvPr/>
-        </p:nvPicPr>
-        <p:blipFill>
-          <a:blip r:embed="rId4">
-            <a:extLst>
-              <a:ext uri="{28A0092B-C50C-407E-A947-70E740481C1C}">
-                <a14:useLocalDpi xmlns:a14="http://schemas.microsoft.com/office/drawing/2010/main" val="0"/>
-              </a:ext>
-            </a:extLst>
-          </a:blip>
-          <a:stretch>
-            <a:fillRect/>
-          </a:stretch>
-        </p:blipFill>
-        <p:spPr>
-          <a:xfrm>
-            <a:off x="4016945" y="4037162"/>
-            <a:ext cx="1223679" cy="2486410"/>
-          </a:xfrm>
-          <a:prstGeom prst="rect">
-            <a:avLst/>
-          </a:prstGeom>
-        </p:spPr>
-      </p:pic>
-      <p:sp>
-        <p:nvSpPr>
-          <p:cNvPr id="7" name="Titre 1"/>
+      <p:sp>
+        <p:nvSpPr>
+          <p:cNvPr id="2" name="Titre 1"/>
           <p:cNvSpPr>
             <a:spLocks noGrp="1"/>
           </p:cNvSpPr>
@@ -8594,198 +9191,72 @@
             <p:ph type="title"/>
           </p:nvPr>
         </p:nvSpPr>
-        <p:spPr>
-          <a:xfrm>
-            <a:off x="1371600" y="685800"/>
-            <a:ext cx="9601200" cy="703053"/>
-          </a:xfrm>
-        </p:spPr>
+        <p:spPr/>
         <p:txBody>
           <a:bodyPr/>
           <a:lstStyle/>
           <a:p>
             <a:r>
-              <a:rPr lang="fr-FR"/>
-              <a:t>Ergonomie</a:t>
-            </a:r>
-          </a:p>
-        </p:txBody>
-      </p:sp>
-      <p:sp>
-        <p:nvSpPr>
-          <p:cNvPr id="8" name="Titre 1"/>
-          <p:cNvSpPr txBox="1">
-            <a:spLocks/>
+              <a:rPr lang="fr-FR" dirty="0" smtClean="0"/>
+              <a:t>Fonctionnalités principales</a:t>
+            </a:r>
+            <a:endParaRPr lang="fr-FR" dirty="0"/>
+          </a:p>
+        </p:txBody>
+      </p:sp>
+      <p:sp>
+        <p:nvSpPr>
+          <p:cNvPr id="3" name="Espace réservé du contenu 2"/>
+          <p:cNvSpPr>
+            <a:spLocks noGrp="1"/>
           </p:cNvSpPr>
-          <p:nvPr/>
-        </p:nvSpPr>
-        <p:spPr>
-          <a:xfrm>
-            <a:off x="1371600" y="1388853"/>
-            <a:ext cx="9601200" cy="473015"/>
-          </a:xfrm>
-          <a:prstGeom prst="rect">
-            <a:avLst/>
-          </a:prstGeom>
-        </p:spPr>
-        <p:txBody>
-          <a:bodyPr vert="horz" lIns="91440" tIns="45720" rIns="91440" bIns="45720" rtlCol="0" anchor="t">
+          <p:nvPr>
+            <p:ph idx="1"/>
+          </p:nvPr>
+        </p:nvSpPr>
+        <p:spPr/>
+        <p:txBody>
+          <a:bodyPr>
             <a:normAutofit/>
           </a:bodyPr>
-          <a:lstStyle>
-            <a:lvl1pPr algn="l" defTabSz="914400" rtl="0" eaLnBrk="1" latinLnBrk="0" hangingPunct="1">
-              <a:lnSpc>
-                <a:spcPct val="89000"/>
-              </a:lnSpc>
-              <a:spcBef>
-                <a:spcPct val="0"/>
-              </a:spcBef>
+          <a:lstStyle/>
+          <a:p>
+            <a:r>
+              <a:rPr lang="fr-FR" sz="2800" dirty="0" smtClean="0"/>
+              <a:t>Gestion d’un compte et d’un catalogue d’objets lié à utilisateur</a:t>
+            </a:r>
+          </a:p>
+          <a:p>
+            <a:pPr marL="0" indent="0">
               <a:buNone/>
-              <a:defRPr sz="4400" kern="1200" baseline="0">
-                <a:solidFill>
-                  <a:schemeClr val="tx2"/>
-                </a:solidFill>
-                <a:latin typeface="+mj-lt"/>
-                <a:ea typeface="+mj-ea"/>
-                <a:cs typeface="+mj-cs"/>
-              </a:defRPr>
-            </a:lvl1pPr>
-          </a:lstStyle>
-          <a:p>
-            <a:r>
-              <a:rPr lang="fr-FR" sz="2800"/>
-              <a:t>Responsive design</a:t>
-            </a:r>
-          </a:p>
-        </p:txBody>
-      </p:sp>
-      <p:sp>
-        <p:nvSpPr>
-          <p:cNvPr id="10" name="Arc 9"/>
-          <p:cNvSpPr/>
-          <p:nvPr/>
-        </p:nvSpPr>
-        <p:spPr>
-          <a:xfrm rot="17670655">
-            <a:off x="5048611" y="3043390"/>
-            <a:ext cx="2021545" cy="2810549"/>
-          </a:xfrm>
-          <a:prstGeom prst="arc">
-            <a:avLst>
-              <a:gd name="adj1" fmla="val 15997262"/>
-              <a:gd name="adj2" fmla="val 19497112"/>
-            </a:avLst>
-          </a:prstGeom>
-        </p:spPr>
-        <p:style>
-          <a:lnRef idx="1">
-            <a:schemeClr val="accent1"/>
-          </a:lnRef>
-          <a:fillRef idx="0">
-            <a:schemeClr val="accent1"/>
-          </a:fillRef>
-          <a:effectRef idx="0">
-            <a:schemeClr val="accent1"/>
-          </a:effectRef>
-          <a:fontRef idx="minor">
-            <a:schemeClr val="tx1"/>
-          </a:fontRef>
-        </p:style>
-        <p:txBody>
-          <a:bodyPr rtlCol="0" anchor="ctr"/>
-          <a:lstStyle/>
-          <a:p>
-            <a:pPr algn="ctr"/>
-            <a:endParaRPr lang="fr-FR"/>
-          </a:p>
-        </p:txBody>
-      </p:sp>
-      <p:sp>
-        <p:nvSpPr>
-          <p:cNvPr id="11" name="Arc 10"/>
-          <p:cNvSpPr/>
-          <p:nvPr/>
-        </p:nvSpPr>
-        <p:spPr>
-          <a:xfrm>
-            <a:off x="2409467" y="2641839"/>
-            <a:ext cx="7390142" cy="1544129"/>
-          </a:xfrm>
-          <a:prstGeom prst="arc">
-            <a:avLst>
-              <a:gd name="adj1" fmla="val 11467216"/>
-              <a:gd name="adj2" fmla="val 15028007"/>
-            </a:avLst>
-          </a:prstGeom>
-        </p:spPr>
-        <p:style>
-          <a:lnRef idx="1">
-            <a:schemeClr val="accent1"/>
-          </a:lnRef>
-          <a:fillRef idx="0">
-            <a:schemeClr val="accent1"/>
-          </a:fillRef>
-          <a:effectRef idx="0">
-            <a:schemeClr val="accent1"/>
-          </a:effectRef>
-          <a:fontRef idx="minor">
-            <a:schemeClr val="tx1"/>
-          </a:fontRef>
-        </p:style>
-        <p:txBody>
-          <a:bodyPr rtlCol="0" anchor="ctr"/>
-          <a:lstStyle/>
-          <a:p>
-            <a:pPr algn="ctr"/>
-            <a:endParaRPr lang="fr-FR"/>
-          </a:p>
-        </p:txBody>
-      </p:sp>
-      <p:sp>
-        <p:nvSpPr>
-          <p:cNvPr id="12" name="Arc 11"/>
-          <p:cNvSpPr/>
-          <p:nvPr/>
-        </p:nvSpPr>
-        <p:spPr>
-          <a:xfrm>
-            <a:off x="2409467" y="3178114"/>
-            <a:ext cx="2021545" cy="1544129"/>
-          </a:xfrm>
-          <a:prstGeom prst="arc">
-            <a:avLst>
-              <a:gd name="adj1" fmla="val 16200000"/>
-              <a:gd name="adj2" fmla="val 2"/>
-            </a:avLst>
-          </a:prstGeom>
-        </p:spPr>
-        <p:style>
-          <a:lnRef idx="1">
-            <a:schemeClr val="accent1"/>
-          </a:lnRef>
-          <a:fillRef idx="0">
-            <a:schemeClr val="accent1"/>
-          </a:fillRef>
-          <a:effectRef idx="0">
-            <a:schemeClr val="accent1"/>
-          </a:effectRef>
-          <a:fontRef idx="minor">
-            <a:schemeClr val="tx1"/>
-          </a:fontRef>
-        </p:style>
-        <p:txBody>
-          <a:bodyPr rtlCol="0" anchor="ctr"/>
-          <a:lstStyle/>
-          <a:p>
-            <a:pPr algn="ctr"/>
-            <a:endParaRPr lang="fr-FR"/>
+            </a:pPr>
+            <a:endParaRPr lang="fr-FR" sz="2800" dirty="0" smtClean="0"/>
+          </a:p>
+          <a:p>
+            <a:r>
+              <a:rPr lang="fr-FR" sz="2800" dirty="0" smtClean="0"/>
+              <a:t>Programmation de rendez-vous avec les coursiers du service</a:t>
+            </a:r>
+          </a:p>
+          <a:p>
+            <a:pPr marL="0" indent="0">
+              <a:buNone/>
+            </a:pPr>
+            <a:endParaRPr lang="fr-FR" sz="2800" dirty="0" smtClean="0"/>
+          </a:p>
+          <a:p>
+            <a:r>
+              <a:rPr lang="fr-FR" sz="2800" dirty="0" smtClean="0"/>
+              <a:t>Prêt d’un objet à un autre utilisateur inscrit du site</a:t>
+            </a:r>
+            <a:endParaRPr lang="fr-FR" sz="2800" dirty="0"/>
           </a:p>
         </p:txBody>
       </p:sp>
     </p:spTree>
     <p:extLst>
       <p:ext uri="{BB962C8B-B14F-4D97-AF65-F5344CB8AC3E}">
-        <p14:creationId xmlns:p14="http://schemas.microsoft.com/office/powerpoint/2010/main" val="1571667926"/>
+        <p14:creationId xmlns:p14="http://schemas.microsoft.com/office/powerpoint/2010/main" val="3569263357"/>
       </p:ext>
     </p:extLst>
   </p:cSld>
@@ -8814,7 +9285,7 @@
       </p:grpSpPr>
       <p:sp>
         <p:nvSpPr>
-          <p:cNvPr id="7" name="Titre 1"/>
+          <p:cNvPr id="2" name="Titre 1"/>
           <p:cNvSpPr>
             <a:spLocks noGrp="1"/>
           </p:cNvSpPr>
@@ -8822,193 +9293,2438 @@
             <p:ph type="title"/>
           </p:nvPr>
         </p:nvSpPr>
-        <p:spPr>
-          <a:xfrm>
-            <a:off x="1371600" y="685800"/>
-            <a:ext cx="9601200" cy="703053"/>
-          </a:xfrm>
-        </p:spPr>
+        <p:spPr/>
         <p:txBody>
           <a:bodyPr/>
           <a:lstStyle/>
           <a:p>
             <a:r>
-              <a:rPr lang="fr-FR"/>
-              <a:t>Ergonomie</a:t>
-            </a:r>
-          </a:p>
-        </p:txBody>
-      </p:sp>
-      <p:sp>
-        <p:nvSpPr>
-          <p:cNvPr id="8" name="Titre 1"/>
-          <p:cNvSpPr txBox="1">
-            <a:spLocks/>
+              <a:rPr lang="fr-FR" dirty="0" smtClean="0"/>
+              <a:t>Planning prévisionnel</a:t>
+            </a:r>
+            <a:endParaRPr lang="fr-FR" dirty="0"/>
+          </a:p>
+        </p:txBody>
+      </p:sp>
+      <p:graphicFrame>
+        <p:nvGraphicFramePr>
+          <p:cNvPr id="4" name="Espace réservé du contenu 3"/>
+          <p:cNvGraphicFramePr>
+            <a:graphicFrameLocks noGrp="1"/>
+          </p:cNvGraphicFramePr>
+          <p:nvPr>
+            <p:ph idx="1"/>
+            <p:extLst>
+              <p:ext uri="{D42A27DB-BD31-4B8C-83A1-F6EECF244321}">
+                <p14:modId xmlns:p14="http://schemas.microsoft.com/office/powerpoint/2010/main" val="1570623030"/>
+              </p:ext>
+            </p:extLst>
+          </p:nvPr>
+        </p:nvGraphicFramePr>
+        <p:xfrm>
+          <a:off x="1744395" y="1730323"/>
+          <a:ext cx="9430112" cy="4797474"/>
+        </p:xfrm>
+        <a:graphic>
+          <a:graphicData uri="http://schemas.openxmlformats.org/drawingml/2006/table">
+            <a:tbl>
+              <a:tblPr/>
+              <a:tblGrid>
+                <a:gridCol w="5209313"/>
+                <a:gridCol w="2400677"/>
+                <a:gridCol w="1820122"/>
+              </a:tblGrid>
+              <a:tr h="622029">
+                <a:tc>
+                  <a:txBody>
+                    <a:bodyPr/>
+                    <a:lstStyle/>
+                    <a:p>
+                      <a:pPr algn="ctr" rtl="0" fontAlgn="t">
+                        <a:spcBef>
+                          <a:spcPts val="0"/>
+                        </a:spcBef>
+                        <a:spcAft>
+                          <a:spcPts val="0"/>
+                        </a:spcAft>
+                      </a:pPr>
+                      <a:r>
+                        <a:rPr lang="fr-FR" sz="1800" b="1" i="0" u="none" strike="noStrike" dirty="0">
+                          <a:solidFill>
+                            <a:srgbClr val="FFFFFF"/>
+                          </a:solidFill>
+                          <a:effectLst/>
+                          <a:latin typeface="Arial" panose="020B0604020202020204" pitchFamily="34" charset="0"/>
+                        </a:rPr>
+                        <a:t>Tâches</a:t>
+                      </a:r>
+                      <a:endParaRPr lang="fr-FR" sz="2800" dirty="0">
+                        <a:effectLst/>
+                      </a:endParaRPr>
+                    </a:p>
+                  </a:txBody>
+                  <a:tcPr marL="60252" marR="60252" marT="60252" marB="60252">
+                    <a:lnL w="12700" cap="flat" cmpd="sng" algn="ctr">
+                      <a:solidFill>
+                        <a:srgbClr val="000000"/>
+                      </a:solidFill>
+                      <a:prstDash val="solid"/>
+                      <a:round/>
+                      <a:headEnd type="none" w="med" len="med"/>
+                      <a:tailEnd type="none" w="med" len="med"/>
+                    </a:lnL>
+                    <a:lnR w="12700" cap="flat" cmpd="sng" algn="ctr">
+                      <a:solidFill>
+                        <a:srgbClr val="000000"/>
+                      </a:solidFill>
+                      <a:prstDash val="solid"/>
+                      <a:round/>
+                      <a:headEnd type="none" w="med" len="med"/>
+                      <a:tailEnd type="none" w="med" len="med"/>
+                    </a:lnR>
+                    <a:lnT w="12700" cap="flat" cmpd="sng" algn="ctr">
+                      <a:solidFill>
+                        <a:srgbClr val="000000"/>
+                      </a:solidFill>
+                      <a:prstDash val="solid"/>
+                      <a:round/>
+                      <a:headEnd type="none" w="med" len="med"/>
+                      <a:tailEnd type="none" w="med" len="med"/>
+                    </a:lnT>
+                    <a:lnB w="12700" cap="flat" cmpd="sng" algn="ctr">
+                      <a:solidFill>
+                        <a:srgbClr val="000000"/>
+                      </a:solidFill>
+                      <a:prstDash val="solid"/>
+                      <a:round/>
+                      <a:headEnd type="none" w="med" len="med"/>
+                      <a:tailEnd type="none" w="med" len="med"/>
+                    </a:lnB>
+                    <a:solidFill>
+                      <a:srgbClr val="6D9EEB"/>
+                    </a:solidFill>
+                  </a:tcPr>
+                </a:tc>
+                <a:tc>
+                  <a:txBody>
+                    <a:bodyPr/>
+                    <a:lstStyle/>
+                    <a:p>
+                      <a:pPr algn="ctr" rtl="0" fontAlgn="t">
+                        <a:spcBef>
+                          <a:spcPts val="0"/>
+                        </a:spcBef>
+                        <a:spcAft>
+                          <a:spcPts val="0"/>
+                        </a:spcAft>
+                      </a:pPr>
+                      <a:r>
+                        <a:rPr lang="fr-FR" sz="1800" b="1" i="0" u="none" strike="noStrike">
+                          <a:solidFill>
+                            <a:srgbClr val="FFFFFF"/>
+                          </a:solidFill>
+                          <a:effectLst/>
+                          <a:latin typeface="Arial" panose="020B0604020202020204" pitchFamily="34" charset="0"/>
+                        </a:rPr>
+                        <a:t>Délais (jour/homme)</a:t>
+                      </a:r>
+                      <a:endParaRPr lang="fr-FR" sz="2800">
+                        <a:effectLst/>
+                      </a:endParaRPr>
+                    </a:p>
+                  </a:txBody>
+                  <a:tcPr marL="60252" marR="60252" marT="60252" marB="60252">
+                    <a:lnL w="12700" cap="flat" cmpd="sng" algn="ctr">
+                      <a:solidFill>
+                        <a:srgbClr val="000000"/>
+                      </a:solidFill>
+                      <a:prstDash val="solid"/>
+                      <a:round/>
+                      <a:headEnd type="none" w="med" len="med"/>
+                      <a:tailEnd type="none" w="med" len="med"/>
+                    </a:lnL>
+                    <a:lnR w="12700" cap="flat" cmpd="sng" algn="ctr">
+                      <a:solidFill>
+                        <a:srgbClr val="000000"/>
+                      </a:solidFill>
+                      <a:prstDash val="solid"/>
+                      <a:round/>
+                      <a:headEnd type="none" w="med" len="med"/>
+                      <a:tailEnd type="none" w="med" len="med"/>
+                    </a:lnR>
+                    <a:lnT w="12700" cap="flat" cmpd="sng" algn="ctr">
+                      <a:solidFill>
+                        <a:srgbClr val="000000"/>
+                      </a:solidFill>
+                      <a:prstDash val="solid"/>
+                      <a:round/>
+                      <a:headEnd type="none" w="med" len="med"/>
+                      <a:tailEnd type="none" w="med" len="med"/>
+                    </a:lnT>
+                    <a:lnB w="12700" cap="flat" cmpd="sng" algn="ctr">
+                      <a:solidFill>
+                        <a:srgbClr val="000000"/>
+                      </a:solidFill>
+                      <a:prstDash val="solid"/>
+                      <a:round/>
+                      <a:headEnd type="none" w="med" len="med"/>
+                      <a:tailEnd type="none" w="med" len="med"/>
+                    </a:lnB>
+                    <a:solidFill>
+                      <a:srgbClr val="6D9EEB"/>
+                    </a:solidFill>
+                  </a:tcPr>
+                </a:tc>
+                <a:tc>
+                  <a:txBody>
+                    <a:bodyPr/>
+                    <a:lstStyle/>
+                    <a:p>
+                      <a:pPr algn="ctr" rtl="0" fontAlgn="t">
+                        <a:spcBef>
+                          <a:spcPts val="0"/>
+                        </a:spcBef>
+                        <a:spcAft>
+                          <a:spcPts val="0"/>
+                        </a:spcAft>
+                      </a:pPr>
+                      <a:r>
+                        <a:rPr lang="fr-FR" sz="1800" b="1" i="0" u="none" strike="noStrike">
+                          <a:solidFill>
+                            <a:srgbClr val="FFFFFF"/>
+                          </a:solidFill>
+                          <a:effectLst/>
+                          <a:latin typeface="Arial" panose="020B0604020202020204" pitchFamily="34" charset="0"/>
+                        </a:rPr>
+                        <a:t>Coûts (€)</a:t>
+                      </a:r>
+                      <a:endParaRPr lang="fr-FR" sz="2800">
+                        <a:effectLst/>
+                      </a:endParaRPr>
+                    </a:p>
+                  </a:txBody>
+                  <a:tcPr marL="60252" marR="60252" marT="60252" marB="60252">
+                    <a:lnL w="12700" cap="flat" cmpd="sng" algn="ctr">
+                      <a:solidFill>
+                        <a:srgbClr val="000000"/>
+                      </a:solidFill>
+                      <a:prstDash val="solid"/>
+                      <a:round/>
+                      <a:headEnd type="none" w="med" len="med"/>
+                      <a:tailEnd type="none" w="med" len="med"/>
+                    </a:lnL>
+                    <a:lnR w="12700" cap="flat" cmpd="sng" algn="ctr">
+                      <a:solidFill>
+                        <a:srgbClr val="000000"/>
+                      </a:solidFill>
+                      <a:prstDash val="solid"/>
+                      <a:round/>
+                      <a:headEnd type="none" w="med" len="med"/>
+                      <a:tailEnd type="none" w="med" len="med"/>
+                    </a:lnR>
+                    <a:lnT w="12700" cap="flat" cmpd="sng" algn="ctr">
+                      <a:solidFill>
+                        <a:srgbClr val="000000"/>
+                      </a:solidFill>
+                      <a:prstDash val="solid"/>
+                      <a:round/>
+                      <a:headEnd type="none" w="med" len="med"/>
+                      <a:tailEnd type="none" w="med" len="med"/>
+                    </a:lnT>
+                    <a:lnB w="12700" cap="flat" cmpd="sng" algn="ctr">
+                      <a:solidFill>
+                        <a:srgbClr val="000000"/>
+                      </a:solidFill>
+                      <a:prstDash val="solid"/>
+                      <a:round/>
+                      <a:headEnd type="none" w="med" len="med"/>
+                      <a:tailEnd type="none" w="med" len="med"/>
+                    </a:lnB>
+                    <a:solidFill>
+                      <a:srgbClr val="6D9EEB"/>
+                    </a:solidFill>
+                  </a:tcPr>
+                </a:tc>
+              </a:tr>
+              <a:tr h="391172">
+                <a:tc>
+                  <a:txBody>
+                    <a:bodyPr/>
+                    <a:lstStyle/>
+                    <a:p>
+                      <a:pPr rtl="0" fontAlgn="t">
+                        <a:spcBef>
+                          <a:spcPts val="0"/>
+                        </a:spcBef>
+                        <a:spcAft>
+                          <a:spcPts val="0"/>
+                        </a:spcAft>
+                      </a:pPr>
+                      <a:r>
+                        <a:rPr lang="fr-FR" sz="1800" b="1" i="0" u="none" strike="noStrike">
+                          <a:solidFill>
+                            <a:srgbClr val="000000"/>
+                          </a:solidFill>
+                          <a:effectLst/>
+                          <a:latin typeface="Arial" panose="020B0604020202020204" pitchFamily="34" charset="0"/>
+                        </a:rPr>
+                        <a:t>Développement application</a:t>
+                      </a:r>
+                      <a:endParaRPr lang="fr-FR" sz="2800">
+                        <a:effectLst/>
+                      </a:endParaRPr>
+                    </a:p>
+                  </a:txBody>
+                  <a:tcPr marL="60252" marR="60252" marT="60252" marB="60252">
+                    <a:lnL w="12700" cap="flat" cmpd="sng" algn="ctr">
+                      <a:solidFill>
+                        <a:srgbClr val="000000"/>
+                      </a:solidFill>
+                      <a:prstDash val="solid"/>
+                      <a:round/>
+                      <a:headEnd type="none" w="med" len="med"/>
+                      <a:tailEnd type="none" w="med" len="med"/>
+                    </a:lnL>
+                    <a:lnR w="12700" cap="flat" cmpd="sng" algn="ctr">
+                      <a:solidFill>
+                        <a:srgbClr val="000000"/>
+                      </a:solidFill>
+                      <a:prstDash val="solid"/>
+                      <a:round/>
+                      <a:headEnd type="none" w="med" len="med"/>
+                      <a:tailEnd type="none" w="med" len="med"/>
+                    </a:lnR>
+                    <a:lnT w="12700" cap="flat" cmpd="sng" algn="ctr">
+                      <a:solidFill>
+                        <a:srgbClr val="000000"/>
+                      </a:solidFill>
+                      <a:prstDash val="solid"/>
+                      <a:round/>
+                      <a:headEnd type="none" w="med" len="med"/>
+                      <a:tailEnd type="none" w="med" len="med"/>
+                    </a:lnT>
+                    <a:lnB w="12700" cap="flat" cmpd="sng" algn="ctr">
+                      <a:solidFill>
+                        <a:srgbClr val="000000"/>
+                      </a:solidFill>
+                      <a:prstDash val="solid"/>
+                      <a:round/>
+                      <a:headEnd type="none" w="med" len="med"/>
+                      <a:tailEnd type="none" w="med" len="med"/>
+                    </a:lnB>
+                  </a:tcPr>
+                </a:tc>
+                <a:tc>
+                  <a:txBody>
+                    <a:bodyPr/>
+                    <a:lstStyle/>
+                    <a:p>
+                      <a:pPr algn="ctr" rtl="0" fontAlgn="t">
+                        <a:spcBef>
+                          <a:spcPts val="0"/>
+                        </a:spcBef>
+                        <a:spcAft>
+                          <a:spcPts val="0"/>
+                        </a:spcAft>
+                      </a:pPr>
+                      <a:r>
+                        <a:rPr lang="fr-FR" sz="1800" b="1" i="0" u="none" strike="noStrike">
+                          <a:solidFill>
+                            <a:srgbClr val="000000"/>
+                          </a:solidFill>
+                          <a:effectLst/>
+                          <a:latin typeface="Arial" panose="020B0604020202020204" pitchFamily="34" charset="0"/>
+                        </a:rPr>
+                        <a:t>32</a:t>
+                      </a:r>
+                      <a:endParaRPr lang="fr-FR" sz="2800">
+                        <a:effectLst/>
+                      </a:endParaRPr>
+                    </a:p>
+                  </a:txBody>
+                  <a:tcPr marL="60252" marR="60252" marT="60252" marB="60252">
+                    <a:lnL w="12700" cap="flat" cmpd="sng" algn="ctr">
+                      <a:solidFill>
+                        <a:srgbClr val="000000"/>
+                      </a:solidFill>
+                      <a:prstDash val="solid"/>
+                      <a:round/>
+                      <a:headEnd type="none" w="med" len="med"/>
+                      <a:tailEnd type="none" w="med" len="med"/>
+                    </a:lnL>
+                    <a:lnR w="12700" cap="flat" cmpd="sng" algn="ctr">
+                      <a:solidFill>
+                        <a:srgbClr val="000000"/>
+                      </a:solidFill>
+                      <a:prstDash val="solid"/>
+                      <a:round/>
+                      <a:headEnd type="none" w="med" len="med"/>
+                      <a:tailEnd type="none" w="med" len="med"/>
+                    </a:lnR>
+                    <a:lnT w="12700" cap="flat" cmpd="sng" algn="ctr">
+                      <a:solidFill>
+                        <a:srgbClr val="000000"/>
+                      </a:solidFill>
+                      <a:prstDash val="solid"/>
+                      <a:round/>
+                      <a:headEnd type="none" w="med" len="med"/>
+                      <a:tailEnd type="none" w="med" len="med"/>
+                    </a:lnT>
+                    <a:lnB w="12700" cap="flat" cmpd="sng" algn="ctr">
+                      <a:solidFill>
+                        <a:srgbClr val="000000"/>
+                      </a:solidFill>
+                      <a:prstDash val="solid"/>
+                      <a:round/>
+                      <a:headEnd type="none" w="med" len="med"/>
+                      <a:tailEnd type="none" w="med" len="med"/>
+                    </a:lnB>
+                  </a:tcPr>
+                </a:tc>
+                <a:tc>
+                  <a:txBody>
+                    <a:bodyPr/>
+                    <a:lstStyle/>
+                    <a:p>
+                      <a:pPr algn="ctr" rtl="0" fontAlgn="t">
+                        <a:spcBef>
+                          <a:spcPts val="0"/>
+                        </a:spcBef>
+                        <a:spcAft>
+                          <a:spcPts val="0"/>
+                        </a:spcAft>
+                      </a:pPr>
+                      <a:r>
+                        <a:rPr lang="fr-FR" sz="1800" b="1" i="0" u="none" strike="noStrike">
+                          <a:solidFill>
+                            <a:srgbClr val="000000"/>
+                          </a:solidFill>
+                          <a:effectLst/>
+                          <a:latin typeface="Arial" panose="020B0604020202020204" pitchFamily="34" charset="0"/>
+                        </a:rPr>
+                        <a:t>31 500</a:t>
+                      </a:r>
+                      <a:endParaRPr lang="fr-FR" sz="2800">
+                        <a:effectLst/>
+                      </a:endParaRPr>
+                    </a:p>
+                  </a:txBody>
+                  <a:tcPr marL="60252" marR="60252" marT="60252" marB="60252">
+                    <a:lnL w="12700" cap="flat" cmpd="sng" algn="ctr">
+                      <a:solidFill>
+                        <a:srgbClr val="000000"/>
+                      </a:solidFill>
+                      <a:prstDash val="solid"/>
+                      <a:round/>
+                      <a:headEnd type="none" w="med" len="med"/>
+                      <a:tailEnd type="none" w="med" len="med"/>
+                    </a:lnL>
+                    <a:lnR w="12700" cap="flat" cmpd="sng" algn="ctr">
+                      <a:solidFill>
+                        <a:srgbClr val="000000"/>
+                      </a:solidFill>
+                      <a:prstDash val="solid"/>
+                      <a:round/>
+                      <a:headEnd type="none" w="med" len="med"/>
+                      <a:tailEnd type="none" w="med" len="med"/>
+                    </a:lnR>
+                    <a:lnT w="12700" cap="flat" cmpd="sng" algn="ctr">
+                      <a:solidFill>
+                        <a:srgbClr val="000000"/>
+                      </a:solidFill>
+                      <a:prstDash val="solid"/>
+                      <a:round/>
+                      <a:headEnd type="none" w="med" len="med"/>
+                      <a:tailEnd type="none" w="med" len="med"/>
+                    </a:lnT>
+                    <a:lnB w="12700" cap="flat" cmpd="sng" algn="ctr">
+                      <a:solidFill>
+                        <a:srgbClr val="000000"/>
+                      </a:solidFill>
+                      <a:prstDash val="solid"/>
+                      <a:round/>
+                      <a:headEnd type="none" w="med" len="med"/>
+                      <a:tailEnd type="none" w="med" len="med"/>
+                    </a:lnB>
+                  </a:tcPr>
+                </a:tc>
+              </a:tr>
+              <a:tr h="391172">
+                <a:tc>
+                  <a:txBody>
+                    <a:bodyPr/>
+                    <a:lstStyle/>
+                    <a:p>
+                      <a:pPr marL="457200" rtl="0" fontAlgn="t">
+                        <a:spcBef>
+                          <a:spcPts val="0"/>
+                        </a:spcBef>
+                        <a:spcAft>
+                          <a:spcPts val="0"/>
+                        </a:spcAft>
+                      </a:pPr>
+                      <a:r>
+                        <a:rPr lang="fr-FR" sz="1800" b="0" i="0" u="none" strike="noStrike">
+                          <a:solidFill>
+                            <a:srgbClr val="000000"/>
+                          </a:solidFill>
+                          <a:effectLst/>
+                          <a:latin typeface="Arial" panose="020B0604020202020204" pitchFamily="34" charset="0"/>
+                        </a:rPr>
+                        <a:t>Design et éléments graphiques</a:t>
+                      </a:r>
+                      <a:endParaRPr lang="fr-FR" sz="2800">
+                        <a:effectLst/>
+                      </a:endParaRPr>
+                    </a:p>
+                  </a:txBody>
+                  <a:tcPr marL="60252" marR="60252" marT="60252" marB="60252">
+                    <a:lnL w="12700" cap="flat" cmpd="sng" algn="ctr">
+                      <a:solidFill>
+                        <a:srgbClr val="000000"/>
+                      </a:solidFill>
+                      <a:prstDash val="solid"/>
+                      <a:round/>
+                      <a:headEnd type="none" w="med" len="med"/>
+                      <a:tailEnd type="none" w="med" len="med"/>
+                    </a:lnL>
+                    <a:lnR w="12700" cap="flat" cmpd="sng" algn="ctr">
+                      <a:solidFill>
+                        <a:srgbClr val="000000"/>
+                      </a:solidFill>
+                      <a:prstDash val="solid"/>
+                      <a:round/>
+                      <a:headEnd type="none" w="med" len="med"/>
+                      <a:tailEnd type="none" w="med" len="med"/>
+                    </a:lnR>
+                    <a:lnT w="12700" cap="flat" cmpd="sng" algn="ctr">
+                      <a:solidFill>
+                        <a:srgbClr val="000000"/>
+                      </a:solidFill>
+                      <a:prstDash val="solid"/>
+                      <a:round/>
+                      <a:headEnd type="none" w="med" len="med"/>
+                      <a:tailEnd type="none" w="med" len="med"/>
+                    </a:lnT>
+                    <a:lnB w="12700" cap="flat" cmpd="sng" algn="ctr">
+                      <a:solidFill>
+                        <a:srgbClr val="000000"/>
+                      </a:solidFill>
+                      <a:prstDash val="solid"/>
+                      <a:round/>
+                      <a:headEnd type="none" w="med" len="med"/>
+                      <a:tailEnd type="none" w="med" len="med"/>
+                    </a:lnB>
+                  </a:tcPr>
+                </a:tc>
+                <a:tc>
+                  <a:txBody>
+                    <a:bodyPr/>
+                    <a:lstStyle/>
+                    <a:p>
+                      <a:pPr algn="ctr" rtl="0" fontAlgn="t">
+                        <a:spcBef>
+                          <a:spcPts val="0"/>
+                        </a:spcBef>
+                        <a:spcAft>
+                          <a:spcPts val="0"/>
+                        </a:spcAft>
+                      </a:pPr>
+                      <a:r>
+                        <a:rPr lang="fr-FR" sz="1800" b="0" i="0" u="none" strike="noStrike">
+                          <a:solidFill>
+                            <a:srgbClr val="000000"/>
+                          </a:solidFill>
+                          <a:effectLst/>
+                          <a:latin typeface="Arial" panose="020B0604020202020204" pitchFamily="34" charset="0"/>
+                        </a:rPr>
+                        <a:t>12</a:t>
+                      </a:r>
+                      <a:endParaRPr lang="fr-FR" sz="2800">
+                        <a:effectLst/>
+                      </a:endParaRPr>
+                    </a:p>
+                  </a:txBody>
+                  <a:tcPr marL="60252" marR="60252" marT="60252" marB="60252">
+                    <a:lnL w="12700" cap="flat" cmpd="sng" algn="ctr">
+                      <a:solidFill>
+                        <a:srgbClr val="000000"/>
+                      </a:solidFill>
+                      <a:prstDash val="solid"/>
+                      <a:round/>
+                      <a:headEnd type="none" w="med" len="med"/>
+                      <a:tailEnd type="none" w="med" len="med"/>
+                    </a:lnL>
+                    <a:lnR w="12700" cap="flat" cmpd="sng" algn="ctr">
+                      <a:solidFill>
+                        <a:srgbClr val="000000"/>
+                      </a:solidFill>
+                      <a:prstDash val="solid"/>
+                      <a:round/>
+                      <a:headEnd type="none" w="med" len="med"/>
+                      <a:tailEnd type="none" w="med" len="med"/>
+                    </a:lnR>
+                    <a:lnT w="12700" cap="flat" cmpd="sng" algn="ctr">
+                      <a:solidFill>
+                        <a:srgbClr val="000000"/>
+                      </a:solidFill>
+                      <a:prstDash val="solid"/>
+                      <a:round/>
+                      <a:headEnd type="none" w="med" len="med"/>
+                      <a:tailEnd type="none" w="med" len="med"/>
+                    </a:lnT>
+                    <a:lnB w="12700" cap="flat" cmpd="sng" algn="ctr">
+                      <a:solidFill>
+                        <a:srgbClr val="000000"/>
+                      </a:solidFill>
+                      <a:prstDash val="solid"/>
+                      <a:round/>
+                      <a:headEnd type="none" w="med" len="med"/>
+                      <a:tailEnd type="none" w="med" len="med"/>
+                    </a:lnB>
+                  </a:tcPr>
+                </a:tc>
+                <a:tc>
+                  <a:txBody>
+                    <a:bodyPr/>
+                    <a:lstStyle/>
+                    <a:p>
+                      <a:pPr algn="ctr" rtl="0" fontAlgn="t">
+                        <a:spcBef>
+                          <a:spcPts val="0"/>
+                        </a:spcBef>
+                        <a:spcAft>
+                          <a:spcPts val="0"/>
+                        </a:spcAft>
+                      </a:pPr>
+                      <a:r>
+                        <a:rPr lang="fr-FR" sz="1800" b="0" i="0" u="none" strike="noStrike">
+                          <a:solidFill>
+                            <a:srgbClr val="000000"/>
+                          </a:solidFill>
+                          <a:effectLst/>
+                          <a:latin typeface="Arial" panose="020B0604020202020204" pitchFamily="34" charset="0"/>
+                        </a:rPr>
+                        <a:t>5040</a:t>
+                      </a:r>
+                      <a:endParaRPr lang="fr-FR" sz="2800">
+                        <a:effectLst/>
+                      </a:endParaRPr>
+                    </a:p>
+                  </a:txBody>
+                  <a:tcPr marL="60252" marR="60252" marT="60252" marB="60252">
+                    <a:lnL w="12700" cap="flat" cmpd="sng" algn="ctr">
+                      <a:solidFill>
+                        <a:srgbClr val="000000"/>
+                      </a:solidFill>
+                      <a:prstDash val="solid"/>
+                      <a:round/>
+                      <a:headEnd type="none" w="med" len="med"/>
+                      <a:tailEnd type="none" w="med" len="med"/>
+                    </a:lnL>
+                    <a:lnR w="12700" cap="flat" cmpd="sng" algn="ctr">
+                      <a:solidFill>
+                        <a:srgbClr val="000000"/>
+                      </a:solidFill>
+                      <a:prstDash val="solid"/>
+                      <a:round/>
+                      <a:headEnd type="none" w="med" len="med"/>
+                      <a:tailEnd type="none" w="med" len="med"/>
+                    </a:lnR>
+                    <a:lnT w="12700" cap="flat" cmpd="sng" algn="ctr">
+                      <a:solidFill>
+                        <a:srgbClr val="000000"/>
+                      </a:solidFill>
+                      <a:prstDash val="solid"/>
+                      <a:round/>
+                      <a:headEnd type="none" w="med" len="med"/>
+                      <a:tailEnd type="none" w="med" len="med"/>
+                    </a:lnT>
+                    <a:lnB w="12700" cap="flat" cmpd="sng" algn="ctr">
+                      <a:solidFill>
+                        <a:srgbClr val="000000"/>
+                      </a:solidFill>
+                      <a:prstDash val="solid"/>
+                      <a:round/>
+                      <a:headEnd type="none" w="med" len="med"/>
+                      <a:tailEnd type="none" w="med" len="med"/>
+                    </a:lnB>
+                  </a:tcPr>
+                </a:tc>
+              </a:tr>
+              <a:tr h="391172">
+                <a:tc>
+                  <a:txBody>
+                    <a:bodyPr/>
+                    <a:lstStyle/>
+                    <a:p>
+                      <a:pPr marL="457200" rtl="0" fontAlgn="t">
+                        <a:spcBef>
+                          <a:spcPts val="0"/>
+                        </a:spcBef>
+                        <a:spcAft>
+                          <a:spcPts val="0"/>
+                        </a:spcAft>
+                      </a:pPr>
+                      <a:r>
+                        <a:rPr lang="fr-FR" sz="1800" b="0" i="0" u="none" strike="noStrike">
+                          <a:solidFill>
+                            <a:srgbClr val="000000"/>
+                          </a:solidFill>
+                          <a:effectLst/>
+                          <a:latin typeface="Arial" panose="020B0604020202020204" pitchFamily="34" charset="0"/>
+                        </a:rPr>
+                        <a:t>Développement frontend (responsive)</a:t>
+                      </a:r>
+                      <a:endParaRPr lang="fr-FR" sz="2800">
+                        <a:effectLst/>
+                      </a:endParaRPr>
+                    </a:p>
+                  </a:txBody>
+                  <a:tcPr marL="60252" marR="60252" marT="60252" marB="60252">
+                    <a:lnL w="12700" cap="flat" cmpd="sng" algn="ctr">
+                      <a:solidFill>
+                        <a:srgbClr val="000000"/>
+                      </a:solidFill>
+                      <a:prstDash val="solid"/>
+                      <a:round/>
+                      <a:headEnd type="none" w="med" len="med"/>
+                      <a:tailEnd type="none" w="med" len="med"/>
+                    </a:lnL>
+                    <a:lnR w="12700" cap="flat" cmpd="sng" algn="ctr">
+                      <a:solidFill>
+                        <a:srgbClr val="000000"/>
+                      </a:solidFill>
+                      <a:prstDash val="solid"/>
+                      <a:round/>
+                      <a:headEnd type="none" w="med" len="med"/>
+                      <a:tailEnd type="none" w="med" len="med"/>
+                    </a:lnR>
+                    <a:lnT w="12700" cap="flat" cmpd="sng" algn="ctr">
+                      <a:solidFill>
+                        <a:srgbClr val="000000"/>
+                      </a:solidFill>
+                      <a:prstDash val="solid"/>
+                      <a:round/>
+                      <a:headEnd type="none" w="med" len="med"/>
+                      <a:tailEnd type="none" w="med" len="med"/>
+                    </a:lnT>
+                    <a:lnB w="12700" cap="flat" cmpd="sng" algn="ctr">
+                      <a:solidFill>
+                        <a:srgbClr val="000000"/>
+                      </a:solidFill>
+                      <a:prstDash val="solid"/>
+                      <a:round/>
+                      <a:headEnd type="none" w="med" len="med"/>
+                      <a:tailEnd type="none" w="med" len="med"/>
+                    </a:lnB>
+                  </a:tcPr>
+                </a:tc>
+                <a:tc>
+                  <a:txBody>
+                    <a:bodyPr/>
+                    <a:lstStyle/>
+                    <a:p>
+                      <a:pPr algn="ctr" rtl="0" fontAlgn="t">
+                        <a:spcBef>
+                          <a:spcPts val="0"/>
+                        </a:spcBef>
+                        <a:spcAft>
+                          <a:spcPts val="0"/>
+                        </a:spcAft>
+                      </a:pPr>
+                      <a:r>
+                        <a:rPr lang="fr-FR" sz="1800" b="0" i="0" u="none" strike="noStrike">
+                          <a:solidFill>
+                            <a:srgbClr val="000000"/>
+                          </a:solidFill>
+                          <a:effectLst/>
+                          <a:latin typeface="Arial" panose="020B0604020202020204" pitchFamily="34" charset="0"/>
+                        </a:rPr>
+                        <a:t>20</a:t>
+                      </a:r>
+                      <a:endParaRPr lang="fr-FR" sz="2800">
+                        <a:effectLst/>
+                      </a:endParaRPr>
+                    </a:p>
+                  </a:txBody>
+                  <a:tcPr marL="60252" marR="60252" marT="60252" marB="60252">
+                    <a:lnL w="12700" cap="flat" cmpd="sng" algn="ctr">
+                      <a:solidFill>
+                        <a:srgbClr val="000000"/>
+                      </a:solidFill>
+                      <a:prstDash val="solid"/>
+                      <a:round/>
+                      <a:headEnd type="none" w="med" len="med"/>
+                      <a:tailEnd type="none" w="med" len="med"/>
+                    </a:lnL>
+                    <a:lnR w="12700" cap="flat" cmpd="sng" algn="ctr">
+                      <a:solidFill>
+                        <a:srgbClr val="000000"/>
+                      </a:solidFill>
+                      <a:prstDash val="solid"/>
+                      <a:round/>
+                      <a:headEnd type="none" w="med" len="med"/>
+                      <a:tailEnd type="none" w="med" len="med"/>
+                    </a:lnR>
+                    <a:lnT w="12700" cap="flat" cmpd="sng" algn="ctr">
+                      <a:solidFill>
+                        <a:srgbClr val="000000"/>
+                      </a:solidFill>
+                      <a:prstDash val="solid"/>
+                      <a:round/>
+                      <a:headEnd type="none" w="med" len="med"/>
+                      <a:tailEnd type="none" w="med" len="med"/>
+                    </a:lnT>
+                    <a:lnB w="12700" cap="flat" cmpd="sng" algn="ctr">
+                      <a:solidFill>
+                        <a:srgbClr val="000000"/>
+                      </a:solidFill>
+                      <a:prstDash val="solid"/>
+                      <a:round/>
+                      <a:headEnd type="none" w="med" len="med"/>
+                      <a:tailEnd type="none" w="med" len="med"/>
+                    </a:lnB>
+                  </a:tcPr>
+                </a:tc>
+                <a:tc>
+                  <a:txBody>
+                    <a:bodyPr/>
+                    <a:lstStyle/>
+                    <a:p>
+                      <a:pPr algn="ctr" rtl="0" fontAlgn="t">
+                        <a:spcBef>
+                          <a:spcPts val="0"/>
+                        </a:spcBef>
+                        <a:spcAft>
+                          <a:spcPts val="0"/>
+                        </a:spcAft>
+                      </a:pPr>
+                      <a:r>
+                        <a:rPr lang="fr-FR" sz="1800" b="0" i="0" u="none" strike="noStrike">
+                          <a:solidFill>
+                            <a:srgbClr val="000000"/>
+                          </a:solidFill>
+                          <a:effectLst/>
+                          <a:latin typeface="Arial" panose="020B0604020202020204" pitchFamily="34" charset="0"/>
+                        </a:rPr>
+                        <a:t>8400</a:t>
+                      </a:r>
+                      <a:endParaRPr lang="fr-FR" sz="2800">
+                        <a:effectLst/>
+                      </a:endParaRPr>
+                    </a:p>
+                  </a:txBody>
+                  <a:tcPr marL="60252" marR="60252" marT="60252" marB="60252">
+                    <a:lnL w="12700" cap="flat" cmpd="sng" algn="ctr">
+                      <a:solidFill>
+                        <a:srgbClr val="000000"/>
+                      </a:solidFill>
+                      <a:prstDash val="solid"/>
+                      <a:round/>
+                      <a:headEnd type="none" w="med" len="med"/>
+                      <a:tailEnd type="none" w="med" len="med"/>
+                    </a:lnL>
+                    <a:lnR w="12700" cap="flat" cmpd="sng" algn="ctr">
+                      <a:solidFill>
+                        <a:srgbClr val="000000"/>
+                      </a:solidFill>
+                      <a:prstDash val="solid"/>
+                      <a:round/>
+                      <a:headEnd type="none" w="med" len="med"/>
+                      <a:tailEnd type="none" w="med" len="med"/>
+                    </a:lnR>
+                    <a:lnT w="12700" cap="flat" cmpd="sng" algn="ctr">
+                      <a:solidFill>
+                        <a:srgbClr val="000000"/>
+                      </a:solidFill>
+                      <a:prstDash val="solid"/>
+                      <a:round/>
+                      <a:headEnd type="none" w="med" len="med"/>
+                      <a:tailEnd type="none" w="med" len="med"/>
+                    </a:lnT>
+                    <a:lnB w="12700" cap="flat" cmpd="sng" algn="ctr">
+                      <a:solidFill>
+                        <a:srgbClr val="000000"/>
+                      </a:solidFill>
+                      <a:prstDash val="solid"/>
+                      <a:round/>
+                      <a:headEnd type="none" w="med" len="med"/>
+                      <a:tailEnd type="none" w="med" len="med"/>
+                    </a:lnB>
+                  </a:tcPr>
+                </a:tc>
+              </a:tr>
+              <a:tr h="391172">
+                <a:tc>
+                  <a:txBody>
+                    <a:bodyPr/>
+                    <a:lstStyle/>
+                    <a:p>
+                      <a:pPr marL="457200" rtl="0" fontAlgn="t">
+                        <a:spcBef>
+                          <a:spcPts val="0"/>
+                        </a:spcBef>
+                        <a:spcAft>
+                          <a:spcPts val="0"/>
+                        </a:spcAft>
+                      </a:pPr>
+                      <a:r>
+                        <a:rPr lang="fr-FR" sz="1800" b="0" i="0" u="none" strike="noStrike">
+                          <a:solidFill>
+                            <a:srgbClr val="000000"/>
+                          </a:solidFill>
+                          <a:effectLst/>
+                          <a:latin typeface="Arial" panose="020B0604020202020204" pitchFamily="34" charset="0"/>
+                        </a:rPr>
+                        <a:t>Développement backend</a:t>
+                      </a:r>
+                      <a:endParaRPr lang="fr-FR" sz="2800">
+                        <a:effectLst/>
+                      </a:endParaRPr>
+                    </a:p>
+                  </a:txBody>
+                  <a:tcPr marL="60252" marR="60252" marT="60252" marB="60252">
+                    <a:lnL w="12700" cap="flat" cmpd="sng" algn="ctr">
+                      <a:solidFill>
+                        <a:srgbClr val="000000"/>
+                      </a:solidFill>
+                      <a:prstDash val="solid"/>
+                      <a:round/>
+                      <a:headEnd type="none" w="med" len="med"/>
+                      <a:tailEnd type="none" w="med" len="med"/>
+                    </a:lnL>
+                    <a:lnR w="12700" cap="flat" cmpd="sng" algn="ctr">
+                      <a:solidFill>
+                        <a:srgbClr val="000000"/>
+                      </a:solidFill>
+                      <a:prstDash val="solid"/>
+                      <a:round/>
+                      <a:headEnd type="none" w="med" len="med"/>
+                      <a:tailEnd type="none" w="med" len="med"/>
+                    </a:lnR>
+                    <a:lnT w="12700" cap="flat" cmpd="sng" algn="ctr">
+                      <a:solidFill>
+                        <a:srgbClr val="000000"/>
+                      </a:solidFill>
+                      <a:prstDash val="solid"/>
+                      <a:round/>
+                      <a:headEnd type="none" w="med" len="med"/>
+                      <a:tailEnd type="none" w="med" len="med"/>
+                    </a:lnT>
+                    <a:lnB w="12700" cap="flat" cmpd="sng" algn="ctr">
+                      <a:solidFill>
+                        <a:srgbClr val="000000"/>
+                      </a:solidFill>
+                      <a:prstDash val="solid"/>
+                      <a:round/>
+                      <a:headEnd type="none" w="med" len="med"/>
+                      <a:tailEnd type="none" w="med" len="med"/>
+                    </a:lnB>
+                  </a:tcPr>
+                </a:tc>
+                <a:tc>
+                  <a:txBody>
+                    <a:bodyPr/>
+                    <a:lstStyle/>
+                    <a:p>
+                      <a:pPr algn="ctr" rtl="0" fontAlgn="t">
+                        <a:spcBef>
+                          <a:spcPts val="0"/>
+                        </a:spcBef>
+                        <a:spcAft>
+                          <a:spcPts val="0"/>
+                        </a:spcAft>
+                      </a:pPr>
+                      <a:r>
+                        <a:rPr lang="fr-FR" sz="1800" b="0" i="0" u="none" strike="noStrike">
+                          <a:solidFill>
+                            <a:srgbClr val="000000"/>
+                          </a:solidFill>
+                          <a:effectLst/>
+                          <a:latin typeface="Arial" panose="020B0604020202020204" pitchFamily="34" charset="0"/>
+                        </a:rPr>
+                        <a:t>15</a:t>
+                      </a:r>
+                      <a:endParaRPr lang="fr-FR" sz="2800">
+                        <a:effectLst/>
+                      </a:endParaRPr>
+                    </a:p>
+                  </a:txBody>
+                  <a:tcPr marL="60252" marR="60252" marT="60252" marB="60252">
+                    <a:lnL w="12700" cap="flat" cmpd="sng" algn="ctr">
+                      <a:solidFill>
+                        <a:srgbClr val="000000"/>
+                      </a:solidFill>
+                      <a:prstDash val="solid"/>
+                      <a:round/>
+                      <a:headEnd type="none" w="med" len="med"/>
+                      <a:tailEnd type="none" w="med" len="med"/>
+                    </a:lnL>
+                    <a:lnR w="12700" cap="flat" cmpd="sng" algn="ctr">
+                      <a:solidFill>
+                        <a:srgbClr val="000000"/>
+                      </a:solidFill>
+                      <a:prstDash val="solid"/>
+                      <a:round/>
+                      <a:headEnd type="none" w="med" len="med"/>
+                      <a:tailEnd type="none" w="med" len="med"/>
+                    </a:lnR>
+                    <a:lnT w="12700" cap="flat" cmpd="sng" algn="ctr">
+                      <a:solidFill>
+                        <a:srgbClr val="000000"/>
+                      </a:solidFill>
+                      <a:prstDash val="solid"/>
+                      <a:round/>
+                      <a:headEnd type="none" w="med" len="med"/>
+                      <a:tailEnd type="none" w="med" len="med"/>
+                    </a:lnT>
+                    <a:lnB w="12700" cap="flat" cmpd="sng" algn="ctr">
+                      <a:solidFill>
+                        <a:srgbClr val="000000"/>
+                      </a:solidFill>
+                      <a:prstDash val="solid"/>
+                      <a:round/>
+                      <a:headEnd type="none" w="med" len="med"/>
+                      <a:tailEnd type="none" w="med" len="med"/>
+                    </a:lnB>
+                  </a:tcPr>
+                </a:tc>
+                <a:tc>
+                  <a:txBody>
+                    <a:bodyPr/>
+                    <a:lstStyle/>
+                    <a:p>
+                      <a:pPr algn="ctr" rtl="0" fontAlgn="t">
+                        <a:spcBef>
+                          <a:spcPts val="0"/>
+                        </a:spcBef>
+                        <a:spcAft>
+                          <a:spcPts val="0"/>
+                        </a:spcAft>
+                      </a:pPr>
+                      <a:r>
+                        <a:rPr lang="fr-FR" sz="1800" b="0" i="0" u="none" strike="noStrike">
+                          <a:solidFill>
+                            <a:srgbClr val="000000"/>
+                          </a:solidFill>
+                          <a:effectLst/>
+                          <a:latin typeface="Arial" panose="020B0604020202020204" pitchFamily="34" charset="0"/>
+                        </a:rPr>
+                        <a:t>6300</a:t>
+                      </a:r>
+                      <a:endParaRPr lang="fr-FR" sz="2800">
+                        <a:effectLst/>
+                      </a:endParaRPr>
+                    </a:p>
+                  </a:txBody>
+                  <a:tcPr marL="60252" marR="60252" marT="60252" marB="60252">
+                    <a:lnL w="12700" cap="flat" cmpd="sng" algn="ctr">
+                      <a:solidFill>
+                        <a:srgbClr val="000000"/>
+                      </a:solidFill>
+                      <a:prstDash val="solid"/>
+                      <a:round/>
+                      <a:headEnd type="none" w="med" len="med"/>
+                      <a:tailEnd type="none" w="med" len="med"/>
+                    </a:lnL>
+                    <a:lnR w="12700" cap="flat" cmpd="sng" algn="ctr">
+                      <a:solidFill>
+                        <a:srgbClr val="000000"/>
+                      </a:solidFill>
+                      <a:prstDash val="solid"/>
+                      <a:round/>
+                      <a:headEnd type="none" w="med" len="med"/>
+                      <a:tailEnd type="none" w="med" len="med"/>
+                    </a:lnR>
+                    <a:lnT w="12700" cap="flat" cmpd="sng" algn="ctr">
+                      <a:solidFill>
+                        <a:srgbClr val="000000"/>
+                      </a:solidFill>
+                      <a:prstDash val="solid"/>
+                      <a:round/>
+                      <a:headEnd type="none" w="med" len="med"/>
+                      <a:tailEnd type="none" w="med" len="med"/>
+                    </a:lnT>
+                    <a:lnB w="12700" cap="flat" cmpd="sng" algn="ctr">
+                      <a:solidFill>
+                        <a:srgbClr val="000000"/>
+                      </a:solidFill>
+                      <a:prstDash val="solid"/>
+                      <a:round/>
+                      <a:headEnd type="none" w="med" len="med"/>
+                      <a:tailEnd type="none" w="med" len="med"/>
+                    </a:lnB>
+                  </a:tcPr>
+                </a:tc>
+              </a:tr>
+              <a:tr h="622029">
+                <a:tc>
+                  <a:txBody>
+                    <a:bodyPr/>
+                    <a:lstStyle/>
+                    <a:p>
+                      <a:pPr marL="457200" rtl="0" fontAlgn="t">
+                        <a:spcBef>
+                          <a:spcPts val="0"/>
+                        </a:spcBef>
+                        <a:spcAft>
+                          <a:spcPts val="0"/>
+                        </a:spcAft>
+                      </a:pPr>
+                      <a:r>
+                        <a:rPr lang="fr-FR" sz="1800" b="0" i="0" u="none" strike="noStrike">
+                          <a:solidFill>
+                            <a:srgbClr val="000000"/>
+                          </a:solidFill>
+                          <a:effectLst/>
+                          <a:latin typeface="Arial" panose="020B0604020202020204" pitchFamily="34" charset="0"/>
+                        </a:rPr>
+                        <a:t>Création et gestion de base de données</a:t>
+                      </a:r>
+                      <a:endParaRPr lang="fr-FR" sz="2800">
+                        <a:effectLst/>
+                      </a:endParaRPr>
+                    </a:p>
+                  </a:txBody>
+                  <a:tcPr marL="60252" marR="60252" marT="60252" marB="60252">
+                    <a:lnL w="12700" cap="flat" cmpd="sng" algn="ctr">
+                      <a:solidFill>
+                        <a:srgbClr val="000000"/>
+                      </a:solidFill>
+                      <a:prstDash val="solid"/>
+                      <a:round/>
+                      <a:headEnd type="none" w="med" len="med"/>
+                      <a:tailEnd type="none" w="med" len="med"/>
+                    </a:lnL>
+                    <a:lnR w="12700" cap="flat" cmpd="sng" algn="ctr">
+                      <a:solidFill>
+                        <a:srgbClr val="000000"/>
+                      </a:solidFill>
+                      <a:prstDash val="solid"/>
+                      <a:round/>
+                      <a:headEnd type="none" w="med" len="med"/>
+                      <a:tailEnd type="none" w="med" len="med"/>
+                    </a:lnR>
+                    <a:lnT w="12700" cap="flat" cmpd="sng" algn="ctr">
+                      <a:solidFill>
+                        <a:srgbClr val="000000"/>
+                      </a:solidFill>
+                      <a:prstDash val="solid"/>
+                      <a:round/>
+                      <a:headEnd type="none" w="med" len="med"/>
+                      <a:tailEnd type="none" w="med" len="med"/>
+                    </a:lnT>
+                    <a:lnB w="12700" cap="flat" cmpd="sng" algn="ctr">
+                      <a:solidFill>
+                        <a:srgbClr val="000000"/>
+                      </a:solidFill>
+                      <a:prstDash val="solid"/>
+                      <a:round/>
+                      <a:headEnd type="none" w="med" len="med"/>
+                      <a:tailEnd type="none" w="med" len="med"/>
+                    </a:lnB>
+                  </a:tcPr>
+                </a:tc>
+                <a:tc>
+                  <a:txBody>
+                    <a:bodyPr/>
+                    <a:lstStyle/>
+                    <a:p>
+                      <a:pPr algn="ctr" rtl="0" fontAlgn="t">
+                        <a:spcBef>
+                          <a:spcPts val="0"/>
+                        </a:spcBef>
+                        <a:spcAft>
+                          <a:spcPts val="0"/>
+                        </a:spcAft>
+                      </a:pPr>
+                      <a:r>
+                        <a:rPr lang="fr-FR" sz="1800" b="0" i="0" u="none" strike="noStrike">
+                          <a:solidFill>
+                            <a:srgbClr val="000000"/>
+                          </a:solidFill>
+                          <a:effectLst/>
+                          <a:latin typeface="Arial" panose="020B0604020202020204" pitchFamily="34" charset="0"/>
+                        </a:rPr>
+                        <a:t>3</a:t>
+                      </a:r>
+                      <a:endParaRPr lang="fr-FR" sz="2800">
+                        <a:effectLst/>
+                      </a:endParaRPr>
+                    </a:p>
+                  </a:txBody>
+                  <a:tcPr marL="60252" marR="60252" marT="60252" marB="60252">
+                    <a:lnL w="12700" cap="flat" cmpd="sng" algn="ctr">
+                      <a:solidFill>
+                        <a:srgbClr val="000000"/>
+                      </a:solidFill>
+                      <a:prstDash val="solid"/>
+                      <a:round/>
+                      <a:headEnd type="none" w="med" len="med"/>
+                      <a:tailEnd type="none" w="med" len="med"/>
+                    </a:lnL>
+                    <a:lnR w="12700" cap="flat" cmpd="sng" algn="ctr">
+                      <a:solidFill>
+                        <a:srgbClr val="000000"/>
+                      </a:solidFill>
+                      <a:prstDash val="solid"/>
+                      <a:round/>
+                      <a:headEnd type="none" w="med" len="med"/>
+                      <a:tailEnd type="none" w="med" len="med"/>
+                    </a:lnR>
+                    <a:lnT w="12700" cap="flat" cmpd="sng" algn="ctr">
+                      <a:solidFill>
+                        <a:srgbClr val="000000"/>
+                      </a:solidFill>
+                      <a:prstDash val="solid"/>
+                      <a:round/>
+                      <a:headEnd type="none" w="med" len="med"/>
+                      <a:tailEnd type="none" w="med" len="med"/>
+                    </a:lnT>
+                    <a:lnB w="12700" cap="flat" cmpd="sng" algn="ctr">
+                      <a:solidFill>
+                        <a:srgbClr val="000000"/>
+                      </a:solidFill>
+                      <a:prstDash val="solid"/>
+                      <a:round/>
+                      <a:headEnd type="none" w="med" len="med"/>
+                      <a:tailEnd type="none" w="med" len="med"/>
+                    </a:lnB>
+                  </a:tcPr>
+                </a:tc>
+                <a:tc>
+                  <a:txBody>
+                    <a:bodyPr/>
+                    <a:lstStyle/>
+                    <a:p>
+                      <a:pPr algn="ctr" rtl="0" fontAlgn="t">
+                        <a:spcBef>
+                          <a:spcPts val="0"/>
+                        </a:spcBef>
+                        <a:spcAft>
+                          <a:spcPts val="0"/>
+                        </a:spcAft>
+                      </a:pPr>
+                      <a:r>
+                        <a:rPr lang="fr-FR" sz="1800" b="0" i="0" u="none" strike="noStrike">
+                          <a:solidFill>
+                            <a:srgbClr val="000000"/>
+                          </a:solidFill>
+                          <a:effectLst/>
+                          <a:latin typeface="Arial" panose="020B0604020202020204" pitchFamily="34" charset="0"/>
+                        </a:rPr>
+                        <a:t>1260</a:t>
+                      </a:r>
+                      <a:endParaRPr lang="fr-FR" sz="2800">
+                        <a:effectLst/>
+                      </a:endParaRPr>
+                    </a:p>
+                  </a:txBody>
+                  <a:tcPr marL="60252" marR="60252" marT="60252" marB="60252">
+                    <a:lnL w="12700" cap="flat" cmpd="sng" algn="ctr">
+                      <a:solidFill>
+                        <a:srgbClr val="000000"/>
+                      </a:solidFill>
+                      <a:prstDash val="solid"/>
+                      <a:round/>
+                      <a:headEnd type="none" w="med" len="med"/>
+                      <a:tailEnd type="none" w="med" len="med"/>
+                    </a:lnL>
+                    <a:lnR w="12700" cap="flat" cmpd="sng" algn="ctr">
+                      <a:solidFill>
+                        <a:srgbClr val="000000"/>
+                      </a:solidFill>
+                      <a:prstDash val="solid"/>
+                      <a:round/>
+                      <a:headEnd type="none" w="med" len="med"/>
+                      <a:tailEnd type="none" w="med" len="med"/>
+                    </a:lnR>
+                    <a:lnT w="12700" cap="flat" cmpd="sng" algn="ctr">
+                      <a:solidFill>
+                        <a:srgbClr val="000000"/>
+                      </a:solidFill>
+                      <a:prstDash val="solid"/>
+                      <a:round/>
+                      <a:headEnd type="none" w="med" len="med"/>
+                      <a:tailEnd type="none" w="med" len="med"/>
+                    </a:lnT>
+                    <a:lnB w="12700" cap="flat" cmpd="sng" algn="ctr">
+                      <a:solidFill>
+                        <a:srgbClr val="000000"/>
+                      </a:solidFill>
+                      <a:prstDash val="solid"/>
+                      <a:round/>
+                      <a:headEnd type="none" w="med" len="med"/>
+                      <a:tailEnd type="none" w="med" len="med"/>
+                    </a:lnB>
+                  </a:tcPr>
+                </a:tc>
+              </a:tr>
+              <a:tr h="391172">
+                <a:tc>
+                  <a:txBody>
+                    <a:bodyPr/>
+                    <a:lstStyle/>
+                    <a:p>
+                      <a:pPr marL="457200" rtl="0" fontAlgn="t">
+                        <a:spcBef>
+                          <a:spcPts val="0"/>
+                        </a:spcBef>
+                        <a:spcAft>
+                          <a:spcPts val="0"/>
+                        </a:spcAft>
+                      </a:pPr>
+                      <a:r>
+                        <a:rPr lang="fr-FR" sz="1800" b="0" i="0" u="none" strike="noStrike">
+                          <a:solidFill>
+                            <a:srgbClr val="000000"/>
+                          </a:solidFill>
+                          <a:effectLst/>
+                          <a:latin typeface="Arial" panose="020B0604020202020204" pitchFamily="34" charset="0"/>
+                        </a:rPr>
+                        <a:t>Configuration serveur et hébergement</a:t>
+                      </a:r>
+                      <a:endParaRPr lang="fr-FR" sz="2800">
+                        <a:effectLst/>
+                      </a:endParaRPr>
+                    </a:p>
+                  </a:txBody>
+                  <a:tcPr marL="60252" marR="60252" marT="60252" marB="60252">
+                    <a:lnL w="12700" cap="flat" cmpd="sng" algn="ctr">
+                      <a:solidFill>
+                        <a:srgbClr val="000000"/>
+                      </a:solidFill>
+                      <a:prstDash val="solid"/>
+                      <a:round/>
+                      <a:headEnd type="none" w="med" len="med"/>
+                      <a:tailEnd type="none" w="med" len="med"/>
+                    </a:lnL>
+                    <a:lnR w="12700" cap="flat" cmpd="sng" algn="ctr">
+                      <a:solidFill>
+                        <a:srgbClr val="000000"/>
+                      </a:solidFill>
+                      <a:prstDash val="solid"/>
+                      <a:round/>
+                      <a:headEnd type="none" w="med" len="med"/>
+                      <a:tailEnd type="none" w="med" len="med"/>
+                    </a:lnR>
+                    <a:lnT w="12700" cap="flat" cmpd="sng" algn="ctr">
+                      <a:solidFill>
+                        <a:srgbClr val="000000"/>
+                      </a:solidFill>
+                      <a:prstDash val="solid"/>
+                      <a:round/>
+                      <a:headEnd type="none" w="med" len="med"/>
+                      <a:tailEnd type="none" w="med" len="med"/>
+                    </a:lnT>
+                    <a:lnB w="12700" cap="flat" cmpd="sng" algn="ctr">
+                      <a:solidFill>
+                        <a:srgbClr val="000000"/>
+                      </a:solidFill>
+                      <a:prstDash val="solid"/>
+                      <a:round/>
+                      <a:headEnd type="none" w="med" len="med"/>
+                      <a:tailEnd type="none" w="med" len="med"/>
+                    </a:lnB>
+                  </a:tcPr>
+                </a:tc>
+                <a:tc>
+                  <a:txBody>
+                    <a:bodyPr/>
+                    <a:lstStyle/>
+                    <a:p>
+                      <a:pPr algn="ctr" rtl="0" fontAlgn="t">
+                        <a:spcBef>
+                          <a:spcPts val="0"/>
+                        </a:spcBef>
+                        <a:spcAft>
+                          <a:spcPts val="0"/>
+                        </a:spcAft>
+                      </a:pPr>
+                      <a:r>
+                        <a:rPr lang="fr-FR" sz="1800" b="0" i="0" u="none" strike="noStrike">
+                          <a:solidFill>
+                            <a:srgbClr val="000000"/>
+                          </a:solidFill>
+                          <a:effectLst/>
+                          <a:latin typeface="Arial" panose="020B0604020202020204" pitchFamily="34" charset="0"/>
+                        </a:rPr>
+                        <a:t>10</a:t>
+                      </a:r>
+                      <a:endParaRPr lang="fr-FR" sz="2800">
+                        <a:effectLst/>
+                      </a:endParaRPr>
+                    </a:p>
+                  </a:txBody>
+                  <a:tcPr marL="60252" marR="60252" marT="60252" marB="60252">
+                    <a:lnL w="12700" cap="flat" cmpd="sng" algn="ctr">
+                      <a:solidFill>
+                        <a:srgbClr val="000000"/>
+                      </a:solidFill>
+                      <a:prstDash val="solid"/>
+                      <a:round/>
+                      <a:headEnd type="none" w="med" len="med"/>
+                      <a:tailEnd type="none" w="med" len="med"/>
+                    </a:lnL>
+                    <a:lnR w="12700" cap="flat" cmpd="sng" algn="ctr">
+                      <a:solidFill>
+                        <a:srgbClr val="000000"/>
+                      </a:solidFill>
+                      <a:prstDash val="solid"/>
+                      <a:round/>
+                      <a:headEnd type="none" w="med" len="med"/>
+                      <a:tailEnd type="none" w="med" len="med"/>
+                    </a:lnR>
+                    <a:lnT w="12700" cap="flat" cmpd="sng" algn="ctr">
+                      <a:solidFill>
+                        <a:srgbClr val="000000"/>
+                      </a:solidFill>
+                      <a:prstDash val="solid"/>
+                      <a:round/>
+                      <a:headEnd type="none" w="med" len="med"/>
+                      <a:tailEnd type="none" w="med" len="med"/>
+                    </a:lnT>
+                    <a:lnB w="12700" cap="flat" cmpd="sng" algn="ctr">
+                      <a:solidFill>
+                        <a:srgbClr val="000000"/>
+                      </a:solidFill>
+                      <a:prstDash val="solid"/>
+                      <a:round/>
+                      <a:headEnd type="none" w="med" len="med"/>
+                      <a:tailEnd type="none" w="med" len="med"/>
+                    </a:lnB>
+                  </a:tcPr>
+                </a:tc>
+                <a:tc>
+                  <a:txBody>
+                    <a:bodyPr/>
+                    <a:lstStyle/>
+                    <a:p>
+                      <a:pPr algn="ctr" rtl="0" fontAlgn="t">
+                        <a:spcBef>
+                          <a:spcPts val="0"/>
+                        </a:spcBef>
+                        <a:spcAft>
+                          <a:spcPts val="0"/>
+                        </a:spcAft>
+                      </a:pPr>
+                      <a:r>
+                        <a:rPr lang="fr-FR" sz="1800" b="0" i="0" u="none" strike="noStrike">
+                          <a:solidFill>
+                            <a:srgbClr val="000000"/>
+                          </a:solidFill>
+                          <a:effectLst/>
+                          <a:latin typeface="Arial" panose="020B0604020202020204" pitchFamily="34" charset="0"/>
+                        </a:rPr>
+                        <a:t>4200</a:t>
+                      </a:r>
+                      <a:endParaRPr lang="fr-FR" sz="2800">
+                        <a:effectLst/>
+                      </a:endParaRPr>
+                    </a:p>
+                  </a:txBody>
+                  <a:tcPr marL="60252" marR="60252" marT="60252" marB="60252">
+                    <a:lnL w="12700" cap="flat" cmpd="sng" algn="ctr">
+                      <a:solidFill>
+                        <a:srgbClr val="000000"/>
+                      </a:solidFill>
+                      <a:prstDash val="solid"/>
+                      <a:round/>
+                      <a:headEnd type="none" w="med" len="med"/>
+                      <a:tailEnd type="none" w="med" len="med"/>
+                    </a:lnL>
+                    <a:lnR w="12700" cap="flat" cmpd="sng" algn="ctr">
+                      <a:solidFill>
+                        <a:srgbClr val="000000"/>
+                      </a:solidFill>
+                      <a:prstDash val="solid"/>
+                      <a:round/>
+                      <a:headEnd type="none" w="med" len="med"/>
+                      <a:tailEnd type="none" w="med" len="med"/>
+                    </a:lnR>
+                    <a:lnT w="12700" cap="flat" cmpd="sng" algn="ctr">
+                      <a:solidFill>
+                        <a:srgbClr val="000000"/>
+                      </a:solidFill>
+                      <a:prstDash val="solid"/>
+                      <a:round/>
+                      <a:headEnd type="none" w="med" len="med"/>
+                      <a:tailEnd type="none" w="med" len="med"/>
+                    </a:lnT>
+                    <a:lnB w="12700" cap="flat" cmpd="sng" algn="ctr">
+                      <a:solidFill>
+                        <a:srgbClr val="000000"/>
+                      </a:solidFill>
+                      <a:prstDash val="solid"/>
+                      <a:round/>
+                      <a:headEnd type="none" w="med" len="med"/>
+                      <a:tailEnd type="none" w="med" len="med"/>
+                    </a:lnB>
+                  </a:tcPr>
+                </a:tc>
+              </a:tr>
+              <a:tr h="391172">
+                <a:tc>
+                  <a:txBody>
+                    <a:bodyPr/>
+                    <a:lstStyle/>
+                    <a:p>
+                      <a:pPr marL="457200" rtl="0" fontAlgn="t">
+                        <a:spcBef>
+                          <a:spcPts val="0"/>
+                        </a:spcBef>
+                        <a:spcAft>
+                          <a:spcPts val="0"/>
+                        </a:spcAft>
+                      </a:pPr>
+                      <a:r>
+                        <a:rPr lang="fr-FR" sz="1800" b="0" i="0" u="none" strike="noStrike">
+                          <a:solidFill>
+                            <a:srgbClr val="000000"/>
+                          </a:solidFill>
+                          <a:effectLst/>
+                          <a:latin typeface="Arial" panose="020B0604020202020204" pitchFamily="34" charset="0"/>
+                        </a:rPr>
+                        <a:t>Tests d’intégration et de sécurité</a:t>
+                      </a:r>
+                      <a:endParaRPr lang="fr-FR" sz="2800">
+                        <a:effectLst/>
+                      </a:endParaRPr>
+                    </a:p>
+                  </a:txBody>
+                  <a:tcPr marL="60252" marR="60252" marT="60252" marB="60252">
+                    <a:lnL w="12700" cap="flat" cmpd="sng" algn="ctr">
+                      <a:solidFill>
+                        <a:srgbClr val="000000"/>
+                      </a:solidFill>
+                      <a:prstDash val="solid"/>
+                      <a:round/>
+                      <a:headEnd type="none" w="med" len="med"/>
+                      <a:tailEnd type="none" w="med" len="med"/>
+                    </a:lnL>
+                    <a:lnR w="12700" cap="flat" cmpd="sng" algn="ctr">
+                      <a:solidFill>
+                        <a:srgbClr val="000000"/>
+                      </a:solidFill>
+                      <a:prstDash val="solid"/>
+                      <a:round/>
+                      <a:headEnd type="none" w="med" len="med"/>
+                      <a:tailEnd type="none" w="med" len="med"/>
+                    </a:lnR>
+                    <a:lnT w="12700" cap="flat" cmpd="sng" algn="ctr">
+                      <a:solidFill>
+                        <a:srgbClr val="000000"/>
+                      </a:solidFill>
+                      <a:prstDash val="solid"/>
+                      <a:round/>
+                      <a:headEnd type="none" w="med" len="med"/>
+                      <a:tailEnd type="none" w="med" len="med"/>
+                    </a:lnT>
+                    <a:lnB w="12700" cap="flat" cmpd="sng" algn="ctr">
+                      <a:solidFill>
+                        <a:srgbClr val="000000"/>
+                      </a:solidFill>
+                      <a:prstDash val="solid"/>
+                      <a:round/>
+                      <a:headEnd type="none" w="med" len="med"/>
+                      <a:tailEnd type="none" w="med" len="med"/>
+                    </a:lnB>
+                  </a:tcPr>
+                </a:tc>
+                <a:tc>
+                  <a:txBody>
+                    <a:bodyPr/>
+                    <a:lstStyle/>
+                    <a:p>
+                      <a:pPr algn="ctr" rtl="0" fontAlgn="t">
+                        <a:spcBef>
+                          <a:spcPts val="0"/>
+                        </a:spcBef>
+                        <a:spcAft>
+                          <a:spcPts val="0"/>
+                        </a:spcAft>
+                      </a:pPr>
+                      <a:r>
+                        <a:rPr lang="fr-FR" sz="1800" b="0" i="0" u="none" strike="noStrike">
+                          <a:solidFill>
+                            <a:srgbClr val="000000"/>
+                          </a:solidFill>
+                          <a:effectLst/>
+                          <a:latin typeface="Arial" panose="020B0604020202020204" pitchFamily="34" charset="0"/>
+                        </a:rPr>
+                        <a:t>15</a:t>
+                      </a:r>
+                      <a:endParaRPr lang="fr-FR" sz="2800">
+                        <a:effectLst/>
+                      </a:endParaRPr>
+                    </a:p>
+                  </a:txBody>
+                  <a:tcPr marL="60252" marR="60252" marT="60252" marB="60252">
+                    <a:lnL w="12700" cap="flat" cmpd="sng" algn="ctr">
+                      <a:solidFill>
+                        <a:srgbClr val="000000"/>
+                      </a:solidFill>
+                      <a:prstDash val="solid"/>
+                      <a:round/>
+                      <a:headEnd type="none" w="med" len="med"/>
+                      <a:tailEnd type="none" w="med" len="med"/>
+                    </a:lnL>
+                    <a:lnR w="12700" cap="flat" cmpd="sng" algn="ctr">
+                      <a:solidFill>
+                        <a:srgbClr val="000000"/>
+                      </a:solidFill>
+                      <a:prstDash val="solid"/>
+                      <a:round/>
+                      <a:headEnd type="none" w="med" len="med"/>
+                      <a:tailEnd type="none" w="med" len="med"/>
+                    </a:lnR>
+                    <a:lnT w="12700" cap="flat" cmpd="sng" algn="ctr">
+                      <a:solidFill>
+                        <a:srgbClr val="000000"/>
+                      </a:solidFill>
+                      <a:prstDash val="solid"/>
+                      <a:round/>
+                      <a:headEnd type="none" w="med" len="med"/>
+                      <a:tailEnd type="none" w="med" len="med"/>
+                    </a:lnT>
+                    <a:lnB w="12700" cap="flat" cmpd="sng" algn="ctr">
+                      <a:solidFill>
+                        <a:srgbClr val="000000"/>
+                      </a:solidFill>
+                      <a:prstDash val="solid"/>
+                      <a:round/>
+                      <a:headEnd type="none" w="med" len="med"/>
+                      <a:tailEnd type="none" w="med" len="med"/>
+                    </a:lnB>
+                  </a:tcPr>
+                </a:tc>
+                <a:tc>
+                  <a:txBody>
+                    <a:bodyPr/>
+                    <a:lstStyle/>
+                    <a:p>
+                      <a:pPr algn="ctr" rtl="0" fontAlgn="t">
+                        <a:spcBef>
+                          <a:spcPts val="0"/>
+                        </a:spcBef>
+                        <a:spcAft>
+                          <a:spcPts val="0"/>
+                        </a:spcAft>
+                      </a:pPr>
+                      <a:r>
+                        <a:rPr lang="fr-FR" sz="1800" b="0" i="0" u="none" strike="noStrike">
+                          <a:solidFill>
+                            <a:srgbClr val="000000"/>
+                          </a:solidFill>
+                          <a:effectLst/>
+                          <a:latin typeface="Arial" panose="020B0604020202020204" pitchFamily="34" charset="0"/>
+                        </a:rPr>
+                        <a:t>6300</a:t>
+                      </a:r>
+                      <a:endParaRPr lang="fr-FR" sz="2800">
+                        <a:effectLst/>
+                      </a:endParaRPr>
+                    </a:p>
+                  </a:txBody>
+                  <a:tcPr marL="60252" marR="60252" marT="60252" marB="60252">
+                    <a:lnL w="12700" cap="flat" cmpd="sng" algn="ctr">
+                      <a:solidFill>
+                        <a:srgbClr val="000000"/>
+                      </a:solidFill>
+                      <a:prstDash val="solid"/>
+                      <a:round/>
+                      <a:headEnd type="none" w="med" len="med"/>
+                      <a:tailEnd type="none" w="med" len="med"/>
+                    </a:lnL>
+                    <a:lnR w="12700" cap="flat" cmpd="sng" algn="ctr">
+                      <a:solidFill>
+                        <a:srgbClr val="000000"/>
+                      </a:solidFill>
+                      <a:prstDash val="solid"/>
+                      <a:round/>
+                      <a:headEnd type="none" w="med" len="med"/>
+                      <a:tailEnd type="none" w="med" len="med"/>
+                    </a:lnR>
+                    <a:lnT w="12700" cap="flat" cmpd="sng" algn="ctr">
+                      <a:solidFill>
+                        <a:srgbClr val="000000"/>
+                      </a:solidFill>
+                      <a:prstDash val="solid"/>
+                      <a:round/>
+                      <a:headEnd type="none" w="med" len="med"/>
+                      <a:tailEnd type="none" w="med" len="med"/>
+                    </a:lnT>
+                    <a:lnB w="12700" cap="flat" cmpd="sng" algn="ctr">
+                      <a:solidFill>
+                        <a:srgbClr val="000000"/>
+                      </a:solidFill>
+                      <a:prstDash val="solid"/>
+                      <a:round/>
+                      <a:headEnd type="none" w="med" len="med"/>
+                      <a:tailEnd type="none" w="med" len="med"/>
+                    </a:lnB>
+                  </a:tcPr>
+                </a:tc>
+              </a:tr>
+              <a:tr h="391172">
+                <a:tc>
+                  <a:txBody>
+                    <a:bodyPr/>
+                    <a:lstStyle/>
+                    <a:p>
+                      <a:pPr rtl="0" fontAlgn="t">
+                        <a:spcBef>
+                          <a:spcPts val="0"/>
+                        </a:spcBef>
+                        <a:spcAft>
+                          <a:spcPts val="0"/>
+                        </a:spcAft>
+                      </a:pPr>
+                      <a:r>
+                        <a:rPr lang="fr-FR" sz="1800" b="1" i="0" u="none" strike="noStrike">
+                          <a:solidFill>
+                            <a:srgbClr val="000000"/>
+                          </a:solidFill>
+                          <a:effectLst/>
+                          <a:latin typeface="Arial" panose="020B0604020202020204" pitchFamily="34" charset="0"/>
+                        </a:rPr>
+                        <a:t>Recette et correctifs</a:t>
+                      </a:r>
+                      <a:endParaRPr lang="fr-FR" sz="2800">
+                        <a:effectLst/>
+                      </a:endParaRPr>
+                    </a:p>
+                  </a:txBody>
+                  <a:tcPr marL="60252" marR="60252" marT="60252" marB="60252">
+                    <a:lnL w="12700" cap="flat" cmpd="sng" algn="ctr">
+                      <a:solidFill>
+                        <a:srgbClr val="000000"/>
+                      </a:solidFill>
+                      <a:prstDash val="solid"/>
+                      <a:round/>
+                      <a:headEnd type="none" w="med" len="med"/>
+                      <a:tailEnd type="none" w="med" len="med"/>
+                    </a:lnL>
+                    <a:lnR w="12700" cap="flat" cmpd="sng" algn="ctr">
+                      <a:solidFill>
+                        <a:srgbClr val="000000"/>
+                      </a:solidFill>
+                      <a:prstDash val="solid"/>
+                      <a:round/>
+                      <a:headEnd type="none" w="med" len="med"/>
+                      <a:tailEnd type="none" w="med" len="med"/>
+                    </a:lnR>
+                    <a:lnT w="12700" cap="flat" cmpd="sng" algn="ctr">
+                      <a:solidFill>
+                        <a:srgbClr val="000000"/>
+                      </a:solidFill>
+                      <a:prstDash val="solid"/>
+                      <a:round/>
+                      <a:headEnd type="none" w="med" len="med"/>
+                      <a:tailEnd type="none" w="med" len="med"/>
+                    </a:lnT>
+                    <a:lnB w="12700" cap="flat" cmpd="sng" algn="ctr">
+                      <a:solidFill>
+                        <a:srgbClr val="000000"/>
+                      </a:solidFill>
+                      <a:prstDash val="solid"/>
+                      <a:round/>
+                      <a:headEnd type="none" w="med" len="med"/>
+                      <a:tailEnd type="none" w="med" len="med"/>
+                    </a:lnB>
+                  </a:tcPr>
+                </a:tc>
+                <a:tc>
+                  <a:txBody>
+                    <a:bodyPr/>
+                    <a:lstStyle/>
+                    <a:p>
+                      <a:pPr algn="ctr" rtl="0" fontAlgn="t">
+                        <a:spcBef>
+                          <a:spcPts val="0"/>
+                        </a:spcBef>
+                        <a:spcAft>
+                          <a:spcPts val="0"/>
+                        </a:spcAft>
+                      </a:pPr>
+                      <a:r>
+                        <a:rPr lang="fr-FR" sz="1800" b="1" i="0" u="none" strike="noStrike">
+                          <a:solidFill>
+                            <a:srgbClr val="000000"/>
+                          </a:solidFill>
+                          <a:effectLst/>
+                          <a:latin typeface="Arial" panose="020B0604020202020204" pitchFamily="34" charset="0"/>
+                        </a:rPr>
+                        <a:t>15?</a:t>
+                      </a:r>
+                      <a:endParaRPr lang="fr-FR" sz="2800">
+                        <a:effectLst/>
+                      </a:endParaRPr>
+                    </a:p>
+                  </a:txBody>
+                  <a:tcPr marL="60252" marR="60252" marT="60252" marB="60252">
+                    <a:lnL w="12700" cap="flat" cmpd="sng" algn="ctr">
+                      <a:solidFill>
+                        <a:srgbClr val="000000"/>
+                      </a:solidFill>
+                      <a:prstDash val="solid"/>
+                      <a:round/>
+                      <a:headEnd type="none" w="med" len="med"/>
+                      <a:tailEnd type="none" w="med" len="med"/>
+                    </a:lnL>
+                    <a:lnR w="12700" cap="flat" cmpd="sng" algn="ctr">
+                      <a:solidFill>
+                        <a:srgbClr val="000000"/>
+                      </a:solidFill>
+                      <a:prstDash val="solid"/>
+                      <a:round/>
+                      <a:headEnd type="none" w="med" len="med"/>
+                      <a:tailEnd type="none" w="med" len="med"/>
+                    </a:lnR>
+                    <a:lnT w="12700" cap="flat" cmpd="sng" algn="ctr">
+                      <a:solidFill>
+                        <a:srgbClr val="000000"/>
+                      </a:solidFill>
+                      <a:prstDash val="solid"/>
+                      <a:round/>
+                      <a:headEnd type="none" w="med" len="med"/>
+                      <a:tailEnd type="none" w="med" len="med"/>
+                    </a:lnT>
+                    <a:lnB w="12700" cap="flat" cmpd="sng" algn="ctr">
+                      <a:solidFill>
+                        <a:srgbClr val="000000"/>
+                      </a:solidFill>
+                      <a:prstDash val="solid"/>
+                      <a:round/>
+                      <a:headEnd type="none" w="med" len="med"/>
+                      <a:tailEnd type="none" w="med" len="med"/>
+                    </a:lnB>
+                  </a:tcPr>
+                </a:tc>
+                <a:tc>
+                  <a:txBody>
+                    <a:bodyPr/>
+                    <a:lstStyle/>
+                    <a:p>
+                      <a:pPr algn="ctr" rtl="0" fontAlgn="t">
+                        <a:spcBef>
+                          <a:spcPts val="0"/>
+                        </a:spcBef>
+                        <a:spcAft>
+                          <a:spcPts val="0"/>
+                        </a:spcAft>
+                      </a:pPr>
+                      <a:r>
+                        <a:rPr lang="fr-FR" sz="1800" b="1" i="0" u="none" strike="noStrike">
+                          <a:solidFill>
+                            <a:srgbClr val="000000"/>
+                          </a:solidFill>
+                          <a:effectLst/>
+                          <a:latin typeface="Arial" panose="020B0604020202020204" pitchFamily="34" charset="0"/>
+                        </a:rPr>
+                        <a:t>6300</a:t>
+                      </a:r>
+                      <a:endParaRPr lang="fr-FR" sz="2800">
+                        <a:effectLst/>
+                      </a:endParaRPr>
+                    </a:p>
+                  </a:txBody>
+                  <a:tcPr marL="60252" marR="60252" marT="60252" marB="60252">
+                    <a:lnL w="12700" cap="flat" cmpd="sng" algn="ctr">
+                      <a:solidFill>
+                        <a:srgbClr val="000000"/>
+                      </a:solidFill>
+                      <a:prstDash val="solid"/>
+                      <a:round/>
+                      <a:headEnd type="none" w="med" len="med"/>
+                      <a:tailEnd type="none" w="med" len="med"/>
+                    </a:lnL>
+                    <a:lnR w="12700" cap="flat" cmpd="sng" algn="ctr">
+                      <a:solidFill>
+                        <a:srgbClr val="000000"/>
+                      </a:solidFill>
+                      <a:prstDash val="solid"/>
+                      <a:round/>
+                      <a:headEnd type="none" w="med" len="med"/>
+                      <a:tailEnd type="none" w="med" len="med"/>
+                    </a:lnR>
+                    <a:lnT w="12700" cap="flat" cmpd="sng" algn="ctr">
+                      <a:solidFill>
+                        <a:srgbClr val="000000"/>
+                      </a:solidFill>
+                      <a:prstDash val="solid"/>
+                      <a:round/>
+                      <a:headEnd type="none" w="med" len="med"/>
+                      <a:tailEnd type="none" w="med" len="med"/>
+                    </a:lnT>
+                    <a:lnB w="12700" cap="flat" cmpd="sng" algn="ctr">
+                      <a:solidFill>
+                        <a:srgbClr val="000000"/>
+                      </a:solidFill>
+                      <a:prstDash val="solid"/>
+                      <a:round/>
+                      <a:headEnd type="none" w="med" len="med"/>
+                      <a:tailEnd type="none" w="med" len="med"/>
+                    </a:lnB>
+                  </a:tcPr>
+                </a:tc>
+              </a:tr>
+              <a:tr h="391172">
+                <a:tc>
+                  <a:txBody>
+                    <a:bodyPr/>
+                    <a:lstStyle/>
+                    <a:p>
+                      <a:pPr rtl="0" fontAlgn="t">
+                        <a:spcBef>
+                          <a:spcPts val="0"/>
+                        </a:spcBef>
+                        <a:spcAft>
+                          <a:spcPts val="0"/>
+                        </a:spcAft>
+                      </a:pPr>
+                      <a:r>
+                        <a:rPr lang="fr-FR" sz="1800" b="1" i="0" u="none" strike="noStrike">
+                          <a:solidFill>
+                            <a:srgbClr val="000000"/>
+                          </a:solidFill>
+                          <a:effectLst/>
+                          <a:latin typeface="Arial" panose="020B0604020202020204" pitchFamily="34" charset="0"/>
+                        </a:rPr>
+                        <a:t>Mise en production</a:t>
+                      </a:r>
+                      <a:endParaRPr lang="fr-FR" sz="2800">
+                        <a:effectLst/>
+                      </a:endParaRPr>
+                    </a:p>
+                  </a:txBody>
+                  <a:tcPr marL="60252" marR="60252" marT="60252" marB="60252">
+                    <a:lnL w="12700" cap="flat" cmpd="sng" algn="ctr">
+                      <a:solidFill>
+                        <a:srgbClr val="000000"/>
+                      </a:solidFill>
+                      <a:prstDash val="solid"/>
+                      <a:round/>
+                      <a:headEnd type="none" w="med" len="med"/>
+                      <a:tailEnd type="none" w="med" len="med"/>
+                    </a:lnL>
+                    <a:lnR w="12700" cap="flat" cmpd="sng" algn="ctr">
+                      <a:solidFill>
+                        <a:srgbClr val="000000"/>
+                      </a:solidFill>
+                      <a:prstDash val="solid"/>
+                      <a:round/>
+                      <a:headEnd type="none" w="med" len="med"/>
+                      <a:tailEnd type="none" w="med" len="med"/>
+                    </a:lnR>
+                    <a:lnT w="12700" cap="flat" cmpd="sng" algn="ctr">
+                      <a:solidFill>
+                        <a:srgbClr val="000000"/>
+                      </a:solidFill>
+                      <a:prstDash val="solid"/>
+                      <a:round/>
+                      <a:headEnd type="none" w="med" len="med"/>
+                      <a:tailEnd type="none" w="med" len="med"/>
+                    </a:lnT>
+                    <a:lnB w="12700" cap="flat" cmpd="sng" algn="ctr">
+                      <a:solidFill>
+                        <a:srgbClr val="000000"/>
+                      </a:solidFill>
+                      <a:prstDash val="solid"/>
+                      <a:round/>
+                      <a:headEnd type="none" w="med" len="med"/>
+                      <a:tailEnd type="none" w="med" len="med"/>
+                    </a:lnB>
+                  </a:tcPr>
+                </a:tc>
+                <a:tc>
+                  <a:txBody>
+                    <a:bodyPr/>
+                    <a:lstStyle/>
+                    <a:p>
+                      <a:pPr algn="ctr" rtl="0" fontAlgn="t">
+                        <a:spcBef>
+                          <a:spcPts val="0"/>
+                        </a:spcBef>
+                        <a:spcAft>
+                          <a:spcPts val="0"/>
+                        </a:spcAft>
+                      </a:pPr>
+                      <a:r>
+                        <a:rPr lang="fr-FR" sz="1800" b="1" i="0" u="none" strike="noStrike">
+                          <a:solidFill>
+                            <a:srgbClr val="000000"/>
+                          </a:solidFill>
+                          <a:effectLst/>
+                          <a:latin typeface="Arial" panose="020B0604020202020204" pitchFamily="34" charset="0"/>
+                        </a:rPr>
+                        <a:t>4</a:t>
+                      </a:r>
+                      <a:endParaRPr lang="fr-FR" sz="2800">
+                        <a:effectLst/>
+                      </a:endParaRPr>
+                    </a:p>
+                  </a:txBody>
+                  <a:tcPr marL="60252" marR="60252" marT="60252" marB="60252">
+                    <a:lnL w="12700" cap="flat" cmpd="sng" algn="ctr">
+                      <a:solidFill>
+                        <a:srgbClr val="000000"/>
+                      </a:solidFill>
+                      <a:prstDash val="solid"/>
+                      <a:round/>
+                      <a:headEnd type="none" w="med" len="med"/>
+                      <a:tailEnd type="none" w="med" len="med"/>
+                    </a:lnL>
+                    <a:lnR w="12700" cap="flat" cmpd="sng" algn="ctr">
+                      <a:solidFill>
+                        <a:srgbClr val="000000"/>
+                      </a:solidFill>
+                      <a:prstDash val="solid"/>
+                      <a:round/>
+                      <a:headEnd type="none" w="med" len="med"/>
+                      <a:tailEnd type="none" w="med" len="med"/>
+                    </a:lnR>
+                    <a:lnT w="12700" cap="flat" cmpd="sng" algn="ctr">
+                      <a:solidFill>
+                        <a:srgbClr val="000000"/>
+                      </a:solidFill>
+                      <a:prstDash val="solid"/>
+                      <a:round/>
+                      <a:headEnd type="none" w="med" len="med"/>
+                      <a:tailEnd type="none" w="med" len="med"/>
+                    </a:lnT>
+                    <a:lnB w="12700" cap="flat" cmpd="sng" algn="ctr">
+                      <a:solidFill>
+                        <a:srgbClr val="000000"/>
+                      </a:solidFill>
+                      <a:prstDash val="solid"/>
+                      <a:round/>
+                      <a:headEnd type="none" w="med" len="med"/>
+                      <a:tailEnd type="none" w="med" len="med"/>
+                    </a:lnB>
+                  </a:tcPr>
+                </a:tc>
+                <a:tc>
+                  <a:txBody>
+                    <a:bodyPr/>
+                    <a:lstStyle/>
+                    <a:p>
+                      <a:pPr algn="ctr" rtl="0" fontAlgn="t">
+                        <a:spcBef>
+                          <a:spcPts val="0"/>
+                        </a:spcBef>
+                        <a:spcAft>
+                          <a:spcPts val="0"/>
+                        </a:spcAft>
+                      </a:pPr>
+                      <a:r>
+                        <a:rPr lang="fr-FR" sz="1800" b="1" i="0" u="none" strike="noStrike">
+                          <a:solidFill>
+                            <a:srgbClr val="000000"/>
+                          </a:solidFill>
+                          <a:effectLst/>
+                          <a:latin typeface="Arial" panose="020B0604020202020204" pitchFamily="34" charset="0"/>
+                        </a:rPr>
+                        <a:t>1680</a:t>
+                      </a:r>
+                      <a:endParaRPr lang="fr-FR" sz="2800">
+                        <a:effectLst/>
+                      </a:endParaRPr>
+                    </a:p>
+                  </a:txBody>
+                  <a:tcPr marL="60252" marR="60252" marT="60252" marB="60252">
+                    <a:lnL w="12700" cap="flat" cmpd="sng" algn="ctr">
+                      <a:solidFill>
+                        <a:srgbClr val="000000"/>
+                      </a:solidFill>
+                      <a:prstDash val="solid"/>
+                      <a:round/>
+                      <a:headEnd type="none" w="med" len="med"/>
+                      <a:tailEnd type="none" w="med" len="med"/>
+                    </a:lnL>
+                    <a:lnR w="12700" cap="flat" cmpd="sng" algn="ctr">
+                      <a:solidFill>
+                        <a:srgbClr val="000000"/>
+                      </a:solidFill>
+                      <a:prstDash val="solid"/>
+                      <a:round/>
+                      <a:headEnd type="none" w="med" len="med"/>
+                      <a:tailEnd type="none" w="med" len="med"/>
+                    </a:lnR>
+                    <a:lnT w="12700" cap="flat" cmpd="sng" algn="ctr">
+                      <a:solidFill>
+                        <a:srgbClr val="000000"/>
+                      </a:solidFill>
+                      <a:prstDash val="solid"/>
+                      <a:round/>
+                      <a:headEnd type="none" w="med" len="med"/>
+                      <a:tailEnd type="none" w="med" len="med"/>
+                    </a:lnT>
+                    <a:lnB w="12700" cap="flat" cmpd="sng" algn="ctr">
+                      <a:solidFill>
+                        <a:srgbClr val="000000"/>
+                      </a:solidFill>
+                      <a:prstDash val="solid"/>
+                      <a:round/>
+                      <a:headEnd type="none" w="med" len="med"/>
+                      <a:tailEnd type="none" w="med" len="med"/>
+                    </a:lnB>
+                  </a:tcPr>
+                </a:tc>
+              </a:tr>
+              <a:tr h="391172">
+                <a:tc>
+                  <a:txBody>
+                    <a:bodyPr/>
+                    <a:lstStyle/>
+                    <a:p>
+                      <a:pPr rtl="0" fontAlgn="t">
+                        <a:spcBef>
+                          <a:spcPts val="0"/>
+                        </a:spcBef>
+                        <a:spcAft>
+                          <a:spcPts val="0"/>
+                        </a:spcAft>
+                      </a:pPr>
+                      <a:r>
+                        <a:rPr lang="fr-FR" sz="1800" b="1" i="0" u="none" strike="noStrike">
+                          <a:solidFill>
+                            <a:srgbClr val="000000"/>
+                          </a:solidFill>
+                          <a:effectLst/>
+                          <a:latin typeface="Arial" panose="020B0604020202020204" pitchFamily="34" charset="0"/>
+                        </a:rPr>
+                        <a:t>Total</a:t>
+                      </a:r>
+                      <a:endParaRPr lang="fr-FR" sz="2800">
+                        <a:effectLst/>
+                      </a:endParaRPr>
+                    </a:p>
+                  </a:txBody>
+                  <a:tcPr marL="60252" marR="60252" marT="60252" marB="60252">
+                    <a:lnL w="12700" cap="flat" cmpd="sng" algn="ctr">
+                      <a:solidFill>
+                        <a:srgbClr val="000000"/>
+                      </a:solidFill>
+                      <a:prstDash val="solid"/>
+                      <a:round/>
+                      <a:headEnd type="none" w="med" len="med"/>
+                      <a:tailEnd type="none" w="med" len="med"/>
+                    </a:lnL>
+                    <a:lnR w="12700" cap="flat" cmpd="sng" algn="ctr">
+                      <a:solidFill>
+                        <a:srgbClr val="000000"/>
+                      </a:solidFill>
+                      <a:prstDash val="solid"/>
+                      <a:round/>
+                      <a:headEnd type="none" w="med" len="med"/>
+                      <a:tailEnd type="none" w="med" len="med"/>
+                    </a:lnR>
+                    <a:lnT w="12700" cap="flat" cmpd="sng" algn="ctr">
+                      <a:solidFill>
+                        <a:srgbClr val="000000"/>
+                      </a:solidFill>
+                      <a:prstDash val="solid"/>
+                      <a:round/>
+                      <a:headEnd type="none" w="med" len="med"/>
+                      <a:tailEnd type="none" w="med" len="med"/>
+                    </a:lnT>
+                    <a:lnB w="12700" cap="flat" cmpd="sng" algn="ctr">
+                      <a:solidFill>
+                        <a:srgbClr val="000000"/>
+                      </a:solidFill>
+                      <a:prstDash val="solid"/>
+                      <a:round/>
+                      <a:headEnd type="none" w="med" len="med"/>
+                      <a:tailEnd type="none" w="med" len="med"/>
+                    </a:lnB>
+                  </a:tcPr>
+                </a:tc>
+                <a:tc>
+                  <a:txBody>
+                    <a:bodyPr/>
+                    <a:lstStyle/>
+                    <a:p>
+                      <a:pPr algn="ctr" rtl="0" fontAlgn="t">
+                        <a:spcBef>
+                          <a:spcPts val="0"/>
+                        </a:spcBef>
+                        <a:spcAft>
+                          <a:spcPts val="0"/>
+                        </a:spcAft>
+                      </a:pPr>
+                      <a:r>
+                        <a:rPr lang="fr-FR" sz="1800" b="1" i="0" u="none" strike="noStrike">
+                          <a:solidFill>
+                            <a:srgbClr val="000000"/>
+                          </a:solidFill>
+                          <a:effectLst/>
+                          <a:latin typeface="Arial" panose="020B0604020202020204" pitchFamily="34" charset="0"/>
+                        </a:rPr>
+                        <a:t>51</a:t>
+                      </a:r>
+                      <a:endParaRPr lang="fr-FR" sz="2800">
+                        <a:effectLst/>
+                      </a:endParaRPr>
+                    </a:p>
+                  </a:txBody>
+                  <a:tcPr marL="60252" marR="60252" marT="60252" marB="60252">
+                    <a:lnL w="12700" cap="flat" cmpd="sng" algn="ctr">
+                      <a:solidFill>
+                        <a:srgbClr val="000000"/>
+                      </a:solidFill>
+                      <a:prstDash val="solid"/>
+                      <a:round/>
+                      <a:headEnd type="none" w="med" len="med"/>
+                      <a:tailEnd type="none" w="med" len="med"/>
+                    </a:lnL>
+                    <a:lnR w="12700" cap="flat" cmpd="sng" algn="ctr">
+                      <a:solidFill>
+                        <a:srgbClr val="000000"/>
+                      </a:solidFill>
+                      <a:prstDash val="solid"/>
+                      <a:round/>
+                      <a:headEnd type="none" w="med" len="med"/>
+                      <a:tailEnd type="none" w="med" len="med"/>
+                    </a:lnR>
+                    <a:lnT w="12700" cap="flat" cmpd="sng" algn="ctr">
+                      <a:solidFill>
+                        <a:srgbClr val="000000"/>
+                      </a:solidFill>
+                      <a:prstDash val="solid"/>
+                      <a:round/>
+                      <a:headEnd type="none" w="med" len="med"/>
+                      <a:tailEnd type="none" w="med" len="med"/>
+                    </a:lnT>
+                    <a:lnB w="12700" cap="flat" cmpd="sng" algn="ctr">
+                      <a:solidFill>
+                        <a:srgbClr val="000000"/>
+                      </a:solidFill>
+                      <a:prstDash val="solid"/>
+                      <a:round/>
+                      <a:headEnd type="none" w="med" len="med"/>
+                      <a:tailEnd type="none" w="med" len="med"/>
+                    </a:lnB>
+                  </a:tcPr>
+                </a:tc>
+                <a:tc>
+                  <a:txBody>
+                    <a:bodyPr/>
+                    <a:lstStyle/>
+                    <a:p>
+                      <a:pPr algn="ctr" rtl="0" fontAlgn="t">
+                        <a:spcBef>
+                          <a:spcPts val="0"/>
+                        </a:spcBef>
+                        <a:spcAft>
+                          <a:spcPts val="0"/>
+                        </a:spcAft>
+                      </a:pPr>
+                      <a:r>
+                        <a:rPr lang="fr-FR" sz="1800" b="1" i="0" u="none" strike="noStrike" dirty="0">
+                          <a:solidFill>
+                            <a:srgbClr val="000000"/>
+                          </a:solidFill>
+                          <a:effectLst/>
+                          <a:latin typeface="Arial" panose="020B0604020202020204" pitchFamily="34" charset="0"/>
+                        </a:rPr>
+                        <a:t>39 480</a:t>
+                      </a:r>
+                      <a:endParaRPr lang="fr-FR" sz="2800" dirty="0">
+                        <a:effectLst/>
+                      </a:endParaRPr>
+                    </a:p>
+                  </a:txBody>
+                  <a:tcPr marL="60252" marR="60252" marT="60252" marB="60252">
+                    <a:lnL w="12700" cap="flat" cmpd="sng" algn="ctr">
+                      <a:solidFill>
+                        <a:srgbClr val="000000"/>
+                      </a:solidFill>
+                      <a:prstDash val="solid"/>
+                      <a:round/>
+                      <a:headEnd type="none" w="med" len="med"/>
+                      <a:tailEnd type="none" w="med" len="med"/>
+                    </a:lnL>
+                    <a:lnR w="12700" cap="flat" cmpd="sng" algn="ctr">
+                      <a:solidFill>
+                        <a:srgbClr val="000000"/>
+                      </a:solidFill>
+                      <a:prstDash val="solid"/>
+                      <a:round/>
+                      <a:headEnd type="none" w="med" len="med"/>
+                      <a:tailEnd type="none" w="med" len="med"/>
+                    </a:lnR>
+                    <a:lnT w="12700" cap="flat" cmpd="sng" algn="ctr">
+                      <a:solidFill>
+                        <a:srgbClr val="000000"/>
+                      </a:solidFill>
+                      <a:prstDash val="solid"/>
+                      <a:round/>
+                      <a:headEnd type="none" w="med" len="med"/>
+                      <a:tailEnd type="none" w="med" len="med"/>
+                    </a:lnT>
+                    <a:lnB w="12700" cap="flat" cmpd="sng" algn="ctr">
+                      <a:solidFill>
+                        <a:srgbClr val="000000"/>
+                      </a:solidFill>
+                      <a:prstDash val="solid"/>
+                      <a:round/>
+                      <a:headEnd type="none" w="med" len="med"/>
+                      <a:tailEnd type="none" w="med" len="med"/>
+                    </a:lnB>
+                  </a:tcPr>
+                </a:tc>
+              </a:tr>
+            </a:tbl>
+          </a:graphicData>
+        </a:graphic>
+      </p:graphicFrame>
+      <p:sp>
+        <p:nvSpPr>
+          <p:cNvPr id="5" name="Rectangle 1"/>
+          <p:cNvSpPr>
+            <a:spLocks noChangeArrowheads="1"/>
           </p:cNvSpPr>
           <p:nvPr/>
         </p:nvSpPr>
-        <p:spPr>
-          <a:xfrm>
-            <a:off x="1371600" y="1388853"/>
-            <a:ext cx="9601200" cy="473015"/>
+        <p:spPr bwMode="auto">
+          <a:xfrm>
+            <a:off x="-3842568" y="-499757"/>
+            <a:ext cx="21166650" cy="923330"/>
           </a:xfrm>
           <a:prstGeom prst="rect">
             <a:avLst/>
           </a:prstGeom>
-        </p:spPr>
-        <p:txBody>
-          <a:bodyPr vert="horz" lIns="91440" tIns="45720" rIns="91440" bIns="45720" rtlCol="0" anchor="t">
-            <a:normAutofit/>
+          <a:noFill/>
+          <a:ln>
+            <a:noFill/>
+          </a:ln>
+          <a:effectLst/>
+          <a:extLst>
+            <a:ext uri="{909E8E84-426E-40DD-AFC4-6F175D3DCCD1}">
+              <a14:hiddenFill xmlns:a14="http://schemas.microsoft.com/office/drawing/2010/main">
+                <a:solidFill>
+                  <a:schemeClr val="accent1"/>
+                </a:solidFill>
+              </a14:hiddenFill>
+            </a:ext>
+            <a:ext uri="{91240B29-F687-4F45-9708-019B960494DF}">
+              <a14:hiddenLine xmlns:a14="http://schemas.microsoft.com/office/drawing/2010/main" w="9525">
+                <a:solidFill>
+                  <a:schemeClr val="tx1"/>
+                </a:solidFill>
+                <a:miter lim="800000"/>
+                <a:headEnd/>
+                <a:tailEnd/>
+              </a14:hiddenLine>
+            </a:ext>
+            <a:ext uri="{AF507438-7753-43E0-B8FC-AC1667EBCBE1}">
+              <a14:hiddenEffects xmlns:a14="http://schemas.microsoft.com/office/drawing/2010/main">
+                <a:effectLst>
+                  <a:outerShdw dist="35921" dir="2700000" algn="ctr" rotWithShape="0">
+                    <a:schemeClr val="bg2"/>
+                  </a:outerShdw>
+                </a:effectLst>
+              </a14:hiddenEffects>
+            </a:ext>
+          </a:extLst>
+        </p:spPr>
+        <p:txBody>
+          <a:bodyPr vert="horz" wrap="square" lIns="91440" tIns="45720" rIns="91440" bIns="45720" numCol="1" anchor="ctr" anchorCtr="0" compatLnSpc="1">
+            <a:prstTxWarp prst="textNoShape">
+              <a:avLst/>
+            </a:prstTxWarp>
+            <a:spAutoFit/>
           </a:bodyPr>
-          <a:lstStyle>
-            <a:lvl1pPr algn="l" defTabSz="914400" rtl="0" eaLnBrk="1" latinLnBrk="0" hangingPunct="1">
+          <a:lstStyle/>
+          <a:p>
+            <a:pPr marL="0" marR="0" lvl="0" indent="0" algn="l" defTabSz="914400" rtl="0" eaLnBrk="0" fontAlgn="base" latinLnBrk="0" hangingPunct="0">
               <a:lnSpc>
-                <a:spcPct val="89000"/>
+                <a:spcPct val="100000"/>
               </a:lnSpc>
               <a:spcBef>
                 <a:spcPct val="0"/>
               </a:spcBef>
+              <a:spcAft>
+                <a:spcPct val="0"/>
+              </a:spcAft>
+              <a:buClrTx/>
+              <a:buSzTx/>
+              <a:buFontTx/>
               <a:buNone/>
-              <a:defRPr sz="4400" kern="1200" baseline="0">
+              <a:tabLst/>
+            </a:pPr>
+            <a:r>
+              <a:rPr kumimoji="0" lang="fr-FR" altLang="fr-FR" sz="1800" b="0" i="0" u="none" strike="noStrike" cap="none" normalizeH="0" baseline="0" smtClean="0">
+                <a:ln>
+                  <a:noFill/>
+                </a:ln>
                 <a:solidFill>
-                  <a:schemeClr val="tx2"/>
+                  <a:schemeClr val="tx1"/>
                 </a:solidFill>
-                <a:latin typeface="+mj-lt"/>
-                <a:ea typeface="+mj-ea"/>
-                <a:cs typeface="+mj-cs"/>
-              </a:defRPr>
-            </a:lvl1pPr>
-          </a:lstStyle>
-          <a:p>
-            <a:r>
-              <a:rPr lang="fr-FR" sz="2800"/>
-              <a:t>Pages traditionnelles</a:t>
-            </a:r>
-          </a:p>
-        </p:txBody>
-      </p:sp>
-      <p:pic>
-        <p:nvPicPr>
-          <p:cNvPr id="6" name="Image 5"/>
-          <p:cNvPicPr>
-            <a:picLocks noChangeAspect="1"/>
-          </p:cNvPicPr>
-          <p:nvPr/>
-        </p:nvPicPr>
-        <p:blipFill>
-          <a:blip r:embed="rId2">
-            <a:extLst>
-              <a:ext uri="{28A0092B-C50C-407E-A947-70E740481C1C}">
-                <a14:useLocalDpi xmlns:a14="http://schemas.microsoft.com/office/drawing/2010/main" val="0"/>
-              </a:ext>
-            </a:extLst>
-          </a:blip>
-          <a:stretch>
-            <a:fillRect/>
-          </a:stretch>
-        </p:blipFill>
-        <p:spPr>
-          <a:xfrm>
-            <a:off x="1371600" y="2658362"/>
-            <a:ext cx="4659923" cy="3617811"/>
-          </a:xfrm>
-          <a:prstGeom prst="rect">
-            <a:avLst/>
-          </a:prstGeom>
-        </p:spPr>
-      </p:pic>
-      <p:pic>
-        <p:nvPicPr>
-          <p:cNvPr id="13" name="Image 12"/>
-          <p:cNvPicPr>
-            <a:picLocks noChangeAspect="1"/>
-          </p:cNvPicPr>
-          <p:nvPr/>
-        </p:nvPicPr>
-        <p:blipFill>
-          <a:blip r:embed="rId3">
-            <a:extLst>
-              <a:ext uri="{28A0092B-C50C-407E-A947-70E740481C1C}">
-                <a14:useLocalDpi xmlns:a14="http://schemas.microsoft.com/office/drawing/2010/main" val="0"/>
-              </a:ext>
-            </a:extLst>
-          </a:blip>
-          <a:stretch>
-            <a:fillRect/>
-          </a:stretch>
-        </p:blipFill>
-        <p:spPr>
-          <a:xfrm>
-            <a:off x="6583379" y="2658330"/>
-            <a:ext cx="4389421" cy="3617843"/>
-          </a:xfrm>
-          <a:prstGeom prst="rect">
-            <a:avLst/>
-          </a:prstGeom>
-        </p:spPr>
-      </p:pic>
-      <p:sp>
-        <p:nvSpPr>
-          <p:cNvPr id="15" name="ZoneTexte 14"/>
-          <p:cNvSpPr txBox="1"/>
-          <p:nvPr/>
-        </p:nvSpPr>
-        <p:spPr>
-          <a:xfrm>
-            <a:off x="1371600" y="2190474"/>
-            <a:ext cx="1200200" cy="369332"/>
-          </a:xfrm>
-          <a:prstGeom prst="rect">
-            <a:avLst/>
-          </a:prstGeom>
-          <a:noFill/>
-        </p:spPr>
-        <p:txBody>
-          <a:bodyPr wrap="none" rtlCol="0">
-            <a:spAutoFit/>
-          </a:bodyPr>
-          <a:lstStyle/>
-          <a:p>
-            <a:r>
-              <a:rPr lang="fr-FR" i="1"/>
-              <a:t>Connexion</a:t>
-            </a:r>
-          </a:p>
-        </p:txBody>
-      </p:sp>
-      <p:sp>
-        <p:nvSpPr>
-          <p:cNvPr id="16" name="ZoneTexte 15"/>
-          <p:cNvSpPr txBox="1"/>
-          <p:nvPr/>
-        </p:nvSpPr>
-        <p:spPr>
-          <a:xfrm>
-            <a:off x="6583379" y="2190474"/>
-            <a:ext cx="1202573" cy="369332"/>
-          </a:xfrm>
-          <a:prstGeom prst="rect">
-            <a:avLst/>
-          </a:prstGeom>
-          <a:noFill/>
-        </p:spPr>
-        <p:txBody>
-          <a:bodyPr wrap="none" rtlCol="0">
-            <a:spAutoFit/>
-          </a:bodyPr>
-          <a:lstStyle/>
-          <a:p>
-            <a:r>
-              <a:rPr lang="fr-FR" i="1"/>
-              <a:t>Inscription</a:t>
-            </a:r>
+                <a:effectLst/>
+                <a:latin typeface="Arial" panose="020B0604020202020204" pitchFamily="34" charset="0"/>
+              </a:rPr>
+              <a:t/>
+            </a:r>
+            <a:br>
+              <a:rPr kumimoji="0" lang="fr-FR" altLang="fr-FR" sz="1800" b="0" i="0" u="none" strike="noStrike" cap="none" normalizeH="0" baseline="0" smtClean="0">
+                <a:ln>
+                  <a:noFill/>
+                </a:ln>
+                <a:solidFill>
+                  <a:schemeClr val="tx1"/>
+                </a:solidFill>
+                <a:effectLst/>
+                <a:latin typeface="Arial" panose="020B0604020202020204" pitchFamily="34" charset="0"/>
+              </a:rPr>
+            </a:br>
+            <a:endParaRPr kumimoji="0" lang="fr-FR" altLang="fr-FR" sz="1800" b="0" i="0" u="none" strike="noStrike" cap="none" normalizeH="0" baseline="0" smtClean="0">
+              <a:ln>
+                <a:noFill/>
+              </a:ln>
+              <a:solidFill>
+                <a:schemeClr val="tx1"/>
+              </a:solidFill>
+              <a:effectLst/>
+              <a:latin typeface="Arial" panose="020B0604020202020204" pitchFamily="34" charset="0"/>
+            </a:endParaRPr>
+          </a:p>
+          <a:p>
+            <a:pPr marL="0" marR="0" lvl="0" indent="0" algn="l" defTabSz="914400" rtl="0" eaLnBrk="0" fontAlgn="base" latinLnBrk="0" hangingPunct="0">
+              <a:lnSpc>
+                <a:spcPct val="100000"/>
+              </a:lnSpc>
+              <a:spcBef>
+                <a:spcPct val="0"/>
+              </a:spcBef>
+              <a:spcAft>
+                <a:spcPct val="0"/>
+              </a:spcAft>
+              <a:buClrTx/>
+              <a:buSzTx/>
+              <a:buFontTx/>
+              <a:buNone/>
+              <a:tabLst/>
+            </a:pPr>
+            <a:endParaRPr kumimoji="0" lang="fr-FR" altLang="fr-FR" sz="1800" b="0" i="0" u="none" strike="noStrike" cap="none" normalizeH="0" baseline="0" smtClean="0">
+              <a:ln>
+                <a:noFill/>
+              </a:ln>
+              <a:solidFill>
+                <a:schemeClr val="tx1"/>
+              </a:solidFill>
+              <a:effectLst/>
+              <a:latin typeface="Arial" panose="020B0604020202020204" pitchFamily="34" charset="0"/>
+            </a:endParaRPr>
           </a:p>
         </p:txBody>
       </p:sp>
     </p:spTree>
     <p:extLst>
       <p:ext uri="{BB962C8B-B14F-4D97-AF65-F5344CB8AC3E}">
-        <p14:creationId xmlns:p14="http://schemas.microsoft.com/office/powerpoint/2010/main" val="3200256141"/>
+        <p14:creationId xmlns:p14="http://schemas.microsoft.com/office/powerpoint/2010/main" val="2781906904"/>
       </p:ext>
     </p:extLst>
   </p:cSld>

--- a/Diaporama/Diaporama.pptx
+++ b/Diaporama/Diaporama.pptx
@@ -5942,7 +5942,7 @@
         </p:nvSpPr>
         <p:spPr>
           <a:xfrm>
-            <a:off x="4940062" y="667994"/>
+            <a:off x="4855089" y="575261"/>
             <a:ext cx="2666564" cy="369332"/>
           </a:xfrm>
           <a:prstGeom prst="rect">
@@ -5985,8 +5985,8 @@
         </p:blipFill>
         <p:spPr>
           <a:xfrm>
-            <a:off x="4940062" y="1058008"/>
-            <a:ext cx="6696974" cy="5199311"/>
+            <a:off x="4855089" y="992038"/>
+            <a:ext cx="6781947" cy="5265281"/>
           </a:xfrm>
           <a:prstGeom prst="rect">
             <a:avLst/>
@@ -6971,26 +6971,62 @@
           <a:p>
             <a:r>
               <a:rPr lang="fr-FR" dirty="0"/>
-              <a:t>Accumulation d’objets au domicile.</a:t>
-            </a:r>
+              <a:t>Accumulation d’objets </a:t>
+            </a:r>
+            <a:r>
+              <a:rPr lang="fr-FR"/>
+              <a:t>au </a:t>
+            </a:r>
+            <a:r>
+              <a:rPr lang="fr-FR" smtClean="0"/>
+              <a:t>domicile</a:t>
+            </a:r>
+            <a:endParaRPr lang="fr-FR" dirty="0"/>
           </a:p>
           <a:p>
             <a:r>
               <a:rPr lang="fr-FR" dirty="0"/>
-              <a:t>Nouvelle génération habituée aux services de livraison à domicile.</a:t>
-            </a:r>
+              <a:t>Nouvelle génération habituée aux services de livraison </a:t>
+            </a:r>
+            <a:r>
+              <a:rPr lang="fr-FR"/>
+              <a:t>à </a:t>
+            </a:r>
+            <a:r>
+              <a:rPr lang="fr-FR" smtClean="0"/>
+              <a:t>domicile</a:t>
+            </a:r>
+            <a:endParaRPr lang="fr-FR" dirty="0"/>
           </a:p>
           <a:p>
             <a:r>
               <a:rPr lang="fr-FR" dirty="0"/>
-              <a:t>Transport des affaires vers un espace de stockage.</a:t>
-            </a:r>
+              <a:t>Transport des affaires vers un espace </a:t>
+            </a:r>
+            <a:r>
+              <a:rPr lang="fr-FR"/>
+              <a:t>de </a:t>
+            </a:r>
+            <a:r>
+              <a:rPr lang="fr-FR" smtClean="0"/>
+              <a:t>stockage</a:t>
+            </a:r>
+            <a:endParaRPr lang="fr-FR" dirty="0"/>
           </a:p>
           <a:p>
             <a:r>
               <a:rPr lang="fr-FR" dirty="0"/>
-              <a:t>Exigence de la population.</a:t>
-            </a:r>
+              <a:t>Exigence de </a:t>
+            </a:r>
+            <a:r>
+              <a:rPr lang="fr-FR"/>
+              <a:t>la </a:t>
+            </a:r>
+            <a:r>
+              <a:rPr lang="fr-FR" smtClean="0"/>
+              <a:t>population</a:t>
+            </a:r>
+            <a:endParaRPr lang="fr-FR" dirty="0"/>
           </a:p>
           <a:p>
             <a:endParaRPr lang="fr-FR" dirty="0"/>
@@ -7424,9 +7460,14 @@
               <a:buChar char="•"/>
             </a:pPr>
             <a:r>
-              <a:rPr lang="fr-FR" dirty="0"/>
-              <a:t>Propriétaires particuliers:</a:t>
-            </a:r>
+              <a:rPr lang="fr-FR"/>
+              <a:t>Propriétaires </a:t>
+            </a:r>
+            <a:r>
+              <a:rPr lang="fr-FR" smtClean="0"/>
+              <a:t>particuliers :</a:t>
+            </a:r>
+            <a:endParaRPr lang="fr-FR" dirty="0"/>
           </a:p>
           <a:p>
             <a:pPr lvl="2">
@@ -7434,9 +7475,14 @@
               <a:buChar char="•"/>
             </a:pPr>
             <a:r>
-              <a:rPr lang="fr-FR" dirty="0"/>
-              <a:t>Relativement jeunes.</a:t>
-            </a:r>
+              <a:rPr lang="fr-FR"/>
+              <a:t>Relativement </a:t>
+            </a:r>
+            <a:r>
+              <a:rPr lang="fr-FR" smtClean="0"/>
+              <a:t>jeunes</a:t>
+            </a:r>
+            <a:endParaRPr lang="fr-FR" dirty="0"/>
           </a:p>
           <a:p>
             <a:pPr lvl="2">
@@ -7445,8 +7491,17 @@
             </a:pPr>
             <a:r>
               <a:rPr lang="fr-FR" dirty="0"/>
-              <a:t>Vivant en appartement / Surface restreinte.</a:t>
-            </a:r>
+              <a:t>Vivant en appartement / </a:t>
+            </a:r>
+            <a:r>
+              <a:rPr lang="fr-FR"/>
+              <a:t>Surface </a:t>
+            </a:r>
+            <a:r>
+              <a:rPr lang="fr-FR" smtClean="0"/>
+              <a:t>restreinte</a:t>
+            </a:r>
+            <a:endParaRPr lang="fr-FR" dirty="0"/>
           </a:p>
           <a:p>
             <a:pPr lvl="2">
@@ -7455,8 +7510,17 @@
             </a:pPr>
             <a:r>
               <a:rPr lang="fr-FR" dirty="0"/>
-              <a:t>Habitués des services de livraison à domicile.</a:t>
-            </a:r>
+              <a:t>Habitués des services de livraison </a:t>
+            </a:r>
+            <a:r>
+              <a:rPr lang="fr-FR"/>
+              <a:t>à </a:t>
+            </a:r>
+            <a:r>
+              <a:rPr lang="fr-FR" smtClean="0"/>
+              <a:t>domicile</a:t>
+            </a:r>
+            <a:endParaRPr lang="fr-FR" dirty="0"/>
           </a:p>
           <a:p>
             <a:pPr lvl="1">
@@ -7465,8 +7529,17 @@
             </a:pPr>
             <a:r>
               <a:rPr lang="fr-FR" dirty="0"/>
-              <a:t>Startups et PME:</a:t>
-            </a:r>
+              <a:t>Startups </a:t>
+            </a:r>
+            <a:r>
+              <a:rPr lang="fr-FR"/>
+              <a:t>et </a:t>
+            </a:r>
+            <a:r>
+              <a:rPr lang="fr-FR" smtClean="0"/>
+              <a:t>PME :</a:t>
+            </a:r>
+            <a:endParaRPr lang="fr-FR" dirty="0"/>
           </a:p>
           <a:p>
             <a:pPr lvl="2">
@@ -7475,8 +7548,17 @@
             </a:pPr>
             <a:r>
               <a:rPr lang="fr-FR" dirty="0"/>
-              <a:t>Pas d’entrepôts de stockage.</a:t>
-            </a:r>
+              <a:t>Pas d’entrepôts </a:t>
+            </a:r>
+            <a:r>
+              <a:rPr lang="fr-FR"/>
+              <a:t>de </a:t>
+            </a:r>
+            <a:r>
+              <a:rPr lang="fr-FR" smtClean="0"/>
+              <a:t>stockage</a:t>
+            </a:r>
+            <a:endParaRPr lang="fr-FR" dirty="0"/>
           </a:p>
         </p:txBody>
       </p:sp>
@@ -8109,9 +8191,10 @@
               <a:buChar char="•"/>
             </a:pPr>
             <a:r>
-              <a:rPr lang="fr-FR" dirty="0"/>
-              <a:t>Directe:</a:t>
-            </a:r>
+              <a:rPr lang="fr-FR" smtClean="0"/>
+              <a:t>Directe :</a:t>
+            </a:r>
+            <a:endParaRPr lang="fr-FR" dirty="0"/>
           </a:p>
           <a:p>
             <a:pPr lvl="2">
@@ -8168,9 +8251,14 @@
           </a:p>
           <a:p>
             <a:r>
-              <a:rPr lang="fr-FR" dirty="0"/>
-              <a:t>Leurs faiblesses:</a:t>
-            </a:r>
+              <a:rPr lang="fr-FR"/>
+              <a:t>Leurs </a:t>
+            </a:r>
+            <a:r>
+              <a:rPr lang="fr-FR" smtClean="0"/>
+              <a:t>faiblesses :</a:t>
+            </a:r>
+            <a:endParaRPr lang="fr-FR" dirty="0"/>
           </a:p>
           <a:p>
             <a:pPr lvl="1">
@@ -9133,8 +9221,17 @@
           <a:p>
             <a:r>
               <a:rPr lang="fr-FR" sz="2800" dirty="0" smtClean="0"/>
-              <a:t>Support : Application web et mobile</a:t>
-            </a:r>
+              <a:t>Support : </a:t>
+            </a:r>
+            <a:r>
+              <a:rPr lang="fr-FR" sz="2800" smtClean="0"/>
+              <a:t>Application </a:t>
+            </a:r>
+            <a:r>
+              <a:rPr lang="fr-FR" sz="2800" smtClean="0"/>
+              <a:t>web responsive</a:t>
+            </a:r>
+            <a:endParaRPr lang="fr-FR" sz="2800" dirty="0" smtClean="0"/>
           </a:p>
           <a:p>
             <a:pPr marL="0" indent="0">

--- a/Diaporama/Diaporama.pptx
+++ b/Diaporama/Diaporama.pptx
@@ -1,33 +1,35 @@
 
 <file path=ppt/presentation.xml><?xml version="1.0" encoding="utf-8"?>
-<p:presentation xmlns:a="http://schemas.openxmlformats.org/drawingml/2006/main" xmlns:r="http://schemas.openxmlformats.org/officeDocument/2006/relationships" xmlns:p="http://schemas.openxmlformats.org/presentationml/2006/main" autoCompressPictures="0">
+<p:presentation xmlns:a="http://schemas.openxmlformats.org/drawingml/2006/main" xmlns:r="http://schemas.openxmlformats.org/officeDocument/2006/relationships" xmlns:p="http://schemas.openxmlformats.org/presentationml/2006/main" showSpecialPlsOnTitleSld="0" autoCompressPictures="0">
   <p:sldMasterIdLst>
     <p:sldMasterId id="2147483648" r:id="rId1"/>
   </p:sldMasterIdLst>
+  <p:notesMasterIdLst>
+    <p:notesMasterId r:id="rId24"/>
+  </p:notesMasterIdLst>
   <p:sldIdLst>
-    <p:sldId id="257" r:id="rId2"/>
-    <p:sldId id="256" r:id="rId3"/>
-    <p:sldId id="277" r:id="rId4"/>
-    <p:sldId id="258" r:id="rId5"/>
-    <p:sldId id="276" r:id="rId6"/>
-    <p:sldId id="259" r:id="rId7"/>
-    <p:sldId id="278" r:id="rId8"/>
-    <p:sldId id="279" r:id="rId9"/>
-    <p:sldId id="280" r:id="rId10"/>
-    <p:sldId id="260" r:id="rId11"/>
-    <p:sldId id="262" r:id="rId12"/>
-    <p:sldId id="263" r:id="rId13"/>
-    <p:sldId id="265" r:id="rId14"/>
-    <p:sldId id="264" r:id="rId15"/>
-    <p:sldId id="267" r:id="rId16"/>
-    <p:sldId id="273" r:id="rId17"/>
-    <p:sldId id="269" r:id="rId18"/>
-    <p:sldId id="272" r:id="rId19"/>
-    <p:sldId id="274" r:id="rId20"/>
-    <p:sldId id="270" r:id="rId21"/>
-    <p:sldId id="271" r:id="rId22"/>
-    <p:sldId id="266" r:id="rId23"/>
-    <p:sldId id="275" r:id="rId24"/>
+    <p:sldId id="256" r:id="rId2"/>
+    <p:sldId id="277" r:id="rId3"/>
+    <p:sldId id="258" r:id="rId4"/>
+    <p:sldId id="276" r:id="rId5"/>
+    <p:sldId id="259" r:id="rId6"/>
+    <p:sldId id="278" r:id="rId7"/>
+    <p:sldId id="279" r:id="rId8"/>
+    <p:sldId id="280" r:id="rId9"/>
+    <p:sldId id="260" r:id="rId10"/>
+    <p:sldId id="262" r:id="rId11"/>
+    <p:sldId id="263" r:id="rId12"/>
+    <p:sldId id="265" r:id="rId13"/>
+    <p:sldId id="264" r:id="rId14"/>
+    <p:sldId id="267" r:id="rId15"/>
+    <p:sldId id="273" r:id="rId16"/>
+    <p:sldId id="269" r:id="rId17"/>
+    <p:sldId id="272" r:id="rId18"/>
+    <p:sldId id="274" r:id="rId19"/>
+    <p:sldId id="270" r:id="rId20"/>
+    <p:sldId id="271" r:id="rId21"/>
+    <p:sldId id="266" r:id="rId22"/>
+    <p:sldId id="275" r:id="rId23"/>
   </p:sldIdLst>
   <p:sldSz cx="12192000" cy="6858000"/>
   <p:notesSz cx="6858000" cy="9144000"/>
@@ -134,6 +136,483 @@
 </p:presentation>
 </file>
 
+<file path=ppt/notesMasters/notesMaster1.xml><?xml version="1.0" encoding="utf-8"?>
+<p:notesMaster xmlns:a="http://schemas.openxmlformats.org/drawingml/2006/main" xmlns:r="http://schemas.openxmlformats.org/officeDocument/2006/relationships" xmlns:p="http://schemas.openxmlformats.org/presentationml/2006/main">
+  <p:cSld>
+    <p:bg>
+      <p:bgRef idx="1001">
+        <a:schemeClr val="bg1"/>
+      </p:bgRef>
+    </p:bg>
+    <p:spTree>
+      <p:nvGrpSpPr>
+        <p:cNvPr id="1" name=""/>
+        <p:cNvGrpSpPr/>
+        <p:nvPr/>
+      </p:nvGrpSpPr>
+      <p:grpSpPr>
+        <a:xfrm>
+          <a:off x="0" y="0"/>
+          <a:ext cx="0" cy="0"/>
+          <a:chOff x="0" y="0"/>
+          <a:chExt cx="0" cy="0"/>
+        </a:xfrm>
+      </p:grpSpPr>
+      <p:sp>
+        <p:nvSpPr>
+          <p:cNvPr id="2" name="Espace réservé de l'en-tête 1"/>
+          <p:cNvSpPr>
+            <a:spLocks noGrp="1"/>
+          </p:cNvSpPr>
+          <p:nvPr>
+            <p:ph type="hdr" sz="quarter"/>
+          </p:nvPr>
+        </p:nvSpPr>
+        <p:spPr>
+          <a:xfrm>
+            <a:off x="0" y="0"/>
+            <a:ext cx="2971800" cy="458788"/>
+          </a:xfrm>
+          <a:prstGeom prst="rect">
+            <a:avLst/>
+          </a:prstGeom>
+        </p:spPr>
+        <p:txBody>
+          <a:bodyPr vert="horz" lIns="91440" tIns="45720" rIns="91440" bIns="45720" rtlCol="0"/>
+          <a:lstStyle>
+            <a:lvl1pPr algn="l">
+              <a:defRPr sz="1200"/>
+            </a:lvl1pPr>
+          </a:lstStyle>
+          <a:p>
+            <a:endParaRPr lang="fr-FR"/>
+          </a:p>
+        </p:txBody>
+      </p:sp>
+      <p:sp>
+        <p:nvSpPr>
+          <p:cNvPr id="3" name="Espace réservé de la date 2"/>
+          <p:cNvSpPr>
+            <a:spLocks noGrp="1"/>
+          </p:cNvSpPr>
+          <p:nvPr>
+            <p:ph type="dt" idx="1"/>
+          </p:nvPr>
+        </p:nvSpPr>
+        <p:spPr>
+          <a:xfrm>
+            <a:off x="3884613" y="0"/>
+            <a:ext cx="2971800" cy="458788"/>
+          </a:xfrm>
+          <a:prstGeom prst="rect">
+            <a:avLst/>
+          </a:prstGeom>
+        </p:spPr>
+        <p:txBody>
+          <a:bodyPr vert="horz" lIns="91440" tIns="45720" rIns="91440" bIns="45720" rtlCol="0"/>
+          <a:lstStyle>
+            <a:lvl1pPr algn="r">
+              <a:defRPr sz="1200"/>
+            </a:lvl1pPr>
+          </a:lstStyle>
+          <a:p>
+            <a:fld id="{D816BC26-3636-4842-85B1-C891180BDAC8}" type="datetimeFigureOut">
+              <a:rPr lang="fr-FR" smtClean="0"/>
+              <a:t>15/06/2018</a:t>
+            </a:fld>
+            <a:endParaRPr lang="fr-FR"/>
+          </a:p>
+        </p:txBody>
+      </p:sp>
+      <p:sp>
+        <p:nvSpPr>
+          <p:cNvPr id="4" name="Espace réservé de l'image des diapositives 3"/>
+          <p:cNvSpPr>
+            <a:spLocks noGrp="1" noRot="1" noChangeAspect="1"/>
+          </p:cNvSpPr>
+          <p:nvPr>
+            <p:ph type="sldImg" idx="2"/>
+          </p:nvPr>
+        </p:nvSpPr>
+        <p:spPr>
+          <a:xfrm>
+            <a:off x="685800" y="1143000"/>
+            <a:ext cx="5486400" cy="3086100"/>
+          </a:xfrm>
+          <a:prstGeom prst="rect">
+            <a:avLst/>
+          </a:prstGeom>
+          <a:noFill/>
+          <a:ln w="12700">
+            <a:solidFill>
+              <a:prstClr val="black"/>
+            </a:solidFill>
+          </a:ln>
+        </p:spPr>
+        <p:txBody>
+          <a:bodyPr vert="horz" lIns="91440" tIns="45720" rIns="91440" bIns="45720" rtlCol="0" anchor="ctr"/>
+          <a:lstStyle/>
+          <a:p>
+            <a:endParaRPr lang="fr-FR"/>
+          </a:p>
+        </p:txBody>
+      </p:sp>
+      <p:sp>
+        <p:nvSpPr>
+          <p:cNvPr id="5" name="Espace réservé des commentaires 4"/>
+          <p:cNvSpPr>
+            <a:spLocks noGrp="1"/>
+          </p:cNvSpPr>
+          <p:nvPr>
+            <p:ph type="body" sz="quarter" idx="3"/>
+          </p:nvPr>
+        </p:nvSpPr>
+        <p:spPr>
+          <a:xfrm>
+            <a:off x="685800" y="4400550"/>
+            <a:ext cx="5486400" cy="3600450"/>
+          </a:xfrm>
+          <a:prstGeom prst="rect">
+            <a:avLst/>
+          </a:prstGeom>
+        </p:spPr>
+        <p:txBody>
+          <a:bodyPr vert="horz" lIns="91440" tIns="45720" rIns="91440" bIns="45720" rtlCol="0"/>
+          <a:lstStyle/>
+          <a:p>
+            <a:pPr lvl="0"/>
+            <a:r>
+              <a:rPr lang="fr-FR" smtClean="0"/>
+              <a:t>Modifiez les styles du texte du masque</a:t>
+            </a:r>
+          </a:p>
+          <a:p>
+            <a:pPr lvl="1"/>
+            <a:r>
+              <a:rPr lang="fr-FR" smtClean="0"/>
+              <a:t>Deuxième niveau</a:t>
+            </a:r>
+          </a:p>
+          <a:p>
+            <a:pPr lvl="2"/>
+            <a:r>
+              <a:rPr lang="fr-FR" smtClean="0"/>
+              <a:t>Troisième niveau</a:t>
+            </a:r>
+          </a:p>
+          <a:p>
+            <a:pPr lvl="3"/>
+            <a:r>
+              <a:rPr lang="fr-FR" smtClean="0"/>
+              <a:t>Quatrième niveau</a:t>
+            </a:r>
+          </a:p>
+          <a:p>
+            <a:pPr lvl="4"/>
+            <a:r>
+              <a:rPr lang="fr-FR" smtClean="0"/>
+              <a:t>Cinquième niveau</a:t>
+            </a:r>
+            <a:endParaRPr lang="fr-FR"/>
+          </a:p>
+        </p:txBody>
+      </p:sp>
+      <p:sp>
+        <p:nvSpPr>
+          <p:cNvPr id="6" name="Espace réservé du pied de page 5"/>
+          <p:cNvSpPr>
+            <a:spLocks noGrp="1"/>
+          </p:cNvSpPr>
+          <p:nvPr>
+            <p:ph type="ftr" sz="quarter" idx="4"/>
+          </p:nvPr>
+        </p:nvSpPr>
+        <p:spPr>
+          <a:xfrm>
+            <a:off x="0" y="8685213"/>
+            <a:ext cx="2971800" cy="458787"/>
+          </a:xfrm>
+          <a:prstGeom prst="rect">
+            <a:avLst/>
+          </a:prstGeom>
+        </p:spPr>
+        <p:txBody>
+          <a:bodyPr vert="horz" lIns="91440" tIns="45720" rIns="91440" bIns="45720" rtlCol="0" anchor="b"/>
+          <a:lstStyle>
+            <a:lvl1pPr algn="l">
+              <a:defRPr sz="1200"/>
+            </a:lvl1pPr>
+          </a:lstStyle>
+          <a:p>
+            <a:endParaRPr lang="fr-FR"/>
+          </a:p>
+        </p:txBody>
+      </p:sp>
+      <p:sp>
+        <p:nvSpPr>
+          <p:cNvPr id="7" name="Espace réservé du numéro de diapositive 6"/>
+          <p:cNvSpPr>
+            <a:spLocks noGrp="1"/>
+          </p:cNvSpPr>
+          <p:nvPr>
+            <p:ph type="sldNum" sz="quarter" idx="5"/>
+          </p:nvPr>
+        </p:nvSpPr>
+        <p:spPr>
+          <a:xfrm>
+            <a:off x="3884613" y="8685213"/>
+            <a:ext cx="2971800" cy="458787"/>
+          </a:xfrm>
+          <a:prstGeom prst="rect">
+            <a:avLst/>
+          </a:prstGeom>
+        </p:spPr>
+        <p:txBody>
+          <a:bodyPr vert="horz" lIns="91440" tIns="45720" rIns="91440" bIns="45720" rtlCol="0" anchor="b"/>
+          <a:lstStyle>
+            <a:lvl1pPr algn="r">
+              <a:defRPr sz="1200"/>
+            </a:lvl1pPr>
+          </a:lstStyle>
+          <a:p>
+            <a:fld id="{2A0120D1-53D4-4DEF-AC9A-EFAE93417851}" type="slidenum">
+              <a:rPr lang="fr-FR" smtClean="0"/>
+              <a:t>‹N°›</a:t>
+            </a:fld>
+            <a:endParaRPr lang="fr-FR"/>
+          </a:p>
+        </p:txBody>
+      </p:sp>
+    </p:spTree>
+    <p:extLst>
+      <p:ext uri="{BB962C8B-B14F-4D97-AF65-F5344CB8AC3E}">
+        <p14:creationId xmlns:p14="http://schemas.microsoft.com/office/powerpoint/2010/main" val="839291866"/>
+      </p:ext>
+    </p:extLst>
+  </p:cSld>
+  <p:clrMap bg1="lt1" tx1="dk1" bg2="lt2" tx2="dk2" accent1="accent1" accent2="accent2" accent3="accent3" accent4="accent4" accent5="accent5" accent6="accent6" hlink="hlink" folHlink="folHlink"/>
+  <p:notesStyle>
+    <a:lvl1pPr marL="0" algn="l" defTabSz="914400" rtl="0" eaLnBrk="1" latinLnBrk="0" hangingPunct="1">
+      <a:defRPr sz="1200" kern="1200">
+        <a:solidFill>
+          <a:schemeClr val="tx1"/>
+        </a:solidFill>
+        <a:latin typeface="+mn-lt"/>
+        <a:ea typeface="+mn-ea"/>
+        <a:cs typeface="+mn-cs"/>
+      </a:defRPr>
+    </a:lvl1pPr>
+    <a:lvl2pPr marL="457200" algn="l" defTabSz="914400" rtl="0" eaLnBrk="1" latinLnBrk="0" hangingPunct="1">
+      <a:defRPr sz="1200" kern="1200">
+        <a:solidFill>
+          <a:schemeClr val="tx1"/>
+        </a:solidFill>
+        <a:latin typeface="+mn-lt"/>
+        <a:ea typeface="+mn-ea"/>
+        <a:cs typeface="+mn-cs"/>
+      </a:defRPr>
+    </a:lvl2pPr>
+    <a:lvl3pPr marL="914400" algn="l" defTabSz="914400" rtl="0" eaLnBrk="1" latinLnBrk="0" hangingPunct="1">
+      <a:defRPr sz="1200" kern="1200">
+        <a:solidFill>
+          <a:schemeClr val="tx1"/>
+        </a:solidFill>
+        <a:latin typeface="+mn-lt"/>
+        <a:ea typeface="+mn-ea"/>
+        <a:cs typeface="+mn-cs"/>
+      </a:defRPr>
+    </a:lvl3pPr>
+    <a:lvl4pPr marL="1371600" algn="l" defTabSz="914400" rtl="0" eaLnBrk="1" latinLnBrk="0" hangingPunct="1">
+      <a:defRPr sz="1200" kern="1200">
+        <a:solidFill>
+          <a:schemeClr val="tx1"/>
+        </a:solidFill>
+        <a:latin typeface="+mn-lt"/>
+        <a:ea typeface="+mn-ea"/>
+        <a:cs typeface="+mn-cs"/>
+      </a:defRPr>
+    </a:lvl4pPr>
+    <a:lvl5pPr marL="1828800" algn="l" defTabSz="914400" rtl="0" eaLnBrk="1" latinLnBrk="0" hangingPunct="1">
+      <a:defRPr sz="1200" kern="1200">
+        <a:solidFill>
+          <a:schemeClr val="tx1"/>
+        </a:solidFill>
+        <a:latin typeface="+mn-lt"/>
+        <a:ea typeface="+mn-ea"/>
+        <a:cs typeface="+mn-cs"/>
+      </a:defRPr>
+    </a:lvl5pPr>
+    <a:lvl6pPr marL="2286000" algn="l" defTabSz="914400" rtl="0" eaLnBrk="1" latinLnBrk="0" hangingPunct="1">
+      <a:defRPr sz="1200" kern="1200">
+        <a:solidFill>
+          <a:schemeClr val="tx1"/>
+        </a:solidFill>
+        <a:latin typeface="+mn-lt"/>
+        <a:ea typeface="+mn-ea"/>
+        <a:cs typeface="+mn-cs"/>
+      </a:defRPr>
+    </a:lvl6pPr>
+    <a:lvl7pPr marL="2743200" algn="l" defTabSz="914400" rtl="0" eaLnBrk="1" latinLnBrk="0" hangingPunct="1">
+      <a:defRPr sz="1200" kern="1200">
+        <a:solidFill>
+          <a:schemeClr val="tx1"/>
+        </a:solidFill>
+        <a:latin typeface="+mn-lt"/>
+        <a:ea typeface="+mn-ea"/>
+        <a:cs typeface="+mn-cs"/>
+      </a:defRPr>
+    </a:lvl7pPr>
+    <a:lvl8pPr marL="3200400" algn="l" defTabSz="914400" rtl="0" eaLnBrk="1" latinLnBrk="0" hangingPunct="1">
+      <a:defRPr sz="1200" kern="1200">
+        <a:solidFill>
+          <a:schemeClr val="tx1"/>
+        </a:solidFill>
+        <a:latin typeface="+mn-lt"/>
+        <a:ea typeface="+mn-ea"/>
+        <a:cs typeface="+mn-cs"/>
+      </a:defRPr>
+    </a:lvl8pPr>
+    <a:lvl9pPr marL="3657600" algn="l" defTabSz="914400" rtl="0" eaLnBrk="1" latinLnBrk="0" hangingPunct="1">
+      <a:defRPr sz="1200" kern="1200">
+        <a:solidFill>
+          <a:schemeClr val="tx1"/>
+        </a:solidFill>
+        <a:latin typeface="+mn-lt"/>
+        <a:ea typeface="+mn-ea"/>
+        <a:cs typeface="+mn-cs"/>
+      </a:defRPr>
+    </a:lvl9pPr>
+  </p:notesStyle>
+</p:notesMaster>
+</file>
+
+<file path=ppt/notesSlides/notesSlide1.xml><?xml version="1.0" encoding="utf-8"?>
+<p:notes xmlns:a="http://schemas.openxmlformats.org/drawingml/2006/main" xmlns:r="http://schemas.openxmlformats.org/officeDocument/2006/relationships" xmlns:p="http://schemas.openxmlformats.org/presentationml/2006/main">
+  <p:cSld>
+    <p:spTree>
+      <p:nvGrpSpPr>
+        <p:cNvPr id="1" name=""/>
+        <p:cNvGrpSpPr/>
+        <p:nvPr/>
+      </p:nvGrpSpPr>
+      <p:grpSpPr>
+        <a:xfrm>
+          <a:off x="0" y="0"/>
+          <a:ext cx="0" cy="0"/>
+          <a:chOff x="0" y="0"/>
+          <a:chExt cx="0" cy="0"/>
+        </a:xfrm>
+      </p:grpSpPr>
+      <p:sp>
+        <p:nvSpPr>
+          <p:cNvPr id="2" name="Espace réservé de l'image des diapositives 1"/>
+          <p:cNvSpPr>
+            <a:spLocks noGrp="1" noRot="1" noChangeAspect="1"/>
+          </p:cNvSpPr>
+          <p:nvPr>
+            <p:ph type="sldImg"/>
+          </p:nvPr>
+        </p:nvSpPr>
+        <p:spPr/>
+      </p:sp>
+      <p:sp>
+        <p:nvSpPr>
+          <p:cNvPr id="3" name="Espace réservé des commentaires 2"/>
+          <p:cNvSpPr>
+            <a:spLocks noGrp="1"/>
+          </p:cNvSpPr>
+          <p:nvPr>
+            <p:ph type="body" idx="1"/>
+          </p:nvPr>
+        </p:nvSpPr>
+        <p:spPr/>
+        <p:txBody>
+          <a:bodyPr/>
+          <a:lstStyle/>
+          <a:p>
+            <a:pPr marL="0" marR="0" lvl="0" indent="0" algn="l" defTabSz="914400" rtl="0" eaLnBrk="1" fontAlgn="auto" latinLnBrk="0" hangingPunct="1">
+              <a:lnSpc>
+                <a:spcPct val="100000"/>
+              </a:lnSpc>
+              <a:spcBef>
+                <a:spcPts val="0"/>
+              </a:spcBef>
+              <a:spcAft>
+                <a:spcPts val="0"/>
+              </a:spcAft>
+              <a:buClrTx/>
+              <a:buSzTx/>
+              <a:buFontTx/>
+              <a:buNone/>
+              <a:tabLst/>
+              <a:defRPr/>
+            </a:pPr>
+            <a:r>
+              <a:rPr lang="fr-FR" sz="1200" kern="1200" dirty="0" smtClean="0">
+                <a:solidFill>
+                  <a:schemeClr val="tx1"/>
+                </a:solidFill>
+                <a:effectLst/>
+                <a:latin typeface="+mn-lt"/>
+                <a:ea typeface="+mn-ea"/>
+                <a:cs typeface="+mn-cs"/>
+              </a:rPr>
+              <a:t>FlexiBox est une entreprise jeune, fondée en 2018 par quatre jeunes ingénieurs diplômés de l'Institut Mines-Télécom Lille Douai. </a:t>
+            </a:r>
+            <a:r>
+              <a:rPr lang="fr-FR" sz="1200" kern="1200" smtClean="0">
+                <a:solidFill>
+                  <a:schemeClr val="tx1"/>
+                </a:solidFill>
+                <a:effectLst/>
+                <a:latin typeface="+mn-lt"/>
+                <a:ea typeface="+mn-ea"/>
+                <a:cs typeface="+mn-cs"/>
+              </a:rPr>
+              <a:t>Notre activité repose sur la proposition d’un service de stockage ou de récupération d’objets via une plateforme en ligne. </a:t>
+            </a:r>
+          </a:p>
+          <a:p>
+            <a:endParaRPr lang="fr-FR"/>
+          </a:p>
+        </p:txBody>
+      </p:sp>
+      <p:sp>
+        <p:nvSpPr>
+          <p:cNvPr id="4" name="Espace réservé du numéro de diapositive 3"/>
+          <p:cNvSpPr>
+            <a:spLocks noGrp="1"/>
+          </p:cNvSpPr>
+          <p:nvPr>
+            <p:ph type="sldNum" sz="quarter" idx="10"/>
+          </p:nvPr>
+        </p:nvSpPr>
+        <p:spPr/>
+        <p:txBody>
+          <a:bodyPr/>
+          <a:lstStyle/>
+          <a:p>
+            <a:fld id="{2A0120D1-53D4-4DEF-AC9A-EFAE93417851}" type="slidenum">
+              <a:rPr lang="fr-FR" smtClean="0"/>
+              <a:t>1</a:t>
+            </a:fld>
+            <a:endParaRPr lang="fr-FR"/>
+          </a:p>
+        </p:txBody>
+      </p:sp>
+    </p:spTree>
+    <p:extLst>
+      <p:ext uri="{BB962C8B-B14F-4D97-AF65-F5344CB8AC3E}">
+        <p14:creationId xmlns:p14="http://schemas.microsoft.com/office/powerpoint/2010/main" val="367990040"/>
+      </p:ext>
+    </p:extLst>
+  </p:cSld>
+  <p:clrMapOvr>
+    <a:masterClrMapping/>
+  </p:clrMapOvr>
+</p:notes>
+</file>
+
 <file path=ppt/slideLayouts/slideLayout1.xml><?xml version="1.0" encoding="utf-8"?>
 <p:sldLayout xmlns:a="http://schemas.openxmlformats.org/drawingml/2006/main" xmlns:r="http://schemas.openxmlformats.org/officeDocument/2006/relationships" xmlns:p="http://schemas.openxmlformats.org/presentationml/2006/main" showMasterSp="0" type="title" preserve="1">
   <p:cSld name="Diapositive de titre">
@@ -301,10 +780,9 @@
             </a:lvl1pPr>
           </a:lstStyle>
           <a:p>
-            <a:fld id="{87DE6118-2437-4B30-8E3C-4D2BE6020583}" type="datetimeFigureOut">
-              <a:rPr lang="en-US" dirty="0"/>
-              <a:pPr/>
-              <a:t>6/14/2018</a:t>
+            <a:fld id="{ADBF3710-20E8-45BD-B7E5-4117E2DF4BD9}" type="datetime1">
+              <a:rPr lang="en-US" smtClean="0"/>
+              <a:t>6/15/2018</a:t>
             </a:fld>
             <a:endParaRPr lang="en-US" dirty="0"/>
           </a:p>
@@ -628,9 +1106,9 @@
           <a:bodyPr/>
           <a:lstStyle/>
           <a:p>
-            <a:fld id="{87DE6118-2437-4B30-8E3C-4D2BE6020583}" type="datetimeFigureOut">
-              <a:rPr lang="en-US" dirty="0"/>
-              <a:t>6/14/2018</a:t>
+            <a:fld id="{34F44A48-85B7-443C-88F8-2E0841922090}" type="datetime1">
+              <a:rPr lang="en-US" smtClean="0"/>
+              <a:t>6/15/2018</a:t>
             </a:fld>
             <a:endParaRPr lang="en-US" dirty="0"/>
           </a:p>
@@ -803,9 +1281,9 @@
           <a:bodyPr/>
           <a:lstStyle/>
           <a:p>
-            <a:fld id="{87DE6118-2437-4B30-8E3C-4D2BE6020583}" type="datetimeFigureOut">
-              <a:rPr lang="en-US" dirty="0"/>
-              <a:t>6/14/2018</a:t>
+            <a:fld id="{6C22D405-5E0F-436E-AF3B-BAE915F643A7}" type="datetime1">
+              <a:rPr lang="en-US" smtClean="0"/>
+              <a:t>6/15/2018</a:t>
             </a:fld>
             <a:endParaRPr lang="en-US" dirty="0"/>
           </a:p>
@@ -968,9 +1446,9 @@
           <a:bodyPr/>
           <a:lstStyle/>
           <a:p>
-            <a:fld id="{87DE6118-2437-4B30-8E3C-4D2BE6020583}" type="datetimeFigureOut">
-              <a:rPr lang="en-US" dirty="0"/>
-              <a:t>6/14/2018</a:t>
+            <a:fld id="{0570DDFE-0A4E-4C4E-827F-645EE389D4DC}" type="datetime1">
+              <a:rPr lang="en-US" smtClean="0"/>
+              <a:t>6/15/2018</a:t>
             </a:fld>
             <a:endParaRPr lang="en-US" dirty="0"/>
           </a:p>
@@ -1240,10 +1718,9 @@
             </a:lvl1pPr>
           </a:lstStyle>
           <a:p>
-            <a:fld id="{87DE6118-2437-4B30-8E3C-4D2BE6020583}" type="datetimeFigureOut">
-              <a:rPr lang="en-US" dirty="0"/>
-              <a:pPr/>
-              <a:t>6/14/2018</a:t>
+            <a:fld id="{7B99FD39-45A6-4C7E-AAC1-F8279C46F4F3}" type="datetime1">
+              <a:rPr lang="en-US" smtClean="0"/>
+              <a:t>6/15/2018</a:t>
             </a:fld>
             <a:endParaRPr lang="en-US" dirty="0"/>
           </a:p>
@@ -1631,9 +2108,9 @@
           <a:bodyPr/>
           <a:lstStyle/>
           <a:p>
-            <a:fld id="{87DE6118-2437-4B30-8E3C-4D2BE6020583}" type="datetimeFigureOut">
-              <a:rPr lang="en-US" dirty="0"/>
-              <a:t>6/14/2018</a:t>
+            <a:fld id="{5DBCE697-C9F8-4781-BCF6-1DBDEE966137}" type="datetime1">
+              <a:rPr lang="en-US" smtClean="0"/>
+              <a:t>6/15/2018</a:t>
             </a:fld>
             <a:endParaRPr lang="en-US" dirty="0"/>
           </a:p>
@@ -2103,9 +2580,9 @@
           <a:bodyPr/>
           <a:lstStyle/>
           <a:p>
-            <a:fld id="{87DE6118-2437-4B30-8E3C-4D2BE6020583}" type="datetimeFigureOut">
-              <a:rPr lang="en-US" dirty="0"/>
-              <a:t>6/14/2018</a:t>
+            <a:fld id="{6EF86E0B-4555-4CBE-98C1-5FB26DE501B8}" type="datetime1">
+              <a:rPr lang="en-US" smtClean="0"/>
+              <a:t>6/15/2018</a:t>
             </a:fld>
             <a:endParaRPr lang="en-US" dirty="0"/>
           </a:p>
@@ -2216,9 +2693,9 @@
           <a:bodyPr/>
           <a:lstStyle/>
           <a:p>
-            <a:fld id="{87DE6118-2437-4B30-8E3C-4D2BE6020583}" type="datetimeFigureOut">
-              <a:rPr lang="en-US" dirty="0"/>
-              <a:t>6/14/2018</a:t>
+            <a:fld id="{B3121AAB-4C26-427F-82B2-5A722C45B78E}" type="datetime1">
+              <a:rPr lang="en-US" smtClean="0"/>
+              <a:t>6/15/2018</a:t>
             </a:fld>
             <a:endParaRPr lang="en-US" dirty="0"/>
           </a:p>
@@ -2306,9 +2783,9 @@
           <a:bodyPr/>
           <a:lstStyle/>
           <a:p>
-            <a:fld id="{87DE6118-2437-4B30-8E3C-4D2BE6020583}" type="datetimeFigureOut">
-              <a:rPr lang="en-US" dirty="0"/>
-              <a:t>6/14/2018</a:t>
+            <a:fld id="{EEBDD5AD-82C4-4059-85EA-AFA5F89284B2}" type="datetime1">
+              <a:rPr lang="en-US" smtClean="0"/>
+              <a:t>6/15/2018</a:t>
             </a:fld>
             <a:endParaRPr lang="en-US" dirty="0"/>
           </a:p>
@@ -2647,10 +3124,9 @@
             </a:lvl1pPr>
           </a:lstStyle>
           <a:p>
-            <a:fld id="{87DE6118-2437-4B30-8E3C-4D2BE6020583}" type="datetimeFigureOut">
-              <a:rPr lang="en-US" dirty="0"/>
-              <a:pPr/>
-              <a:t>6/14/2018</a:t>
+            <a:fld id="{6BA4802A-FB1A-4944-AFFA-5DB820BE4EAE}" type="datetime1">
+              <a:rPr lang="en-US" smtClean="0"/>
+              <a:t>6/15/2018</a:t>
             </a:fld>
             <a:endParaRPr lang="en-US" dirty="0"/>
           </a:p>
@@ -3032,10 +3508,9 @@
             </a:lvl1pPr>
           </a:lstStyle>
           <a:p>
-            <a:fld id="{87DE6118-2437-4B30-8E3C-4D2BE6020583}" type="datetimeFigureOut">
-              <a:rPr lang="en-US" dirty="0"/>
-              <a:pPr/>
-              <a:t>6/14/2018</a:t>
+            <a:fld id="{92DD9C95-29A4-4D87-AEFB-D333402FEFBF}" type="datetime1">
+              <a:rPr lang="en-US" smtClean="0"/>
+              <a:t>6/15/2018</a:t>
             </a:fld>
             <a:endParaRPr lang="en-US" dirty="0"/>
           </a:p>
@@ -3307,10 +3782,9 @@
             </a:lvl1pPr>
           </a:lstStyle>
           <a:p>
-            <a:fld id="{87DE6118-2437-4B30-8E3C-4D2BE6020583}" type="datetimeFigureOut">
-              <a:rPr lang="en-US" dirty="0"/>
-              <a:pPr/>
-              <a:t>6/14/2018</a:t>
+            <a:fld id="{935900FF-37CD-4D7D-99DA-BBABF966F434}" type="datetime1">
+              <a:rPr lang="en-US" smtClean="0"/>
+              <a:t>6/15/2018</a:t>
             </a:fld>
             <a:endParaRPr lang="en-US" dirty="0"/>
           </a:p>
@@ -3445,6 +3919,7 @@
     <p:sldLayoutId id="2147483658" r:id="rId10"/>
     <p:sldLayoutId id="2147483659" r:id="rId11"/>
   </p:sldLayoutIdLst>
+  <p:hf hdr="0" ftr="0" dt="0"/>
   <p:txStyles>
     <p:titleStyle>
       <a:lvl1pPr algn="l" defTabSz="914400" rtl="0" eaLnBrk="1" latinLnBrk="0" hangingPunct="1">
@@ -3820,233 +4295,202 @@
       </p:grpSpPr>
       <p:sp>
         <p:nvSpPr>
-          <p:cNvPr id="3" name="Espace réservé du contenu 2"/>
+          <p:cNvPr id="2" name="Titre 1"/>
           <p:cNvSpPr>
             <a:spLocks noGrp="1"/>
           </p:cNvSpPr>
           <p:nvPr>
-            <p:ph idx="1"/>
+            <p:ph type="ctrTitle"/>
           </p:nvPr>
         </p:nvSpPr>
-        <p:spPr/>
+        <p:spPr>
+          <a:xfrm>
+            <a:off x="1742600" y="813669"/>
+            <a:ext cx="8361229" cy="2098226"/>
+          </a:xfrm>
+        </p:spPr>
         <p:txBody>
           <a:bodyPr/>
           <a:lstStyle/>
           <a:p>
             <a:r>
-              <a:rPr lang="fr-FR"/>
-              <a:t>Dans cette présentation, vous nous considérerez comme des clients, nous attendons donc :</a:t>
-            </a:r>
-          </a:p>
-          <a:p>
-            <a:pPr lvl="1"/>
-            <a:r>
-              <a:rPr lang="fr-FR"/>
-              <a:t>Une rapide présentation du contexte,</a:t>
-            </a:r>
-          </a:p>
-          <a:p>
-            <a:pPr lvl="1"/>
-            <a:r>
-              <a:rPr lang="fr-FR"/>
-              <a:t>Les solutions que vous proposez et vous les argumenterez (prix/délai),</a:t>
-            </a:r>
-          </a:p>
-          <a:p>
-            <a:pPr lvl="1"/>
-            <a:r>
-              <a:rPr lang="fr-FR"/>
-              <a:t>Une présentation de l’ergonomie des écrans.</a:t>
-            </a:r>
+              <a:rPr lang="fr-FR" dirty="0"/>
+              <a:t>FLEXIBOX</a:t>
+            </a:r>
+          </a:p>
+        </p:txBody>
+      </p:sp>
+      <p:sp>
+        <p:nvSpPr>
+          <p:cNvPr id="3" name="Sous-titre 2"/>
+          <p:cNvSpPr>
+            <a:spLocks noGrp="1"/>
+          </p:cNvSpPr>
+          <p:nvPr>
+            <p:ph type="subTitle" idx="1"/>
+          </p:nvPr>
+        </p:nvSpPr>
+        <p:spPr>
+          <a:xfrm>
+            <a:off x="2507378" y="2981494"/>
+            <a:ext cx="6831673" cy="1086237"/>
+          </a:xfrm>
+        </p:spPr>
+        <p:txBody>
+          <a:bodyPr/>
+          <a:lstStyle/>
+          <a:p>
+            <a:r>
+              <a:rPr lang="fr-FR" dirty="0"/>
+              <a:t>Solution de stockage et de partage d’objets</a:t>
+            </a:r>
+          </a:p>
+        </p:txBody>
+      </p:sp>
+      <p:pic>
+        <p:nvPicPr>
+          <p:cNvPr id="5" name="Image 4"/>
+          <p:cNvPicPr>
+            <a:picLocks noChangeAspect="1"/>
+          </p:cNvPicPr>
+          <p:nvPr/>
+        </p:nvPicPr>
+        <p:blipFill>
+          <a:blip r:embed="rId3">
+            <a:extLst>
+              <a:ext uri="{28A0092B-C50C-407E-A947-70E740481C1C}">
+                <a14:useLocalDpi xmlns:a14="http://schemas.microsoft.com/office/drawing/2010/main" val="0"/>
+              </a:ext>
+            </a:extLst>
+          </a:blip>
+          <a:stretch>
+            <a:fillRect/>
+          </a:stretch>
+        </p:blipFill>
+        <p:spPr>
+          <a:xfrm>
+            <a:off x="605288" y="5303040"/>
+            <a:ext cx="2362200" cy="1338580"/>
+          </a:xfrm>
+          <a:prstGeom prst="rect">
+            <a:avLst/>
+          </a:prstGeom>
+        </p:spPr>
+      </p:pic>
+      <p:pic>
+        <p:nvPicPr>
+          <p:cNvPr id="6" name="Image 5"/>
+          <p:cNvPicPr>
+            <a:picLocks noChangeAspect="1"/>
+          </p:cNvPicPr>
+          <p:nvPr/>
+        </p:nvPicPr>
+        <p:blipFill>
+          <a:blip r:embed="rId4">
+            <a:extLst>
+              <a:ext uri="{28A0092B-C50C-407E-A947-70E740481C1C}">
+                <a14:useLocalDpi xmlns:a14="http://schemas.microsoft.com/office/drawing/2010/main" val="0"/>
+              </a:ext>
+            </a:extLst>
+          </a:blip>
+          <a:stretch>
+            <a:fillRect/>
+          </a:stretch>
+        </p:blipFill>
+        <p:spPr>
+          <a:xfrm>
+            <a:off x="9627308" y="140593"/>
+            <a:ext cx="1871704" cy="1456246"/>
+          </a:xfrm>
+          <a:prstGeom prst="rect">
+            <a:avLst/>
+          </a:prstGeom>
+        </p:spPr>
+      </p:pic>
+      <p:sp>
+        <p:nvSpPr>
+          <p:cNvPr id="4" name="ZoneTexte 3"/>
+          <p:cNvSpPr txBox="1"/>
+          <p:nvPr/>
+        </p:nvSpPr>
+        <p:spPr>
+          <a:xfrm>
+            <a:off x="3744283" y="3864634"/>
+            <a:ext cx="4357861" cy="1200329"/>
+          </a:xfrm>
+          <a:prstGeom prst="rect">
+            <a:avLst/>
+          </a:prstGeom>
+          <a:noFill/>
+        </p:spPr>
+        <p:txBody>
+          <a:bodyPr wrap="none" rtlCol="0">
+            <a:spAutoFit/>
+          </a:bodyPr>
+          <a:lstStyle/>
+          <a:p>
+            <a:pPr algn="ctr"/>
+            <a:r>
+              <a:rPr lang="fr-FR" i="1" dirty="0"/>
+              <a:t>SORANO Clément : Chef de projet </a:t>
+            </a:r>
+            <a:endParaRPr lang="fr-FR" i="1" dirty="0" smtClean="0"/>
+          </a:p>
+          <a:p>
+            <a:pPr algn="ctr"/>
+            <a:r>
+              <a:rPr lang="fr-FR" i="1" dirty="0"/>
+              <a:t>ALLEXANDRE Cyril : Commercial </a:t>
+            </a:r>
+            <a:endParaRPr lang="fr-FR" i="1" dirty="0"/>
+          </a:p>
+          <a:p>
+            <a:pPr algn="ctr"/>
+            <a:r>
+              <a:rPr lang="fr-FR" i="1" dirty="0"/>
+              <a:t>HENON </a:t>
+            </a:r>
+            <a:r>
+              <a:rPr lang="fr-FR" i="1" dirty="0"/>
+              <a:t>Emilien : Graphiste </a:t>
+            </a:r>
+            <a:endParaRPr lang="fr-FR" i="1" dirty="0"/>
+          </a:p>
+          <a:p>
+            <a:pPr algn="ctr"/>
+            <a:r>
+              <a:rPr lang="fr-FR" i="1" dirty="0"/>
+              <a:t>LEGRAND </a:t>
+            </a:r>
+            <a:r>
+              <a:rPr lang="fr-FR" i="1" dirty="0"/>
+              <a:t>Dylan : Responsable du contenu</a:t>
+            </a:r>
+            <a:endParaRPr lang="fr-FR" i="1" dirty="0"/>
           </a:p>
         </p:txBody>
       </p:sp>
     </p:spTree>
     <p:extLst>
       <p:ext uri="{BB962C8B-B14F-4D97-AF65-F5344CB8AC3E}">
-        <p14:creationId xmlns:p14="http://schemas.microsoft.com/office/powerpoint/2010/main" val="4286319864"/>
+        <p14:creationId xmlns:p14="http://schemas.microsoft.com/office/powerpoint/2010/main" val="729914770"/>
       </p:ext>
     </p:extLst>
   </p:cSld>
   <p:clrMapOvr>
     <a:masterClrMapping/>
   </p:clrMapOvr>
+  <p:timing>
+    <p:tnLst>
+      <p:par>
+        <p:cTn id="1" dur="indefinite" restart="never" nodeType="tmRoot"/>
+      </p:par>
+    </p:tnLst>
+  </p:timing>
 </p:sld>
 </file>
 
 <file path=ppt/slides/slide10.xml><?xml version="1.0" encoding="utf-8"?>
-<p:sld xmlns:a="http://schemas.openxmlformats.org/drawingml/2006/main" xmlns:r="http://schemas.openxmlformats.org/officeDocument/2006/relationships" xmlns:p="http://schemas.openxmlformats.org/presentationml/2006/main">
-  <p:cSld>
-    <p:spTree>
-      <p:nvGrpSpPr>
-        <p:cNvPr id="1" name=""/>
-        <p:cNvGrpSpPr/>
-        <p:nvPr/>
-      </p:nvGrpSpPr>
-      <p:grpSpPr>
-        <a:xfrm>
-          <a:off x="0" y="0"/>
-          <a:ext cx="0" cy="0"/>
-          <a:chOff x="0" y="0"/>
-          <a:chExt cx="0" cy="0"/>
-        </a:xfrm>
-      </p:grpSpPr>
-      <p:sp>
-        <p:nvSpPr>
-          <p:cNvPr id="2" name="Titre 1"/>
-          <p:cNvSpPr>
-            <a:spLocks noGrp="1"/>
-          </p:cNvSpPr>
-          <p:nvPr>
-            <p:ph type="title"/>
-          </p:nvPr>
-        </p:nvSpPr>
-        <p:spPr>
-          <a:xfrm>
-            <a:off x="1371600" y="685800"/>
-            <a:ext cx="9601200" cy="703053"/>
-          </a:xfrm>
-        </p:spPr>
-        <p:txBody>
-          <a:bodyPr/>
-          <a:lstStyle/>
-          <a:p>
-            <a:r>
-              <a:rPr lang="fr-FR"/>
-              <a:t>Ergonomie</a:t>
-            </a:r>
-          </a:p>
-        </p:txBody>
-      </p:sp>
-      <p:sp>
-        <p:nvSpPr>
-          <p:cNvPr id="3" name="Espace réservé du contenu 2"/>
-          <p:cNvSpPr>
-            <a:spLocks noGrp="1"/>
-          </p:cNvSpPr>
-          <p:nvPr>
-            <p:ph idx="1"/>
-          </p:nvPr>
-        </p:nvSpPr>
-        <p:spPr/>
-        <p:txBody>
-          <a:bodyPr/>
-          <a:lstStyle/>
-          <a:p>
-            <a:r>
-              <a:rPr lang="fr-FR"/>
-              <a:t>Femmes ou hommes</a:t>
-            </a:r>
-          </a:p>
-          <a:p>
-            <a:r>
-              <a:rPr lang="fr-FR"/>
-              <a:t>Tranche d’âge 20-35 ans</a:t>
-            </a:r>
-          </a:p>
-          <a:p>
-            <a:r>
-              <a:rPr lang="fr-FR"/>
-              <a:t>Volume d’affaires</a:t>
-            </a:r>
-          </a:p>
-          <a:p>
-            <a:pPr lvl="1"/>
-            <a:r>
-              <a:rPr lang="fr-FR"/>
-              <a:t>Acheteurs compulsifs</a:t>
-            </a:r>
-          </a:p>
-          <a:p>
-            <a:pPr lvl="1"/>
-            <a:r>
-              <a:rPr lang="fr-FR"/>
-              <a:t>Collectionneurs</a:t>
-            </a:r>
-          </a:p>
-          <a:p>
-            <a:pPr lvl="1"/>
-            <a:r>
-              <a:rPr lang="fr-FR"/>
-              <a:t>Matérialistes</a:t>
-            </a:r>
-          </a:p>
-          <a:p>
-            <a:r>
-              <a:rPr lang="fr-FR"/>
-              <a:t>Classe moyenne</a:t>
-            </a:r>
-          </a:p>
-          <a:p>
-            <a:r>
-              <a:rPr lang="fr-FR"/>
-              <a:t>Sécurité</a:t>
-            </a:r>
-          </a:p>
-        </p:txBody>
-      </p:sp>
-      <p:sp>
-        <p:nvSpPr>
-          <p:cNvPr id="4" name="Titre 1"/>
-          <p:cNvSpPr txBox="1">
-            <a:spLocks/>
-          </p:cNvSpPr>
-          <p:nvPr/>
-        </p:nvSpPr>
-        <p:spPr>
-          <a:xfrm>
-            <a:off x="1371600" y="1388853"/>
-            <a:ext cx="9601200" cy="473015"/>
-          </a:xfrm>
-          <a:prstGeom prst="rect">
-            <a:avLst/>
-          </a:prstGeom>
-        </p:spPr>
-        <p:txBody>
-          <a:bodyPr vert="horz" lIns="91440" tIns="45720" rIns="91440" bIns="45720" rtlCol="0" anchor="t">
-            <a:normAutofit/>
-          </a:bodyPr>
-          <a:lstStyle>
-            <a:lvl1pPr algn="l" defTabSz="914400" rtl="0" eaLnBrk="1" latinLnBrk="0" hangingPunct="1">
-              <a:lnSpc>
-                <a:spcPct val="89000"/>
-              </a:lnSpc>
-              <a:spcBef>
-                <a:spcPct val="0"/>
-              </a:spcBef>
-              <a:buNone/>
-              <a:defRPr sz="4400" kern="1200" baseline="0">
-                <a:solidFill>
-                  <a:schemeClr val="tx2"/>
-                </a:solidFill>
-                <a:latin typeface="+mj-lt"/>
-                <a:ea typeface="+mj-ea"/>
-                <a:cs typeface="+mj-cs"/>
-              </a:defRPr>
-            </a:lvl1pPr>
-          </a:lstStyle>
-          <a:p>
-            <a:r>
-              <a:rPr lang="fr-FR" sz="2800"/>
-              <a:t>A qui s’adresse-t-on ?</a:t>
-            </a:r>
-          </a:p>
-        </p:txBody>
-      </p:sp>
-    </p:spTree>
-    <p:extLst>
-      <p:ext uri="{BB962C8B-B14F-4D97-AF65-F5344CB8AC3E}">
-        <p14:creationId xmlns:p14="http://schemas.microsoft.com/office/powerpoint/2010/main" val="2838513145"/>
-      </p:ext>
-    </p:extLst>
-  </p:cSld>
-  <p:clrMapOvr>
-    <a:masterClrMapping/>
-  </p:clrMapOvr>
-</p:sld>
-</file>
-
-<file path=ppt/slides/slide11.xml><?xml version="1.0" encoding="utf-8"?>
 <p:sld xmlns:a="http://schemas.openxmlformats.org/drawingml/2006/main" xmlns:r="http://schemas.openxmlformats.org/officeDocument/2006/relationships" xmlns:p="http://schemas.openxmlformats.org/presentationml/2006/main">
   <p:cSld>
     <p:spTree>
@@ -4351,6 +4795,29 @@
           </a:p>
         </p:txBody>
       </p:sp>
+      <p:sp>
+        <p:nvSpPr>
+          <p:cNvPr id="2" name="Espace réservé du numéro de diapositive 1"/>
+          <p:cNvSpPr>
+            <a:spLocks noGrp="1"/>
+          </p:cNvSpPr>
+          <p:nvPr>
+            <p:ph type="sldNum" sz="quarter" idx="12"/>
+          </p:nvPr>
+        </p:nvSpPr>
+        <p:spPr/>
+        <p:txBody>
+          <a:bodyPr/>
+          <a:lstStyle/>
+          <a:p>
+            <a:fld id="{69E57DC2-970A-4B3E-BB1C-7A09969E49DF}" type="slidenum">
+              <a:rPr lang="en-US" smtClean="0"/>
+              <a:t>10</a:t>
+            </a:fld>
+            <a:endParaRPr lang="en-US" dirty="0"/>
+          </a:p>
+        </p:txBody>
+      </p:sp>
     </p:spTree>
     <p:extLst>
       <p:ext uri="{BB962C8B-B14F-4D97-AF65-F5344CB8AC3E}">
@@ -4361,10 +4828,17 @@
   <p:clrMapOvr>
     <a:masterClrMapping/>
   </p:clrMapOvr>
+  <p:timing>
+    <p:tnLst>
+      <p:par>
+        <p:cTn id="1" dur="indefinite" restart="never" nodeType="tmRoot"/>
+      </p:par>
+    </p:tnLst>
+  </p:timing>
 </p:sld>
 </file>
 
-<file path=ppt/slides/slide12.xml><?xml version="1.0" encoding="utf-8"?>
+<file path=ppt/slides/slide11.xml><?xml version="1.0" encoding="utf-8"?>
 <p:sld xmlns:a="http://schemas.openxmlformats.org/drawingml/2006/main" xmlns:r="http://schemas.openxmlformats.org/officeDocument/2006/relationships" xmlns:p="http://schemas.openxmlformats.org/presentationml/2006/main">
   <p:cSld>
     <p:spTree>
@@ -4574,6 +5048,29 @@
           </a:p>
         </p:txBody>
       </p:sp>
+      <p:sp>
+        <p:nvSpPr>
+          <p:cNvPr id="2" name="Espace réservé du numéro de diapositive 1"/>
+          <p:cNvSpPr>
+            <a:spLocks noGrp="1"/>
+          </p:cNvSpPr>
+          <p:nvPr>
+            <p:ph type="sldNum" sz="quarter" idx="12"/>
+          </p:nvPr>
+        </p:nvSpPr>
+        <p:spPr/>
+        <p:txBody>
+          <a:bodyPr/>
+          <a:lstStyle/>
+          <a:p>
+            <a:fld id="{69E57DC2-970A-4B3E-BB1C-7A09969E49DF}" type="slidenum">
+              <a:rPr lang="en-US" smtClean="0"/>
+              <a:t>11</a:t>
+            </a:fld>
+            <a:endParaRPr lang="en-US" dirty="0"/>
+          </a:p>
+        </p:txBody>
+      </p:sp>
     </p:spTree>
     <p:extLst>
       <p:ext uri="{BB962C8B-B14F-4D97-AF65-F5344CB8AC3E}">
@@ -4584,10 +5081,17 @@
   <p:clrMapOvr>
     <a:masterClrMapping/>
   </p:clrMapOvr>
+  <p:timing>
+    <p:tnLst>
+      <p:par>
+        <p:cTn id="1" dur="indefinite" restart="never" nodeType="tmRoot"/>
+      </p:par>
+    </p:tnLst>
+  </p:timing>
 </p:sld>
 </file>
 
-<file path=ppt/slides/slide13.xml><?xml version="1.0" encoding="utf-8"?>
+<file path=ppt/slides/slide12.xml><?xml version="1.0" encoding="utf-8"?>
 <p:sld xmlns:a="http://schemas.openxmlformats.org/drawingml/2006/main" xmlns:r="http://schemas.openxmlformats.org/officeDocument/2006/relationships" xmlns:p="http://schemas.openxmlformats.org/presentationml/2006/main">
   <p:cSld>
     <p:spTree>
@@ -4797,6 +5301,29 @@
           </a:p>
         </p:txBody>
       </p:sp>
+      <p:sp>
+        <p:nvSpPr>
+          <p:cNvPr id="2" name="Espace réservé du numéro de diapositive 1"/>
+          <p:cNvSpPr>
+            <a:spLocks noGrp="1"/>
+          </p:cNvSpPr>
+          <p:nvPr>
+            <p:ph type="sldNum" sz="quarter" idx="12"/>
+          </p:nvPr>
+        </p:nvSpPr>
+        <p:spPr/>
+        <p:txBody>
+          <a:bodyPr/>
+          <a:lstStyle/>
+          <a:p>
+            <a:fld id="{69E57DC2-970A-4B3E-BB1C-7A09969E49DF}" type="slidenum">
+              <a:rPr lang="en-US" smtClean="0"/>
+              <a:t>12</a:t>
+            </a:fld>
+            <a:endParaRPr lang="en-US" dirty="0"/>
+          </a:p>
+        </p:txBody>
+      </p:sp>
     </p:spTree>
     <p:extLst>
       <p:ext uri="{BB962C8B-B14F-4D97-AF65-F5344CB8AC3E}">
@@ -4807,10 +5334,17 @@
   <p:clrMapOvr>
     <a:masterClrMapping/>
   </p:clrMapOvr>
+  <p:timing>
+    <p:tnLst>
+      <p:par>
+        <p:cTn id="1" dur="indefinite" restart="never" nodeType="tmRoot"/>
+      </p:par>
+    </p:tnLst>
+  </p:timing>
 </p:sld>
 </file>
 
-<file path=ppt/slides/slide14.xml><?xml version="1.0" encoding="utf-8"?>
+<file path=ppt/slides/slide13.xml><?xml version="1.0" encoding="utf-8"?>
 <p:sld xmlns:a="http://schemas.openxmlformats.org/drawingml/2006/main" xmlns:r="http://schemas.openxmlformats.org/officeDocument/2006/relationships" xmlns:p="http://schemas.openxmlformats.org/presentationml/2006/main">
   <p:cSld>
     <p:spTree>
@@ -5081,6 +5615,29 @@
           </a:fontRef>
         </p:style>
       </p:cxnSp>
+      <p:sp>
+        <p:nvSpPr>
+          <p:cNvPr id="2" name="Espace réservé du numéro de diapositive 1"/>
+          <p:cNvSpPr>
+            <a:spLocks noGrp="1"/>
+          </p:cNvSpPr>
+          <p:nvPr>
+            <p:ph type="sldNum" sz="quarter" idx="12"/>
+          </p:nvPr>
+        </p:nvSpPr>
+        <p:spPr/>
+        <p:txBody>
+          <a:bodyPr/>
+          <a:lstStyle/>
+          <a:p>
+            <a:fld id="{69E57DC2-970A-4B3E-BB1C-7A09969E49DF}" type="slidenum">
+              <a:rPr lang="en-US" smtClean="0"/>
+              <a:t>13</a:t>
+            </a:fld>
+            <a:endParaRPr lang="en-US" dirty="0"/>
+          </a:p>
+        </p:txBody>
+      </p:sp>
     </p:spTree>
     <p:extLst>
       <p:ext uri="{BB962C8B-B14F-4D97-AF65-F5344CB8AC3E}">
@@ -5094,7 +5651,7 @@
 </p:sld>
 </file>
 
-<file path=ppt/slides/slide15.xml><?xml version="1.0" encoding="utf-8"?>
+<file path=ppt/slides/slide14.xml><?xml version="1.0" encoding="utf-8"?>
 <p:sld xmlns:a="http://schemas.openxmlformats.org/drawingml/2006/main" xmlns:r="http://schemas.openxmlformats.org/officeDocument/2006/relationships" xmlns:p="http://schemas.openxmlformats.org/presentationml/2006/main">
   <p:cSld>
     <p:spTree>
@@ -5308,6 +5865,29 @@
           </a:prstGeom>
         </p:spPr>
       </p:pic>
+      <p:sp>
+        <p:nvSpPr>
+          <p:cNvPr id="2" name="Espace réservé du numéro de diapositive 1"/>
+          <p:cNvSpPr>
+            <a:spLocks noGrp="1"/>
+          </p:cNvSpPr>
+          <p:nvPr>
+            <p:ph type="sldNum" sz="quarter" idx="12"/>
+          </p:nvPr>
+        </p:nvSpPr>
+        <p:spPr/>
+        <p:txBody>
+          <a:bodyPr/>
+          <a:lstStyle/>
+          <a:p>
+            <a:fld id="{69E57DC2-970A-4B3E-BB1C-7A09969E49DF}" type="slidenum">
+              <a:rPr lang="en-US" smtClean="0"/>
+              <a:t>14</a:t>
+            </a:fld>
+            <a:endParaRPr lang="en-US" dirty="0"/>
+          </a:p>
+        </p:txBody>
+      </p:sp>
     </p:spTree>
     <p:extLst>
       <p:ext uri="{BB962C8B-B14F-4D97-AF65-F5344CB8AC3E}">
@@ -5321,7 +5901,7 @@
 </p:sld>
 </file>
 
-<file path=ppt/slides/slide16.xml><?xml version="1.0" encoding="utf-8"?>
+<file path=ppt/slides/slide15.xml><?xml version="1.0" encoding="utf-8"?>
 <p:sld xmlns:a="http://schemas.openxmlformats.org/drawingml/2006/main" xmlns:r="http://schemas.openxmlformats.org/officeDocument/2006/relationships" xmlns:p="http://schemas.openxmlformats.org/presentationml/2006/main">
   <p:cSld>
     <p:spTree>
@@ -5472,6 +6052,29 @@
           </a:p>
         </p:txBody>
       </p:sp>
+      <p:sp>
+        <p:nvSpPr>
+          <p:cNvPr id="3" name="Espace réservé du numéro de diapositive 2"/>
+          <p:cNvSpPr>
+            <a:spLocks noGrp="1"/>
+          </p:cNvSpPr>
+          <p:nvPr>
+            <p:ph type="sldNum" sz="quarter" idx="12"/>
+          </p:nvPr>
+        </p:nvSpPr>
+        <p:spPr/>
+        <p:txBody>
+          <a:bodyPr/>
+          <a:lstStyle/>
+          <a:p>
+            <a:fld id="{69E57DC2-970A-4B3E-BB1C-7A09969E49DF}" type="slidenum">
+              <a:rPr lang="en-US" smtClean="0"/>
+              <a:t>15</a:t>
+            </a:fld>
+            <a:endParaRPr lang="en-US" dirty="0"/>
+          </a:p>
+        </p:txBody>
+      </p:sp>
     </p:spTree>
     <p:extLst>
       <p:ext uri="{BB962C8B-B14F-4D97-AF65-F5344CB8AC3E}">
@@ -5485,7 +6088,7 @@
 </p:sld>
 </file>
 
-<file path=ppt/slides/slide17.xml><?xml version="1.0" encoding="utf-8"?>
+<file path=ppt/slides/slide16.xml><?xml version="1.0" encoding="utf-8"?>
 <p:sld xmlns:a="http://schemas.openxmlformats.org/drawingml/2006/main" xmlns:r="http://schemas.openxmlformats.org/officeDocument/2006/relationships" xmlns:p="http://schemas.openxmlformats.org/presentationml/2006/main">
   <p:cSld>
     <p:spTree>
@@ -5636,6 +6239,29 @@
           </a:prstGeom>
         </p:spPr>
       </p:pic>
+      <p:sp>
+        <p:nvSpPr>
+          <p:cNvPr id="3" name="Espace réservé du numéro de diapositive 2"/>
+          <p:cNvSpPr>
+            <a:spLocks noGrp="1"/>
+          </p:cNvSpPr>
+          <p:nvPr>
+            <p:ph type="sldNum" sz="quarter" idx="12"/>
+          </p:nvPr>
+        </p:nvSpPr>
+        <p:spPr/>
+        <p:txBody>
+          <a:bodyPr/>
+          <a:lstStyle/>
+          <a:p>
+            <a:fld id="{69E57DC2-970A-4B3E-BB1C-7A09969E49DF}" type="slidenum">
+              <a:rPr lang="en-US" smtClean="0"/>
+              <a:t>16</a:t>
+            </a:fld>
+            <a:endParaRPr lang="en-US" dirty="0"/>
+          </a:p>
+        </p:txBody>
+      </p:sp>
     </p:spTree>
     <p:extLst>
       <p:ext uri="{BB962C8B-B14F-4D97-AF65-F5344CB8AC3E}">
@@ -5649,7 +6275,7 @@
 </p:sld>
 </file>
 
-<file path=ppt/slides/slide18.xml><?xml version="1.0" encoding="utf-8"?>
+<file path=ppt/slides/slide17.xml><?xml version="1.0" encoding="utf-8"?>
 <p:sld xmlns:a="http://schemas.openxmlformats.org/drawingml/2006/main" xmlns:r="http://schemas.openxmlformats.org/officeDocument/2006/relationships" xmlns:p="http://schemas.openxmlformats.org/presentationml/2006/main">
   <p:cSld>
     <p:spTree>
@@ -5829,6 +6455,29 @@
           </a:p>
         </p:txBody>
       </p:sp>
+      <p:sp>
+        <p:nvSpPr>
+          <p:cNvPr id="2" name="Espace réservé du numéro de diapositive 1"/>
+          <p:cNvSpPr>
+            <a:spLocks noGrp="1"/>
+          </p:cNvSpPr>
+          <p:nvPr>
+            <p:ph type="sldNum" sz="quarter" idx="12"/>
+          </p:nvPr>
+        </p:nvSpPr>
+        <p:spPr/>
+        <p:txBody>
+          <a:bodyPr/>
+          <a:lstStyle/>
+          <a:p>
+            <a:fld id="{69E57DC2-970A-4B3E-BB1C-7A09969E49DF}" type="slidenum">
+              <a:rPr lang="en-US" smtClean="0"/>
+              <a:t>17</a:t>
+            </a:fld>
+            <a:endParaRPr lang="en-US" dirty="0"/>
+          </a:p>
+        </p:txBody>
+      </p:sp>
     </p:spTree>
     <p:extLst>
       <p:ext uri="{BB962C8B-B14F-4D97-AF65-F5344CB8AC3E}">
@@ -5842,7 +6491,7 @@
 </p:sld>
 </file>
 
-<file path=ppt/slides/slide19.xml><?xml version="1.0" encoding="utf-8"?>
+<file path=ppt/slides/slide18.xml><?xml version="1.0" encoding="utf-8"?>
 <p:sld xmlns:a="http://schemas.openxmlformats.org/drawingml/2006/main" xmlns:r="http://schemas.openxmlformats.org/officeDocument/2006/relationships" xmlns:p="http://schemas.openxmlformats.org/presentationml/2006/main">
   <p:cSld>
     <p:spTree>
@@ -5993,6 +6642,29 @@
           </a:prstGeom>
         </p:spPr>
       </p:pic>
+      <p:sp>
+        <p:nvSpPr>
+          <p:cNvPr id="2" name="Espace réservé du numéro de diapositive 1"/>
+          <p:cNvSpPr>
+            <a:spLocks noGrp="1"/>
+          </p:cNvSpPr>
+          <p:nvPr>
+            <p:ph type="sldNum" sz="quarter" idx="12"/>
+          </p:nvPr>
+        </p:nvSpPr>
+        <p:spPr/>
+        <p:txBody>
+          <a:bodyPr/>
+          <a:lstStyle/>
+          <a:p>
+            <a:fld id="{69E57DC2-970A-4B3E-BB1C-7A09969E49DF}" type="slidenum">
+              <a:rPr lang="en-US" smtClean="0"/>
+              <a:t>18</a:t>
+            </a:fld>
+            <a:endParaRPr lang="en-US" dirty="0"/>
+          </a:p>
+        </p:txBody>
+      </p:sp>
     </p:spTree>
     <p:extLst>
       <p:ext uri="{BB962C8B-B14F-4D97-AF65-F5344CB8AC3E}">
@@ -6006,202 +6678,7 @@
 </p:sld>
 </file>
 
-<file path=ppt/slides/slide2.xml><?xml version="1.0" encoding="utf-8"?>
-<p:sld xmlns:a="http://schemas.openxmlformats.org/drawingml/2006/main" xmlns:r="http://schemas.openxmlformats.org/officeDocument/2006/relationships" xmlns:p="http://schemas.openxmlformats.org/presentationml/2006/main">
-  <p:cSld>
-    <p:spTree>
-      <p:nvGrpSpPr>
-        <p:cNvPr id="1" name=""/>
-        <p:cNvGrpSpPr/>
-        <p:nvPr/>
-      </p:nvGrpSpPr>
-      <p:grpSpPr>
-        <a:xfrm>
-          <a:off x="0" y="0"/>
-          <a:ext cx="0" cy="0"/>
-          <a:chOff x="0" y="0"/>
-          <a:chExt cx="0" cy="0"/>
-        </a:xfrm>
-      </p:grpSpPr>
-      <p:sp>
-        <p:nvSpPr>
-          <p:cNvPr id="2" name="Titre 1"/>
-          <p:cNvSpPr>
-            <a:spLocks noGrp="1"/>
-          </p:cNvSpPr>
-          <p:nvPr>
-            <p:ph type="ctrTitle"/>
-          </p:nvPr>
-        </p:nvSpPr>
-        <p:spPr>
-          <a:xfrm>
-            <a:off x="1742600" y="813669"/>
-            <a:ext cx="8361229" cy="2098226"/>
-          </a:xfrm>
-        </p:spPr>
-        <p:txBody>
-          <a:bodyPr/>
-          <a:lstStyle/>
-          <a:p>
-            <a:r>
-              <a:rPr lang="fr-FR" dirty="0"/>
-              <a:t>FLEXIBOX</a:t>
-            </a:r>
-          </a:p>
-        </p:txBody>
-      </p:sp>
-      <p:sp>
-        <p:nvSpPr>
-          <p:cNvPr id="3" name="Sous-titre 2"/>
-          <p:cNvSpPr>
-            <a:spLocks noGrp="1"/>
-          </p:cNvSpPr>
-          <p:nvPr>
-            <p:ph type="subTitle" idx="1"/>
-          </p:nvPr>
-        </p:nvSpPr>
-        <p:spPr>
-          <a:xfrm>
-            <a:off x="2507378" y="2981494"/>
-            <a:ext cx="6831673" cy="1086237"/>
-          </a:xfrm>
-        </p:spPr>
-        <p:txBody>
-          <a:bodyPr/>
-          <a:lstStyle/>
-          <a:p>
-            <a:r>
-              <a:rPr lang="fr-FR"/>
-              <a:t>Solution de stockage et de partage d’objets</a:t>
-            </a:r>
-          </a:p>
-        </p:txBody>
-      </p:sp>
-      <p:pic>
-        <p:nvPicPr>
-          <p:cNvPr id="5" name="Image 4"/>
-          <p:cNvPicPr>
-            <a:picLocks noChangeAspect="1"/>
-          </p:cNvPicPr>
-          <p:nvPr/>
-        </p:nvPicPr>
-        <p:blipFill>
-          <a:blip r:embed="rId2">
-            <a:extLst>
-              <a:ext uri="{28A0092B-C50C-407E-A947-70E740481C1C}">
-                <a14:useLocalDpi xmlns:a14="http://schemas.microsoft.com/office/drawing/2010/main" val="0"/>
-              </a:ext>
-            </a:extLst>
-          </a:blip>
-          <a:stretch>
-            <a:fillRect/>
-          </a:stretch>
-        </p:blipFill>
-        <p:spPr>
-          <a:xfrm>
-            <a:off x="605288" y="5303040"/>
-            <a:ext cx="2362200" cy="1338580"/>
-          </a:xfrm>
-          <a:prstGeom prst="rect">
-            <a:avLst/>
-          </a:prstGeom>
-        </p:spPr>
-      </p:pic>
-      <p:pic>
-        <p:nvPicPr>
-          <p:cNvPr id="6" name="Image 5"/>
-          <p:cNvPicPr>
-            <a:picLocks noChangeAspect="1"/>
-          </p:cNvPicPr>
-          <p:nvPr/>
-        </p:nvPicPr>
-        <p:blipFill>
-          <a:blip r:embed="rId3">
-            <a:extLst>
-              <a:ext uri="{28A0092B-C50C-407E-A947-70E740481C1C}">
-                <a14:useLocalDpi xmlns:a14="http://schemas.microsoft.com/office/drawing/2010/main" val="0"/>
-              </a:ext>
-            </a:extLst>
-          </a:blip>
-          <a:stretch>
-            <a:fillRect/>
-          </a:stretch>
-        </p:blipFill>
-        <p:spPr>
-          <a:xfrm>
-            <a:off x="9627308" y="140593"/>
-            <a:ext cx="1871704" cy="1456246"/>
-          </a:xfrm>
-          <a:prstGeom prst="rect">
-            <a:avLst/>
-          </a:prstGeom>
-        </p:spPr>
-      </p:pic>
-      <p:sp>
-        <p:nvSpPr>
-          <p:cNvPr id="4" name="ZoneTexte 3"/>
-          <p:cNvSpPr txBox="1"/>
-          <p:nvPr/>
-        </p:nvSpPr>
-        <p:spPr>
-          <a:xfrm>
-            <a:off x="4934000" y="3864634"/>
-            <a:ext cx="1978427" cy="1200329"/>
-          </a:xfrm>
-          <a:prstGeom prst="rect">
-            <a:avLst/>
-          </a:prstGeom>
-          <a:noFill/>
-        </p:spPr>
-        <p:txBody>
-          <a:bodyPr wrap="none" rtlCol="0">
-            <a:spAutoFit/>
-          </a:bodyPr>
-          <a:lstStyle/>
-          <a:p>
-            <a:pPr algn="ctr"/>
-            <a:r>
-              <a:rPr lang="fr-FR" i="1"/>
-              <a:t>ALLEXANDRE Cyril</a:t>
-            </a:r>
-          </a:p>
-          <a:p>
-            <a:pPr algn="ctr"/>
-            <a:r>
-              <a:rPr lang="fr-FR" i="1"/>
-              <a:t>HENON Emilien</a:t>
-            </a:r>
-          </a:p>
-          <a:p>
-            <a:pPr algn="ctr"/>
-            <a:r>
-              <a:rPr lang="fr-FR" i="1"/>
-              <a:t>LEGRAND Dylan</a:t>
-            </a:r>
-          </a:p>
-          <a:p>
-            <a:pPr algn="ctr"/>
-            <a:r>
-              <a:rPr lang="fr-FR" i="1"/>
-              <a:t>SORANO Clément</a:t>
-            </a:r>
-          </a:p>
-        </p:txBody>
-      </p:sp>
-    </p:spTree>
-    <p:extLst>
-      <p:ext uri="{BB962C8B-B14F-4D97-AF65-F5344CB8AC3E}">
-        <p14:creationId xmlns:p14="http://schemas.microsoft.com/office/powerpoint/2010/main" val="729914770"/>
-      </p:ext>
-    </p:extLst>
-  </p:cSld>
-  <p:clrMapOvr>
-    <a:masterClrMapping/>
-  </p:clrMapOvr>
-</p:sld>
-</file>
-
-<file path=ppt/slides/slide20.xml><?xml version="1.0" encoding="utf-8"?>
+<file path=ppt/slides/slide19.xml><?xml version="1.0" encoding="utf-8"?>
 <p:sld xmlns:a="http://schemas.openxmlformats.org/drawingml/2006/main" xmlns:r="http://schemas.openxmlformats.org/officeDocument/2006/relationships" xmlns:p="http://schemas.openxmlformats.org/presentationml/2006/main">
   <p:cSld>
     <p:spTree>
@@ -6352,6 +6829,29 @@
           </a:prstGeom>
         </p:spPr>
       </p:pic>
+      <p:sp>
+        <p:nvSpPr>
+          <p:cNvPr id="2" name="Espace réservé du numéro de diapositive 1"/>
+          <p:cNvSpPr>
+            <a:spLocks noGrp="1"/>
+          </p:cNvSpPr>
+          <p:nvPr>
+            <p:ph type="sldNum" sz="quarter" idx="12"/>
+          </p:nvPr>
+        </p:nvSpPr>
+        <p:spPr/>
+        <p:txBody>
+          <a:bodyPr/>
+          <a:lstStyle/>
+          <a:p>
+            <a:fld id="{69E57DC2-970A-4B3E-BB1C-7A09969E49DF}" type="slidenum">
+              <a:rPr lang="en-US" smtClean="0"/>
+              <a:t>19</a:t>
+            </a:fld>
+            <a:endParaRPr lang="en-US" dirty="0"/>
+          </a:p>
+        </p:txBody>
+      </p:sp>
     </p:spTree>
     <p:extLst>
       <p:ext uri="{BB962C8B-B14F-4D97-AF65-F5344CB8AC3E}">
@@ -6365,7 +6865,7 @@
 </p:sld>
 </file>
 
-<file path=ppt/slides/slide21.xml><?xml version="1.0" encoding="utf-8"?>
+<file path=ppt/slides/slide2.xml><?xml version="1.0" encoding="utf-8"?>
 <p:sld xmlns:a="http://schemas.openxmlformats.org/drawingml/2006/main" xmlns:r="http://schemas.openxmlformats.org/officeDocument/2006/relationships" xmlns:p="http://schemas.openxmlformats.org/presentationml/2006/main">
   <p:cSld>
     <p:spTree>
@@ -6384,535 +6884,10 @@
       </p:grpSpPr>
       <p:sp>
         <p:nvSpPr>
-          <p:cNvPr id="7" name="Titre 1"/>
-          <p:cNvSpPr>
-            <a:spLocks noGrp="1"/>
-          </p:cNvSpPr>
-          <p:nvPr>
-            <p:ph type="title"/>
-          </p:nvPr>
-        </p:nvSpPr>
-        <p:spPr>
-          <a:xfrm>
-            <a:off x="1371600" y="685800"/>
-            <a:ext cx="9601200" cy="703053"/>
-          </a:xfrm>
-        </p:spPr>
-        <p:txBody>
-          <a:bodyPr/>
-          <a:lstStyle/>
-          <a:p>
-            <a:r>
-              <a:rPr lang="fr-FR"/>
-              <a:t>Ergonomie</a:t>
-            </a:r>
-          </a:p>
-        </p:txBody>
-      </p:sp>
-      <p:sp>
-        <p:nvSpPr>
-          <p:cNvPr id="8" name="Titre 1"/>
-          <p:cNvSpPr txBox="1">
-            <a:spLocks/>
-          </p:cNvSpPr>
-          <p:nvPr/>
-        </p:nvSpPr>
-        <p:spPr>
-          <a:xfrm>
-            <a:off x="1371600" y="1388853"/>
-            <a:ext cx="9601200" cy="473015"/>
-          </a:xfrm>
-          <a:prstGeom prst="rect">
-            <a:avLst/>
-          </a:prstGeom>
-        </p:spPr>
-        <p:txBody>
-          <a:bodyPr vert="horz" lIns="91440" tIns="45720" rIns="91440" bIns="45720" rtlCol="0" anchor="t">
-            <a:normAutofit/>
-          </a:bodyPr>
-          <a:lstStyle>
-            <a:lvl1pPr algn="l" defTabSz="914400" rtl="0" eaLnBrk="1" latinLnBrk="0" hangingPunct="1">
-              <a:lnSpc>
-                <a:spcPct val="89000"/>
-              </a:lnSpc>
-              <a:spcBef>
-                <a:spcPct val="0"/>
-              </a:spcBef>
-              <a:buNone/>
-              <a:defRPr sz="4400" kern="1200" baseline="0">
-                <a:solidFill>
-                  <a:schemeClr val="tx2"/>
-                </a:solidFill>
-                <a:latin typeface="+mj-lt"/>
-                <a:ea typeface="+mj-ea"/>
-                <a:cs typeface="+mj-cs"/>
-              </a:defRPr>
-            </a:lvl1pPr>
-          </a:lstStyle>
-          <a:p>
-            <a:r>
-              <a:rPr lang="fr-FR" sz="2800"/>
-              <a:t>Pages spécifiques</a:t>
-            </a:r>
-          </a:p>
-        </p:txBody>
-      </p:sp>
-      <p:sp>
-        <p:nvSpPr>
-          <p:cNvPr id="16" name="ZoneTexte 15"/>
-          <p:cNvSpPr txBox="1"/>
-          <p:nvPr/>
-        </p:nvSpPr>
-        <p:spPr>
-          <a:xfrm>
-            <a:off x="1371600" y="1907240"/>
-            <a:ext cx="775662" cy="369332"/>
-          </a:xfrm>
-          <a:prstGeom prst="rect">
-            <a:avLst/>
-          </a:prstGeom>
-          <a:noFill/>
-        </p:spPr>
-        <p:txBody>
-          <a:bodyPr wrap="none" rtlCol="0">
-            <a:spAutoFit/>
-          </a:bodyPr>
-          <a:lstStyle/>
-          <a:p>
-            <a:r>
-              <a:rPr lang="fr-FR" i="1"/>
-              <a:t>Prêter</a:t>
-            </a:r>
-          </a:p>
-        </p:txBody>
-      </p:sp>
-      <p:pic>
-        <p:nvPicPr>
-          <p:cNvPr id="5" name="Image 4"/>
-          <p:cNvPicPr>
-            <a:picLocks noChangeAspect="1"/>
-          </p:cNvPicPr>
-          <p:nvPr/>
-        </p:nvPicPr>
-        <p:blipFill>
-          <a:blip r:embed="rId2">
-            <a:extLst>
-              <a:ext uri="{28A0092B-C50C-407E-A947-70E740481C1C}">
-                <a14:useLocalDpi xmlns:a14="http://schemas.microsoft.com/office/drawing/2010/main" val="0"/>
-              </a:ext>
-            </a:extLst>
-          </a:blip>
-          <a:stretch>
-            <a:fillRect/>
-          </a:stretch>
-        </p:blipFill>
-        <p:spPr>
-          <a:xfrm>
-            <a:off x="4819290" y="881619"/>
-            <a:ext cx="6888132" cy="5347720"/>
-          </a:xfrm>
-          <a:prstGeom prst="rect">
-            <a:avLst/>
-          </a:prstGeom>
-        </p:spPr>
-      </p:pic>
-    </p:spTree>
-    <p:extLst>
-      <p:ext uri="{BB962C8B-B14F-4D97-AF65-F5344CB8AC3E}">
-        <p14:creationId xmlns:p14="http://schemas.microsoft.com/office/powerpoint/2010/main" val="1001493220"/>
-      </p:ext>
-    </p:extLst>
-  </p:cSld>
-  <p:clrMapOvr>
-    <a:masterClrMapping/>
-  </p:clrMapOvr>
-</p:sld>
-</file>
-
-<file path=ppt/slides/slide22.xml><?xml version="1.0" encoding="utf-8"?>
-<p:sld xmlns:a="http://schemas.openxmlformats.org/drawingml/2006/main" xmlns:r="http://schemas.openxmlformats.org/officeDocument/2006/relationships" xmlns:p="http://schemas.openxmlformats.org/presentationml/2006/main">
-  <p:cSld>
-    <p:spTree>
-      <p:nvGrpSpPr>
-        <p:cNvPr id="1" name=""/>
-        <p:cNvGrpSpPr/>
-        <p:nvPr/>
-      </p:nvGrpSpPr>
-      <p:grpSpPr>
-        <a:xfrm>
-          <a:off x="0" y="0"/>
-          <a:ext cx="0" cy="0"/>
-          <a:chOff x="0" y="0"/>
-          <a:chExt cx="0" cy="0"/>
-        </a:xfrm>
-      </p:grpSpPr>
-      <p:sp>
-        <p:nvSpPr>
-          <p:cNvPr id="7" name="Titre 1"/>
-          <p:cNvSpPr>
-            <a:spLocks noGrp="1"/>
-          </p:cNvSpPr>
-          <p:nvPr>
-            <p:ph type="title"/>
-          </p:nvPr>
-        </p:nvSpPr>
-        <p:spPr>
-          <a:xfrm>
-            <a:off x="1371600" y="685800"/>
-            <a:ext cx="9601200" cy="703053"/>
-          </a:xfrm>
-        </p:spPr>
-        <p:txBody>
-          <a:bodyPr/>
-          <a:lstStyle/>
-          <a:p>
-            <a:r>
-              <a:rPr lang="fr-FR"/>
-              <a:t>Ergonomie</a:t>
-            </a:r>
-          </a:p>
-        </p:txBody>
-      </p:sp>
-      <p:sp>
-        <p:nvSpPr>
-          <p:cNvPr id="8" name="Titre 1"/>
-          <p:cNvSpPr txBox="1">
-            <a:spLocks/>
-          </p:cNvSpPr>
-          <p:nvPr/>
-        </p:nvSpPr>
-        <p:spPr>
-          <a:xfrm>
-            <a:off x="1371600" y="1388853"/>
-            <a:ext cx="9601200" cy="473015"/>
-          </a:xfrm>
-          <a:prstGeom prst="rect">
-            <a:avLst/>
-          </a:prstGeom>
-        </p:spPr>
-        <p:txBody>
-          <a:bodyPr vert="horz" lIns="91440" tIns="45720" rIns="91440" bIns="45720" rtlCol="0" anchor="t">
-            <a:normAutofit/>
-          </a:bodyPr>
-          <a:lstStyle>
-            <a:lvl1pPr algn="l" defTabSz="914400" rtl="0" eaLnBrk="1" latinLnBrk="0" hangingPunct="1">
-              <a:lnSpc>
-                <a:spcPct val="89000"/>
-              </a:lnSpc>
-              <a:spcBef>
-                <a:spcPct val="0"/>
-              </a:spcBef>
-              <a:buNone/>
-              <a:defRPr sz="4400" kern="1200" baseline="0">
-                <a:solidFill>
-                  <a:schemeClr val="tx2"/>
-                </a:solidFill>
-                <a:latin typeface="+mj-lt"/>
-                <a:ea typeface="+mj-ea"/>
-                <a:cs typeface="+mj-cs"/>
-              </a:defRPr>
-            </a:lvl1pPr>
-          </a:lstStyle>
-          <a:p>
-            <a:r>
-              <a:rPr lang="fr-FR" sz="2800"/>
-              <a:t>Pages spécifiques</a:t>
-            </a:r>
-          </a:p>
-        </p:txBody>
-      </p:sp>
-      <p:pic>
-        <p:nvPicPr>
-          <p:cNvPr id="12" name="Image 11"/>
-          <p:cNvPicPr>
-            <a:picLocks noChangeAspect="1"/>
-          </p:cNvPicPr>
-          <p:nvPr/>
-        </p:nvPicPr>
-        <p:blipFill>
-          <a:blip r:embed="rId2">
-            <a:extLst>
-              <a:ext uri="{28A0092B-C50C-407E-A947-70E740481C1C}">
-                <a14:useLocalDpi xmlns:a14="http://schemas.microsoft.com/office/drawing/2010/main" val="0"/>
-              </a:ext>
-            </a:extLst>
-          </a:blip>
-          <a:stretch>
-            <a:fillRect/>
-          </a:stretch>
-        </p:blipFill>
-        <p:spPr>
-          <a:xfrm>
-            <a:off x="1473884" y="2091906"/>
-            <a:ext cx="1447800" cy="1266825"/>
-          </a:xfrm>
-          <a:prstGeom prst="rect">
-            <a:avLst/>
-          </a:prstGeom>
-        </p:spPr>
-      </p:pic>
-      <p:cxnSp>
-        <p:nvCxnSpPr>
-          <p:cNvPr id="13" name="Connecteur droit avec flèche 12"/>
-          <p:cNvCxnSpPr/>
-          <p:nvPr/>
-        </p:nvCxnSpPr>
-        <p:spPr>
-          <a:xfrm>
-            <a:off x="2792082" y="2966858"/>
-            <a:ext cx="2090469" cy="319806"/>
-          </a:xfrm>
-          <a:prstGeom prst="straightConnector1">
-            <a:avLst/>
-          </a:prstGeom>
-          <a:ln>
-            <a:tailEnd type="triangle"/>
-          </a:ln>
-        </p:spPr>
-        <p:style>
-          <a:lnRef idx="1">
-            <a:schemeClr val="accent1"/>
-          </a:lnRef>
-          <a:fillRef idx="0">
-            <a:schemeClr val="accent1"/>
-          </a:fillRef>
-          <a:effectRef idx="0">
-            <a:schemeClr val="accent1"/>
-          </a:effectRef>
-          <a:fontRef idx="minor">
-            <a:schemeClr val="tx1"/>
-          </a:fontRef>
-        </p:style>
-      </p:cxnSp>
-      <p:pic>
-        <p:nvPicPr>
-          <p:cNvPr id="2" name="Image 1"/>
-          <p:cNvPicPr>
-            <a:picLocks noChangeAspect="1"/>
-          </p:cNvPicPr>
-          <p:nvPr/>
-        </p:nvPicPr>
-        <p:blipFill>
-          <a:blip r:embed="rId3">
-            <a:extLst>
-              <a:ext uri="{28A0092B-C50C-407E-A947-70E740481C1C}">
-                <a14:useLocalDpi xmlns:a14="http://schemas.microsoft.com/office/drawing/2010/main" val="0"/>
-              </a:ext>
-            </a:extLst>
-          </a:blip>
-          <a:stretch>
-            <a:fillRect/>
-          </a:stretch>
-        </p:blipFill>
-        <p:spPr>
-          <a:xfrm>
-            <a:off x="5000446" y="1268083"/>
-            <a:ext cx="6627963" cy="5145733"/>
-          </a:xfrm>
-          <a:prstGeom prst="rect">
-            <a:avLst/>
-          </a:prstGeom>
-        </p:spPr>
-      </p:pic>
-      <p:sp>
-        <p:nvSpPr>
-          <p:cNvPr id="16" name="ZoneTexte 15"/>
-          <p:cNvSpPr txBox="1"/>
-          <p:nvPr/>
-        </p:nvSpPr>
-        <p:spPr>
-          <a:xfrm>
-            <a:off x="5000446" y="838366"/>
-            <a:ext cx="1697901" cy="369332"/>
-          </a:xfrm>
-          <a:prstGeom prst="rect">
-            <a:avLst/>
-          </a:prstGeom>
-          <a:noFill/>
-        </p:spPr>
-        <p:txBody>
-          <a:bodyPr wrap="none" rtlCol="0">
-            <a:spAutoFit/>
-          </a:bodyPr>
-          <a:lstStyle/>
-          <a:p>
-            <a:r>
-              <a:rPr lang="fr-FR" i="1"/>
-              <a:t>Mes opérations</a:t>
-            </a:r>
-          </a:p>
-        </p:txBody>
-      </p:sp>
-    </p:spTree>
-    <p:extLst>
-      <p:ext uri="{BB962C8B-B14F-4D97-AF65-F5344CB8AC3E}">
-        <p14:creationId xmlns:p14="http://schemas.microsoft.com/office/powerpoint/2010/main" val="2936148447"/>
-      </p:ext>
-    </p:extLst>
-  </p:cSld>
-  <p:clrMapOvr>
-    <a:masterClrMapping/>
-  </p:clrMapOvr>
-</p:sld>
-</file>
-
-<file path=ppt/slides/slide23.xml><?xml version="1.0" encoding="utf-8"?>
-<p:sld xmlns:a="http://schemas.openxmlformats.org/drawingml/2006/main" xmlns:r="http://schemas.openxmlformats.org/officeDocument/2006/relationships" xmlns:p="http://schemas.openxmlformats.org/presentationml/2006/main">
-  <p:cSld>
-    <p:spTree>
-      <p:nvGrpSpPr>
-        <p:cNvPr id="1" name=""/>
-        <p:cNvGrpSpPr/>
-        <p:nvPr/>
-      </p:nvGrpSpPr>
-      <p:grpSpPr>
-        <a:xfrm>
-          <a:off x="0" y="0"/>
-          <a:ext cx="0" cy="0"/>
-          <a:chOff x="0" y="0"/>
-          <a:chExt cx="0" cy="0"/>
-        </a:xfrm>
-      </p:grpSpPr>
-      <p:sp>
-        <p:nvSpPr>
-          <p:cNvPr id="2" name="Titre 1"/>
-          <p:cNvSpPr>
-            <a:spLocks noGrp="1"/>
-          </p:cNvSpPr>
-          <p:nvPr>
-            <p:ph type="ctrTitle"/>
-          </p:nvPr>
-        </p:nvSpPr>
-        <p:spPr/>
-        <p:txBody>
-          <a:bodyPr/>
-          <a:lstStyle/>
-          <a:p>
-            <a:r>
-              <a:rPr lang="fr-FR"/>
-              <a:t>Merci de votre attention</a:t>
-            </a:r>
-          </a:p>
-        </p:txBody>
-      </p:sp>
-      <p:sp>
-        <p:nvSpPr>
-          <p:cNvPr id="3" name="Sous-titre 2"/>
-          <p:cNvSpPr>
-            <a:spLocks noGrp="1"/>
-          </p:cNvSpPr>
-          <p:nvPr>
-            <p:ph type="subTitle" idx="1"/>
-          </p:nvPr>
-        </p:nvSpPr>
-        <p:spPr/>
-        <p:txBody>
-          <a:bodyPr/>
-          <a:lstStyle/>
-          <a:p>
-            <a:r>
-              <a:rPr lang="fr-FR"/>
-              <a:t>Avez-vous des questions ?</a:t>
-            </a:r>
-          </a:p>
-        </p:txBody>
-      </p:sp>
-      <p:pic>
-        <p:nvPicPr>
-          <p:cNvPr id="4" name="Image 3"/>
-          <p:cNvPicPr>
-            <a:picLocks noChangeAspect="1"/>
-          </p:cNvPicPr>
-          <p:nvPr/>
-        </p:nvPicPr>
-        <p:blipFill>
-          <a:blip r:embed="rId2">
-            <a:extLst>
-              <a:ext uri="{28A0092B-C50C-407E-A947-70E740481C1C}">
-                <a14:useLocalDpi xmlns:a14="http://schemas.microsoft.com/office/drawing/2010/main" val="0"/>
-              </a:ext>
-            </a:extLst>
-          </a:blip>
-          <a:stretch>
-            <a:fillRect/>
-          </a:stretch>
-        </p:blipFill>
-        <p:spPr>
-          <a:xfrm>
-            <a:off x="605288" y="5303040"/>
-            <a:ext cx="2362200" cy="1338580"/>
-          </a:xfrm>
-          <a:prstGeom prst="rect">
-            <a:avLst/>
-          </a:prstGeom>
-        </p:spPr>
-      </p:pic>
-      <p:pic>
-        <p:nvPicPr>
-          <p:cNvPr id="5" name="Image 4"/>
-          <p:cNvPicPr>
-            <a:picLocks noChangeAspect="1"/>
-          </p:cNvPicPr>
-          <p:nvPr/>
-        </p:nvPicPr>
-        <p:blipFill>
-          <a:blip r:embed="rId3">
-            <a:extLst>
-              <a:ext uri="{28A0092B-C50C-407E-A947-70E740481C1C}">
-                <a14:useLocalDpi xmlns:a14="http://schemas.microsoft.com/office/drawing/2010/main" val="0"/>
-              </a:ext>
-            </a:extLst>
-          </a:blip>
-          <a:stretch>
-            <a:fillRect/>
-          </a:stretch>
-        </p:blipFill>
-        <p:spPr>
-          <a:xfrm>
-            <a:off x="9627308" y="140593"/>
-            <a:ext cx="1871704" cy="1456246"/>
-          </a:xfrm>
-          <a:prstGeom prst="rect">
-            <a:avLst/>
-          </a:prstGeom>
-        </p:spPr>
-      </p:pic>
-    </p:spTree>
-    <p:extLst>
-      <p:ext uri="{BB962C8B-B14F-4D97-AF65-F5344CB8AC3E}">
-        <p14:creationId xmlns:p14="http://schemas.microsoft.com/office/powerpoint/2010/main" val="538448367"/>
-      </p:ext>
-    </p:extLst>
-  </p:cSld>
-  <p:clrMapOvr>
-    <a:masterClrMapping/>
-  </p:clrMapOvr>
-</p:sld>
-</file>
-
-<file path=ppt/slides/slide3.xml><?xml version="1.0" encoding="utf-8"?>
-<p:sld xmlns:a="http://schemas.openxmlformats.org/drawingml/2006/main" xmlns:r="http://schemas.openxmlformats.org/officeDocument/2006/relationships" xmlns:p="http://schemas.openxmlformats.org/presentationml/2006/main">
-  <p:cSld>
-    <p:spTree>
-      <p:nvGrpSpPr>
-        <p:cNvPr id="1" name=""/>
-        <p:cNvGrpSpPr/>
-        <p:nvPr/>
-      </p:nvGrpSpPr>
-      <p:grpSpPr>
-        <a:xfrm>
-          <a:off x="0" y="0"/>
-          <a:ext cx="0" cy="0"/>
-          <a:chOff x="0" y="0"/>
-          <a:chExt cx="0" cy="0"/>
-        </a:xfrm>
-      </p:grpSpPr>
-      <p:sp>
-        <p:nvSpPr>
           <p:cNvPr id="2" name="Titre 1">
             <a:extLst>
               <a:ext uri="{FF2B5EF4-FFF2-40B4-BE49-F238E27FC236}">
-                <a16:creationId xmlns:a16="http://schemas.microsoft.com/office/drawing/2014/main" xmlns="" id="{2EBFC355-6345-4216-96FE-A7CF6155E63D}"/>
+                <a16:creationId xmlns="" xmlns:a16="http://schemas.microsoft.com/office/drawing/2014/main" id="{2EBFC355-6345-4216-96FE-A7CF6155E63D}"/>
               </a:ext>
             </a:extLst>
           </p:cNvPr>
@@ -6940,7 +6915,7 @@
           <p:cNvPr id="3" name="Espace réservé du contenu 2">
             <a:extLst>
               <a:ext uri="{FF2B5EF4-FFF2-40B4-BE49-F238E27FC236}">
-                <a16:creationId xmlns:a16="http://schemas.microsoft.com/office/drawing/2014/main" xmlns="" id="{603CE50E-005D-47E6-A5C9-2CE6ECC14B79}"/>
+                <a16:creationId xmlns="" xmlns:a16="http://schemas.microsoft.com/office/drawing/2014/main" id="{603CE50E-005D-47E6-A5C9-2CE6ECC14B79}"/>
               </a:ext>
             </a:extLst>
           </p:cNvPr>
@@ -6970,15 +6945,15 @@
           </a:p>
           <a:p>
             <a:r>
+              <a:rPr lang="fr-FR" dirty="0" smtClean="0"/>
+              <a:t>Accumulation </a:t>
+            </a:r>
+            <a:r>
               <a:rPr lang="fr-FR" dirty="0"/>
-              <a:t>Accumulation d’objets </a:t>
-            </a:r>
-            <a:r>
-              <a:rPr lang="fr-FR"/>
-              <a:t>au </a:t>
-            </a:r>
-            <a:r>
-              <a:rPr lang="fr-FR" smtClean="0"/>
+              <a:t>d’objets au </a:t>
+            </a:r>
+            <a:r>
+              <a:rPr lang="fr-FR" dirty="0" smtClean="0"/>
               <a:t>domicile</a:t>
             </a:r>
             <a:endParaRPr lang="fr-FR" dirty="0"/>
@@ -6986,53 +6961,59 @@
           <a:p>
             <a:r>
               <a:rPr lang="fr-FR" dirty="0"/>
-              <a:t>Nouvelle génération habituée aux services de livraison </a:t>
-            </a:r>
-            <a:r>
-              <a:rPr lang="fr-FR"/>
-              <a:t>à </a:t>
-            </a:r>
-            <a:r>
-              <a:rPr lang="fr-FR" smtClean="0"/>
-              <a:t>domicile</a:t>
+              <a:t>Transport des affaires vers un espace de stockage</a:t>
+            </a:r>
+          </a:p>
+          <a:p>
+            <a:r>
+              <a:rPr lang="fr-FR" dirty="0" smtClean="0"/>
+              <a:t>Nouvelle génération habituée aux services de livraison à domicile</a:t>
             </a:r>
             <a:endParaRPr lang="fr-FR" dirty="0"/>
           </a:p>
           <a:p>
             <a:r>
+              <a:rPr lang="fr-FR" dirty="0" smtClean="0"/>
+              <a:t>Exigence </a:t>
+            </a:r>
+            <a:r>
               <a:rPr lang="fr-FR" dirty="0"/>
-              <a:t>Transport des affaires vers un espace </a:t>
-            </a:r>
-            <a:r>
-              <a:rPr lang="fr-FR"/>
-              <a:t>de </a:t>
-            </a:r>
-            <a:r>
-              <a:rPr lang="fr-FR" smtClean="0"/>
-              <a:t>stockage</a:t>
+              <a:t>de la </a:t>
+            </a:r>
+            <a:r>
+              <a:rPr lang="fr-FR" dirty="0" smtClean="0"/>
+              <a:t>population</a:t>
             </a:r>
             <a:endParaRPr lang="fr-FR" dirty="0"/>
           </a:p>
           <a:p>
-            <a:r>
-              <a:rPr lang="fr-FR" dirty="0"/>
-              <a:t>Exigence de </a:t>
-            </a:r>
-            <a:r>
-              <a:rPr lang="fr-FR"/>
-              <a:t>la </a:t>
-            </a:r>
-            <a:r>
-              <a:rPr lang="fr-FR" smtClean="0"/>
-              <a:t>population</a:t>
-            </a:r>
             <a:endParaRPr lang="fr-FR" dirty="0"/>
           </a:p>
           <a:p>
             <a:endParaRPr lang="fr-FR" dirty="0"/>
           </a:p>
-          <a:p>
-            <a:endParaRPr lang="fr-FR" dirty="0"/>
+        </p:txBody>
+      </p:sp>
+      <p:sp>
+        <p:nvSpPr>
+          <p:cNvPr id="4" name="Espace réservé du numéro de diapositive 3"/>
+          <p:cNvSpPr>
+            <a:spLocks noGrp="1"/>
+          </p:cNvSpPr>
+          <p:nvPr>
+            <p:ph type="sldNum" sz="quarter" idx="12"/>
+          </p:nvPr>
+        </p:nvSpPr>
+        <p:spPr/>
+        <p:txBody>
+          <a:bodyPr/>
+          <a:lstStyle/>
+          <a:p>
+            <a:fld id="{69E57DC2-970A-4B3E-BB1C-7A09969E49DF}" type="slidenum">
+              <a:rPr lang="en-US" smtClean="0"/>
+              <a:t>2</a:t>
+            </a:fld>
+            <a:endParaRPr lang="en-US" dirty="0"/>
           </a:p>
         </p:txBody>
       </p:sp>
@@ -7384,7 +7365,7 @@
 </p:sld>
 </file>
 
-<file path=ppt/slides/slide4.xml><?xml version="1.0" encoding="utf-8"?>
+<file path=ppt/slides/slide20.xml><?xml version="1.0" encoding="utf-8"?>
 <p:sld xmlns:a="http://schemas.openxmlformats.org/drawingml/2006/main" xmlns:r="http://schemas.openxmlformats.org/officeDocument/2006/relationships" xmlns:p="http://schemas.openxmlformats.org/presentationml/2006/main">
   <p:cSld>
     <p:spTree>
@@ -7403,6 +7384,577 @@
       </p:grpSpPr>
       <p:sp>
         <p:nvSpPr>
+          <p:cNvPr id="7" name="Titre 1"/>
+          <p:cNvSpPr>
+            <a:spLocks noGrp="1"/>
+          </p:cNvSpPr>
+          <p:nvPr>
+            <p:ph type="title"/>
+          </p:nvPr>
+        </p:nvSpPr>
+        <p:spPr>
+          <a:xfrm>
+            <a:off x="1371600" y="685800"/>
+            <a:ext cx="9601200" cy="703053"/>
+          </a:xfrm>
+        </p:spPr>
+        <p:txBody>
+          <a:bodyPr/>
+          <a:lstStyle/>
+          <a:p>
+            <a:r>
+              <a:rPr lang="fr-FR"/>
+              <a:t>Ergonomie</a:t>
+            </a:r>
+          </a:p>
+        </p:txBody>
+      </p:sp>
+      <p:sp>
+        <p:nvSpPr>
+          <p:cNvPr id="8" name="Titre 1"/>
+          <p:cNvSpPr txBox="1">
+            <a:spLocks/>
+          </p:cNvSpPr>
+          <p:nvPr/>
+        </p:nvSpPr>
+        <p:spPr>
+          <a:xfrm>
+            <a:off x="1371600" y="1388853"/>
+            <a:ext cx="9601200" cy="473015"/>
+          </a:xfrm>
+          <a:prstGeom prst="rect">
+            <a:avLst/>
+          </a:prstGeom>
+        </p:spPr>
+        <p:txBody>
+          <a:bodyPr vert="horz" lIns="91440" tIns="45720" rIns="91440" bIns="45720" rtlCol="0" anchor="t">
+            <a:normAutofit/>
+          </a:bodyPr>
+          <a:lstStyle>
+            <a:lvl1pPr algn="l" defTabSz="914400" rtl="0" eaLnBrk="1" latinLnBrk="0" hangingPunct="1">
+              <a:lnSpc>
+                <a:spcPct val="89000"/>
+              </a:lnSpc>
+              <a:spcBef>
+                <a:spcPct val="0"/>
+              </a:spcBef>
+              <a:buNone/>
+              <a:defRPr sz="4400" kern="1200" baseline="0">
+                <a:solidFill>
+                  <a:schemeClr val="tx2"/>
+                </a:solidFill>
+                <a:latin typeface="+mj-lt"/>
+                <a:ea typeface="+mj-ea"/>
+                <a:cs typeface="+mj-cs"/>
+              </a:defRPr>
+            </a:lvl1pPr>
+          </a:lstStyle>
+          <a:p>
+            <a:r>
+              <a:rPr lang="fr-FR" sz="2800"/>
+              <a:t>Pages spécifiques</a:t>
+            </a:r>
+          </a:p>
+        </p:txBody>
+      </p:sp>
+      <p:sp>
+        <p:nvSpPr>
+          <p:cNvPr id="16" name="ZoneTexte 15"/>
+          <p:cNvSpPr txBox="1"/>
+          <p:nvPr/>
+        </p:nvSpPr>
+        <p:spPr>
+          <a:xfrm>
+            <a:off x="1371600" y="1907240"/>
+            <a:ext cx="775662" cy="369332"/>
+          </a:xfrm>
+          <a:prstGeom prst="rect">
+            <a:avLst/>
+          </a:prstGeom>
+          <a:noFill/>
+        </p:spPr>
+        <p:txBody>
+          <a:bodyPr wrap="none" rtlCol="0">
+            <a:spAutoFit/>
+          </a:bodyPr>
+          <a:lstStyle/>
+          <a:p>
+            <a:r>
+              <a:rPr lang="fr-FR" i="1"/>
+              <a:t>Prêter</a:t>
+            </a:r>
+          </a:p>
+        </p:txBody>
+      </p:sp>
+      <p:pic>
+        <p:nvPicPr>
+          <p:cNvPr id="5" name="Image 4"/>
+          <p:cNvPicPr>
+            <a:picLocks noChangeAspect="1"/>
+          </p:cNvPicPr>
+          <p:nvPr/>
+        </p:nvPicPr>
+        <p:blipFill>
+          <a:blip r:embed="rId2">
+            <a:extLst>
+              <a:ext uri="{28A0092B-C50C-407E-A947-70E740481C1C}">
+                <a14:useLocalDpi xmlns:a14="http://schemas.microsoft.com/office/drawing/2010/main" val="0"/>
+              </a:ext>
+            </a:extLst>
+          </a:blip>
+          <a:stretch>
+            <a:fillRect/>
+          </a:stretch>
+        </p:blipFill>
+        <p:spPr>
+          <a:xfrm>
+            <a:off x="4819290" y="881619"/>
+            <a:ext cx="6888132" cy="5347720"/>
+          </a:xfrm>
+          <a:prstGeom prst="rect">
+            <a:avLst/>
+          </a:prstGeom>
+        </p:spPr>
+      </p:pic>
+      <p:sp>
+        <p:nvSpPr>
+          <p:cNvPr id="2" name="Espace réservé du numéro de diapositive 1"/>
+          <p:cNvSpPr>
+            <a:spLocks noGrp="1"/>
+          </p:cNvSpPr>
+          <p:nvPr>
+            <p:ph type="sldNum" sz="quarter" idx="12"/>
+          </p:nvPr>
+        </p:nvSpPr>
+        <p:spPr/>
+        <p:txBody>
+          <a:bodyPr/>
+          <a:lstStyle/>
+          <a:p>
+            <a:fld id="{69E57DC2-970A-4B3E-BB1C-7A09969E49DF}" type="slidenum">
+              <a:rPr lang="en-US" smtClean="0"/>
+              <a:t>20</a:t>
+            </a:fld>
+            <a:endParaRPr lang="en-US" dirty="0"/>
+          </a:p>
+        </p:txBody>
+      </p:sp>
+    </p:spTree>
+    <p:extLst>
+      <p:ext uri="{BB962C8B-B14F-4D97-AF65-F5344CB8AC3E}">
+        <p14:creationId xmlns:p14="http://schemas.microsoft.com/office/powerpoint/2010/main" val="1001493220"/>
+      </p:ext>
+    </p:extLst>
+  </p:cSld>
+  <p:clrMapOvr>
+    <a:masterClrMapping/>
+  </p:clrMapOvr>
+</p:sld>
+</file>
+
+<file path=ppt/slides/slide21.xml><?xml version="1.0" encoding="utf-8"?>
+<p:sld xmlns:a="http://schemas.openxmlformats.org/drawingml/2006/main" xmlns:r="http://schemas.openxmlformats.org/officeDocument/2006/relationships" xmlns:p="http://schemas.openxmlformats.org/presentationml/2006/main">
+  <p:cSld>
+    <p:spTree>
+      <p:nvGrpSpPr>
+        <p:cNvPr id="1" name=""/>
+        <p:cNvGrpSpPr/>
+        <p:nvPr/>
+      </p:nvGrpSpPr>
+      <p:grpSpPr>
+        <a:xfrm>
+          <a:off x="0" y="0"/>
+          <a:ext cx="0" cy="0"/>
+          <a:chOff x="0" y="0"/>
+          <a:chExt cx="0" cy="0"/>
+        </a:xfrm>
+      </p:grpSpPr>
+      <p:sp>
+        <p:nvSpPr>
+          <p:cNvPr id="7" name="Titre 1"/>
+          <p:cNvSpPr>
+            <a:spLocks noGrp="1"/>
+          </p:cNvSpPr>
+          <p:nvPr>
+            <p:ph type="title"/>
+          </p:nvPr>
+        </p:nvSpPr>
+        <p:spPr>
+          <a:xfrm>
+            <a:off x="1371600" y="685800"/>
+            <a:ext cx="9601200" cy="703053"/>
+          </a:xfrm>
+        </p:spPr>
+        <p:txBody>
+          <a:bodyPr/>
+          <a:lstStyle/>
+          <a:p>
+            <a:r>
+              <a:rPr lang="fr-FR"/>
+              <a:t>Ergonomie</a:t>
+            </a:r>
+          </a:p>
+        </p:txBody>
+      </p:sp>
+      <p:sp>
+        <p:nvSpPr>
+          <p:cNvPr id="8" name="Titre 1"/>
+          <p:cNvSpPr txBox="1">
+            <a:spLocks/>
+          </p:cNvSpPr>
+          <p:nvPr/>
+        </p:nvSpPr>
+        <p:spPr>
+          <a:xfrm>
+            <a:off x="1371600" y="1388853"/>
+            <a:ext cx="9601200" cy="473015"/>
+          </a:xfrm>
+          <a:prstGeom prst="rect">
+            <a:avLst/>
+          </a:prstGeom>
+        </p:spPr>
+        <p:txBody>
+          <a:bodyPr vert="horz" lIns="91440" tIns="45720" rIns="91440" bIns="45720" rtlCol="0" anchor="t">
+            <a:normAutofit/>
+          </a:bodyPr>
+          <a:lstStyle>
+            <a:lvl1pPr algn="l" defTabSz="914400" rtl="0" eaLnBrk="1" latinLnBrk="0" hangingPunct="1">
+              <a:lnSpc>
+                <a:spcPct val="89000"/>
+              </a:lnSpc>
+              <a:spcBef>
+                <a:spcPct val="0"/>
+              </a:spcBef>
+              <a:buNone/>
+              <a:defRPr sz="4400" kern="1200" baseline="0">
+                <a:solidFill>
+                  <a:schemeClr val="tx2"/>
+                </a:solidFill>
+                <a:latin typeface="+mj-lt"/>
+                <a:ea typeface="+mj-ea"/>
+                <a:cs typeface="+mj-cs"/>
+              </a:defRPr>
+            </a:lvl1pPr>
+          </a:lstStyle>
+          <a:p>
+            <a:r>
+              <a:rPr lang="fr-FR" sz="2800"/>
+              <a:t>Pages spécifiques</a:t>
+            </a:r>
+          </a:p>
+        </p:txBody>
+      </p:sp>
+      <p:pic>
+        <p:nvPicPr>
+          <p:cNvPr id="12" name="Image 11"/>
+          <p:cNvPicPr>
+            <a:picLocks noChangeAspect="1"/>
+          </p:cNvPicPr>
+          <p:nvPr/>
+        </p:nvPicPr>
+        <p:blipFill>
+          <a:blip r:embed="rId2">
+            <a:extLst>
+              <a:ext uri="{28A0092B-C50C-407E-A947-70E740481C1C}">
+                <a14:useLocalDpi xmlns:a14="http://schemas.microsoft.com/office/drawing/2010/main" val="0"/>
+              </a:ext>
+            </a:extLst>
+          </a:blip>
+          <a:stretch>
+            <a:fillRect/>
+          </a:stretch>
+        </p:blipFill>
+        <p:spPr>
+          <a:xfrm>
+            <a:off x="1473884" y="2091906"/>
+            <a:ext cx="1447800" cy="1266825"/>
+          </a:xfrm>
+          <a:prstGeom prst="rect">
+            <a:avLst/>
+          </a:prstGeom>
+        </p:spPr>
+      </p:pic>
+      <p:cxnSp>
+        <p:nvCxnSpPr>
+          <p:cNvPr id="13" name="Connecteur droit avec flèche 12"/>
+          <p:cNvCxnSpPr/>
+          <p:nvPr/>
+        </p:nvCxnSpPr>
+        <p:spPr>
+          <a:xfrm>
+            <a:off x="2792082" y="2966858"/>
+            <a:ext cx="2090469" cy="319806"/>
+          </a:xfrm>
+          <a:prstGeom prst="straightConnector1">
+            <a:avLst/>
+          </a:prstGeom>
+          <a:ln>
+            <a:tailEnd type="triangle"/>
+          </a:ln>
+        </p:spPr>
+        <p:style>
+          <a:lnRef idx="1">
+            <a:schemeClr val="accent1"/>
+          </a:lnRef>
+          <a:fillRef idx="0">
+            <a:schemeClr val="accent1"/>
+          </a:fillRef>
+          <a:effectRef idx="0">
+            <a:schemeClr val="accent1"/>
+          </a:effectRef>
+          <a:fontRef idx="minor">
+            <a:schemeClr val="tx1"/>
+          </a:fontRef>
+        </p:style>
+      </p:cxnSp>
+      <p:pic>
+        <p:nvPicPr>
+          <p:cNvPr id="2" name="Image 1"/>
+          <p:cNvPicPr>
+            <a:picLocks noChangeAspect="1"/>
+          </p:cNvPicPr>
+          <p:nvPr/>
+        </p:nvPicPr>
+        <p:blipFill>
+          <a:blip r:embed="rId3">
+            <a:extLst>
+              <a:ext uri="{28A0092B-C50C-407E-A947-70E740481C1C}">
+                <a14:useLocalDpi xmlns:a14="http://schemas.microsoft.com/office/drawing/2010/main" val="0"/>
+              </a:ext>
+            </a:extLst>
+          </a:blip>
+          <a:stretch>
+            <a:fillRect/>
+          </a:stretch>
+        </p:blipFill>
+        <p:spPr>
+          <a:xfrm>
+            <a:off x="5000446" y="1268083"/>
+            <a:ext cx="6627963" cy="5145733"/>
+          </a:xfrm>
+          <a:prstGeom prst="rect">
+            <a:avLst/>
+          </a:prstGeom>
+        </p:spPr>
+      </p:pic>
+      <p:sp>
+        <p:nvSpPr>
+          <p:cNvPr id="16" name="ZoneTexte 15"/>
+          <p:cNvSpPr txBox="1"/>
+          <p:nvPr/>
+        </p:nvSpPr>
+        <p:spPr>
+          <a:xfrm>
+            <a:off x="5000446" y="838366"/>
+            <a:ext cx="1697901" cy="369332"/>
+          </a:xfrm>
+          <a:prstGeom prst="rect">
+            <a:avLst/>
+          </a:prstGeom>
+          <a:noFill/>
+        </p:spPr>
+        <p:txBody>
+          <a:bodyPr wrap="none" rtlCol="0">
+            <a:spAutoFit/>
+          </a:bodyPr>
+          <a:lstStyle/>
+          <a:p>
+            <a:r>
+              <a:rPr lang="fr-FR" i="1"/>
+              <a:t>Mes opérations</a:t>
+            </a:r>
+          </a:p>
+        </p:txBody>
+      </p:sp>
+      <p:sp>
+        <p:nvSpPr>
+          <p:cNvPr id="3" name="Espace réservé du numéro de diapositive 2"/>
+          <p:cNvSpPr>
+            <a:spLocks noGrp="1"/>
+          </p:cNvSpPr>
+          <p:nvPr>
+            <p:ph type="sldNum" sz="quarter" idx="12"/>
+          </p:nvPr>
+        </p:nvSpPr>
+        <p:spPr/>
+        <p:txBody>
+          <a:bodyPr/>
+          <a:lstStyle/>
+          <a:p>
+            <a:fld id="{69E57DC2-970A-4B3E-BB1C-7A09969E49DF}" type="slidenum">
+              <a:rPr lang="en-US" smtClean="0"/>
+              <a:t>21</a:t>
+            </a:fld>
+            <a:endParaRPr lang="en-US" dirty="0"/>
+          </a:p>
+        </p:txBody>
+      </p:sp>
+    </p:spTree>
+    <p:extLst>
+      <p:ext uri="{BB962C8B-B14F-4D97-AF65-F5344CB8AC3E}">
+        <p14:creationId xmlns:p14="http://schemas.microsoft.com/office/powerpoint/2010/main" val="2936148447"/>
+      </p:ext>
+    </p:extLst>
+  </p:cSld>
+  <p:clrMapOvr>
+    <a:masterClrMapping/>
+  </p:clrMapOvr>
+</p:sld>
+</file>
+
+<file path=ppt/slides/slide22.xml><?xml version="1.0" encoding="utf-8"?>
+<p:sld xmlns:a="http://schemas.openxmlformats.org/drawingml/2006/main" xmlns:r="http://schemas.openxmlformats.org/officeDocument/2006/relationships" xmlns:p="http://schemas.openxmlformats.org/presentationml/2006/main">
+  <p:cSld>
+    <p:spTree>
+      <p:nvGrpSpPr>
+        <p:cNvPr id="1" name=""/>
+        <p:cNvGrpSpPr/>
+        <p:nvPr/>
+      </p:nvGrpSpPr>
+      <p:grpSpPr>
+        <a:xfrm>
+          <a:off x="0" y="0"/>
+          <a:ext cx="0" cy="0"/>
+          <a:chOff x="0" y="0"/>
+          <a:chExt cx="0" cy="0"/>
+        </a:xfrm>
+      </p:grpSpPr>
+      <p:sp>
+        <p:nvSpPr>
+          <p:cNvPr id="2" name="Titre 1"/>
+          <p:cNvSpPr>
+            <a:spLocks noGrp="1"/>
+          </p:cNvSpPr>
+          <p:nvPr>
+            <p:ph type="ctrTitle"/>
+          </p:nvPr>
+        </p:nvSpPr>
+        <p:spPr/>
+        <p:txBody>
+          <a:bodyPr/>
+          <a:lstStyle/>
+          <a:p>
+            <a:r>
+              <a:rPr lang="fr-FR"/>
+              <a:t>Merci de votre attention</a:t>
+            </a:r>
+          </a:p>
+        </p:txBody>
+      </p:sp>
+      <p:sp>
+        <p:nvSpPr>
+          <p:cNvPr id="3" name="Sous-titre 2"/>
+          <p:cNvSpPr>
+            <a:spLocks noGrp="1"/>
+          </p:cNvSpPr>
+          <p:nvPr>
+            <p:ph type="subTitle" idx="1"/>
+          </p:nvPr>
+        </p:nvSpPr>
+        <p:spPr/>
+        <p:txBody>
+          <a:bodyPr/>
+          <a:lstStyle/>
+          <a:p>
+            <a:r>
+              <a:rPr lang="fr-FR"/>
+              <a:t>Avez-vous des questions ?</a:t>
+            </a:r>
+          </a:p>
+        </p:txBody>
+      </p:sp>
+      <p:pic>
+        <p:nvPicPr>
+          <p:cNvPr id="4" name="Image 3"/>
+          <p:cNvPicPr>
+            <a:picLocks noChangeAspect="1"/>
+          </p:cNvPicPr>
+          <p:nvPr/>
+        </p:nvPicPr>
+        <p:blipFill>
+          <a:blip r:embed="rId2">
+            <a:extLst>
+              <a:ext uri="{28A0092B-C50C-407E-A947-70E740481C1C}">
+                <a14:useLocalDpi xmlns:a14="http://schemas.microsoft.com/office/drawing/2010/main" val="0"/>
+              </a:ext>
+            </a:extLst>
+          </a:blip>
+          <a:stretch>
+            <a:fillRect/>
+          </a:stretch>
+        </p:blipFill>
+        <p:spPr>
+          <a:xfrm>
+            <a:off x="605288" y="5303040"/>
+            <a:ext cx="2362200" cy="1338580"/>
+          </a:xfrm>
+          <a:prstGeom prst="rect">
+            <a:avLst/>
+          </a:prstGeom>
+        </p:spPr>
+      </p:pic>
+      <p:pic>
+        <p:nvPicPr>
+          <p:cNvPr id="5" name="Image 4"/>
+          <p:cNvPicPr>
+            <a:picLocks noChangeAspect="1"/>
+          </p:cNvPicPr>
+          <p:nvPr/>
+        </p:nvPicPr>
+        <p:blipFill>
+          <a:blip r:embed="rId3">
+            <a:extLst>
+              <a:ext uri="{28A0092B-C50C-407E-A947-70E740481C1C}">
+                <a14:useLocalDpi xmlns:a14="http://schemas.microsoft.com/office/drawing/2010/main" val="0"/>
+              </a:ext>
+            </a:extLst>
+          </a:blip>
+          <a:stretch>
+            <a:fillRect/>
+          </a:stretch>
+        </p:blipFill>
+        <p:spPr>
+          <a:xfrm>
+            <a:off x="9627308" y="140593"/>
+            <a:ext cx="1871704" cy="1456246"/>
+          </a:xfrm>
+          <a:prstGeom prst="rect">
+            <a:avLst/>
+          </a:prstGeom>
+        </p:spPr>
+      </p:pic>
+    </p:spTree>
+    <p:extLst>
+      <p:ext uri="{BB962C8B-B14F-4D97-AF65-F5344CB8AC3E}">
+        <p14:creationId xmlns:p14="http://schemas.microsoft.com/office/powerpoint/2010/main" val="538448367"/>
+      </p:ext>
+    </p:extLst>
+  </p:cSld>
+  <p:clrMapOvr>
+    <a:masterClrMapping/>
+  </p:clrMapOvr>
+</p:sld>
+</file>
+
+<file path=ppt/slides/slide3.xml><?xml version="1.0" encoding="utf-8"?>
+<p:sld xmlns:a="http://schemas.openxmlformats.org/drawingml/2006/main" xmlns:r="http://schemas.openxmlformats.org/officeDocument/2006/relationships" xmlns:p="http://schemas.openxmlformats.org/presentationml/2006/main">
+  <p:cSld>
+    <p:spTree>
+      <p:nvGrpSpPr>
+        <p:cNvPr id="1" name=""/>
+        <p:cNvGrpSpPr/>
+        <p:nvPr/>
+      </p:nvGrpSpPr>
+      <p:grpSpPr>
+        <a:xfrm>
+          <a:off x="0" y="0"/>
+          <a:ext cx="0" cy="0"/>
+          <a:chOff x="0" y="0"/>
+          <a:chExt cx="0" cy="0"/>
+        </a:xfrm>
+      </p:grpSpPr>
+      <p:sp>
+        <p:nvSpPr>
           <p:cNvPr id="2" name="Titre 1"/>
           <p:cNvSpPr>
             <a:spLocks noGrp="1"/>
@@ -7460,11 +8012,11 @@
               <a:buChar char="•"/>
             </a:pPr>
             <a:r>
-              <a:rPr lang="fr-FR"/>
+              <a:rPr lang="fr-FR" dirty="0"/>
               <a:t>Propriétaires </a:t>
             </a:r>
             <a:r>
-              <a:rPr lang="fr-FR" smtClean="0"/>
+              <a:rPr lang="fr-FR" dirty="0" smtClean="0"/>
               <a:t>particuliers :</a:t>
             </a:r>
             <a:endParaRPr lang="fr-FR" dirty="0"/>
@@ -7475,12 +8027,8 @@
               <a:buChar char="•"/>
             </a:pPr>
             <a:r>
-              <a:rPr lang="fr-FR"/>
-              <a:t>Relativement </a:t>
-            </a:r>
-            <a:r>
-              <a:rPr lang="fr-FR" smtClean="0"/>
-              <a:t>jeunes</a:t>
+              <a:rPr lang="fr-FR" dirty="0" smtClean="0"/>
+              <a:t>Jeunes (20 - 35 ans)</a:t>
             </a:r>
             <a:endParaRPr lang="fr-FR" dirty="0"/>
           </a:p>
@@ -7491,14 +8039,10 @@
             </a:pPr>
             <a:r>
               <a:rPr lang="fr-FR" dirty="0"/>
-              <a:t>Vivant en appartement / </a:t>
-            </a:r>
-            <a:r>
-              <a:rPr lang="fr-FR"/>
-              <a:t>Surface </a:t>
-            </a:r>
-            <a:r>
-              <a:rPr lang="fr-FR" smtClean="0"/>
+              <a:t>Vivant en appartement / Surface </a:t>
+            </a:r>
+            <a:r>
+              <a:rPr lang="fr-FR" dirty="0" smtClean="0"/>
               <a:t>restreinte</a:t>
             </a:r>
             <a:endParaRPr lang="fr-FR" dirty="0"/>
@@ -7510,14 +8054,10 @@
             </a:pPr>
             <a:r>
               <a:rPr lang="fr-FR" dirty="0"/>
-              <a:t>Habitués des services de livraison </a:t>
-            </a:r>
-            <a:r>
-              <a:rPr lang="fr-FR"/>
-              <a:t>à </a:t>
-            </a:r>
-            <a:r>
-              <a:rPr lang="fr-FR" smtClean="0"/>
+              <a:t>Habitués des services de livraison à </a:t>
+            </a:r>
+            <a:r>
+              <a:rPr lang="fr-FR" dirty="0" smtClean="0"/>
               <a:t>domicile</a:t>
             </a:r>
             <a:endParaRPr lang="fr-FR" dirty="0"/>
@@ -7529,14 +8069,10 @@
             </a:pPr>
             <a:r>
               <a:rPr lang="fr-FR" dirty="0"/>
-              <a:t>Startups </a:t>
-            </a:r>
-            <a:r>
-              <a:rPr lang="fr-FR"/>
-              <a:t>et </a:t>
-            </a:r>
-            <a:r>
-              <a:rPr lang="fr-FR" smtClean="0"/>
+              <a:t>Startups et </a:t>
+            </a:r>
+            <a:r>
+              <a:rPr lang="fr-FR" dirty="0" smtClean="0"/>
               <a:t>PME :</a:t>
             </a:r>
             <a:endParaRPr lang="fr-FR" dirty="0"/>
@@ -7548,14 +8084,10 @@
             </a:pPr>
             <a:r>
               <a:rPr lang="fr-FR" dirty="0"/>
-              <a:t>Pas d’entrepôts </a:t>
-            </a:r>
-            <a:r>
-              <a:rPr lang="fr-FR"/>
-              <a:t>de </a:t>
-            </a:r>
-            <a:r>
-              <a:rPr lang="fr-FR" smtClean="0"/>
+              <a:t>Pas d’entrepôts de </a:t>
+            </a:r>
+            <a:r>
+              <a:rPr lang="fr-FR" dirty="0" smtClean="0"/>
               <a:t>stockage</a:t>
             </a:r>
             <a:endParaRPr lang="fr-FR" dirty="0"/>
@@ -7567,7 +8099,7 @@
           <p:cNvPr id="4" name="Picture 6" descr="RÃ©sultat de recherche d'images pour &quot;cible png&quot;">
             <a:extLst>
               <a:ext uri="{FF2B5EF4-FFF2-40B4-BE49-F238E27FC236}">
-                <a16:creationId xmlns:a16="http://schemas.microsoft.com/office/drawing/2014/main" xmlns="" id="{B9610C7F-405D-42A4-A1FC-7A8883329AE5}"/>
+                <a16:creationId xmlns="" xmlns:a16="http://schemas.microsoft.com/office/drawing/2014/main" id="{B9610C7F-405D-42A4-A1FC-7A8883329AE5}"/>
               </a:ext>
             </a:extLst>
           </p:cNvPr>
@@ -7609,6 +8141,29 @@
           </a:extLst>
         </p:spPr>
       </p:pic>
+      <p:sp>
+        <p:nvSpPr>
+          <p:cNvPr id="5" name="Espace réservé du numéro de diapositive 4"/>
+          <p:cNvSpPr>
+            <a:spLocks noGrp="1"/>
+          </p:cNvSpPr>
+          <p:nvPr>
+            <p:ph type="sldNum" sz="quarter" idx="12"/>
+          </p:nvPr>
+        </p:nvSpPr>
+        <p:spPr/>
+        <p:txBody>
+          <a:bodyPr/>
+          <a:lstStyle/>
+          <a:p>
+            <a:fld id="{69E57DC2-970A-4B3E-BB1C-7A09969E49DF}" type="slidenum">
+              <a:rPr lang="en-US" smtClean="0"/>
+              <a:t>3</a:t>
+            </a:fld>
+            <a:endParaRPr lang="en-US" dirty="0"/>
+          </a:p>
+        </p:txBody>
+      </p:sp>
     </p:spTree>
     <p:extLst>
       <p:ext uri="{BB962C8B-B14F-4D97-AF65-F5344CB8AC3E}">
@@ -8114,7 +8669,7 @@
 </p:sld>
 </file>
 
-<file path=ppt/slides/slide5.xml><?xml version="1.0" encoding="utf-8"?>
+<file path=ppt/slides/slide4.xml><?xml version="1.0" encoding="utf-8"?>
 <p:sld xmlns:a="http://schemas.openxmlformats.org/drawingml/2006/main" xmlns:r="http://schemas.openxmlformats.org/officeDocument/2006/relationships" xmlns:p="http://schemas.openxmlformats.org/presentationml/2006/main">
   <p:cSld>
     <p:spTree>
@@ -8136,7 +8691,7 @@
           <p:cNvPr id="2" name="Titre 1">
             <a:extLst>
               <a:ext uri="{FF2B5EF4-FFF2-40B4-BE49-F238E27FC236}">
-                <a16:creationId xmlns:a16="http://schemas.microsoft.com/office/drawing/2014/main" xmlns="" id="{91D47258-F6E9-486E-BE0E-B828AAC72A1E}"/>
+                <a16:creationId xmlns="" xmlns:a16="http://schemas.microsoft.com/office/drawing/2014/main" id="{91D47258-F6E9-486E-BE0E-B828AAC72A1E}"/>
               </a:ext>
             </a:extLst>
           </p:cNvPr>
@@ -8164,7 +8719,7 @@
           <p:cNvPr id="3" name="Espace réservé du contenu 2">
             <a:extLst>
               <a:ext uri="{FF2B5EF4-FFF2-40B4-BE49-F238E27FC236}">
-                <a16:creationId xmlns:a16="http://schemas.microsoft.com/office/drawing/2014/main" xmlns="" id="{050455FE-CC71-4FCE-A444-000288039296}"/>
+                <a16:creationId xmlns="" xmlns:a16="http://schemas.microsoft.com/office/drawing/2014/main" id="{050455FE-CC71-4FCE-A444-000288039296}"/>
               </a:ext>
             </a:extLst>
           </p:cNvPr>
@@ -8287,7 +8842,7 @@
           <p:cNvPr id="2050" name="Picture 2" descr="RÃ©sultat de recherche d'images pour &quot;stocketmoi png&quot;">
             <a:extLst>
               <a:ext uri="{FF2B5EF4-FFF2-40B4-BE49-F238E27FC236}">
-                <a16:creationId xmlns:a16="http://schemas.microsoft.com/office/drawing/2014/main" xmlns="" id="{7233FC45-B276-419E-912A-7614148F6708}"/>
+                <a16:creationId xmlns="" xmlns:a16="http://schemas.microsoft.com/office/drawing/2014/main" id="{7233FC45-B276-419E-912A-7614148F6708}"/>
               </a:ext>
             </a:extLst>
           </p:cNvPr>
@@ -8334,7 +8889,7 @@
           <p:cNvPr id="2058" name="Picture 10" descr="Image associÃ©e">
             <a:extLst>
               <a:ext uri="{FF2B5EF4-FFF2-40B4-BE49-F238E27FC236}">
-                <a16:creationId xmlns:a16="http://schemas.microsoft.com/office/drawing/2014/main" xmlns="" id="{ED92E048-7221-4025-9AC4-6C4C2D832D0C}"/>
+                <a16:creationId xmlns="" xmlns:a16="http://schemas.microsoft.com/office/drawing/2014/main" id="{ED92E048-7221-4025-9AC4-6C4C2D832D0C}"/>
               </a:ext>
             </a:extLst>
           </p:cNvPr>
@@ -8376,6 +8931,29 @@
           </a:extLst>
         </p:spPr>
       </p:pic>
+      <p:sp>
+        <p:nvSpPr>
+          <p:cNvPr id="4" name="Espace réservé du numéro de diapositive 3"/>
+          <p:cNvSpPr>
+            <a:spLocks noGrp="1"/>
+          </p:cNvSpPr>
+          <p:nvPr>
+            <p:ph type="sldNum" sz="quarter" idx="12"/>
+          </p:nvPr>
+        </p:nvSpPr>
+        <p:spPr/>
+        <p:txBody>
+          <a:bodyPr/>
+          <a:lstStyle/>
+          <a:p>
+            <a:fld id="{69E57DC2-970A-4B3E-BB1C-7A09969E49DF}" type="slidenum">
+              <a:rPr lang="en-US" smtClean="0"/>
+              <a:t>4</a:t>
+            </a:fld>
+            <a:endParaRPr lang="en-US" dirty="0"/>
+          </a:p>
+        </p:txBody>
+      </p:sp>
     </p:spTree>
     <p:extLst>
       <p:ext uri="{BB962C8B-B14F-4D97-AF65-F5344CB8AC3E}">
@@ -9038,7 +9616,7 @@
 </p:sld>
 </file>
 
-<file path=ppt/slides/slide6.xml><?xml version="1.0" encoding="utf-8"?>
+<file path=ppt/slides/slide5.xml><?xml version="1.0" encoding="utf-8"?>
 <p:sld xmlns:a="http://schemas.openxmlformats.org/drawingml/2006/main" xmlns:r="http://schemas.openxmlformats.org/officeDocument/2006/relationships" xmlns:p="http://schemas.openxmlformats.org/presentationml/2006/main">
   <p:cSld>
     <p:spTree>
@@ -9137,6 +9715,29 @@
           </a:prstGeom>
         </p:spPr>
       </p:pic>
+      <p:sp>
+        <p:nvSpPr>
+          <p:cNvPr id="5" name="Espace réservé du numéro de diapositive 4"/>
+          <p:cNvSpPr>
+            <a:spLocks noGrp="1"/>
+          </p:cNvSpPr>
+          <p:nvPr>
+            <p:ph type="sldNum" sz="quarter" idx="12"/>
+          </p:nvPr>
+        </p:nvSpPr>
+        <p:spPr/>
+        <p:txBody>
+          <a:bodyPr/>
+          <a:lstStyle/>
+          <a:p>
+            <a:fld id="{69E57DC2-970A-4B3E-BB1C-7A09969E49DF}" type="slidenum">
+              <a:rPr lang="en-US" smtClean="0"/>
+              <a:t>5</a:t>
+            </a:fld>
+            <a:endParaRPr lang="en-US" dirty="0"/>
+          </a:p>
+        </p:txBody>
+      </p:sp>
     </p:spTree>
     <p:extLst>
       <p:ext uri="{BB962C8B-B14F-4D97-AF65-F5344CB8AC3E}">
@@ -9147,6 +9748,150 @@
   <p:clrMapOvr>
     <a:masterClrMapping/>
   </p:clrMapOvr>
+  <p:timing>
+    <p:tnLst>
+      <p:par>
+        <p:cTn id="1" dur="indefinite" restart="never" nodeType="tmRoot"/>
+      </p:par>
+    </p:tnLst>
+  </p:timing>
+</p:sld>
+</file>
+
+<file path=ppt/slides/slide6.xml><?xml version="1.0" encoding="utf-8"?>
+<p:sld xmlns:a="http://schemas.openxmlformats.org/drawingml/2006/main" xmlns:r="http://schemas.openxmlformats.org/officeDocument/2006/relationships" xmlns:p="http://schemas.openxmlformats.org/presentationml/2006/main">
+  <p:cSld>
+    <p:spTree>
+      <p:nvGrpSpPr>
+        <p:cNvPr id="1" name=""/>
+        <p:cNvGrpSpPr/>
+        <p:nvPr/>
+      </p:nvGrpSpPr>
+      <p:grpSpPr>
+        <a:xfrm>
+          <a:off x="0" y="0"/>
+          <a:ext cx="0" cy="0"/>
+          <a:chOff x="0" y="0"/>
+          <a:chExt cx="0" cy="0"/>
+        </a:xfrm>
+      </p:grpSpPr>
+      <p:sp>
+        <p:nvSpPr>
+          <p:cNvPr id="2" name="Titre 1"/>
+          <p:cNvSpPr>
+            <a:spLocks noGrp="1"/>
+          </p:cNvSpPr>
+          <p:nvPr>
+            <p:ph type="title"/>
+          </p:nvPr>
+        </p:nvSpPr>
+        <p:spPr/>
+        <p:txBody>
+          <a:bodyPr/>
+          <a:lstStyle/>
+          <a:p>
+            <a:r>
+              <a:rPr lang="fr-FR" dirty="0" smtClean="0"/>
+              <a:t>Caractéristiques</a:t>
+            </a:r>
+            <a:endParaRPr lang="fr-FR" dirty="0"/>
+          </a:p>
+        </p:txBody>
+      </p:sp>
+      <p:sp>
+        <p:nvSpPr>
+          <p:cNvPr id="3" name="Espace réservé du contenu 2"/>
+          <p:cNvSpPr>
+            <a:spLocks noGrp="1"/>
+          </p:cNvSpPr>
+          <p:nvPr>
+            <p:ph idx="1"/>
+          </p:nvPr>
+        </p:nvSpPr>
+        <p:spPr/>
+        <p:txBody>
+          <a:bodyPr>
+            <a:normAutofit/>
+          </a:bodyPr>
+          <a:lstStyle/>
+          <a:p>
+            <a:r>
+              <a:rPr lang="fr-FR" sz="2800" dirty="0" smtClean="0"/>
+              <a:t>Trois services principaux : Stockage, Enlèvement, Prêt</a:t>
+            </a:r>
+          </a:p>
+          <a:p>
+            <a:pPr marL="0" indent="0">
+              <a:buNone/>
+            </a:pPr>
+            <a:endParaRPr lang="fr-FR" sz="2800" dirty="0" smtClean="0"/>
+          </a:p>
+          <a:p>
+            <a:r>
+              <a:rPr lang="fr-FR" sz="2800" dirty="0" smtClean="0"/>
+              <a:t>Support : </a:t>
+            </a:r>
+            <a:r>
+              <a:rPr lang="fr-FR" sz="2800" smtClean="0"/>
+              <a:t>Application web responsive</a:t>
+            </a:r>
+            <a:endParaRPr lang="fr-FR" sz="2800" dirty="0" smtClean="0"/>
+          </a:p>
+          <a:p>
+            <a:pPr marL="0" indent="0">
+              <a:buNone/>
+            </a:pPr>
+            <a:endParaRPr lang="fr-FR" sz="2800" dirty="0" smtClean="0"/>
+          </a:p>
+          <a:p>
+            <a:r>
+              <a:rPr lang="fr-FR" sz="2800" dirty="0" smtClean="0"/>
+              <a:t>Grille tarifaire et service flexible</a:t>
+            </a:r>
+            <a:endParaRPr lang="fr-FR" sz="2800" dirty="0"/>
+          </a:p>
+        </p:txBody>
+      </p:sp>
+      <p:sp>
+        <p:nvSpPr>
+          <p:cNvPr id="4" name="Espace réservé du numéro de diapositive 3"/>
+          <p:cNvSpPr>
+            <a:spLocks noGrp="1"/>
+          </p:cNvSpPr>
+          <p:nvPr>
+            <p:ph type="sldNum" sz="quarter" idx="12"/>
+          </p:nvPr>
+        </p:nvSpPr>
+        <p:spPr/>
+        <p:txBody>
+          <a:bodyPr/>
+          <a:lstStyle/>
+          <a:p>
+            <a:fld id="{69E57DC2-970A-4B3E-BB1C-7A09969E49DF}" type="slidenum">
+              <a:rPr lang="en-US" smtClean="0"/>
+              <a:t>6</a:t>
+            </a:fld>
+            <a:endParaRPr lang="en-US" dirty="0"/>
+          </a:p>
+        </p:txBody>
+      </p:sp>
+    </p:spTree>
+    <p:extLst>
+      <p:ext uri="{BB962C8B-B14F-4D97-AF65-F5344CB8AC3E}">
+        <p14:creationId xmlns:p14="http://schemas.microsoft.com/office/powerpoint/2010/main" val="475088048"/>
+      </p:ext>
+    </p:extLst>
+  </p:cSld>
+  <p:clrMapOvr>
+    <a:masterClrMapping/>
+  </p:clrMapOvr>
+  <p:timing>
+    <p:tnLst>
+      <p:par>
+        <p:cTn id="1" dur="indefinite" restart="never" nodeType="tmRoot"/>
+      </p:par>
+    </p:tnLst>
+  </p:timing>
 </p:sld>
 </file>
 
@@ -9184,7 +9929,7 @@
           <a:p>
             <a:r>
               <a:rPr lang="fr-FR" dirty="0" smtClean="0"/>
-              <a:t>Caractéristiques</a:t>
+              <a:t>Fonctionnalités principales</a:t>
             </a:r>
             <a:endParaRPr lang="fr-FR" dirty="0"/>
           </a:p>
@@ -9209,7 +9954,7 @@
           <a:p>
             <a:r>
               <a:rPr lang="fr-FR" sz="2800" dirty="0" smtClean="0"/>
-              <a:t>Trois services principaux : Stockage, Enlèvement, Prêt</a:t>
+              <a:t>Gestion d’un compte et d’un catalogue d’objets lié à utilisateur</a:t>
             </a:r>
           </a:p>
           <a:p>
@@ -9221,17 +9966,8 @@
           <a:p>
             <a:r>
               <a:rPr lang="fr-FR" sz="2800" dirty="0" smtClean="0"/>
-              <a:t>Support : </a:t>
-            </a:r>
-            <a:r>
-              <a:rPr lang="fr-FR" sz="2800" smtClean="0"/>
-              <a:t>Application </a:t>
-            </a:r>
-            <a:r>
-              <a:rPr lang="fr-FR" sz="2800" smtClean="0"/>
-              <a:t>web responsive</a:t>
-            </a:r>
-            <a:endParaRPr lang="fr-FR" sz="2800" dirty="0" smtClean="0"/>
+              <a:t>Programmation de rendez-vous avec les coursiers du service</a:t>
+            </a:r>
           </a:p>
           <a:p>
             <a:pPr marL="0" indent="0">
@@ -9242,50 +9978,20 @@
           <a:p>
             <a:r>
               <a:rPr lang="fr-FR" sz="2800" dirty="0" smtClean="0"/>
-              <a:t>Grille tarifaire et service flexible</a:t>
+              <a:t>Prêt d’un objet à un autre utilisateur inscrit du site</a:t>
             </a:r>
             <a:endParaRPr lang="fr-FR" sz="2800" dirty="0"/>
           </a:p>
         </p:txBody>
       </p:sp>
-    </p:spTree>
-    <p:extLst>
-      <p:ext uri="{BB962C8B-B14F-4D97-AF65-F5344CB8AC3E}">
-        <p14:creationId xmlns:p14="http://schemas.microsoft.com/office/powerpoint/2010/main" val="475088048"/>
-      </p:ext>
-    </p:extLst>
-  </p:cSld>
-  <p:clrMapOvr>
-    <a:masterClrMapping/>
-  </p:clrMapOvr>
-</p:sld>
-</file>
-
-<file path=ppt/slides/slide8.xml><?xml version="1.0" encoding="utf-8"?>
-<p:sld xmlns:a="http://schemas.openxmlformats.org/drawingml/2006/main" xmlns:r="http://schemas.openxmlformats.org/officeDocument/2006/relationships" xmlns:p="http://schemas.openxmlformats.org/presentationml/2006/main">
-  <p:cSld>
-    <p:spTree>
-      <p:nvGrpSpPr>
-        <p:cNvPr id="1" name=""/>
-        <p:cNvGrpSpPr/>
-        <p:nvPr/>
-      </p:nvGrpSpPr>
-      <p:grpSpPr>
-        <a:xfrm>
-          <a:off x="0" y="0"/>
-          <a:ext cx="0" cy="0"/>
-          <a:chOff x="0" y="0"/>
-          <a:chExt cx="0" cy="0"/>
-        </a:xfrm>
-      </p:grpSpPr>
-      <p:sp>
-        <p:nvSpPr>
-          <p:cNvPr id="2" name="Titre 1"/>
+      <p:sp>
+        <p:nvSpPr>
+          <p:cNvPr id="4" name="Espace réservé du numéro de diapositive 3"/>
           <p:cNvSpPr>
             <a:spLocks noGrp="1"/>
           </p:cNvSpPr>
           <p:nvPr>
-            <p:ph type="title"/>
+            <p:ph type="sldNum" sz="quarter" idx="12"/>
           </p:nvPr>
         </p:nvSpPr>
         <p:spPr/>
@@ -9293,60 +9999,11 @@
           <a:bodyPr/>
           <a:lstStyle/>
           <a:p>
-            <a:r>
-              <a:rPr lang="fr-FR" dirty="0" smtClean="0"/>
-              <a:t>Fonctionnalités principales</a:t>
-            </a:r>
-            <a:endParaRPr lang="fr-FR" dirty="0"/>
-          </a:p>
-        </p:txBody>
-      </p:sp>
-      <p:sp>
-        <p:nvSpPr>
-          <p:cNvPr id="3" name="Espace réservé du contenu 2"/>
-          <p:cNvSpPr>
-            <a:spLocks noGrp="1"/>
-          </p:cNvSpPr>
-          <p:nvPr>
-            <p:ph idx="1"/>
-          </p:nvPr>
-        </p:nvSpPr>
-        <p:spPr/>
-        <p:txBody>
-          <a:bodyPr>
-            <a:normAutofit/>
-          </a:bodyPr>
-          <a:lstStyle/>
-          <a:p>
-            <a:r>
-              <a:rPr lang="fr-FR" sz="2800" dirty="0" smtClean="0"/>
-              <a:t>Gestion d’un compte et d’un catalogue d’objets lié à utilisateur</a:t>
-            </a:r>
-          </a:p>
-          <a:p>
-            <a:pPr marL="0" indent="0">
-              <a:buNone/>
-            </a:pPr>
-            <a:endParaRPr lang="fr-FR" sz="2800" dirty="0" smtClean="0"/>
-          </a:p>
-          <a:p>
-            <a:r>
-              <a:rPr lang="fr-FR" sz="2800" dirty="0" smtClean="0"/>
-              <a:t>Programmation de rendez-vous avec les coursiers du service</a:t>
-            </a:r>
-          </a:p>
-          <a:p>
-            <a:pPr marL="0" indent="0">
-              <a:buNone/>
-            </a:pPr>
-            <a:endParaRPr lang="fr-FR" sz="2800" dirty="0" smtClean="0"/>
-          </a:p>
-          <a:p>
-            <a:r>
-              <a:rPr lang="fr-FR" sz="2800" dirty="0" smtClean="0"/>
-              <a:t>Prêt d’un objet à un autre utilisateur inscrit du site</a:t>
-            </a:r>
-            <a:endParaRPr lang="fr-FR" sz="2800" dirty="0"/>
+            <a:fld id="{69E57DC2-970A-4B3E-BB1C-7A09969E49DF}" type="slidenum">
+              <a:rPr lang="en-US" smtClean="0"/>
+              <a:t>7</a:t>
+            </a:fld>
+            <a:endParaRPr lang="en-US" dirty="0"/>
           </a:p>
         </p:txBody>
       </p:sp>
@@ -9363,7 +10020,7 @@
 </p:sld>
 </file>
 
-<file path=ppt/slides/slide9.xml><?xml version="1.0" encoding="utf-8"?>
+<file path=ppt/slides/slide8.xml><?xml version="1.0" encoding="utf-8"?>
 <p:sld xmlns:a="http://schemas.openxmlformats.org/drawingml/2006/main" xmlns:r="http://schemas.openxmlformats.org/officeDocument/2006/relationships" xmlns:p="http://schemas.openxmlformats.org/presentationml/2006/main">
   <p:cSld>
     <p:spTree>
@@ -11818,6 +12475,29 @@
           </a:p>
         </p:txBody>
       </p:sp>
+      <p:sp>
+        <p:nvSpPr>
+          <p:cNvPr id="3" name="Espace réservé du numéro de diapositive 2"/>
+          <p:cNvSpPr>
+            <a:spLocks noGrp="1"/>
+          </p:cNvSpPr>
+          <p:nvPr>
+            <p:ph type="sldNum" sz="quarter" idx="12"/>
+          </p:nvPr>
+        </p:nvSpPr>
+        <p:spPr/>
+        <p:txBody>
+          <a:bodyPr/>
+          <a:lstStyle/>
+          <a:p>
+            <a:fld id="{69E57DC2-970A-4B3E-BB1C-7A09969E49DF}" type="slidenum">
+              <a:rPr lang="en-US" smtClean="0"/>
+              <a:t>8</a:t>
+            </a:fld>
+            <a:endParaRPr lang="en-US" dirty="0"/>
+          </a:p>
+        </p:txBody>
+      </p:sp>
     </p:spTree>
     <p:extLst>
       <p:ext uri="{BB962C8B-B14F-4D97-AF65-F5344CB8AC3E}">
@@ -11828,6 +12508,226 @@
   <p:clrMapOvr>
     <a:masterClrMapping/>
   </p:clrMapOvr>
+  <p:timing>
+    <p:tnLst>
+      <p:par>
+        <p:cTn id="1" dur="indefinite" restart="never" nodeType="tmRoot"/>
+      </p:par>
+    </p:tnLst>
+  </p:timing>
+</p:sld>
+</file>
+
+<file path=ppt/slides/slide9.xml><?xml version="1.0" encoding="utf-8"?>
+<p:sld xmlns:a="http://schemas.openxmlformats.org/drawingml/2006/main" xmlns:r="http://schemas.openxmlformats.org/officeDocument/2006/relationships" xmlns:p="http://schemas.openxmlformats.org/presentationml/2006/main">
+  <p:cSld>
+    <p:spTree>
+      <p:nvGrpSpPr>
+        <p:cNvPr id="1" name=""/>
+        <p:cNvGrpSpPr/>
+        <p:nvPr/>
+      </p:nvGrpSpPr>
+      <p:grpSpPr>
+        <a:xfrm>
+          <a:off x="0" y="0"/>
+          <a:ext cx="0" cy="0"/>
+          <a:chOff x="0" y="0"/>
+          <a:chExt cx="0" cy="0"/>
+        </a:xfrm>
+      </p:grpSpPr>
+      <p:sp>
+        <p:nvSpPr>
+          <p:cNvPr id="2" name="Titre 1"/>
+          <p:cNvSpPr>
+            <a:spLocks noGrp="1"/>
+          </p:cNvSpPr>
+          <p:nvPr>
+            <p:ph type="title"/>
+          </p:nvPr>
+        </p:nvSpPr>
+        <p:spPr>
+          <a:xfrm>
+            <a:off x="1371600" y="685800"/>
+            <a:ext cx="9601200" cy="703053"/>
+          </a:xfrm>
+        </p:spPr>
+        <p:txBody>
+          <a:bodyPr/>
+          <a:lstStyle/>
+          <a:p>
+            <a:r>
+              <a:rPr lang="fr-FR"/>
+              <a:t>Ergonomie</a:t>
+            </a:r>
+          </a:p>
+        </p:txBody>
+      </p:sp>
+      <p:sp>
+        <p:nvSpPr>
+          <p:cNvPr id="3" name="Espace réservé du contenu 2"/>
+          <p:cNvSpPr>
+            <a:spLocks noGrp="1"/>
+          </p:cNvSpPr>
+          <p:nvPr>
+            <p:ph idx="1"/>
+          </p:nvPr>
+        </p:nvSpPr>
+        <p:spPr>
+          <a:xfrm>
+            <a:off x="1371600" y="2285999"/>
+            <a:ext cx="9601200" cy="3948545"/>
+          </a:xfrm>
+        </p:spPr>
+        <p:txBody>
+          <a:bodyPr numCol="1"/>
+          <a:lstStyle/>
+          <a:p>
+            <a:r>
+              <a:rPr lang="fr-FR" dirty="0" smtClean="0"/>
+              <a:t>Homme, étudian</a:t>
+            </a:r>
+            <a:r>
+              <a:rPr lang="fr-FR" dirty="0" smtClean="0"/>
+              <a:t>t en apprentissage dans le domaine de la finance </a:t>
+            </a:r>
+            <a:endParaRPr lang="fr-FR" dirty="0"/>
+          </a:p>
+          <a:p>
+            <a:r>
+              <a:rPr lang="fr-FR" dirty="0" smtClean="0"/>
+              <a:t>23 ans, Célibataire</a:t>
+            </a:r>
+            <a:endParaRPr lang="fr-FR" dirty="0"/>
+          </a:p>
+          <a:p>
+            <a:r>
+              <a:rPr lang="fr-FR" dirty="0" smtClean="0"/>
+              <a:t>Collectionneur de figurines</a:t>
+            </a:r>
+          </a:p>
+          <a:p>
+            <a:r>
+              <a:rPr lang="fr-FR" dirty="0" smtClean="0"/>
+              <a:t>Kayakiste (saisonnier)</a:t>
+            </a:r>
+          </a:p>
+          <a:p>
+            <a:r>
+              <a:rPr lang="fr-FR" dirty="0" smtClean="0"/>
+              <a:t>Citadin, locataire d’un petit appartement (20 m²)</a:t>
+            </a:r>
+          </a:p>
+          <a:p>
+            <a:r>
+              <a:rPr lang="fr-FR" dirty="0" smtClean="0"/>
+              <a:t>Sans voiture</a:t>
+            </a:r>
+          </a:p>
+          <a:p>
+            <a:r>
+              <a:rPr lang="fr-FR" dirty="0" smtClean="0"/>
+              <a:t>Très occupé</a:t>
+            </a:r>
+          </a:p>
+          <a:p>
+            <a:endParaRPr lang="fr-FR" dirty="0" smtClean="0"/>
+          </a:p>
+          <a:p>
+            <a:endParaRPr lang="fr-FR" dirty="0" smtClean="0"/>
+          </a:p>
+          <a:p>
+            <a:endParaRPr lang="fr-FR" dirty="0" smtClean="0"/>
+          </a:p>
+        </p:txBody>
+      </p:sp>
+      <p:sp>
+        <p:nvSpPr>
+          <p:cNvPr id="4" name="Titre 1"/>
+          <p:cNvSpPr txBox="1">
+            <a:spLocks/>
+          </p:cNvSpPr>
+          <p:nvPr/>
+        </p:nvSpPr>
+        <p:spPr>
+          <a:xfrm>
+            <a:off x="1371600" y="1388853"/>
+            <a:ext cx="9601200" cy="473015"/>
+          </a:xfrm>
+          <a:prstGeom prst="rect">
+            <a:avLst/>
+          </a:prstGeom>
+        </p:spPr>
+        <p:txBody>
+          <a:bodyPr vert="horz" lIns="91440" tIns="45720" rIns="91440" bIns="45720" rtlCol="0" anchor="t">
+            <a:normAutofit/>
+          </a:bodyPr>
+          <a:lstStyle>
+            <a:lvl1pPr algn="l" defTabSz="914400" rtl="0" eaLnBrk="1" latinLnBrk="0" hangingPunct="1">
+              <a:lnSpc>
+                <a:spcPct val="89000"/>
+              </a:lnSpc>
+              <a:spcBef>
+                <a:spcPct val="0"/>
+              </a:spcBef>
+              <a:buNone/>
+              <a:defRPr sz="4400" kern="1200" baseline="0">
+                <a:solidFill>
+                  <a:schemeClr val="tx2"/>
+                </a:solidFill>
+                <a:latin typeface="+mj-lt"/>
+                <a:ea typeface="+mj-ea"/>
+                <a:cs typeface="+mj-cs"/>
+              </a:defRPr>
+            </a:lvl1pPr>
+          </a:lstStyle>
+          <a:p>
+            <a:r>
+              <a:rPr lang="fr-FR" sz="2800"/>
+              <a:t>A qui s’adresse-t-on ?</a:t>
+            </a:r>
+          </a:p>
+        </p:txBody>
+      </p:sp>
+      <p:sp>
+        <p:nvSpPr>
+          <p:cNvPr id="5" name="Espace réservé du numéro de diapositive 4"/>
+          <p:cNvSpPr>
+            <a:spLocks noGrp="1"/>
+          </p:cNvSpPr>
+          <p:nvPr>
+            <p:ph type="sldNum" sz="quarter" idx="12"/>
+          </p:nvPr>
+        </p:nvSpPr>
+        <p:spPr/>
+        <p:txBody>
+          <a:bodyPr/>
+          <a:lstStyle/>
+          <a:p>
+            <a:fld id="{69E57DC2-970A-4B3E-BB1C-7A09969E49DF}" type="slidenum">
+              <a:rPr lang="en-US" smtClean="0"/>
+              <a:t>9</a:t>
+            </a:fld>
+            <a:endParaRPr lang="en-US" dirty="0"/>
+          </a:p>
+        </p:txBody>
+      </p:sp>
+    </p:spTree>
+    <p:extLst>
+      <p:ext uri="{BB962C8B-B14F-4D97-AF65-F5344CB8AC3E}">
+        <p14:creationId xmlns:p14="http://schemas.microsoft.com/office/powerpoint/2010/main" val="2838513145"/>
+      </p:ext>
+    </p:extLst>
+  </p:cSld>
+  <p:clrMapOvr>
+    <a:masterClrMapping/>
+  </p:clrMapOvr>
+  <p:timing>
+    <p:tnLst>
+      <p:par>
+        <p:cTn id="1" dur="indefinite" restart="never" nodeType="tmRoot"/>
+      </p:par>
+    </p:tnLst>
+  </p:timing>
 </p:sld>
 </file>
 
@@ -12087,4 +12987,265 @@
     </a:ext>
   </a:extLst>
 </a:theme>
+</file>
+
+<file path=ppt/theme/theme2.xml><?xml version="1.0" encoding="utf-8"?>
+<a:theme xmlns:a="http://schemas.openxmlformats.org/drawingml/2006/main" name="Thème Office">
+  <a:themeElements>
+    <a:clrScheme name="Office">
+      <a:dk1>
+        <a:sysClr val="windowText" lastClr="000000"/>
+      </a:dk1>
+      <a:lt1>
+        <a:sysClr val="window" lastClr="FFFFFF"/>
+      </a:lt1>
+      <a:dk2>
+        <a:srgbClr val="44546A"/>
+      </a:dk2>
+      <a:lt2>
+        <a:srgbClr val="E7E6E6"/>
+      </a:lt2>
+      <a:accent1>
+        <a:srgbClr val="5B9BD5"/>
+      </a:accent1>
+      <a:accent2>
+        <a:srgbClr val="ED7D31"/>
+      </a:accent2>
+      <a:accent3>
+        <a:srgbClr val="A5A5A5"/>
+      </a:accent3>
+      <a:accent4>
+        <a:srgbClr val="FFC000"/>
+      </a:accent4>
+      <a:accent5>
+        <a:srgbClr val="4472C4"/>
+      </a:accent5>
+      <a:accent6>
+        <a:srgbClr val="70AD47"/>
+      </a:accent6>
+      <a:hlink>
+        <a:srgbClr val="0563C1"/>
+      </a:hlink>
+      <a:folHlink>
+        <a:srgbClr val="954F72"/>
+      </a:folHlink>
+    </a:clrScheme>
+    <a:fontScheme name="Office">
+      <a:majorFont>
+        <a:latin typeface="Calibri Light" panose="020F0302020204030204"/>
+        <a:ea typeface=""/>
+        <a:cs typeface=""/>
+        <a:font script="Jpan" typeface="ＭＳ Ｐゴシック"/>
+        <a:font script="Hang" typeface="맑은 고딕"/>
+        <a:font script="Hans" typeface="宋体"/>
+        <a:font script="Hant" typeface="新細明體"/>
+        <a:font script="Arab" typeface="Times New Roman"/>
+        <a:font script="Hebr" typeface="Times New Roman"/>
+        <a:font script="Thai" typeface="Angsana New"/>
+        <a:font script="Ethi" typeface="Nyala"/>
+        <a:font script="Beng" typeface="Vrinda"/>
+        <a:font script="Gujr" typeface="Shruti"/>
+        <a:font script="Khmr" typeface="MoolBoran"/>
+        <a:font script="Knda" typeface="Tunga"/>
+        <a:font script="Guru" typeface="Raavi"/>
+        <a:font script="Cans" typeface="Euphemia"/>
+        <a:font script="Cher" typeface="Plantagenet Cherokee"/>
+        <a:font script="Yiii" typeface="Microsoft Yi Baiti"/>
+        <a:font script="Tibt" typeface="Microsoft Himalaya"/>
+        <a:font script="Thaa" typeface="MV Boli"/>
+        <a:font script="Deva" typeface="Mangal"/>
+        <a:font script="Telu" typeface="Gautami"/>
+        <a:font script="Taml" typeface="Latha"/>
+        <a:font script="Syrc" typeface="Estrangelo Edessa"/>
+        <a:font script="Orya" typeface="Kalinga"/>
+        <a:font script="Mlym" typeface="Kartika"/>
+        <a:font script="Laoo" typeface="DokChampa"/>
+        <a:font script="Sinh" typeface="Iskoola Pota"/>
+        <a:font script="Mong" typeface="Mongolian Baiti"/>
+        <a:font script="Viet" typeface="Times New Roman"/>
+        <a:font script="Uigh" typeface="Microsoft Uighur"/>
+        <a:font script="Geor" typeface="Sylfaen"/>
+      </a:majorFont>
+      <a:minorFont>
+        <a:latin typeface="Calibri" panose="020F0502020204030204"/>
+        <a:ea typeface=""/>
+        <a:cs typeface=""/>
+        <a:font script="Jpan" typeface="ＭＳ Ｐゴシック"/>
+        <a:font script="Hang" typeface="맑은 고딕"/>
+        <a:font script="Hans" typeface="宋体"/>
+        <a:font script="Hant" typeface="新細明體"/>
+        <a:font script="Arab" typeface="Arial"/>
+        <a:font script="Hebr" typeface="Arial"/>
+        <a:font script="Thai" typeface="Cordia New"/>
+        <a:font script="Ethi" typeface="Nyala"/>
+        <a:font script="Beng" typeface="Vrinda"/>
+        <a:font script="Gujr" typeface="Shruti"/>
+        <a:font script="Khmr" typeface="DaunPenh"/>
+        <a:font script="Knda" typeface="Tunga"/>
+        <a:font script="Guru" typeface="Raavi"/>
+        <a:font script="Cans" typeface="Euphemia"/>
+        <a:font script="Cher" typeface="Plantagenet Cherokee"/>
+        <a:font script="Yiii" typeface="Microsoft Yi Baiti"/>
+        <a:font script="Tibt" typeface="Microsoft Himalaya"/>
+        <a:font script="Thaa" typeface="MV Boli"/>
+        <a:font script="Deva" typeface="Mangal"/>
+        <a:font script="Telu" typeface="Gautami"/>
+        <a:font script="Taml" typeface="Latha"/>
+        <a:font script="Syrc" typeface="Estrangelo Edessa"/>
+        <a:font script="Orya" typeface="Kalinga"/>
+        <a:font script="Mlym" typeface="Kartika"/>
+        <a:font script="Laoo" typeface="DokChampa"/>
+        <a:font script="Sinh" typeface="Iskoola Pota"/>
+        <a:font script="Mong" typeface="Mongolian Baiti"/>
+        <a:font script="Viet" typeface="Arial"/>
+        <a:font script="Uigh" typeface="Microsoft Uighur"/>
+        <a:font script="Geor" typeface="Sylfaen"/>
+      </a:minorFont>
+    </a:fontScheme>
+    <a:fmtScheme name="Office">
+      <a:fillStyleLst>
+        <a:solidFill>
+          <a:schemeClr val="phClr"/>
+        </a:solidFill>
+        <a:gradFill rotWithShape="1">
+          <a:gsLst>
+            <a:gs pos="0">
+              <a:schemeClr val="phClr">
+                <a:lumMod val="110000"/>
+                <a:satMod val="105000"/>
+                <a:tint val="67000"/>
+              </a:schemeClr>
+            </a:gs>
+            <a:gs pos="50000">
+              <a:schemeClr val="phClr">
+                <a:lumMod val="105000"/>
+                <a:satMod val="103000"/>
+                <a:tint val="73000"/>
+              </a:schemeClr>
+            </a:gs>
+            <a:gs pos="100000">
+              <a:schemeClr val="phClr">
+                <a:lumMod val="105000"/>
+                <a:satMod val="109000"/>
+                <a:tint val="81000"/>
+              </a:schemeClr>
+            </a:gs>
+          </a:gsLst>
+          <a:lin ang="5400000" scaled="0"/>
+        </a:gradFill>
+        <a:gradFill rotWithShape="1">
+          <a:gsLst>
+            <a:gs pos="0">
+              <a:schemeClr val="phClr">
+                <a:satMod val="103000"/>
+                <a:lumMod val="102000"/>
+                <a:tint val="94000"/>
+              </a:schemeClr>
+            </a:gs>
+            <a:gs pos="50000">
+              <a:schemeClr val="phClr">
+                <a:satMod val="110000"/>
+                <a:lumMod val="100000"/>
+                <a:shade val="100000"/>
+              </a:schemeClr>
+            </a:gs>
+            <a:gs pos="100000">
+              <a:schemeClr val="phClr">
+                <a:lumMod val="99000"/>
+                <a:satMod val="120000"/>
+                <a:shade val="78000"/>
+              </a:schemeClr>
+            </a:gs>
+          </a:gsLst>
+          <a:lin ang="5400000" scaled="0"/>
+        </a:gradFill>
+      </a:fillStyleLst>
+      <a:lnStyleLst>
+        <a:ln w="6350" cap="flat" cmpd="sng" algn="ctr">
+          <a:solidFill>
+            <a:schemeClr val="phClr"/>
+          </a:solidFill>
+          <a:prstDash val="solid"/>
+          <a:miter lim="800000"/>
+        </a:ln>
+        <a:ln w="12700" cap="flat" cmpd="sng" algn="ctr">
+          <a:solidFill>
+            <a:schemeClr val="phClr"/>
+          </a:solidFill>
+          <a:prstDash val="solid"/>
+          <a:miter lim="800000"/>
+        </a:ln>
+        <a:ln w="19050" cap="flat" cmpd="sng" algn="ctr">
+          <a:solidFill>
+            <a:schemeClr val="phClr"/>
+          </a:solidFill>
+          <a:prstDash val="solid"/>
+          <a:miter lim="800000"/>
+        </a:ln>
+      </a:lnStyleLst>
+      <a:effectStyleLst>
+        <a:effectStyle>
+          <a:effectLst/>
+        </a:effectStyle>
+        <a:effectStyle>
+          <a:effectLst/>
+        </a:effectStyle>
+        <a:effectStyle>
+          <a:effectLst>
+            <a:outerShdw blurRad="57150" dist="19050" dir="5400000" algn="ctr" rotWithShape="0">
+              <a:srgbClr val="000000">
+                <a:alpha val="63000"/>
+              </a:srgbClr>
+            </a:outerShdw>
+          </a:effectLst>
+        </a:effectStyle>
+      </a:effectStyleLst>
+      <a:bgFillStyleLst>
+        <a:solidFill>
+          <a:schemeClr val="phClr"/>
+        </a:solidFill>
+        <a:solidFill>
+          <a:schemeClr val="phClr">
+            <a:tint val="95000"/>
+            <a:satMod val="170000"/>
+          </a:schemeClr>
+        </a:solidFill>
+        <a:gradFill rotWithShape="1">
+          <a:gsLst>
+            <a:gs pos="0">
+              <a:schemeClr val="phClr">
+                <a:tint val="93000"/>
+                <a:satMod val="150000"/>
+                <a:shade val="98000"/>
+                <a:lumMod val="102000"/>
+              </a:schemeClr>
+            </a:gs>
+            <a:gs pos="50000">
+              <a:schemeClr val="phClr">
+                <a:tint val="98000"/>
+                <a:satMod val="130000"/>
+                <a:shade val="90000"/>
+                <a:lumMod val="103000"/>
+              </a:schemeClr>
+            </a:gs>
+            <a:gs pos="100000">
+              <a:schemeClr val="phClr">
+                <a:shade val="63000"/>
+                <a:satMod val="120000"/>
+              </a:schemeClr>
+            </a:gs>
+          </a:gsLst>
+          <a:lin ang="5400000" scaled="0"/>
+        </a:gradFill>
+      </a:bgFillStyleLst>
+    </a:fmtScheme>
+  </a:themeElements>
+  <a:objectDefaults/>
+  <a:extraClrSchemeLst/>
+  <a:extLst>
+    <a:ext uri="{05A4C25C-085E-4340-85A3-A5531E510DB2}">
+      <thm15:themeFamily xmlns:thm15="http://schemas.microsoft.com/office/thememl/2012/main" name="Office Theme" id="{62F939B6-93AF-4DB8-9C6B-D6C7DFDC589F}" vid="{4A3C46E8-61CC-4603-A589-7422A47A8E4A}"/>
+    </a:ext>
+  </a:extLst>
+</a:theme>
 </file>